--- a/python_learning.pptx
+++ b/python_learning.pptx
@@ -5,11 +5,18 @@
     <p:sldMasterId id="2147483732" r:id="rId1"/>
   </p:sldMasterIdLst>
   <p:notesMasterIdLst>
-    <p:notesMasterId r:id="rId4"/>
+    <p:notesMasterId r:id="rId11"/>
   </p:notesMasterIdLst>
   <p:sldIdLst>
     <p:sldId id="256" r:id="rId2"/>
     <p:sldId id="257" r:id="rId3"/>
+    <p:sldId id="258" r:id="rId4"/>
+    <p:sldId id="259" r:id="rId5"/>
+    <p:sldId id="260" r:id="rId6"/>
+    <p:sldId id="261" r:id="rId7"/>
+    <p:sldId id="262" r:id="rId8"/>
+    <p:sldId id="263" r:id="rId9"/>
+    <p:sldId id="264" r:id="rId10"/>
   </p:sldIdLst>
   <p:sldSz cx="9144000" cy="6858000" type="screen4x3"/>
   <p:notesSz cx="6858000" cy="9144000"/>
@@ -6031,7 +6038,7 @@
         </p:nvSpPr>
         <p:spPr>
           <a:xfrm>
-            <a:off x="7077334" y="3047818"/>
+            <a:off x="6975758" y="3076051"/>
             <a:ext cx="1750800" cy="523220"/>
           </a:xfrm>
           <a:prstGeom prst="rect">
@@ -6066,10 +6073,4885 @@
           </a:p>
         </p:txBody>
       </p:sp>
+      <p:sp>
+        <p:nvSpPr>
+          <p:cNvPr id="18" name="TextBox 17">
+            <a:hlinkClick r:id="rId7"/>
+            <a:extLst>
+              <a:ext uri="{FF2B5EF4-FFF2-40B4-BE49-F238E27FC236}">
+                <a16:creationId xmlns:a16="http://schemas.microsoft.com/office/drawing/2014/main" id="{2A27E2CD-2554-2564-30BA-23993BB5F207}"/>
+              </a:ext>
+            </a:extLst>
+          </p:cNvPr>
+          <p:cNvSpPr txBox="1"/>
+          <p:nvPr/>
+        </p:nvSpPr>
+        <p:spPr>
+          <a:xfrm>
+            <a:off x="6012160" y="3676915"/>
+            <a:ext cx="2752677" cy="523220"/>
+          </a:xfrm>
+          <a:prstGeom prst="rect">
+            <a:avLst/>
+          </a:prstGeom>
+          <a:noFill/>
+        </p:spPr>
+        <p:txBody>
+          <a:bodyPr wrap="none" rtlCol="0">
+            <a:spAutoFit/>
+          </a:bodyPr>
+          <a:lstStyle/>
+          <a:p>
+            <a:r>
+              <a:rPr lang="fa-IR" sz="2800" b="1" dirty="0">
+                <a:latin typeface="Arial" panose="020B0604020202020204" pitchFamily="34" charset="0"/>
+                <a:cs typeface="Arial" panose="020B0604020202020204" pitchFamily="34" charset="0"/>
+              </a:rPr>
+              <a:t>استفاده از </a:t>
+            </a:r>
+            <a:r>
+              <a:rPr lang="fa-IR" sz="2800" b="1" dirty="0" err="1">
+                <a:latin typeface="Arial" panose="020B0604020202020204" pitchFamily="34" charset="0"/>
+                <a:cs typeface="Arial" panose="020B0604020202020204" pitchFamily="34" charset="0"/>
+              </a:rPr>
+              <a:t>گوگل</a:t>
+            </a:r>
+            <a:r>
+              <a:rPr lang="fa-IR" sz="2800" b="1" dirty="0">
+                <a:latin typeface="Arial" panose="020B0604020202020204" pitchFamily="34" charset="0"/>
+                <a:cs typeface="Arial" panose="020B0604020202020204" pitchFamily="34" charset="0"/>
+              </a:rPr>
+              <a:t> </a:t>
+            </a:r>
+            <a:r>
+              <a:rPr lang="fa-IR" sz="2800" b="1" dirty="0" err="1">
+                <a:latin typeface="Arial" panose="020B0604020202020204" pitchFamily="34" charset="0"/>
+                <a:cs typeface="Arial" panose="020B0604020202020204" pitchFamily="34" charset="0"/>
+              </a:rPr>
+              <a:t>کولب</a:t>
+            </a:r>
+            <a:endParaRPr lang="en-US" sz="2800" b="1" dirty="0">
+              <a:latin typeface="Arial" panose="020B0604020202020204" pitchFamily="34" charset="0"/>
+              <a:cs typeface="Arial" panose="020B0604020202020204" pitchFamily="34" charset="0"/>
+            </a:endParaRPr>
+          </a:p>
+        </p:txBody>
+      </p:sp>
+      <p:sp>
+        <p:nvSpPr>
+          <p:cNvPr id="19" name="TextBox 18">
+            <a:extLst>
+              <a:ext uri="{FF2B5EF4-FFF2-40B4-BE49-F238E27FC236}">
+                <a16:creationId xmlns:a16="http://schemas.microsoft.com/office/drawing/2014/main" id="{D86B4DC9-20FA-3B8C-E10A-D599247222C3}"/>
+              </a:ext>
+            </a:extLst>
+          </p:cNvPr>
+          <p:cNvSpPr txBox="1"/>
+          <p:nvPr/>
+        </p:nvSpPr>
+        <p:spPr>
+          <a:xfrm>
+            <a:off x="5292080" y="4260118"/>
+            <a:ext cx="3482043" cy="523220"/>
+          </a:xfrm>
+          <a:prstGeom prst="rect">
+            <a:avLst/>
+          </a:prstGeom>
+          <a:noFill/>
+        </p:spPr>
+        <p:txBody>
+          <a:bodyPr wrap="none" rtlCol="0">
+            <a:spAutoFit/>
+          </a:bodyPr>
+          <a:lstStyle/>
+          <a:p>
+            <a:r>
+              <a:rPr lang="fa-IR" sz="2800" b="1" dirty="0">
+                <a:latin typeface="Arial" panose="020B0604020202020204" pitchFamily="34" charset="0"/>
+                <a:cs typeface="Arial" panose="020B0604020202020204" pitchFamily="34" charset="0"/>
+              </a:rPr>
+              <a:t>استفاده از </a:t>
+            </a:r>
+            <a:r>
+              <a:rPr lang="fa-IR" sz="2800" b="1" dirty="0" err="1">
+                <a:latin typeface="Arial" panose="020B0604020202020204" pitchFamily="34" charset="0"/>
+                <a:cs typeface="Arial" panose="020B0604020202020204" pitchFamily="34" charset="0"/>
+              </a:rPr>
+              <a:t>جوپیتر</a:t>
+            </a:r>
+            <a:r>
+              <a:rPr lang="fa-IR" sz="2800" b="1" dirty="0">
+                <a:latin typeface="Arial" panose="020B0604020202020204" pitchFamily="34" charset="0"/>
+                <a:cs typeface="Arial" panose="020B0604020202020204" pitchFamily="34" charset="0"/>
+              </a:rPr>
+              <a:t> </a:t>
+            </a:r>
+            <a:r>
+              <a:rPr lang="fa-IR" sz="2800" b="1" dirty="0" err="1">
+                <a:latin typeface="Arial" panose="020B0604020202020204" pitchFamily="34" charset="0"/>
+                <a:cs typeface="Arial" panose="020B0604020202020204" pitchFamily="34" charset="0"/>
+              </a:rPr>
+              <a:t>نوت</a:t>
+            </a:r>
+            <a:r>
+              <a:rPr lang="fa-IR" sz="2800" b="1" dirty="0">
+                <a:latin typeface="Arial" panose="020B0604020202020204" pitchFamily="34" charset="0"/>
+                <a:cs typeface="Arial" panose="020B0604020202020204" pitchFamily="34" charset="0"/>
+              </a:rPr>
+              <a:t> </a:t>
+            </a:r>
+            <a:r>
+              <a:rPr lang="fa-IR" sz="2800" b="1" dirty="0" err="1">
+                <a:latin typeface="Arial" panose="020B0604020202020204" pitchFamily="34" charset="0"/>
+                <a:cs typeface="Arial" panose="020B0604020202020204" pitchFamily="34" charset="0"/>
+              </a:rPr>
+              <a:t>بوک</a:t>
+            </a:r>
+            <a:endParaRPr lang="en-US" sz="2800" b="1" dirty="0">
+              <a:latin typeface="Arial" panose="020B0604020202020204" pitchFamily="34" charset="0"/>
+              <a:cs typeface="Arial" panose="020B0604020202020204" pitchFamily="34" charset="0"/>
+            </a:endParaRPr>
+          </a:p>
+        </p:txBody>
+      </p:sp>
     </p:spTree>
     <p:extLst>
       <p:ext uri="{BB962C8B-B14F-4D97-AF65-F5344CB8AC3E}">
         <p14:creationId xmlns:p14="http://schemas.microsoft.com/office/powerpoint/2010/main" val="3657208631"/>
+      </p:ext>
+    </p:extLst>
+  </p:cSld>
+  <p:clrMapOvr>
+    <a:masterClrMapping/>
+  </p:clrMapOvr>
+</p:sld>
+</file>
+
+<file path=ppt/slides/slide3.xml><?xml version="1.0" encoding="utf-8"?>
+<p:sld xmlns:a="http://schemas.openxmlformats.org/drawingml/2006/main" xmlns:r="http://schemas.openxmlformats.org/officeDocument/2006/relationships" xmlns:p="http://schemas.openxmlformats.org/presentationml/2006/main">
+  <p:cSld>
+    <p:bg>
+      <p:bgPr>
+        <a:solidFill>
+          <a:schemeClr val="bg1"/>
+        </a:solidFill>
+        <a:effectLst/>
+      </p:bgPr>
+    </p:bg>
+    <p:spTree>
+      <p:nvGrpSpPr>
+        <p:cNvPr id="1" name=""/>
+        <p:cNvGrpSpPr/>
+        <p:nvPr/>
+      </p:nvGrpSpPr>
+      <p:grpSpPr>
+        <a:xfrm>
+          <a:off x="0" y="0"/>
+          <a:ext cx="0" cy="0"/>
+          <a:chOff x="0" y="0"/>
+          <a:chExt cx="0" cy="0"/>
+        </a:xfrm>
+      </p:grpSpPr>
+      <p:cxnSp>
+        <p:nvCxnSpPr>
+          <p:cNvPr id="8" name="Straight Connector 7"/>
+          <p:cNvCxnSpPr>
+            <a:cxnSpLocks/>
+          </p:cNvCxnSpPr>
+          <p:nvPr/>
+        </p:nvCxnSpPr>
+        <p:spPr>
+          <a:xfrm>
+            <a:off x="1763688" y="6499457"/>
+            <a:ext cx="6480720" cy="0"/>
+          </a:xfrm>
+          <a:prstGeom prst="line">
+            <a:avLst/>
+          </a:prstGeom>
+        </p:spPr>
+        <p:style>
+          <a:lnRef idx="2">
+            <a:schemeClr val="dk1"/>
+          </a:lnRef>
+          <a:fillRef idx="0">
+            <a:schemeClr val="dk1"/>
+          </a:fillRef>
+          <a:effectRef idx="1">
+            <a:schemeClr val="dk1"/>
+          </a:effectRef>
+          <a:fontRef idx="minor">
+            <a:schemeClr val="tx1"/>
+          </a:fontRef>
+        </p:style>
+      </p:cxnSp>
+      <p:sp>
+        <p:nvSpPr>
+          <p:cNvPr id="11" name="Rectangle 10"/>
+          <p:cNvSpPr/>
+          <p:nvPr/>
+        </p:nvSpPr>
+        <p:spPr>
+          <a:xfrm>
+            <a:off x="6804248" y="6572272"/>
+            <a:ext cx="1345240" cy="246221"/>
+          </a:xfrm>
+          <a:prstGeom prst="rect">
+            <a:avLst/>
+          </a:prstGeom>
+          <a:noFill/>
+        </p:spPr>
+        <p:txBody>
+          <a:bodyPr wrap="none" lIns="91440" tIns="45720" rIns="91440" bIns="45720">
+            <a:spAutoFit/>
+          </a:bodyPr>
+          <a:lstStyle/>
+          <a:p>
+            <a:pPr algn="ctr" rtl="1"/>
+            <a:r>
+              <a:rPr lang="fa-IR" sz="1000" b="1" dirty="0">
+                <a:ln w="1905"/>
+                <a:gradFill>
+                  <a:gsLst>
+                    <a:gs pos="0">
+                      <a:schemeClr val="accent6">
+                        <a:shade val="20000"/>
+                        <a:satMod val="200000"/>
+                      </a:schemeClr>
+                    </a:gs>
+                    <a:gs pos="78000">
+                      <a:schemeClr val="accent6">
+                        <a:tint val="90000"/>
+                        <a:shade val="89000"/>
+                        <a:satMod val="220000"/>
+                      </a:schemeClr>
+                    </a:gs>
+                    <a:gs pos="100000">
+                      <a:schemeClr val="accent6">
+                        <a:tint val="12000"/>
+                        <a:satMod val="255000"/>
+                      </a:schemeClr>
+                    </a:gs>
+                  </a:gsLst>
+                  <a:lin ang="5400000"/>
+                </a:gradFill>
+                <a:effectLst>
+                  <a:innerShdw blurRad="69850" dist="43180" dir="5400000">
+                    <a:srgbClr val="000000">
+                      <a:alpha val="65000"/>
+                    </a:srgbClr>
+                  </a:innerShdw>
+                </a:effectLst>
+              </a:rPr>
+              <a:t>تهیه و تنظیم : سید حیدر علوی</a:t>
+            </a:r>
+            <a:endParaRPr lang="en-US" sz="1000" b="1" dirty="0">
+              <a:ln w="1905"/>
+              <a:gradFill>
+                <a:gsLst>
+                  <a:gs pos="0">
+                    <a:schemeClr val="accent6">
+                      <a:shade val="20000"/>
+                      <a:satMod val="200000"/>
+                    </a:schemeClr>
+                  </a:gs>
+                  <a:gs pos="78000">
+                    <a:schemeClr val="accent6">
+                      <a:tint val="90000"/>
+                      <a:shade val="89000"/>
+                      <a:satMod val="220000"/>
+                    </a:schemeClr>
+                  </a:gs>
+                  <a:gs pos="100000">
+                    <a:schemeClr val="accent6">
+                      <a:tint val="12000"/>
+                      <a:satMod val="255000"/>
+                    </a:schemeClr>
+                  </a:gs>
+                </a:gsLst>
+                <a:lin ang="5400000"/>
+              </a:gradFill>
+              <a:effectLst>
+                <a:innerShdw blurRad="69850" dist="43180" dir="5400000">
+                  <a:srgbClr val="000000">
+                    <a:alpha val="65000"/>
+                  </a:srgbClr>
+                </a:innerShdw>
+              </a:effectLst>
+            </a:endParaRPr>
+          </a:p>
+        </p:txBody>
+      </p:sp>
+      <p:sp>
+        <p:nvSpPr>
+          <p:cNvPr id="13" name="TextBox 12"/>
+          <p:cNvSpPr txBox="1"/>
+          <p:nvPr/>
+        </p:nvSpPr>
+        <p:spPr>
+          <a:xfrm>
+            <a:off x="1709686" y="260648"/>
+            <a:ext cx="5724645" cy="646331"/>
+          </a:xfrm>
+          <a:prstGeom prst="rect">
+            <a:avLst/>
+          </a:prstGeom>
+          <a:noFill/>
+        </p:spPr>
+        <p:txBody>
+          <a:bodyPr wrap="none" rtlCol="0">
+            <a:spAutoFit/>
+          </a:bodyPr>
+          <a:lstStyle/>
+          <a:p>
+            <a:pPr algn="ctr" rtl="1"/>
+            <a:r>
+              <a:rPr lang="fa-IR" sz="3600" b="1" dirty="0">
+                <a:ln w="1905"/>
+                <a:gradFill>
+                  <a:gsLst>
+                    <a:gs pos="0">
+                      <a:schemeClr val="accent6">
+                        <a:shade val="20000"/>
+                        <a:satMod val="200000"/>
+                      </a:schemeClr>
+                    </a:gs>
+                    <a:gs pos="78000">
+                      <a:schemeClr val="accent6">
+                        <a:tint val="90000"/>
+                        <a:shade val="89000"/>
+                        <a:satMod val="220000"/>
+                      </a:schemeClr>
+                    </a:gs>
+                    <a:gs pos="100000">
+                      <a:schemeClr val="accent6">
+                        <a:tint val="12000"/>
+                        <a:satMod val="255000"/>
+                      </a:schemeClr>
+                    </a:gs>
+                  </a:gsLst>
+                  <a:lin ang="5400000"/>
+                </a:gradFill>
+                <a:effectLst>
+                  <a:innerShdw blurRad="69850" dist="43180" dir="5400000">
+                    <a:srgbClr val="000000">
+                      <a:alpha val="65000"/>
+                    </a:srgbClr>
+                  </a:innerShdw>
+                </a:effectLst>
+              </a:rPr>
+              <a:t>استفاده از </a:t>
+            </a:r>
+            <a:r>
+              <a:rPr lang="fa-IR" sz="3600" b="1" dirty="0" err="1">
+                <a:ln w="1905"/>
+                <a:gradFill>
+                  <a:gsLst>
+                    <a:gs pos="0">
+                      <a:schemeClr val="accent6">
+                        <a:shade val="20000"/>
+                        <a:satMod val="200000"/>
+                      </a:schemeClr>
+                    </a:gs>
+                    <a:gs pos="78000">
+                      <a:schemeClr val="accent6">
+                        <a:tint val="90000"/>
+                        <a:shade val="89000"/>
+                        <a:satMod val="220000"/>
+                      </a:schemeClr>
+                    </a:gs>
+                    <a:gs pos="100000">
+                      <a:schemeClr val="accent6">
+                        <a:tint val="12000"/>
+                        <a:satMod val="255000"/>
+                      </a:schemeClr>
+                    </a:gs>
+                  </a:gsLst>
+                  <a:lin ang="5400000"/>
+                </a:gradFill>
+                <a:effectLst>
+                  <a:innerShdw blurRad="69850" dist="43180" dir="5400000">
+                    <a:srgbClr val="000000">
+                      <a:alpha val="65000"/>
+                    </a:srgbClr>
+                  </a:innerShdw>
+                </a:effectLst>
+              </a:rPr>
+              <a:t>پایتون</a:t>
+            </a:r>
+            <a:r>
+              <a:rPr lang="fa-IR" sz="3600" b="1" dirty="0">
+                <a:ln w="1905"/>
+                <a:gradFill>
+                  <a:gsLst>
+                    <a:gs pos="0">
+                      <a:schemeClr val="accent6">
+                        <a:shade val="20000"/>
+                        <a:satMod val="200000"/>
+                      </a:schemeClr>
+                    </a:gs>
+                    <a:gs pos="78000">
+                      <a:schemeClr val="accent6">
+                        <a:tint val="90000"/>
+                        <a:shade val="89000"/>
+                        <a:satMod val="220000"/>
+                      </a:schemeClr>
+                    </a:gs>
+                    <a:gs pos="100000">
+                      <a:schemeClr val="accent6">
+                        <a:tint val="12000"/>
+                        <a:satMod val="255000"/>
+                      </a:schemeClr>
+                    </a:gs>
+                  </a:gsLst>
+                  <a:lin ang="5400000"/>
+                </a:gradFill>
+                <a:effectLst>
+                  <a:innerShdw blurRad="69850" dist="43180" dir="5400000">
+                    <a:srgbClr val="000000">
+                      <a:alpha val="65000"/>
+                    </a:srgbClr>
+                  </a:innerShdw>
+                </a:effectLst>
+              </a:rPr>
+              <a:t> به عنوان ماشین حساب</a:t>
+            </a:r>
+            <a:endParaRPr lang="en-US" sz="3600" b="1" dirty="0">
+              <a:ln w="1905"/>
+              <a:gradFill>
+                <a:gsLst>
+                  <a:gs pos="0">
+                    <a:schemeClr val="accent6">
+                      <a:shade val="20000"/>
+                      <a:satMod val="200000"/>
+                    </a:schemeClr>
+                  </a:gs>
+                  <a:gs pos="78000">
+                    <a:schemeClr val="accent6">
+                      <a:tint val="90000"/>
+                      <a:shade val="89000"/>
+                      <a:satMod val="220000"/>
+                    </a:schemeClr>
+                  </a:gs>
+                  <a:gs pos="100000">
+                    <a:schemeClr val="accent6">
+                      <a:tint val="12000"/>
+                      <a:satMod val="255000"/>
+                    </a:schemeClr>
+                  </a:gs>
+                </a:gsLst>
+                <a:lin ang="5400000"/>
+              </a:gradFill>
+              <a:effectLst>
+                <a:innerShdw blurRad="69850" dist="43180" dir="5400000">
+                  <a:srgbClr val="000000">
+                    <a:alpha val="65000"/>
+                  </a:srgbClr>
+                </a:innerShdw>
+              </a:effectLst>
+            </a:endParaRPr>
+          </a:p>
+        </p:txBody>
+      </p:sp>
+      <p:sp>
+        <p:nvSpPr>
+          <p:cNvPr id="9" name="Rectangle 8">
+            <a:extLst>
+              <a:ext uri="{FF2B5EF4-FFF2-40B4-BE49-F238E27FC236}">
+                <a16:creationId xmlns:a16="http://schemas.microsoft.com/office/drawing/2014/main" id="{AE259FB9-1872-47CB-A97E-46EC9F196E07}"/>
+              </a:ext>
+            </a:extLst>
+          </p:cNvPr>
+          <p:cNvSpPr/>
+          <p:nvPr/>
+        </p:nvSpPr>
+        <p:spPr>
+          <a:xfrm>
+            <a:off x="4219179" y="6572271"/>
+            <a:ext cx="705642" cy="246221"/>
+          </a:xfrm>
+          <a:prstGeom prst="rect">
+            <a:avLst/>
+          </a:prstGeom>
+          <a:noFill/>
+        </p:spPr>
+        <p:txBody>
+          <a:bodyPr wrap="none" lIns="91440" tIns="45720" rIns="91440" bIns="45720">
+            <a:spAutoFit/>
+          </a:bodyPr>
+          <a:lstStyle/>
+          <a:p>
+            <a:pPr algn="ctr" rtl="1"/>
+            <a:r>
+              <a:rPr lang="fa-IR" sz="1000" b="1" dirty="0">
+                <a:ln w="1905"/>
+                <a:gradFill>
+                  <a:gsLst>
+                    <a:gs pos="0">
+                      <a:schemeClr val="accent6">
+                        <a:shade val="20000"/>
+                        <a:satMod val="200000"/>
+                      </a:schemeClr>
+                    </a:gs>
+                    <a:gs pos="78000">
+                      <a:schemeClr val="accent6">
+                        <a:tint val="90000"/>
+                        <a:shade val="89000"/>
+                        <a:satMod val="220000"/>
+                      </a:schemeClr>
+                    </a:gs>
+                    <a:gs pos="100000">
+                      <a:schemeClr val="accent6">
+                        <a:tint val="12000"/>
+                        <a:satMod val="255000"/>
+                      </a:schemeClr>
+                    </a:gs>
+                  </a:gsLst>
+                  <a:lin ang="5400000"/>
+                </a:gradFill>
+                <a:effectLst>
+                  <a:innerShdw blurRad="69850" dist="43180" dir="5400000">
+                    <a:srgbClr val="000000">
+                      <a:alpha val="65000"/>
+                    </a:srgbClr>
+                  </a:innerShdw>
+                </a:effectLst>
+              </a:rPr>
+              <a:t>تابستان 1401</a:t>
+            </a:r>
+            <a:endParaRPr lang="en-US" sz="1000" b="1" dirty="0">
+              <a:ln w="1905"/>
+              <a:gradFill>
+                <a:gsLst>
+                  <a:gs pos="0">
+                    <a:schemeClr val="accent6">
+                      <a:shade val="20000"/>
+                      <a:satMod val="200000"/>
+                    </a:schemeClr>
+                  </a:gs>
+                  <a:gs pos="78000">
+                    <a:schemeClr val="accent6">
+                      <a:tint val="90000"/>
+                      <a:shade val="89000"/>
+                      <a:satMod val="220000"/>
+                    </a:schemeClr>
+                  </a:gs>
+                  <a:gs pos="100000">
+                    <a:schemeClr val="accent6">
+                      <a:tint val="12000"/>
+                      <a:satMod val="255000"/>
+                    </a:schemeClr>
+                  </a:gs>
+                </a:gsLst>
+                <a:lin ang="5400000"/>
+              </a:gradFill>
+              <a:effectLst>
+                <a:innerShdw blurRad="69850" dist="43180" dir="5400000">
+                  <a:srgbClr val="000000">
+                    <a:alpha val="65000"/>
+                  </a:srgbClr>
+                </a:innerShdw>
+              </a:effectLst>
+            </a:endParaRPr>
+          </a:p>
+        </p:txBody>
+      </p:sp>
+      <p:sp>
+        <p:nvSpPr>
+          <p:cNvPr id="10" name="Rectangle 9">
+            <a:extLst>
+              <a:ext uri="{FF2B5EF4-FFF2-40B4-BE49-F238E27FC236}">
+                <a16:creationId xmlns:a16="http://schemas.microsoft.com/office/drawing/2014/main" id="{46913DD9-CDA3-43FD-AD19-429E0308D71B}"/>
+              </a:ext>
+            </a:extLst>
+          </p:cNvPr>
+          <p:cNvSpPr/>
+          <p:nvPr/>
+        </p:nvSpPr>
+        <p:spPr>
+          <a:xfrm>
+            <a:off x="1795886" y="6572272"/>
+            <a:ext cx="615874" cy="246221"/>
+          </a:xfrm>
+          <a:prstGeom prst="rect">
+            <a:avLst/>
+          </a:prstGeom>
+          <a:noFill/>
+        </p:spPr>
+        <p:txBody>
+          <a:bodyPr wrap="none" lIns="91440" tIns="45720" rIns="91440" bIns="45720">
+            <a:spAutoFit/>
+          </a:bodyPr>
+          <a:lstStyle/>
+          <a:p>
+            <a:pPr algn="ctr" rtl="1"/>
+            <a:r>
+              <a:rPr lang="en-US" sz="1000" b="1" dirty="0">
+                <a:ln w="1905"/>
+                <a:gradFill>
+                  <a:gsLst>
+                    <a:gs pos="0">
+                      <a:schemeClr val="accent6">
+                        <a:shade val="20000"/>
+                        <a:satMod val="200000"/>
+                      </a:schemeClr>
+                    </a:gs>
+                    <a:gs pos="78000">
+                      <a:schemeClr val="accent6">
+                        <a:tint val="90000"/>
+                        <a:shade val="89000"/>
+                        <a:satMod val="220000"/>
+                      </a:schemeClr>
+                    </a:gs>
+                    <a:gs pos="100000">
+                      <a:schemeClr val="accent6">
+                        <a:tint val="12000"/>
+                        <a:satMod val="255000"/>
+                      </a:schemeClr>
+                    </a:gs>
+                  </a:gsLst>
+                  <a:lin ang="5400000"/>
+                </a:gradFill>
+                <a:effectLst>
+                  <a:innerShdw blurRad="69850" dist="43180" dir="5400000">
+                    <a:srgbClr val="000000">
+                      <a:alpha val="65000"/>
+                    </a:srgbClr>
+                  </a:innerShdw>
+                </a:effectLst>
+              </a:rPr>
+              <a:t>Page: </a:t>
+            </a:r>
+            <a:fld id="{14AD6811-EE99-4BEB-8435-24D1DDA55D92}" type="slidenum">
+              <a:rPr lang="en-US" sz="1000" b="1" smtClean="0">
+                <a:ln w="1905"/>
+                <a:gradFill>
+                  <a:gsLst>
+                    <a:gs pos="0">
+                      <a:schemeClr val="accent6">
+                        <a:shade val="20000"/>
+                        <a:satMod val="200000"/>
+                      </a:schemeClr>
+                    </a:gs>
+                    <a:gs pos="78000">
+                      <a:schemeClr val="accent6">
+                        <a:tint val="90000"/>
+                        <a:shade val="89000"/>
+                        <a:satMod val="220000"/>
+                      </a:schemeClr>
+                    </a:gs>
+                    <a:gs pos="100000">
+                      <a:schemeClr val="accent6">
+                        <a:tint val="12000"/>
+                        <a:satMod val="255000"/>
+                      </a:schemeClr>
+                    </a:gs>
+                  </a:gsLst>
+                  <a:lin ang="5400000"/>
+                </a:gradFill>
+                <a:effectLst>
+                  <a:innerShdw blurRad="69850" dist="43180" dir="5400000">
+                    <a:srgbClr val="000000">
+                      <a:alpha val="65000"/>
+                    </a:srgbClr>
+                  </a:innerShdw>
+                </a:effectLst>
+              </a:rPr>
+              <a:t>3</a:t>
+            </a:fld>
+            <a:endParaRPr lang="en-US" sz="1000" b="1" dirty="0">
+              <a:ln w="1905"/>
+              <a:gradFill>
+                <a:gsLst>
+                  <a:gs pos="0">
+                    <a:schemeClr val="accent6">
+                      <a:shade val="20000"/>
+                      <a:satMod val="200000"/>
+                    </a:schemeClr>
+                  </a:gs>
+                  <a:gs pos="78000">
+                    <a:schemeClr val="accent6">
+                      <a:tint val="90000"/>
+                      <a:shade val="89000"/>
+                      <a:satMod val="220000"/>
+                    </a:schemeClr>
+                  </a:gs>
+                  <a:gs pos="100000">
+                    <a:schemeClr val="accent6">
+                      <a:tint val="12000"/>
+                      <a:satMod val="255000"/>
+                    </a:schemeClr>
+                  </a:gs>
+                </a:gsLst>
+                <a:lin ang="5400000"/>
+              </a:gradFill>
+              <a:effectLst>
+                <a:innerShdw blurRad="69850" dist="43180" dir="5400000">
+                  <a:srgbClr val="000000">
+                    <a:alpha val="65000"/>
+                  </a:srgbClr>
+                </a:innerShdw>
+              </a:effectLst>
+            </a:endParaRPr>
+          </a:p>
+        </p:txBody>
+      </p:sp>
+      <p:pic>
+        <p:nvPicPr>
+          <p:cNvPr id="4" name="Picture 3">
+            <a:extLst>
+              <a:ext uri="{FF2B5EF4-FFF2-40B4-BE49-F238E27FC236}">
+                <a16:creationId xmlns:a16="http://schemas.microsoft.com/office/drawing/2014/main" id="{F3625243-9805-4010-9491-688C02CA4108}"/>
+              </a:ext>
+            </a:extLst>
+          </p:cNvPr>
+          <p:cNvPicPr>
+            <a:picLocks noChangeAspect="1"/>
+          </p:cNvPicPr>
+          <p:nvPr/>
+        </p:nvPicPr>
+        <p:blipFill>
+          <a:blip r:embed="rId2" cstate="print">
+            <a:extLst>
+              <a:ext uri="{28A0092B-C50C-407E-A947-70E740481C1C}">
+                <a14:useLocalDpi xmlns:a14="http://schemas.microsoft.com/office/drawing/2010/main" val="0"/>
+              </a:ext>
+            </a:extLst>
+          </a:blip>
+          <a:stretch>
+            <a:fillRect/>
+          </a:stretch>
+        </p:blipFill>
+        <p:spPr>
+          <a:xfrm>
+            <a:off x="8343133" y="6104393"/>
+            <a:ext cx="765371" cy="780991"/>
+          </a:xfrm>
+          <a:prstGeom prst="rect">
+            <a:avLst/>
+          </a:prstGeom>
+        </p:spPr>
+      </p:pic>
+      <p:pic>
+        <p:nvPicPr>
+          <p:cNvPr id="17" name="Picture 16">
+            <a:extLst>
+              <a:ext uri="{FF2B5EF4-FFF2-40B4-BE49-F238E27FC236}">
+                <a16:creationId xmlns:a16="http://schemas.microsoft.com/office/drawing/2014/main" id="{671CD04D-E9F8-4950-836D-431AD3EA459A}"/>
+              </a:ext>
+            </a:extLst>
+          </p:cNvPr>
+          <p:cNvPicPr>
+            <a:picLocks noChangeAspect="1"/>
+          </p:cNvPicPr>
+          <p:nvPr/>
+        </p:nvPicPr>
+        <p:blipFill>
+          <a:blip r:embed="rId3" cstate="print">
+            <a:extLst>
+              <a:ext uri="{28A0092B-C50C-407E-A947-70E740481C1C}">
+                <a14:useLocalDpi xmlns:a14="http://schemas.microsoft.com/office/drawing/2010/main" val="0"/>
+              </a:ext>
+            </a:extLst>
+          </a:blip>
+          <a:srcRect/>
+          <a:stretch/>
+        </p:blipFill>
+        <p:spPr>
+          <a:xfrm>
+            <a:off x="49346" y="6165304"/>
+            <a:ext cx="1548718" cy="522459"/>
+          </a:xfrm>
+          <a:prstGeom prst="rect">
+            <a:avLst/>
+          </a:prstGeom>
+        </p:spPr>
+      </p:pic>
+      <p:sp>
+        <p:nvSpPr>
+          <p:cNvPr id="3" name="TextBox 2">
+            <a:extLst>
+              <a:ext uri="{FF2B5EF4-FFF2-40B4-BE49-F238E27FC236}">
+                <a16:creationId xmlns:a16="http://schemas.microsoft.com/office/drawing/2014/main" id="{16E42FE8-DC21-1F35-CCB4-B6B7A983A6A9}"/>
+              </a:ext>
+            </a:extLst>
+          </p:cNvPr>
+          <p:cNvSpPr txBox="1"/>
+          <p:nvPr/>
+        </p:nvSpPr>
+        <p:spPr>
+          <a:xfrm>
+            <a:off x="6588224" y="836712"/>
+            <a:ext cx="2117887" cy="523220"/>
+          </a:xfrm>
+          <a:prstGeom prst="rect">
+            <a:avLst/>
+          </a:prstGeom>
+          <a:noFill/>
+        </p:spPr>
+        <p:txBody>
+          <a:bodyPr wrap="none" rtlCol="0">
+            <a:spAutoFit/>
+          </a:bodyPr>
+          <a:lstStyle/>
+          <a:p>
+            <a:r>
+              <a:rPr lang="fa-IR" sz="2800" b="1" dirty="0">
+                <a:latin typeface="Arial" panose="020B0604020202020204" pitchFamily="34" charset="0"/>
+                <a:cs typeface="Arial" panose="020B0604020202020204" pitchFamily="34" charset="0"/>
+              </a:rPr>
+              <a:t>چهار عمل اصلی</a:t>
+            </a:r>
+            <a:endParaRPr lang="en-US" sz="2800" b="1" dirty="0">
+              <a:latin typeface="Arial" panose="020B0604020202020204" pitchFamily="34" charset="0"/>
+              <a:cs typeface="Arial" panose="020B0604020202020204" pitchFamily="34" charset="0"/>
+            </a:endParaRPr>
+          </a:p>
+        </p:txBody>
+      </p:sp>
+      <p:pic>
+        <p:nvPicPr>
+          <p:cNvPr id="5" name="Picture 4">
+            <a:extLst>
+              <a:ext uri="{FF2B5EF4-FFF2-40B4-BE49-F238E27FC236}">
+                <a16:creationId xmlns:a16="http://schemas.microsoft.com/office/drawing/2014/main" id="{A585966C-53C6-EEAB-4282-AD1F8232AC08}"/>
+              </a:ext>
+            </a:extLst>
+          </p:cNvPr>
+          <p:cNvPicPr>
+            <a:picLocks noChangeAspect="1"/>
+          </p:cNvPicPr>
+          <p:nvPr/>
+        </p:nvPicPr>
+        <p:blipFill rotWithShape="1">
+          <a:blip r:embed="rId4"/>
+          <a:srcRect l="8345" t="28647" r="9002" b="8780"/>
+          <a:stretch/>
+        </p:blipFill>
+        <p:spPr>
+          <a:xfrm>
+            <a:off x="49346" y="1485589"/>
+            <a:ext cx="9059158" cy="4031639"/>
+          </a:xfrm>
+          <a:prstGeom prst="rect">
+            <a:avLst/>
+          </a:prstGeom>
+        </p:spPr>
+      </p:pic>
+    </p:spTree>
+    <p:extLst>
+      <p:ext uri="{BB962C8B-B14F-4D97-AF65-F5344CB8AC3E}">
+        <p14:creationId xmlns:p14="http://schemas.microsoft.com/office/powerpoint/2010/main" val="1870709071"/>
+      </p:ext>
+    </p:extLst>
+  </p:cSld>
+  <p:clrMapOvr>
+    <a:masterClrMapping/>
+  </p:clrMapOvr>
+</p:sld>
+</file>
+
+<file path=ppt/slides/slide4.xml><?xml version="1.0" encoding="utf-8"?>
+<p:sld xmlns:a="http://schemas.openxmlformats.org/drawingml/2006/main" xmlns:r="http://schemas.openxmlformats.org/officeDocument/2006/relationships" xmlns:p="http://schemas.openxmlformats.org/presentationml/2006/main">
+  <p:cSld>
+    <p:bg>
+      <p:bgPr>
+        <a:solidFill>
+          <a:schemeClr val="bg1"/>
+        </a:solidFill>
+        <a:effectLst/>
+      </p:bgPr>
+    </p:bg>
+    <p:spTree>
+      <p:nvGrpSpPr>
+        <p:cNvPr id="1" name=""/>
+        <p:cNvGrpSpPr/>
+        <p:nvPr/>
+      </p:nvGrpSpPr>
+      <p:grpSpPr>
+        <a:xfrm>
+          <a:off x="0" y="0"/>
+          <a:ext cx="0" cy="0"/>
+          <a:chOff x="0" y="0"/>
+          <a:chExt cx="0" cy="0"/>
+        </a:xfrm>
+      </p:grpSpPr>
+      <p:cxnSp>
+        <p:nvCxnSpPr>
+          <p:cNvPr id="8" name="Straight Connector 7"/>
+          <p:cNvCxnSpPr>
+            <a:cxnSpLocks/>
+          </p:cNvCxnSpPr>
+          <p:nvPr/>
+        </p:nvCxnSpPr>
+        <p:spPr>
+          <a:xfrm>
+            <a:off x="1763688" y="6499457"/>
+            <a:ext cx="6480720" cy="0"/>
+          </a:xfrm>
+          <a:prstGeom prst="line">
+            <a:avLst/>
+          </a:prstGeom>
+        </p:spPr>
+        <p:style>
+          <a:lnRef idx="2">
+            <a:schemeClr val="dk1"/>
+          </a:lnRef>
+          <a:fillRef idx="0">
+            <a:schemeClr val="dk1"/>
+          </a:fillRef>
+          <a:effectRef idx="1">
+            <a:schemeClr val="dk1"/>
+          </a:effectRef>
+          <a:fontRef idx="minor">
+            <a:schemeClr val="tx1"/>
+          </a:fontRef>
+        </p:style>
+      </p:cxnSp>
+      <p:sp>
+        <p:nvSpPr>
+          <p:cNvPr id="11" name="Rectangle 10"/>
+          <p:cNvSpPr/>
+          <p:nvPr/>
+        </p:nvSpPr>
+        <p:spPr>
+          <a:xfrm>
+            <a:off x="6804248" y="6572272"/>
+            <a:ext cx="1345240" cy="246221"/>
+          </a:xfrm>
+          <a:prstGeom prst="rect">
+            <a:avLst/>
+          </a:prstGeom>
+          <a:noFill/>
+        </p:spPr>
+        <p:txBody>
+          <a:bodyPr wrap="none" lIns="91440" tIns="45720" rIns="91440" bIns="45720">
+            <a:spAutoFit/>
+          </a:bodyPr>
+          <a:lstStyle/>
+          <a:p>
+            <a:pPr algn="ctr" rtl="1"/>
+            <a:r>
+              <a:rPr lang="fa-IR" sz="1000" b="1" dirty="0">
+                <a:ln w="1905"/>
+                <a:gradFill>
+                  <a:gsLst>
+                    <a:gs pos="0">
+                      <a:schemeClr val="accent6">
+                        <a:shade val="20000"/>
+                        <a:satMod val="200000"/>
+                      </a:schemeClr>
+                    </a:gs>
+                    <a:gs pos="78000">
+                      <a:schemeClr val="accent6">
+                        <a:tint val="90000"/>
+                        <a:shade val="89000"/>
+                        <a:satMod val="220000"/>
+                      </a:schemeClr>
+                    </a:gs>
+                    <a:gs pos="100000">
+                      <a:schemeClr val="accent6">
+                        <a:tint val="12000"/>
+                        <a:satMod val="255000"/>
+                      </a:schemeClr>
+                    </a:gs>
+                  </a:gsLst>
+                  <a:lin ang="5400000"/>
+                </a:gradFill>
+                <a:effectLst>
+                  <a:innerShdw blurRad="69850" dist="43180" dir="5400000">
+                    <a:srgbClr val="000000">
+                      <a:alpha val="65000"/>
+                    </a:srgbClr>
+                  </a:innerShdw>
+                </a:effectLst>
+              </a:rPr>
+              <a:t>تهیه و تنظیم : سید حیدر علوی</a:t>
+            </a:r>
+            <a:endParaRPr lang="en-US" sz="1000" b="1" dirty="0">
+              <a:ln w="1905"/>
+              <a:gradFill>
+                <a:gsLst>
+                  <a:gs pos="0">
+                    <a:schemeClr val="accent6">
+                      <a:shade val="20000"/>
+                      <a:satMod val="200000"/>
+                    </a:schemeClr>
+                  </a:gs>
+                  <a:gs pos="78000">
+                    <a:schemeClr val="accent6">
+                      <a:tint val="90000"/>
+                      <a:shade val="89000"/>
+                      <a:satMod val="220000"/>
+                    </a:schemeClr>
+                  </a:gs>
+                  <a:gs pos="100000">
+                    <a:schemeClr val="accent6">
+                      <a:tint val="12000"/>
+                      <a:satMod val="255000"/>
+                    </a:schemeClr>
+                  </a:gs>
+                </a:gsLst>
+                <a:lin ang="5400000"/>
+              </a:gradFill>
+              <a:effectLst>
+                <a:innerShdw blurRad="69850" dist="43180" dir="5400000">
+                  <a:srgbClr val="000000">
+                    <a:alpha val="65000"/>
+                  </a:srgbClr>
+                </a:innerShdw>
+              </a:effectLst>
+            </a:endParaRPr>
+          </a:p>
+        </p:txBody>
+      </p:sp>
+      <p:sp>
+        <p:nvSpPr>
+          <p:cNvPr id="13" name="TextBox 12"/>
+          <p:cNvSpPr txBox="1"/>
+          <p:nvPr/>
+        </p:nvSpPr>
+        <p:spPr>
+          <a:xfrm>
+            <a:off x="3897788" y="260648"/>
+            <a:ext cx="1348446" cy="646331"/>
+          </a:xfrm>
+          <a:prstGeom prst="rect">
+            <a:avLst/>
+          </a:prstGeom>
+          <a:noFill/>
+        </p:spPr>
+        <p:txBody>
+          <a:bodyPr wrap="none" rtlCol="0">
+            <a:spAutoFit/>
+          </a:bodyPr>
+          <a:lstStyle/>
+          <a:p>
+            <a:pPr algn="ctr" rtl="1"/>
+            <a:r>
+              <a:rPr lang="fa-IR" sz="3600" b="1" dirty="0">
+                <a:ln w="1905"/>
+                <a:gradFill>
+                  <a:gsLst>
+                    <a:gs pos="0">
+                      <a:schemeClr val="accent6">
+                        <a:shade val="20000"/>
+                        <a:satMod val="200000"/>
+                      </a:schemeClr>
+                    </a:gs>
+                    <a:gs pos="78000">
+                      <a:schemeClr val="accent6">
+                        <a:tint val="90000"/>
+                        <a:shade val="89000"/>
+                        <a:satMod val="220000"/>
+                      </a:schemeClr>
+                    </a:gs>
+                    <a:gs pos="100000">
+                      <a:schemeClr val="accent6">
+                        <a:tint val="12000"/>
+                        <a:satMod val="255000"/>
+                      </a:schemeClr>
+                    </a:gs>
+                  </a:gsLst>
+                  <a:lin ang="5400000"/>
+                </a:gradFill>
+                <a:effectLst>
+                  <a:innerShdw blurRad="69850" dist="43180" dir="5400000">
+                    <a:srgbClr val="000000">
+                      <a:alpha val="65000"/>
+                    </a:srgbClr>
+                  </a:innerShdw>
+                </a:effectLst>
+              </a:rPr>
+              <a:t>علامت =</a:t>
+            </a:r>
+            <a:endParaRPr lang="en-US" sz="3600" b="1" dirty="0">
+              <a:ln w="1905"/>
+              <a:gradFill>
+                <a:gsLst>
+                  <a:gs pos="0">
+                    <a:schemeClr val="accent6">
+                      <a:shade val="20000"/>
+                      <a:satMod val="200000"/>
+                    </a:schemeClr>
+                  </a:gs>
+                  <a:gs pos="78000">
+                    <a:schemeClr val="accent6">
+                      <a:tint val="90000"/>
+                      <a:shade val="89000"/>
+                      <a:satMod val="220000"/>
+                    </a:schemeClr>
+                  </a:gs>
+                  <a:gs pos="100000">
+                    <a:schemeClr val="accent6">
+                      <a:tint val="12000"/>
+                      <a:satMod val="255000"/>
+                    </a:schemeClr>
+                  </a:gs>
+                </a:gsLst>
+                <a:lin ang="5400000"/>
+              </a:gradFill>
+              <a:effectLst>
+                <a:innerShdw blurRad="69850" dist="43180" dir="5400000">
+                  <a:srgbClr val="000000">
+                    <a:alpha val="65000"/>
+                  </a:srgbClr>
+                </a:innerShdw>
+              </a:effectLst>
+            </a:endParaRPr>
+          </a:p>
+        </p:txBody>
+      </p:sp>
+      <p:sp>
+        <p:nvSpPr>
+          <p:cNvPr id="9" name="Rectangle 8">
+            <a:extLst>
+              <a:ext uri="{FF2B5EF4-FFF2-40B4-BE49-F238E27FC236}">
+                <a16:creationId xmlns:a16="http://schemas.microsoft.com/office/drawing/2014/main" id="{AE259FB9-1872-47CB-A97E-46EC9F196E07}"/>
+              </a:ext>
+            </a:extLst>
+          </p:cNvPr>
+          <p:cNvSpPr/>
+          <p:nvPr/>
+        </p:nvSpPr>
+        <p:spPr>
+          <a:xfrm>
+            <a:off x="4219179" y="6572271"/>
+            <a:ext cx="705642" cy="246221"/>
+          </a:xfrm>
+          <a:prstGeom prst="rect">
+            <a:avLst/>
+          </a:prstGeom>
+          <a:noFill/>
+        </p:spPr>
+        <p:txBody>
+          <a:bodyPr wrap="none" lIns="91440" tIns="45720" rIns="91440" bIns="45720">
+            <a:spAutoFit/>
+          </a:bodyPr>
+          <a:lstStyle/>
+          <a:p>
+            <a:pPr algn="ctr" rtl="1"/>
+            <a:r>
+              <a:rPr lang="fa-IR" sz="1000" b="1" dirty="0">
+                <a:ln w="1905"/>
+                <a:gradFill>
+                  <a:gsLst>
+                    <a:gs pos="0">
+                      <a:schemeClr val="accent6">
+                        <a:shade val="20000"/>
+                        <a:satMod val="200000"/>
+                      </a:schemeClr>
+                    </a:gs>
+                    <a:gs pos="78000">
+                      <a:schemeClr val="accent6">
+                        <a:tint val="90000"/>
+                        <a:shade val="89000"/>
+                        <a:satMod val="220000"/>
+                      </a:schemeClr>
+                    </a:gs>
+                    <a:gs pos="100000">
+                      <a:schemeClr val="accent6">
+                        <a:tint val="12000"/>
+                        <a:satMod val="255000"/>
+                      </a:schemeClr>
+                    </a:gs>
+                  </a:gsLst>
+                  <a:lin ang="5400000"/>
+                </a:gradFill>
+                <a:effectLst>
+                  <a:innerShdw blurRad="69850" dist="43180" dir="5400000">
+                    <a:srgbClr val="000000">
+                      <a:alpha val="65000"/>
+                    </a:srgbClr>
+                  </a:innerShdw>
+                </a:effectLst>
+              </a:rPr>
+              <a:t>تابستان 1401</a:t>
+            </a:r>
+            <a:endParaRPr lang="en-US" sz="1000" b="1" dirty="0">
+              <a:ln w="1905"/>
+              <a:gradFill>
+                <a:gsLst>
+                  <a:gs pos="0">
+                    <a:schemeClr val="accent6">
+                      <a:shade val="20000"/>
+                      <a:satMod val="200000"/>
+                    </a:schemeClr>
+                  </a:gs>
+                  <a:gs pos="78000">
+                    <a:schemeClr val="accent6">
+                      <a:tint val="90000"/>
+                      <a:shade val="89000"/>
+                      <a:satMod val="220000"/>
+                    </a:schemeClr>
+                  </a:gs>
+                  <a:gs pos="100000">
+                    <a:schemeClr val="accent6">
+                      <a:tint val="12000"/>
+                      <a:satMod val="255000"/>
+                    </a:schemeClr>
+                  </a:gs>
+                </a:gsLst>
+                <a:lin ang="5400000"/>
+              </a:gradFill>
+              <a:effectLst>
+                <a:innerShdw blurRad="69850" dist="43180" dir="5400000">
+                  <a:srgbClr val="000000">
+                    <a:alpha val="65000"/>
+                  </a:srgbClr>
+                </a:innerShdw>
+              </a:effectLst>
+            </a:endParaRPr>
+          </a:p>
+        </p:txBody>
+      </p:sp>
+      <p:sp>
+        <p:nvSpPr>
+          <p:cNvPr id="10" name="Rectangle 9">
+            <a:extLst>
+              <a:ext uri="{FF2B5EF4-FFF2-40B4-BE49-F238E27FC236}">
+                <a16:creationId xmlns:a16="http://schemas.microsoft.com/office/drawing/2014/main" id="{46913DD9-CDA3-43FD-AD19-429E0308D71B}"/>
+              </a:ext>
+            </a:extLst>
+          </p:cNvPr>
+          <p:cNvSpPr/>
+          <p:nvPr/>
+        </p:nvSpPr>
+        <p:spPr>
+          <a:xfrm>
+            <a:off x="1795886" y="6572272"/>
+            <a:ext cx="615874" cy="246221"/>
+          </a:xfrm>
+          <a:prstGeom prst="rect">
+            <a:avLst/>
+          </a:prstGeom>
+          <a:noFill/>
+        </p:spPr>
+        <p:txBody>
+          <a:bodyPr wrap="none" lIns="91440" tIns="45720" rIns="91440" bIns="45720">
+            <a:spAutoFit/>
+          </a:bodyPr>
+          <a:lstStyle/>
+          <a:p>
+            <a:pPr algn="ctr" rtl="1"/>
+            <a:r>
+              <a:rPr lang="en-US" sz="1000" b="1" dirty="0">
+                <a:ln w="1905"/>
+                <a:gradFill>
+                  <a:gsLst>
+                    <a:gs pos="0">
+                      <a:schemeClr val="accent6">
+                        <a:shade val="20000"/>
+                        <a:satMod val="200000"/>
+                      </a:schemeClr>
+                    </a:gs>
+                    <a:gs pos="78000">
+                      <a:schemeClr val="accent6">
+                        <a:tint val="90000"/>
+                        <a:shade val="89000"/>
+                        <a:satMod val="220000"/>
+                      </a:schemeClr>
+                    </a:gs>
+                    <a:gs pos="100000">
+                      <a:schemeClr val="accent6">
+                        <a:tint val="12000"/>
+                        <a:satMod val="255000"/>
+                      </a:schemeClr>
+                    </a:gs>
+                  </a:gsLst>
+                  <a:lin ang="5400000"/>
+                </a:gradFill>
+                <a:effectLst>
+                  <a:innerShdw blurRad="69850" dist="43180" dir="5400000">
+                    <a:srgbClr val="000000">
+                      <a:alpha val="65000"/>
+                    </a:srgbClr>
+                  </a:innerShdw>
+                </a:effectLst>
+              </a:rPr>
+              <a:t>Page: </a:t>
+            </a:r>
+            <a:fld id="{14AD6811-EE99-4BEB-8435-24D1DDA55D92}" type="slidenum">
+              <a:rPr lang="en-US" sz="1000" b="1" smtClean="0">
+                <a:ln w="1905"/>
+                <a:gradFill>
+                  <a:gsLst>
+                    <a:gs pos="0">
+                      <a:schemeClr val="accent6">
+                        <a:shade val="20000"/>
+                        <a:satMod val="200000"/>
+                      </a:schemeClr>
+                    </a:gs>
+                    <a:gs pos="78000">
+                      <a:schemeClr val="accent6">
+                        <a:tint val="90000"/>
+                        <a:shade val="89000"/>
+                        <a:satMod val="220000"/>
+                      </a:schemeClr>
+                    </a:gs>
+                    <a:gs pos="100000">
+                      <a:schemeClr val="accent6">
+                        <a:tint val="12000"/>
+                        <a:satMod val="255000"/>
+                      </a:schemeClr>
+                    </a:gs>
+                  </a:gsLst>
+                  <a:lin ang="5400000"/>
+                </a:gradFill>
+                <a:effectLst>
+                  <a:innerShdw blurRad="69850" dist="43180" dir="5400000">
+                    <a:srgbClr val="000000">
+                      <a:alpha val="65000"/>
+                    </a:srgbClr>
+                  </a:innerShdw>
+                </a:effectLst>
+              </a:rPr>
+              <a:t>4</a:t>
+            </a:fld>
+            <a:endParaRPr lang="en-US" sz="1000" b="1" dirty="0">
+              <a:ln w="1905"/>
+              <a:gradFill>
+                <a:gsLst>
+                  <a:gs pos="0">
+                    <a:schemeClr val="accent6">
+                      <a:shade val="20000"/>
+                      <a:satMod val="200000"/>
+                    </a:schemeClr>
+                  </a:gs>
+                  <a:gs pos="78000">
+                    <a:schemeClr val="accent6">
+                      <a:tint val="90000"/>
+                      <a:shade val="89000"/>
+                      <a:satMod val="220000"/>
+                    </a:schemeClr>
+                  </a:gs>
+                  <a:gs pos="100000">
+                    <a:schemeClr val="accent6">
+                      <a:tint val="12000"/>
+                      <a:satMod val="255000"/>
+                    </a:schemeClr>
+                  </a:gs>
+                </a:gsLst>
+                <a:lin ang="5400000"/>
+              </a:gradFill>
+              <a:effectLst>
+                <a:innerShdw blurRad="69850" dist="43180" dir="5400000">
+                  <a:srgbClr val="000000">
+                    <a:alpha val="65000"/>
+                  </a:srgbClr>
+                </a:innerShdw>
+              </a:effectLst>
+            </a:endParaRPr>
+          </a:p>
+        </p:txBody>
+      </p:sp>
+      <p:pic>
+        <p:nvPicPr>
+          <p:cNvPr id="4" name="Picture 3">
+            <a:extLst>
+              <a:ext uri="{FF2B5EF4-FFF2-40B4-BE49-F238E27FC236}">
+                <a16:creationId xmlns:a16="http://schemas.microsoft.com/office/drawing/2014/main" id="{F3625243-9805-4010-9491-688C02CA4108}"/>
+              </a:ext>
+            </a:extLst>
+          </p:cNvPr>
+          <p:cNvPicPr>
+            <a:picLocks noChangeAspect="1"/>
+          </p:cNvPicPr>
+          <p:nvPr/>
+        </p:nvPicPr>
+        <p:blipFill>
+          <a:blip r:embed="rId2" cstate="print">
+            <a:extLst>
+              <a:ext uri="{28A0092B-C50C-407E-A947-70E740481C1C}">
+                <a14:useLocalDpi xmlns:a14="http://schemas.microsoft.com/office/drawing/2010/main" val="0"/>
+              </a:ext>
+            </a:extLst>
+          </a:blip>
+          <a:stretch>
+            <a:fillRect/>
+          </a:stretch>
+        </p:blipFill>
+        <p:spPr>
+          <a:xfrm>
+            <a:off x="8343133" y="6104393"/>
+            <a:ext cx="765371" cy="780991"/>
+          </a:xfrm>
+          <a:prstGeom prst="rect">
+            <a:avLst/>
+          </a:prstGeom>
+        </p:spPr>
+      </p:pic>
+      <p:pic>
+        <p:nvPicPr>
+          <p:cNvPr id="17" name="Picture 16">
+            <a:extLst>
+              <a:ext uri="{FF2B5EF4-FFF2-40B4-BE49-F238E27FC236}">
+                <a16:creationId xmlns:a16="http://schemas.microsoft.com/office/drawing/2014/main" id="{671CD04D-E9F8-4950-836D-431AD3EA459A}"/>
+              </a:ext>
+            </a:extLst>
+          </p:cNvPr>
+          <p:cNvPicPr>
+            <a:picLocks noChangeAspect="1"/>
+          </p:cNvPicPr>
+          <p:nvPr/>
+        </p:nvPicPr>
+        <p:blipFill>
+          <a:blip r:embed="rId3" cstate="print">
+            <a:extLst>
+              <a:ext uri="{28A0092B-C50C-407E-A947-70E740481C1C}">
+                <a14:useLocalDpi xmlns:a14="http://schemas.microsoft.com/office/drawing/2010/main" val="0"/>
+              </a:ext>
+            </a:extLst>
+          </a:blip>
+          <a:srcRect/>
+          <a:stretch/>
+        </p:blipFill>
+        <p:spPr>
+          <a:xfrm>
+            <a:off x="49346" y="6165304"/>
+            <a:ext cx="1548718" cy="522459"/>
+          </a:xfrm>
+          <a:prstGeom prst="rect">
+            <a:avLst/>
+          </a:prstGeom>
+        </p:spPr>
+      </p:pic>
+      <p:sp>
+        <p:nvSpPr>
+          <p:cNvPr id="3" name="TextBox 2">
+            <a:extLst>
+              <a:ext uri="{FF2B5EF4-FFF2-40B4-BE49-F238E27FC236}">
+                <a16:creationId xmlns:a16="http://schemas.microsoft.com/office/drawing/2014/main" id="{16E42FE8-DC21-1F35-CCB4-B6B7A983A6A9}"/>
+              </a:ext>
+            </a:extLst>
+          </p:cNvPr>
+          <p:cNvSpPr txBox="1"/>
+          <p:nvPr/>
+        </p:nvSpPr>
+        <p:spPr>
+          <a:xfrm>
+            <a:off x="2555776" y="836712"/>
+            <a:ext cx="6298519" cy="523220"/>
+          </a:xfrm>
+          <a:prstGeom prst="rect">
+            <a:avLst/>
+          </a:prstGeom>
+          <a:noFill/>
+        </p:spPr>
+        <p:txBody>
+          <a:bodyPr wrap="none" rtlCol="0">
+            <a:spAutoFit/>
+          </a:bodyPr>
+          <a:lstStyle/>
+          <a:p>
+            <a:r>
+              <a:rPr lang="fa-IR" sz="2800" b="1" dirty="0">
+                <a:latin typeface="Arial" panose="020B0604020202020204" pitchFamily="34" charset="0"/>
+                <a:cs typeface="Arial" panose="020B0604020202020204" pitchFamily="34" charset="0"/>
+              </a:rPr>
+              <a:t>برای تخصیص دادن مقدار به متغیر استفاده می شود</a:t>
+            </a:r>
+            <a:endParaRPr lang="en-US" sz="2800" b="1" dirty="0">
+              <a:latin typeface="Arial" panose="020B0604020202020204" pitchFamily="34" charset="0"/>
+              <a:cs typeface="Arial" panose="020B0604020202020204" pitchFamily="34" charset="0"/>
+            </a:endParaRPr>
+          </a:p>
+        </p:txBody>
+      </p:sp>
+      <p:pic>
+        <p:nvPicPr>
+          <p:cNvPr id="7" name="Picture 6">
+            <a:extLst>
+              <a:ext uri="{FF2B5EF4-FFF2-40B4-BE49-F238E27FC236}">
+                <a16:creationId xmlns:a16="http://schemas.microsoft.com/office/drawing/2014/main" id="{FB2B283E-9966-EDB1-CD92-F7978AFF232E}"/>
+              </a:ext>
+            </a:extLst>
+          </p:cNvPr>
+          <p:cNvPicPr>
+            <a:picLocks noChangeAspect="1"/>
+          </p:cNvPicPr>
+          <p:nvPr/>
+        </p:nvPicPr>
+        <p:blipFill rotWithShape="1">
+          <a:blip r:embed="rId4"/>
+          <a:srcRect l="8263" t="31791" r="8758" b="40196"/>
+          <a:stretch/>
+        </p:blipFill>
+        <p:spPr>
+          <a:xfrm>
+            <a:off x="-4297" y="1304451"/>
+            <a:ext cx="9108504" cy="1944216"/>
+          </a:xfrm>
+          <a:prstGeom prst="rect">
+            <a:avLst/>
+          </a:prstGeom>
+        </p:spPr>
+      </p:pic>
+      <p:sp>
+        <p:nvSpPr>
+          <p:cNvPr id="14" name="TextBox 13">
+            <a:extLst>
+              <a:ext uri="{FF2B5EF4-FFF2-40B4-BE49-F238E27FC236}">
+                <a16:creationId xmlns:a16="http://schemas.microsoft.com/office/drawing/2014/main" id="{64C69C54-E5DC-2EA6-D313-7E7787934F04}"/>
+              </a:ext>
+            </a:extLst>
+          </p:cNvPr>
+          <p:cNvSpPr txBox="1"/>
+          <p:nvPr/>
+        </p:nvSpPr>
+        <p:spPr>
+          <a:xfrm>
+            <a:off x="3861721" y="3140968"/>
+            <a:ext cx="1420582" cy="646331"/>
+          </a:xfrm>
+          <a:prstGeom prst="rect">
+            <a:avLst/>
+          </a:prstGeom>
+          <a:noFill/>
+        </p:spPr>
+        <p:txBody>
+          <a:bodyPr wrap="none" rtlCol="0">
+            <a:spAutoFit/>
+          </a:bodyPr>
+          <a:lstStyle/>
+          <a:p>
+            <a:pPr algn="ctr" rtl="1"/>
+            <a:r>
+              <a:rPr lang="en-US" sz="3600" b="1" dirty="0">
+                <a:ln w="1905"/>
+                <a:gradFill>
+                  <a:gsLst>
+                    <a:gs pos="0">
+                      <a:schemeClr val="accent6">
+                        <a:shade val="20000"/>
+                        <a:satMod val="200000"/>
+                      </a:schemeClr>
+                    </a:gs>
+                    <a:gs pos="78000">
+                      <a:schemeClr val="accent6">
+                        <a:tint val="90000"/>
+                        <a:shade val="89000"/>
+                        <a:satMod val="220000"/>
+                      </a:schemeClr>
+                    </a:gs>
+                    <a:gs pos="100000">
+                      <a:schemeClr val="accent6">
+                        <a:tint val="12000"/>
+                        <a:satMod val="255000"/>
+                      </a:schemeClr>
+                    </a:gs>
+                  </a:gsLst>
+                  <a:lin ang="5400000"/>
+                </a:gradFill>
+                <a:effectLst>
+                  <a:innerShdw blurRad="69850" dist="43180" dir="5400000">
+                    <a:srgbClr val="000000">
+                      <a:alpha val="65000"/>
+                    </a:srgbClr>
+                  </a:innerShdw>
+                </a:effectLst>
+              </a:rPr>
+              <a:t>string</a:t>
+            </a:r>
+          </a:p>
+        </p:txBody>
+      </p:sp>
+      <p:pic>
+        <p:nvPicPr>
+          <p:cNvPr id="15" name="Picture 14">
+            <a:extLst>
+              <a:ext uri="{FF2B5EF4-FFF2-40B4-BE49-F238E27FC236}">
+                <a16:creationId xmlns:a16="http://schemas.microsoft.com/office/drawing/2014/main" id="{B6FD9F28-4727-10D0-73FD-66A7FE53D354}"/>
+              </a:ext>
+            </a:extLst>
+          </p:cNvPr>
+          <p:cNvPicPr>
+            <a:picLocks noChangeAspect="1"/>
+          </p:cNvPicPr>
+          <p:nvPr/>
+        </p:nvPicPr>
+        <p:blipFill rotWithShape="1">
+          <a:blip r:embed="rId5"/>
+          <a:srcRect l="7476" t="30390" r="8758" b="5179"/>
+          <a:stretch/>
+        </p:blipFill>
+        <p:spPr>
+          <a:xfrm>
+            <a:off x="49347" y="3823616"/>
+            <a:ext cx="9054860" cy="2189834"/>
+          </a:xfrm>
+          <a:prstGeom prst="rect">
+            <a:avLst/>
+          </a:prstGeom>
+        </p:spPr>
+      </p:pic>
+    </p:spTree>
+    <p:extLst>
+      <p:ext uri="{BB962C8B-B14F-4D97-AF65-F5344CB8AC3E}">
+        <p14:creationId xmlns:p14="http://schemas.microsoft.com/office/powerpoint/2010/main" val="2615804419"/>
+      </p:ext>
+    </p:extLst>
+  </p:cSld>
+  <p:clrMapOvr>
+    <a:masterClrMapping/>
+  </p:clrMapOvr>
+</p:sld>
+</file>
+
+<file path=ppt/slides/slide5.xml><?xml version="1.0" encoding="utf-8"?>
+<p:sld xmlns:a="http://schemas.openxmlformats.org/drawingml/2006/main" xmlns:r="http://schemas.openxmlformats.org/officeDocument/2006/relationships" xmlns:p="http://schemas.openxmlformats.org/presentationml/2006/main">
+  <p:cSld>
+    <p:bg>
+      <p:bgPr>
+        <a:solidFill>
+          <a:schemeClr val="bg1"/>
+        </a:solidFill>
+        <a:effectLst/>
+      </p:bgPr>
+    </p:bg>
+    <p:spTree>
+      <p:nvGrpSpPr>
+        <p:cNvPr id="1" name=""/>
+        <p:cNvGrpSpPr/>
+        <p:nvPr/>
+      </p:nvGrpSpPr>
+      <p:grpSpPr>
+        <a:xfrm>
+          <a:off x="0" y="0"/>
+          <a:ext cx="0" cy="0"/>
+          <a:chOff x="0" y="0"/>
+          <a:chExt cx="0" cy="0"/>
+        </a:xfrm>
+      </p:grpSpPr>
+      <p:pic>
+        <p:nvPicPr>
+          <p:cNvPr id="12" name="Picture 11">
+            <a:extLst>
+              <a:ext uri="{FF2B5EF4-FFF2-40B4-BE49-F238E27FC236}">
+                <a16:creationId xmlns:a16="http://schemas.microsoft.com/office/drawing/2014/main" id="{82CA7B29-D2EA-F747-CA38-FB9D53B0D39E}"/>
+              </a:ext>
+            </a:extLst>
+          </p:cNvPr>
+          <p:cNvPicPr>
+            <a:picLocks noChangeAspect="1"/>
+          </p:cNvPicPr>
+          <p:nvPr/>
+        </p:nvPicPr>
+        <p:blipFill rotWithShape="1">
+          <a:blip r:embed="rId2"/>
+          <a:srcRect l="8263" t="30390" r="8758" b="31776"/>
+          <a:stretch/>
+        </p:blipFill>
+        <p:spPr>
+          <a:xfrm>
+            <a:off x="35497" y="4423765"/>
+            <a:ext cx="8955026" cy="1945020"/>
+          </a:xfrm>
+          <a:prstGeom prst="rect">
+            <a:avLst/>
+          </a:prstGeom>
+        </p:spPr>
+      </p:pic>
+      <p:cxnSp>
+        <p:nvCxnSpPr>
+          <p:cNvPr id="8" name="Straight Connector 7"/>
+          <p:cNvCxnSpPr>
+            <a:cxnSpLocks/>
+          </p:cNvCxnSpPr>
+          <p:nvPr/>
+        </p:nvCxnSpPr>
+        <p:spPr>
+          <a:xfrm>
+            <a:off x="1763688" y="6499457"/>
+            <a:ext cx="6480720" cy="0"/>
+          </a:xfrm>
+          <a:prstGeom prst="line">
+            <a:avLst/>
+          </a:prstGeom>
+        </p:spPr>
+        <p:style>
+          <a:lnRef idx="2">
+            <a:schemeClr val="dk1"/>
+          </a:lnRef>
+          <a:fillRef idx="0">
+            <a:schemeClr val="dk1"/>
+          </a:fillRef>
+          <a:effectRef idx="1">
+            <a:schemeClr val="dk1"/>
+          </a:effectRef>
+          <a:fontRef idx="minor">
+            <a:schemeClr val="tx1"/>
+          </a:fontRef>
+        </p:style>
+      </p:cxnSp>
+      <p:sp>
+        <p:nvSpPr>
+          <p:cNvPr id="11" name="Rectangle 10"/>
+          <p:cNvSpPr/>
+          <p:nvPr/>
+        </p:nvSpPr>
+        <p:spPr>
+          <a:xfrm>
+            <a:off x="6804248" y="6572272"/>
+            <a:ext cx="1345240" cy="246221"/>
+          </a:xfrm>
+          <a:prstGeom prst="rect">
+            <a:avLst/>
+          </a:prstGeom>
+          <a:noFill/>
+        </p:spPr>
+        <p:txBody>
+          <a:bodyPr wrap="none" lIns="91440" tIns="45720" rIns="91440" bIns="45720">
+            <a:spAutoFit/>
+          </a:bodyPr>
+          <a:lstStyle/>
+          <a:p>
+            <a:pPr algn="ctr" rtl="1"/>
+            <a:r>
+              <a:rPr lang="fa-IR" sz="1000" b="1" dirty="0">
+                <a:ln w="1905"/>
+                <a:gradFill>
+                  <a:gsLst>
+                    <a:gs pos="0">
+                      <a:schemeClr val="accent6">
+                        <a:shade val="20000"/>
+                        <a:satMod val="200000"/>
+                      </a:schemeClr>
+                    </a:gs>
+                    <a:gs pos="78000">
+                      <a:schemeClr val="accent6">
+                        <a:tint val="90000"/>
+                        <a:shade val="89000"/>
+                        <a:satMod val="220000"/>
+                      </a:schemeClr>
+                    </a:gs>
+                    <a:gs pos="100000">
+                      <a:schemeClr val="accent6">
+                        <a:tint val="12000"/>
+                        <a:satMod val="255000"/>
+                      </a:schemeClr>
+                    </a:gs>
+                  </a:gsLst>
+                  <a:lin ang="5400000"/>
+                </a:gradFill>
+                <a:effectLst>
+                  <a:innerShdw blurRad="69850" dist="43180" dir="5400000">
+                    <a:srgbClr val="000000">
+                      <a:alpha val="65000"/>
+                    </a:srgbClr>
+                  </a:innerShdw>
+                </a:effectLst>
+              </a:rPr>
+              <a:t>تهیه و تنظیم : سید حیدر علوی</a:t>
+            </a:r>
+            <a:endParaRPr lang="en-US" sz="1000" b="1" dirty="0">
+              <a:ln w="1905"/>
+              <a:gradFill>
+                <a:gsLst>
+                  <a:gs pos="0">
+                    <a:schemeClr val="accent6">
+                      <a:shade val="20000"/>
+                      <a:satMod val="200000"/>
+                    </a:schemeClr>
+                  </a:gs>
+                  <a:gs pos="78000">
+                    <a:schemeClr val="accent6">
+                      <a:tint val="90000"/>
+                      <a:shade val="89000"/>
+                      <a:satMod val="220000"/>
+                    </a:schemeClr>
+                  </a:gs>
+                  <a:gs pos="100000">
+                    <a:schemeClr val="accent6">
+                      <a:tint val="12000"/>
+                      <a:satMod val="255000"/>
+                    </a:schemeClr>
+                  </a:gs>
+                </a:gsLst>
+                <a:lin ang="5400000"/>
+              </a:gradFill>
+              <a:effectLst>
+                <a:innerShdw blurRad="69850" dist="43180" dir="5400000">
+                  <a:srgbClr val="000000">
+                    <a:alpha val="65000"/>
+                  </a:srgbClr>
+                </a:innerShdw>
+              </a:effectLst>
+            </a:endParaRPr>
+          </a:p>
+        </p:txBody>
+      </p:sp>
+      <p:sp>
+        <p:nvSpPr>
+          <p:cNvPr id="13" name="TextBox 12"/>
+          <p:cNvSpPr txBox="1"/>
+          <p:nvPr/>
+        </p:nvSpPr>
+        <p:spPr>
+          <a:xfrm>
+            <a:off x="3984350" y="260648"/>
+            <a:ext cx="1175323" cy="646331"/>
+          </a:xfrm>
+          <a:prstGeom prst="rect">
+            <a:avLst/>
+          </a:prstGeom>
+          <a:noFill/>
+        </p:spPr>
+        <p:txBody>
+          <a:bodyPr wrap="none" rtlCol="0">
+            <a:spAutoFit/>
+          </a:bodyPr>
+          <a:lstStyle/>
+          <a:p>
+            <a:pPr algn="ctr" rtl="1"/>
+            <a:r>
+              <a:rPr lang="en-US" sz="3600" b="1" dirty="0">
+                <a:ln w="1905"/>
+                <a:gradFill>
+                  <a:gsLst>
+                    <a:gs pos="0">
+                      <a:schemeClr val="accent6">
+                        <a:shade val="20000"/>
+                        <a:satMod val="200000"/>
+                      </a:schemeClr>
+                    </a:gs>
+                    <a:gs pos="78000">
+                      <a:schemeClr val="accent6">
+                        <a:tint val="90000"/>
+                        <a:shade val="89000"/>
+                        <a:satMod val="220000"/>
+                      </a:schemeClr>
+                    </a:gs>
+                    <a:gs pos="100000">
+                      <a:schemeClr val="accent6">
+                        <a:tint val="12000"/>
+                        <a:satMod val="255000"/>
+                      </a:schemeClr>
+                    </a:gs>
+                  </a:gsLst>
+                  <a:lin ang="5400000"/>
+                </a:gradFill>
+                <a:effectLst>
+                  <a:innerShdw blurRad="69850" dist="43180" dir="5400000">
+                    <a:srgbClr val="000000">
+                      <a:alpha val="65000"/>
+                    </a:srgbClr>
+                  </a:innerShdw>
+                </a:effectLst>
+              </a:rPr>
+              <a:t>Lists</a:t>
+            </a:r>
+          </a:p>
+        </p:txBody>
+      </p:sp>
+      <p:sp>
+        <p:nvSpPr>
+          <p:cNvPr id="9" name="Rectangle 8">
+            <a:extLst>
+              <a:ext uri="{FF2B5EF4-FFF2-40B4-BE49-F238E27FC236}">
+                <a16:creationId xmlns:a16="http://schemas.microsoft.com/office/drawing/2014/main" id="{AE259FB9-1872-47CB-A97E-46EC9F196E07}"/>
+              </a:ext>
+            </a:extLst>
+          </p:cNvPr>
+          <p:cNvSpPr/>
+          <p:nvPr/>
+        </p:nvSpPr>
+        <p:spPr>
+          <a:xfrm>
+            <a:off x="4219179" y="6572271"/>
+            <a:ext cx="705642" cy="246221"/>
+          </a:xfrm>
+          <a:prstGeom prst="rect">
+            <a:avLst/>
+          </a:prstGeom>
+          <a:noFill/>
+        </p:spPr>
+        <p:txBody>
+          <a:bodyPr wrap="none" lIns="91440" tIns="45720" rIns="91440" bIns="45720">
+            <a:spAutoFit/>
+          </a:bodyPr>
+          <a:lstStyle/>
+          <a:p>
+            <a:pPr algn="ctr" rtl="1"/>
+            <a:r>
+              <a:rPr lang="fa-IR" sz="1000" b="1" dirty="0">
+                <a:ln w="1905"/>
+                <a:gradFill>
+                  <a:gsLst>
+                    <a:gs pos="0">
+                      <a:schemeClr val="accent6">
+                        <a:shade val="20000"/>
+                        <a:satMod val="200000"/>
+                      </a:schemeClr>
+                    </a:gs>
+                    <a:gs pos="78000">
+                      <a:schemeClr val="accent6">
+                        <a:tint val="90000"/>
+                        <a:shade val="89000"/>
+                        <a:satMod val="220000"/>
+                      </a:schemeClr>
+                    </a:gs>
+                    <a:gs pos="100000">
+                      <a:schemeClr val="accent6">
+                        <a:tint val="12000"/>
+                        <a:satMod val="255000"/>
+                      </a:schemeClr>
+                    </a:gs>
+                  </a:gsLst>
+                  <a:lin ang="5400000"/>
+                </a:gradFill>
+                <a:effectLst>
+                  <a:innerShdw blurRad="69850" dist="43180" dir="5400000">
+                    <a:srgbClr val="000000">
+                      <a:alpha val="65000"/>
+                    </a:srgbClr>
+                  </a:innerShdw>
+                </a:effectLst>
+              </a:rPr>
+              <a:t>تابستان 1401</a:t>
+            </a:r>
+            <a:endParaRPr lang="en-US" sz="1000" b="1" dirty="0">
+              <a:ln w="1905"/>
+              <a:gradFill>
+                <a:gsLst>
+                  <a:gs pos="0">
+                    <a:schemeClr val="accent6">
+                      <a:shade val="20000"/>
+                      <a:satMod val="200000"/>
+                    </a:schemeClr>
+                  </a:gs>
+                  <a:gs pos="78000">
+                    <a:schemeClr val="accent6">
+                      <a:tint val="90000"/>
+                      <a:shade val="89000"/>
+                      <a:satMod val="220000"/>
+                    </a:schemeClr>
+                  </a:gs>
+                  <a:gs pos="100000">
+                    <a:schemeClr val="accent6">
+                      <a:tint val="12000"/>
+                      <a:satMod val="255000"/>
+                    </a:schemeClr>
+                  </a:gs>
+                </a:gsLst>
+                <a:lin ang="5400000"/>
+              </a:gradFill>
+              <a:effectLst>
+                <a:innerShdw blurRad="69850" dist="43180" dir="5400000">
+                  <a:srgbClr val="000000">
+                    <a:alpha val="65000"/>
+                  </a:srgbClr>
+                </a:innerShdw>
+              </a:effectLst>
+            </a:endParaRPr>
+          </a:p>
+        </p:txBody>
+      </p:sp>
+      <p:sp>
+        <p:nvSpPr>
+          <p:cNvPr id="10" name="Rectangle 9">
+            <a:extLst>
+              <a:ext uri="{FF2B5EF4-FFF2-40B4-BE49-F238E27FC236}">
+                <a16:creationId xmlns:a16="http://schemas.microsoft.com/office/drawing/2014/main" id="{46913DD9-CDA3-43FD-AD19-429E0308D71B}"/>
+              </a:ext>
+            </a:extLst>
+          </p:cNvPr>
+          <p:cNvSpPr/>
+          <p:nvPr/>
+        </p:nvSpPr>
+        <p:spPr>
+          <a:xfrm>
+            <a:off x="1795886" y="6572272"/>
+            <a:ext cx="615874" cy="246221"/>
+          </a:xfrm>
+          <a:prstGeom prst="rect">
+            <a:avLst/>
+          </a:prstGeom>
+          <a:noFill/>
+        </p:spPr>
+        <p:txBody>
+          <a:bodyPr wrap="none" lIns="91440" tIns="45720" rIns="91440" bIns="45720">
+            <a:spAutoFit/>
+          </a:bodyPr>
+          <a:lstStyle/>
+          <a:p>
+            <a:pPr algn="ctr" rtl="1"/>
+            <a:r>
+              <a:rPr lang="en-US" sz="1000" b="1" dirty="0">
+                <a:ln w="1905"/>
+                <a:gradFill>
+                  <a:gsLst>
+                    <a:gs pos="0">
+                      <a:schemeClr val="accent6">
+                        <a:shade val="20000"/>
+                        <a:satMod val="200000"/>
+                      </a:schemeClr>
+                    </a:gs>
+                    <a:gs pos="78000">
+                      <a:schemeClr val="accent6">
+                        <a:tint val="90000"/>
+                        <a:shade val="89000"/>
+                        <a:satMod val="220000"/>
+                      </a:schemeClr>
+                    </a:gs>
+                    <a:gs pos="100000">
+                      <a:schemeClr val="accent6">
+                        <a:tint val="12000"/>
+                        <a:satMod val="255000"/>
+                      </a:schemeClr>
+                    </a:gs>
+                  </a:gsLst>
+                  <a:lin ang="5400000"/>
+                </a:gradFill>
+                <a:effectLst>
+                  <a:innerShdw blurRad="69850" dist="43180" dir="5400000">
+                    <a:srgbClr val="000000">
+                      <a:alpha val="65000"/>
+                    </a:srgbClr>
+                  </a:innerShdw>
+                </a:effectLst>
+              </a:rPr>
+              <a:t>Page: </a:t>
+            </a:r>
+            <a:fld id="{14AD6811-EE99-4BEB-8435-24D1DDA55D92}" type="slidenum">
+              <a:rPr lang="en-US" sz="1000" b="1" smtClean="0">
+                <a:ln w="1905"/>
+                <a:gradFill>
+                  <a:gsLst>
+                    <a:gs pos="0">
+                      <a:schemeClr val="accent6">
+                        <a:shade val="20000"/>
+                        <a:satMod val="200000"/>
+                      </a:schemeClr>
+                    </a:gs>
+                    <a:gs pos="78000">
+                      <a:schemeClr val="accent6">
+                        <a:tint val="90000"/>
+                        <a:shade val="89000"/>
+                        <a:satMod val="220000"/>
+                      </a:schemeClr>
+                    </a:gs>
+                    <a:gs pos="100000">
+                      <a:schemeClr val="accent6">
+                        <a:tint val="12000"/>
+                        <a:satMod val="255000"/>
+                      </a:schemeClr>
+                    </a:gs>
+                  </a:gsLst>
+                  <a:lin ang="5400000"/>
+                </a:gradFill>
+                <a:effectLst>
+                  <a:innerShdw blurRad="69850" dist="43180" dir="5400000">
+                    <a:srgbClr val="000000">
+                      <a:alpha val="65000"/>
+                    </a:srgbClr>
+                  </a:innerShdw>
+                </a:effectLst>
+              </a:rPr>
+              <a:t>5</a:t>
+            </a:fld>
+            <a:endParaRPr lang="en-US" sz="1000" b="1" dirty="0">
+              <a:ln w="1905"/>
+              <a:gradFill>
+                <a:gsLst>
+                  <a:gs pos="0">
+                    <a:schemeClr val="accent6">
+                      <a:shade val="20000"/>
+                      <a:satMod val="200000"/>
+                    </a:schemeClr>
+                  </a:gs>
+                  <a:gs pos="78000">
+                    <a:schemeClr val="accent6">
+                      <a:tint val="90000"/>
+                      <a:shade val="89000"/>
+                      <a:satMod val="220000"/>
+                    </a:schemeClr>
+                  </a:gs>
+                  <a:gs pos="100000">
+                    <a:schemeClr val="accent6">
+                      <a:tint val="12000"/>
+                      <a:satMod val="255000"/>
+                    </a:schemeClr>
+                  </a:gs>
+                </a:gsLst>
+                <a:lin ang="5400000"/>
+              </a:gradFill>
+              <a:effectLst>
+                <a:innerShdw blurRad="69850" dist="43180" dir="5400000">
+                  <a:srgbClr val="000000">
+                    <a:alpha val="65000"/>
+                  </a:srgbClr>
+                </a:innerShdw>
+              </a:effectLst>
+            </a:endParaRPr>
+          </a:p>
+        </p:txBody>
+      </p:sp>
+      <p:pic>
+        <p:nvPicPr>
+          <p:cNvPr id="4" name="Picture 3">
+            <a:extLst>
+              <a:ext uri="{FF2B5EF4-FFF2-40B4-BE49-F238E27FC236}">
+                <a16:creationId xmlns:a16="http://schemas.microsoft.com/office/drawing/2014/main" id="{F3625243-9805-4010-9491-688C02CA4108}"/>
+              </a:ext>
+            </a:extLst>
+          </p:cNvPr>
+          <p:cNvPicPr>
+            <a:picLocks noChangeAspect="1"/>
+          </p:cNvPicPr>
+          <p:nvPr/>
+        </p:nvPicPr>
+        <p:blipFill>
+          <a:blip r:embed="rId3" cstate="print">
+            <a:extLst>
+              <a:ext uri="{28A0092B-C50C-407E-A947-70E740481C1C}">
+                <a14:useLocalDpi xmlns:a14="http://schemas.microsoft.com/office/drawing/2010/main" val="0"/>
+              </a:ext>
+            </a:extLst>
+          </a:blip>
+          <a:stretch>
+            <a:fillRect/>
+          </a:stretch>
+        </p:blipFill>
+        <p:spPr>
+          <a:xfrm>
+            <a:off x="8343133" y="6104393"/>
+            <a:ext cx="765371" cy="780991"/>
+          </a:xfrm>
+          <a:prstGeom prst="rect">
+            <a:avLst/>
+          </a:prstGeom>
+        </p:spPr>
+      </p:pic>
+      <p:pic>
+        <p:nvPicPr>
+          <p:cNvPr id="17" name="Picture 16">
+            <a:extLst>
+              <a:ext uri="{FF2B5EF4-FFF2-40B4-BE49-F238E27FC236}">
+                <a16:creationId xmlns:a16="http://schemas.microsoft.com/office/drawing/2014/main" id="{671CD04D-E9F8-4950-836D-431AD3EA459A}"/>
+              </a:ext>
+            </a:extLst>
+          </p:cNvPr>
+          <p:cNvPicPr>
+            <a:picLocks noChangeAspect="1"/>
+          </p:cNvPicPr>
+          <p:nvPr/>
+        </p:nvPicPr>
+        <p:blipFill>
+          <a:blip r:embed="rId4" cstate="print">
+            <a:extLst>
+              <a:ext uri="{28A0092B-C50C-407E-A947-70E740481C1C}">
+                <a14:useLocalDpi xmlns:a14="http://schemas.microsoft.com/office/drawing/2010/main" val="0"/>
+              </a:ext>
+            </a:extLst>
+          </a:blip>
+          <a:srcRect/>
+          <a:stretch/>
+        </p:blipFill>
+        <p:spPr>
+          <a:xfrm>
+            <a:off x="49346" y="6165304"/>
+            <a:ext cx="1548718" cy="522459"/>
+          </a:xfrm>
+          <a:prstGeom prst="rect">
+            <a:avLst/>
+          </a:prstGeom>
+        </p:spPr>
+      </p:pic>
+      <p:sp>
+        <p:nvSpPr>
+          <p:cNvPr id="3" name="TextBox 2">
+            <a:extLst>
+              <a:ext uri="{FF2B5EF4-FFF2-40B4-BE49-F238E27FC236}">
+                <a16:creationId xmlns:a16="http://schemas.microsoft.com/office/drawing/2014/main" id="{16E42FE8-DC21-1F35-CCB4-B6B7A983A6A9}"/>
+              </a:ext>
+            </a:extLst>
+          </p:cNvPr>
+          <p:cNvSpPr txBox="1"/>
+          <p:nvPr/>
+        </p:nvSpPr>
+        <p:spPr>
+          <a:xfrm>
+            <a:off x="755576" y="836712"/>
+            <a:ext cx="8234947" cy="523220"/>
+          </a:xfrm>
+          <a:prstGeom prst="rect">
+            <a:avLst/>
+          </a:prstGeom>
+          <a:noFill/>
+        </p:spPr>
+        <p:txBody>
+          <a:bodyPr wrap="none" rtlCol="0">
+            <a:spAutoFit/>
+          </a:bodyPr>
+          <a:lstStyle/>
+          <a:p>
+            <a:r>
+              <a:rPr lang="fa-IR" sz="2800" b="1" dirty="0">
+                <a:latin typeface="Arial" panose="020B0604020202020204" pitchFamily="34" charset="0"/>
+                <a:cs typeface="Arial" panose="020B0604020202020204" pitchFamily="34" charset="0"/>
+              </a:rPr>
+              <a:t>مجموعه ای از داده ها که داخل براکت </a:t>
+            </a:r>
+            <a:r>
+              <a:rPr lang="fa-IR" sz="2800" b="1" dirty="0" err="1">
+                <a:latin typeface="Arial" panose="020B0604020202020204" pitchFamily="34" charset="0"/>
+                <a:cs typeface="Arial" panose="020B0604020202020204" pitchFamily="34" charset="0"/>
+              </a:rPr>
+              <a:t>قراردارند</a:t>
+            </a:r>
+            <a:r>
+              <a:rPr lang="fa-IR" sz="2800" b="1" dirty="0">
+                <a:latin typeface="Arial" panose="020B0604020202020204" pitchFamily="34" charset="0"/>
+                <a:cs typeface="Arial" panose="020B0604020202020204" pitchFamily="34" charset="0"/>
+              </a:rPr>
+              <a:t> و با </a:t>
+            </a:r>
+            <a:r>
+              <a:rPr lang="fa-IR" sz="2800" b="1" dirty="0" err="1">
+                <a:latin typeface="Arial" panose="020B0604020202020204" pitchFamily="34" charset="0"/>
+                <a:cs typeface="Arial" panose="020B0604020202020204" pitchFamily="34" charset="0"/>
+              </a:rPr>
+              <a:t>کاما</a:t>
+            </a:r>
+            <a:r>
+              <a:rPr lang="fa-IR" sz="2800" b="1" dirty="0">
+                <a:latin typeface="Arial" panose="020B0604020202020204" pitchFamily="34" charset="0"/>
+                <a:cs typeface="Arial" panose="020B0604020202020204" pitchFamily="34" charset="0"/>
+              </a:rPr>
+              <a:t> جداشده </a:t>
+            </a:r>
+            <a:r>
+              <a:rPr lang="fa-IR" sz="2800" b="1" dirty="0" err="1">
+                <a:latin typeface="Arial" panose="020B0604020202020204" pitchFamily="34" charset="0"/>
+                <a:cs typeface="Arial" panose="020B0604020202020204" pitchFamily="34" charset="0"/>
+              </a:rPr>
+              <a:t>اند</a:t>
+            </a:r>
+            <a:endParaRPr lang="en-US" sz="2800" b="1" dirty="0">
+              <a:latin typeface="Arial" panose="020B0604020202020204" pitchFamily="34" charset="0"/>
+              <a:cs typeface="Arial" panose="020B0604020202020204" pitchFamily="34" charset="0"/>
+            </a:endParaRPr>
+          </a:p>
+        </p:txBody>
+      </p:sp>
+      <p:pic>
+        <p:nvPicPr>
+          <p:cNvPr id="5" name="Picture 4">
+            <a:extLst>
+              <a:ext uri="{FF2B5EF4-FFF2-40B4-BE49-F238E27FC236}">
+                <a16:creationId xmlns:a16="http://schemas.microsoft.com/office/drawing/2014/main" id="{22DED52B-DEBF-934B-4D6A-78F1ED0C312C}"/>
+              </a:ext>
+            </a:extLst>
+          </p:cNvPr>
+          <p:cNvPicPr>
+            <a:picLocks noChangeAspect="1"/>
+          </p:cNvPicPr>
+          <p:nvPr/>
+        </p:nvPicPr>
+        <p:blipFill rotWithShape="1">
+          <a:blip r:embed="rId5"/>
+          <a:srcRect l="8263" t="30390" r="8758" b="31792"/>
+          <a:stretch/>
+        </p:blipFill>
+        <p:spPr>
+          <a:xfrm>
+            <a:off x="49346" y="1448058"/>
+            <a:ext cx="9059158" cy="2845036"/>
+          </a:xfrm>
+          <a:prstGeom prst="rect">
+            <a:avLst/>
+          </a:prstGeom>
+        </p:spPr>
+      </p:pic>
+    </p:spTree>
+    <p:extLst>
+      <p:ext uri="{BB962C8B-B14F-4D97-AF65-F5344CB8AC3E}">
+        <p14:creationId xmlns:p14="http://schemas.microsoft.com/office/powerpoint/2010/main" val="3997781239"/>
+      </p:ext>
+    </p:extLst>
+  </p:cSld>
+  <p:clrMapOvr>
+    <a:masterClrMapping/>
+  </p:clrMapOvr>
+</p:sld>
+</file>
+
+<file path=ppt/slides/slide6.xml><?xml version="1.0" encoding="utf-8"?>
+<p:sld xmlns:a="http://schemas.openxmlformats.org/drawingml/2006/main" xmlns:r="http://schemas.openxmlformats.org/officeDocument/2006/relationships" xmlns:p="http://schemas.openxmlformats.org/presentationml/2006/main">
+  <p:cSld>
+    <p:bg>
+      <p:bgPr>
+        <a:solidFill>
+          <a:schemeClr val="bg1"/>
+        </a:solidFill>
+        <a:effectLst/>
+      </p:bgPr>
+    </p:bg>
+    <p:spTree>
+      <p:nvGrpSpPr>
+        <p:cNvPr id="1" name=""/>
+        <p:cNvGrpSpPr/>
+        <p:nvPr/>
+      </p:nvGrpSpPr>
+      <p:grpSpPr>
+        <a:xfrm>
+          <a:off x="0" y="0"/>
+          <a:ext cx="0" cy="0"/>
+          <a:chOff x="0" y="0"/>
+          <a:chExt cx="0" cy="0"/>
+        </a:xfrm>
+      </p:grpSpPr>
+      <p:cxnSp>
+        <p:nvCxnSpPr>
+          <p:cNvPr id="8" name="Straight Connector 7"/>
+          <p:cNvCxnSpPr>
+            <a:cxnSpLocks/>
+          </p:cNvCxnSpPr>
+          <p:nvPr/>
+        </p:nvCxnSpPr>
+        <p:spPr>
+          <a:xfrm>
+            <a:off x="1763688" y="6499457"/>
+            <a:ext cx="6480720" cy="0"/>
+          </a:xfrm>
+          <a:prstGeom prst="line">
+            <a:avLst/>
+          </a:prstGeom>
+        </p:spPr>
+        <p:style>
+          <a:lnRef idx="2">
+            <a:schemeClr val="dk1"/>
+          </a:lnRef>
+          <a:fillRef idx="0">
+            <a:schemeClr val="dk1"/>
+          </a:fillRef>
+          <a:effectRef idx="1">
+            <a:schemeClr val="dk1"/>
+          </a:effectRef>
+          <a:fontRef idx="minor">
+            <a:schemeClr val="tx1"/>
+          </a:fontRef>
+        </p:style>
+      </p:cxnSp>
+      <p:sp>
+        <p:nvSpPr>
+          <p:cNvPr id="11" name="Rectangle 10"/>
+          <p:cNvSpPr/>
+          <p:nvPr/>
+        </p:nvSpPr>
+        <p:spPr>
+          <a:xfrm>
+            <a:off x="6804248" y="6572272"/>
+            <a:ext cx="1345240" cy="246221"/>
+          </a:xfrm>
+          <a:prstGeom prst="rect">
+            <a:avLst/>
+          </a:prstGeom>
+          <a:noFill/>
+        </p:spPr>
+        <p:txBody>
+          <a:bodyPr wrap="none" lIns="91440" tIns="45720" rIns="91440" bIns="45720">
+            <a:spAutoFit/>
+          </a:bodyPr>
+          <a:lstStyle/>
+          <a:p>
+            <a:pPr algn="ctr" rtl="1"/>
+            <a:r>
+              <a:rPr lang="fa-IR" sz="1000" b="1" dirty="0">
+                <a:ln w="1905"/>
+                <a:gradFill>
+                  <a:gsLst>
+                    <a:gs pos="0">
+                      <a:schemeClr val="accent6">
+                        <a:shade val="20000"/>
+                        <a:satMod val="200000"/>
+                      </a:schemeClr>
+                    </a:gs>
+                    <a:gs pos="78000">
+                      <a:schemeClr val="accent6">
+                        <a:tint val="90000"/>
+                        <a:shade val="89000"/>
+                        <a:satMod val="220000"/>
+                      </a:schemeClr>
+                    </a:gs>
+                    <a:gs pos="100000">
+                      <a:schemeClr val="accent6">
+                        <a:tint val="12000"/>
+                        <a:satMod val="255000"/>
+                      </a:schemeClr>
+                    </a:gs>
+                  </a:gsLst>
+                  <a:lin ang="5400000"/>
+                </a:gradFill>
+                <a:effectLst>
+                  <a:innerShdw blurRad="69850" dist="43180" dir="5400000">
+                    <a:srgbClr val="000000">
+                      <a:alpha val="65000"/>
+                    </a:srgbClr>
+                  </a:innerShdw>
+                </a:effectLst>
+              </a:rPr>
+              <a:t>تهیه و تنظیم : سید حیدر علوی</a:t>
+            </a:r>
+            <a:endParaRPr lang="en-US" sz="1000" b="1" dirty="0">
+              <a:ln w="1905"/>
+              <a:gradFill>
+                <a:gsLst>
+                  <a:gs pos="0">
+                    <a:schemeClr val="accent6">
+                      <a:shade val="20000"/>
+                      <a:satMod val="200000"/>
+                    </a:schemeClr>
+                  </a:gs>
+                  <a:gs pos="78000">
+                    <a:schemeClr val="accent6">
+                      <a:tint val="90000"/>
+                      <a:shade val="89000"/>
+                      <a:satMod val="220000"/>
+                    </a:schemeClr>
+                  </a:gs>
+                  <a:gs pos="100000">
+                    <a:schemeClr val="accent6">
+                      <a:tint val="12000"/>
+                      <a:satMod val="255000"/>
+                    </a:schemeClr>
+                  </a:gs>
+                </a:gsLst>
+                <a:lin ang="5400000"/>
+              </a:gradFill>
+              <a:effectLst>
+                <a:innerShdw blurRad="69850" dist="43180" dir="5400000">
+                  <a:srgbClr val="000000">
+                    <a:alpha val="65000"/>
+                  </a:srgbClr>
+                </a:innerShdw>
+              </a:effectLst>
+            </a:endParaRPr>
+          </a:p>
+        </p:txBody>
+      </p:sp>
+      <p:sp>
+        <p:nvSpPr>
+          <p:cNvPr id="13" name="TextBox 12"/>
+          <p:cNvSpPr txBox="1"/>
+          <p:nvPr/>
+        </p:nvSpPr>
+        <p:spPr>
+          <a:xfrm>
+            <a:off x="2066521" y="188640"/>
+            <a:ext cx="5010987" cy="646331"/>
+          </a:xfrm>
+          <a:prstGeom prst="rect">
+            <a:avLst/>
+          </a:prstGeom>
+          <a:noFill/>
+        </p:spPr>
+        <p:txBody>
+          <a:bodyPr wrap="none" rtlCol="0">
+            <a:spAutoFit/>
+          </a:bodyPr>
+          <a:lstStyle/>
+          <a:p>
+            <a:pPr algn="ctr" rtl="1"/>
+            <a:r>
+              <a:rPr lang="en-US" sz="3600" b="1" dirty="0">
+                <a:ln w="1905"/>
+                <a:gradFill>
+                  <a:gsLst>
+                    <a:gs pos="0">
+                      <a:schemeClr val="accent6">
+                        <a:shade val="20000"/>
+                        <a:satMod val="200000"/>
+                      </a:schemeClr>
+                    </a:gs>
+                    <a:gs pos="78000">
+                      <a:schemeClr val="accent6">
+                        <a:tint val="90000"/>
+                        <a:shade val="89000"/>
+                        <a:satMod val="220000"/>
+                      </a:schemeClr>
+                    </a:gs>
+                    <a:gs pos="100000">
+                      <a:schemeClr val="accent6">
+                        <a:tint val="12000"/>
+                        <a:satMod val="255000"/>
+                      </a:schemeClr>
+                    </a:gs>
+                  </a:gsLst>
+                  <a:lin ang="5400000"/>
+                </a:gradFill>
+                <a:effectLst>
+                  <a:innerShdw blurRad="69850" dist="43180" dir="5400000">
+                    <a:srgbClr val="000000">
+                      <a:alpha val="65000"/>
+                    </a:srgbClr>
+                  </a:innerShdw>
+                </a:effectLst>
+              </a:rPr>
+              <a:t>mutable vs immutable</a:t>
+            </a:r>
+          </a:p>
+        </p:txBody>
+      </p:sp>
+      <p:sp>
+        <p:nvSpPr>
+          <p:cNvPr id="9" name="Rectangle 8">
+            <a:extLst>
+              <a:ext uri="{FF2B5EF4-FFF2-40B4-BE49-F238E27FC236}">
+                <a16:creationId xmlns:a16="http://schemas.microsoft.com/office/drawing/2014/main" id="{AE259FB9-1872-47CB-A97E-46EC9F196E07}"/>
+              </a:ext>
+            </a:extLst>
+          </p:cNvPr>
+          <p:cNvSpPr/>
+          <p:nvPr/>
+        </p:nvSpPr>
+        <p:spPr>
+          <a:xfrm>
+            <a:off x="4219179" y="6572271"/>
+            <a:ext cx="705642" cy="246221"/>
+          </a:xfrm>
+          <a:prstGeom prst="rect">
+            <a:avLst/>
+          </a:prstGeom>
+          <a:noFill/>
+        </p:spPr>
+        <p:txBody>
+          <a:bodyPr wrap="none" lIns="91440" tIns="45720" rIns="91440" bIns="45720">
+            <a:spAutoFit/>
+          </a:bodyPr>
+          <a:lstStyle/>
+          <a:p>
+            <a:pPr algn="ctr" rtl="1"/>
+            <a:r>
+              <a:rPr lang="fa-IR" sz="1000" b="1" dirty="0">
+                <a:ln w="1905"/>
+                <a:gradFill>
+                  <a:gsLst>
+                    <a:gs pos="0">
+                      <a:schemeClr val="accent6">
+                        <a:shade val="20000"/>
+                        <a:satMod val="200000"/>
+                      </a:schemeClr>
+                    </a:gs>
+                    <a:gs pos="78000">
+                      <a:schemeClr val="accent6">
+                        <a:tint val="90000"/>
+                        <a:shade val="89000"/>
+                        <a:satMod val="220000"/>
+                      </a:schemeClr>
+                    </a:gs>
+                    <a:gs pos="100000">
+                      <a:schemeClr val="accent6">
+                        <a:tint val="12000"/>
+                        <a:satMod val="255000"/>
+                      </a:schemeClr>
+                    </a:gs>
+                  </a:gsLst>
+                  <a:lin ang="5400000"/>
+                </a:gradFill>
+                <a:effectLst>
+                  <a:innerShdw blurRad="69850" dist="43180" dir="5400000">
+                    <a:srgbClr val="000000">
+                      <a:alpha val="65000"/>
+                    </a:srgbClr>
+                  </a:innerShdw>
+                </a:effectLst>
+              </a:rPr>
+              <a:t>تابستان 1401</a:t>
+            </a:r>
+            <a:endParaRPr lang="en-US" sz="1000" b="1" dirty="0">
+              <a:ln w="1905"/>
+              <a:gradFill>
+                <a:gsLst>
+                  <a:gs pos="0">
+                    <a:schemeClr val="accent6">
+                      <a:shade val="20000"/>
+                      <a:satMod val="200000"/>
+                    </a:schemeClr>
+                  </a:gs>
+                  <a:gs pos="78000">
+                    <a:schemeClr val="accent6">
+                      <a:tint val="90000"/>
+                      <a:shade val="89000"/>
+                      <a:satMod val="220000"/>
+                    </a:schemeClr>
+                  </a:gs>
+                  <a:gs pos="100000">
+                    <a:schemeClr val="accent6">
+                      <a:tint val="12000"/>
+                      <a:satMod val="255000"/>
+                    </a:schemeClr>
+                  </a:gs>
+                </a:gsLst>
+                <a:lin ang="5400000"/>
+              </a:gradFill>
+              <a:effectLst>
+                <a:innerShdw blurRad="69850" dist="43180" dir="5400000">
+                  <a:srgbClr val="000000">
+                    <a:alpha val="65000"/>
+                  </a:srgbClr>
+                </a:innerShdw>
+              </a:effectLst>
+            </a:endParaRPr>
+          </a:p>
+        </p:txBody>
+      </p:sp>
+      <p:sp>
+        <p:nvSpPr>
+          <p:cNvPr id="10" name="Rectangle 9">
+            <a:extLst>
+              <a:ext uri="{FF2B5EF4-FFF2-40B4-BE49-F238E27FC236}">
+                <a16:creationId xmlns:a16="http://schemas.microsoft.com/office/drawing/2014/main" id="{46913DD9-CDA3-43FD-AD19-429E0308D71B}"/>
+              </a:ext>
+            </a:extLst>
+          </p:cNvPr>
+          <p:cNvSpPr/>
+          <p:nvPr/>
+        </p:nvSpPr>
+        <p:spPr>
+          <a:xfrm>
+            <a:off x="1795886" y="6572272"/>
+            <a:ext cx="615874" cy="246221"/>
+          </a:xfrm>
+          <a:prstGeom prst="rect">
+            <a:avLst/>
+          </a:prstGeom>
+          <a:noFill/>
+        </p:spPr>
+        <p:txBody>
+          <a:bodyPr wrap="none" lIns="91440" tIns="45720" rIns="91440" bIns="45720">
+            <a:spAutoFit/>
+          </a:bodyPr>
+          <a:lstStyle/>
+          <a:p>
+            <a:pPr algn="ctr" rtl="1"/>
+            <a:r>
+              <a:rPr lang="en-US" sz="1000" b="1" dirty="0">
+                <a:ln w="1905"/>
+                <a:gradFill>
+                  <a:gsLst>
+                    <a:gs pos="0">
+                      <a:schemeClr val="accent6">
+                        <a:shade val="20000"/>
+                        <a:satMod val="200000"/>
+                      </a:schemeClr>
+                    </a:gs>
+                    <a:gs pos="78000">
+                      <a:schemeClr val="accent6">
+                        <a:tint val="90000"/>
+                        <a:shade val="89000"/>
+                        <a:satMod val="220000"/>
+                      </a:schemeClr>
+                    </a:gs>
+                    <a:gs pos="100000">
+                      <a:schemeClr val="accent6">
+                        <a:tint val="12000"/>
+                        <a:satMod val="255000"/>
+                      </a:schemeClr>
+                    </a:gs>
+                  </a:gsLst>
+                  <a:lin ang="5400000"/>
+                </a:gradFill>
+                <a:effectLst>
+                  <a:innerShdw blurRad="69850" dist="43180" dir="5400000">
+                    <a:srgbClr val="000000">
+                      <a:alpha val="65000"/>
+                    </a:srgbClr>
+                  </a:innerShdw>
+                </a:effectLst>
+              </a:rPr>
+              <a:t>Page: </a:t>
+            </a:r>
+            <a:fld id="{14AD6811-EE99-4BEB-8435-24D1DDA55D92}" type="slidenum">
+              <a:rPr lang="en-US" sz="1000" b="1" smtClean="0">
+                <a:ln w="1905"/>
+                <a:gradFill>
+                  <a:gsLst>
+                    <a:gs pos="0">
+                      <a:schemeClr val="accent6">
+                        <a:shade val="20000"/>
+                        <a:satMod val="200000"/>
+                      </a:schemeClr>
+                    </a:gs>
+                    <a:gs pos="78000">
+                      <a:schemeClr val="accent6">
+                        <a:tint val="90000"/>
+                        <a:shade val="89000"/>
+                        <a:satMod val="220000"/>
+                      </a:schemeClr>
+                    </a:gs>
+                    <a:gs pos="100000">
+                      <a:schemeClr val="accent6">
+                        <a:tint val="12000"/>
+                        <a:satMod val="255000"/>
+                      </a:schemeClr>
+                    </a:gs>
+                  </a:gsLst>
+                  <a:lin ang="5400000"/>
+                </a:gradFill>
+                <a:effectLst>
+                  <a:innerShdw blurRad="69850" dist="43180" dir="5400000">
+                    <a:srgbClr val="000000">
+                      <a:alpha val="65000"/>
+                    </a:srgbClr>
+                  </a:innerShdw>
+                </a:effectLst>
+              </a:rPr>
+              <a:t>6</a:t>
+            </a:fld>
+            <a:endParaRPr lang="en-US" sz="1000" b="1" dirty="0">
+              <a:ln w="1905"/>
+              <a:gradFill>
+                <a:gsLst>
+                  <a:gs pos="0">
+                    <a:schemeClr val="accent6">
+                      <a:shade val="20000"/>
+                      <a:satMod val="200000"/>
+                    </a:schemeClr>
+                  </a:gs>
+                  <a:gs pos="78000">
+                    <a:schemeClr val="accent6">
+                      <a:tint val="90000"/>
+                      <a:shade val="89000"/>
+                      <a:satMod val="220000"/>
+                    </a:schemeClr>
+                  </a:gs>
+                  <a:gs pos="100000">
+                    <a:schemeClr val="accent6">
+                      <a:tint val="12000"/>
+                      <a:satMod val="255000"/>
+                    </a:schemeClr>
+                  </a:gs>
+                </a:gsLst>
+                <a:lin ang="5400000"/>
+              </a:gradFill>
+              <a:effectLst>
+                <a:innerShdw blurRad="69850" dist="43180" dir="5400000">
+                  <a:srgbClr val="000000">
+                    <a:alpha val="65000"/>
+                  </a:srgbClr>
+                </a:innerShdw>
+              </a:effectLst>
+            </a:endParaRPr>
+          </a:p>
+        </p:txBody>
+      </p:sp>
+      <p:pic>
+        <p:nvPicPr>
+          <p:cNvPr id="4" name="Picture 3">
+            <a:extLst>
+              <a:ext uri="{FF2B5EF4-FFF2-40B4-BE49-F238E27FC236}">
+                <a16:creationId xmlns:a16="http://schemas.microsoft.com/office/drawing/2014/main" id="{F3625243-9805-4010-9491-688C02CA4108}"/>
+              </a:ext>
+            </a:extLst>
+          </p:cNvPr>
+          <p:cNvPicPr>
+            <a:picLocks noChangeAspect="1"/>
+          </p:cNvPicPr>
+          <p:nvPr/>
+        </p:nvPicPr>
+        <p:blipFill>
+          <a:blip r:embed="rId2" cstate="print">
+            <a:extLst>
+              <a:ext uri="{28A0092B-C50C-407E-A947-70E740481C1C}">
+                <a14:useLocalDpi xmlns:a14="http://schemas.microsoft.com/office/drawing/2010/main" val="0"/>
+              </a:ext>
+            </a:extLst>
+          </a:blip>
+          <a:stretch>
+            <a:fillRect/>
+          </a:stretch>
+        </p:blipFill>
+        <p:spPr>
+          <a:xfrm>
+            <a:off x="8343133" y="6104393"/>
+            <a:ext cx="765371" cy="780991"/>
+          </a:xfrm>
+          <a:prstGeom prst="rect">
+            <a:avLst/>
+          </a:prstGeom>
+        </p:spPr>
+      </p:pic>
+      <p:pic>
+        <p:nvPicPr>
+          <p:cNvPr id="17" name="Picture 16">
+            <a:extLst>
+              <a:ext uri="{FF2B5EF4-FFF2-40B4-BE49-F238E27FC236}">
+                <a16:creationId xmlns:a16="http://schemas.microsoft.com/office/drawing/2014/main" id="{671CD04D-E9F8-4950-836D-431AD3EA459A}"/>
+              </a:ext>
+            </a:extLst>
+          </p:cNvPr>
+          <p:cNvPicPr>
+            <a:picLocks noChangeAspect="1"/>
+          </p:cNvPicPr>
+          <p:nvPr/>
+        </p:nvPicPr>
+        <p:blipFill>
+          <a:blip r:embed="rId3" cstate="print">
+            <a:extLst>
+              <a:ext uri="{28A0092B-C50C-407E-A947-70E740481C1C}">
+                <a14:useLocalDpi xmlns:a14="http://schemas.microsoft.com/office/drawing/2010/main" val="0"/>
+              </a:ext>
+            </a:extLst>
+          </a:blip>
+          <a:srcRect/>
+          <a:stretch/>
+        </p:blipFill>
+        <p:spPr>
+          <a:xfrm>
+            <a:off x="49346" y="6165304"/>
+            <a:ext cx="1548718" cy="522459"/>
+          </a:xfrm>
+          <a:prstGeom prst="rect">
+            <a:avLst/>
+          </a:prstGeom>
+        </p:spPr>
+      </p:pic>
+      <p:pic>
+        <p:nvPicPr>
+          <p:cNvPr id="6" name="Picture 5">
+            <a:extLst>
+              <a:ext uri="{FF2B5EF4-FFF2-40B4-BE49-F238E27FC236}">
+                <a16:creationId xmlns:a16="http://schemas.microsoft.com/office/drawing/2014/main" id="{BDA23666-CE1A-0B26-08E0-C8671DC09992}"/>
+              </a:ext>
+            </a:extLst>
+          </p:cNvPr>
+          <p:cNvPicPr>
+            <a:picLocks noChangeAspect="1"/>
+          </p:cNvPicPr>
+          <p:nvPr/>
+        </p:nvPicPr>
+        <p:blipFill rotWithShape="1">
+          <a:blip r:embed="rId4"/>
+          <a:srcRect l="7476" t="30390" r="8758" b="20586"/>
+          <a:stretch/>
+        </p:blipFill>
+        <p:spPr>
+          <a:xfrm>
+            <a:off x="49346" y="850284"/>
+            <a:ext cx="9059157" cy="3802847"/>
+          </a:xfrm>
+          <a:prstGeom prst="rect">
+            <a:avLst/>
+          </a:prstGeom>
+        </p:spPr>
+      </p:pic>
+    </p:spTree>
+    <p:extLst>
+      <p:ext uri="{BB962C8B-B14F-4D97-AF65-F5344CB8AC3E}">
+        <p14:creationId xmlns:p14="http://schemas.microsoft.com/office/powerpoint/2010/main" val="1788690168"/>
+      </p:ext>
+    </p:extLst>
+  </p:cSld>
+  <p:clrMapOvr>
+    <a:masterClrMapping/>
+  </p:clrMapOvr>
+</p:sld>
+</file>
+
+<file path=ppt/slides/slide7.xml><?xml version="1.0" encoding="utf-8"?>
+<p:sld xmlns:a="http://schemas.openxmlformats.org/drawingml/2006/main" xmlns:r="http://schemas.openxmlformats.org/officeDocument/2006/relationships" xmlns:p="http://schemas.openxmlformats.org/presentationml/2006/main">
+  <p:cSld>
+    <p:bg>
+      <p:bgPr>
+        <a:solidFill>
+          <a:schemeClr val="bg1"/>
+        </a:solidFill>
+        <a:effectLst/>
+      </p:bgPr>
+    </p:bg>
+    <p:spTree>
+      <p:nvGrpSpPr>
+        <p:cNvPr id="1" name=""/>
+        <p:cNvGrpSpPr/>
+        <p:nvPr/>
+      </p:nvGrpSpPr>
+      <p:grpSpPr>
+        <a:xfrm>
+          <a:off x="0" y="0"/>
+          <a:ext cx="0" cy="0"/>
+          <a:chOff x="0" y="0"/>
+          <a:chExt cx="0" cy="0"/>
+        </a:xfrm>
+      </p:grpSpPr>
+      <p:pic>
+        <p:nvPicPr>
+          <p:cNvPr id="18" name="Picture 17">
+            <a:extLst>
+              <a:ext uri="{FF2B5EF4-FFF2-40B4-BE49-F238E27FC236}">
+                <a16:creationId xmlns:a16="http://schemas.microsoft.com/office/drawing/2014/main" id="{C3A3693D-C053-CAB4-6491-EA4C08FF3C93}"/>
+              </a:ext>
+            </a:extLst>
+          </p:cNvPr>
+          <p:cNvPicPr>
+            <a:picLocks noChangeAspect="1"/>
+          </p:cNvPicPr>
+          <p:nvPr/>
+        </p:nvPicPr>
+        <p:blipFill rotWithShape="1">
+          <a:blip r:embed="rId2"/>
+          <a:srcRect l="7476" t="30390" r="8758" b="6580"/>
+          <a:stretch/>
+        </p:blipFill>
+        <p:spPr>
+          <a:xfrm>
+            <a:off x="49346" y="3573016"/>
+            <a:ext cx="9045308" cy="2592287"/>
+          </a:xfrm>
+          <a:prstGeom prst="rect">
+            <a:avLst/>
+          </a:prstGeom>
+        </p:spPr>
+      </p:pic>
+      <p:cxnSp>
+        <p:nvCxnSpPr>
+          <p:cNvPr id="8" name="Straight Connector 7"/>
+          <p:cNvCxnSpPr>
+            <a:cxnSpLocks/>
+          </p:cNvCxnSpPr>
+          <p:nvPr/>
+        </p:nvCxnSpPr>
+        <p:spPr>
+          <a:xfrm>
+            <a:off x="1763688" y="6499457"/>
+            <a:ext cx="6480720" cy="0"/>
+          </a:xfrm>
+          <a:prstGeom prst="line">
+            <a:avLst/>
+          </a:prstGeom>
+        </p:spPr>
+        <p:style>
+          <a:lnRef idx="2">
+            <a:schemeClr val="dk1"/>
+          </a:lnRef>
+          <a:fillRef idx="0">
+            <a:schemeClr val="dk1"/>
+          </a:fillRef>
+          <a:effectRef idx="1">
+            <a:schemeClr val="dk1"/>
+          </a:effectRef>
+          <a:fontRef idx="minor">
+            <a:schemeClr val="tx1"/>
+          </a:fontRef>
+        </p:style>
+      </p:cxnSp>
+      <p:sp>
+        <p:nvSpPr>
+          <p:cNvPr id="11" name="Rectangle 10"/>
+          <p:cNvSpPr/>
+          <p:nvPr/>
+        </p:nvSpPr>
+        <p:spPr>
+          <a:xfrm>
+            <a:off x="6804248" y="6572272"/>
+            <a:ext cx="1345240" cy="246221"/>
+          </a:xfrm>
+          <a:prstGeom prst="rect">
+            <a:avLst/>
+          </a:prstGeom>
+          <a:noFill/>
+        </p:spPr>
+        <p:txBody>
+          <a:bodyPr wrap="none" lIns="91440" tIns="45720" rIns="91440" bIns="45720">
+            <a:spAutoFit/>
+          </a:bodyPr>
+          <a:lstStyle/>
+          <a:p>
+            <a:pPr algn="ctr" rtl="1"/>
+            <a:r>
+              <a:rPr lang="fa-IR" sz="1000" b="1" dirty="0">
+                <a:ln w="1905"/>
+                <a:gradFill>
+                  <a:gsLst>
+                    <a:gs pos="0">
+                      <a:schemeClr val="accent6">
+                        <a:shade val="20000"/>
+                        <a:satMod val="200000"/>
+                      </a:schemeClr>
+                    </a:gs>
+                    <a:gs pos="78000">
+                      <a:schemeClr val="accent6">
+                        <a:tint val="90000"/>
+                        <a:shade val="89000"/>
+                        <a:satMod val="220000"/>
+                      </a:schemeClr>
+                    </a:gs>
+                    <a:gs pos="100000">
+                      <a:schemeClr val="accent6">
+                        <a:tint val="12000"/>
+                        <a:satMod val="255000"/>
+                      </a:schemeClr>
+                    </a:gs>
+                  </a:gsLst>
+                  <a:lin ang="5400000"/>
+                </a:gradFill>
+                <a:effectLst>
+                  <a:innerShdw blurRad="69850" dist="43180" dir="5400000">
+                    <a:srgbClr val="000000">
+                      <a:alpha val="65000"/>
+                    </a:srgbClr>
+                  </a:innerShdw>
+                </a:effectLst>
+              </a:rPr>
+              <a:t>تهیه و تنظیم : سید حیدر علوی</a:t>
+            </a:r>
+            <a:endParaRPr lang="en-US" sz="1000" b="1" dirty="0">
+              <a:ln w="1905"/>
+              <a:gradFill>
+                <a:gsLst>
+                  <a:gs pos="0">
+                    <a:schemeClr val="accent6">
+                      <a:shade val="20000"/>
+                      <a:satMod val="200000"/>
+                    </a:schemeClr>
+                  </a:gs>
+                  <a:gs pos="78000">
+                    <a:schemeClr val="accent6">
+                      <a:tint val="90000"/>
+                      <a:shade val="89000"/>
+                      <a:satMod val="220000"/>
+                    </a:schemeClr>
+                  </a:gs>
+                  <a:gs pos="100000">
+                    <a:schemeClr val="accent6">
+                      <a:tint val="12000"/>
+                      <a:satMod val="255000"/>
+                    </a:schemeClr>
+                  </a:gs>
+                </a:gsLst>
+                <a:lin ang="5400000"/>
+              </a:gradFill>
+              <a:effectLst>
+                <a:innerShdw blurRad="69850" dist="43180" dir="5400000">
+                  <a:srgbClr val="000000">
+                    <a:alpha val="65000"/>
+                  </a:srgbClr>
+                </a:innerShdw>
+              </a:effectLst>
+            </a:endParaRPr>
+          </a:p>
+        </p:txBody>
+      </p:sp>
+      <p:sp>
+        <p:nvSpPr>
+          <p:cNvPr id="13" name="TextBox 12"/>
+          <p:cNvSpPr txBox="1"/>
+          <p:nvPr/>
+        </p:nvSpPr>
+        <p:spPr>
+          <a:xfrm>
+            <a:off x="1712098" y="188640"/>
+            <a:ext cx="5719836" cy="646331"/>
+          </a:xfrm>
+          <a:prstGeom prst="rect">
+            <a:avLst/>
+          </a:prstGeom>
+          <a:noFill/>
+        </p:spPr>
+        <p:txBody>
+          <a:bodyPr wrap="none" rtlCol="0">
+            <a:spAutoFit/>
+          </a:bodyPr>
+          <a:lstStyle/>
+          <a:p>
+            <a:pPr algn="ctr" rtl="1"/>
+            <a:r>
+              <a:rPr lang="en-US" sz="3600" b="1" dirty="0">
+                <a:ln w="1905"/>
+                <a:gradFill>
+                  <a:gsLst>
+                    <a:gs pos="0">
+                      <a:schemeClr val="accent6">
+                        <a:shade val="20000"/>
+                        <a:satMod val="200000"/>
+                      </a:schemeClr>
+                    </a:gs>
+                    <a:gs pos="78000">
+                      <a:schemeClr val="accent6">
+                        <a:tint val="90000"/>
+                        <a:shade val="89000"/>
+                        <a:satMod val="220000"/>
+                      </a:schemeClr>
+                    </a:gs>
+                    <a:gs pos="100000">
+                      <a:schemeClr val="accent6">
+                        <a:tint val="12000"/>
+                        <a:satMod val="255000"/>
+                      </a:schemeClr>
+                    </a:gs>
+                  </a:gsLst>
+                  <a:lin ang="5400000"/>
+                </a:gradFill>
+                <a:effectLst>
+                  <a:innerShdw blurRad="69850" dist="43180" dir="5400000">
+                    <a:srgbClr val="000000">
+                      <a:alpha val="65000"/>
+                    </a:srgbClr>
+                  </a:innerShdw>
+                </a:effectLst>
+              </a:rPr>
+              <a:t>The built-in function </a:t>
+            </a:r>
+            <a:r>
+              <a:rPr lang="en-US" sz="3600" b="1" dirty="0" err="1">
+                <a:ln w="1905"/>
+                <a:gradFill>
+                  <a:gsLst>
+                    <a:gs pos="0">
+                      <a:schemeClr val="accent6">
+                        <a:shade val="20000"/>
+                        <a:satMod val="200000"/>
+                      </a:schemeClr>
+                    </a:gs>
+                    <a:gs pos="78000">
+                      <a:schemeClr val="accent6">
+                        <a:tint val="90000"/>
+                        <a:shade val="89000"/>
+                        <a:satMod val="220000"/>
+                      </a:schemeClr>
+                    </a:gs>
+                    <a:gs pos="100000">
+                      <a:schemeClr val="accent6">
+                        <a:tint val="12000"/>
+                        <a:satMod val="255000"/>
+                      </a:schemeClr>
+                    </a:gs>
+                  </a:gsLst>
+                  <a:lin ang="5400000"/>
+                </a:gradFill>
+                <a:effectLst>
+                  <a:innerShdw blurRad="69850" dist="43180" dir="5400000">
+                    <a:srgbClr val="000000">
+                      <a:alpha val="65000"/>
+                    </a:srgbClr>
+                  </a:innerShdw>
+                </a:effectLst>
+              </a:rPr>
+              <a:t>len</a:t>
+            </a:r>
+            <a:r>
+              <a:rPr lang="en-US" sz="3600" b="1" dirty="0">
+                <a:ln w="1905"/>
+                <a:gradFill>
+                  <a:gsLst>
+                    <a:gs pos="0">
+                      <a:schemeClr val="accent6">
+                        <a:shade val="20000"/>
+                        <a:satMod val="200000"/>
+                      </a:schemeClr>
+                    </a:gs>
+                    <a:gs pos="78000">
+                      <a:schemeClr val="accent6">
+                        <a:tint val="90000"/>
+                        <a:shade val="89000"/>
+                        <a:satMod val="220000"/>
+                      </a:schemeClr>
+                    </a:gs>
+                    <a:gs pos="100000">
+                      <a:schemeClr val="accent6">
+                        <a:tint val="12000"/>
+                        <a:satMod val="255000"/>
+                      </a:schemeClr>
+                    </a:gs>
+                  </a:gsLst>
+                  <a:lin ang="5400000"/>
+                </a:gradFill>
+                <a:effectLst>
+                  <a:innerShdw blurRad="69850" dist="43180" dir="5400000">
+                    <a:srgbClr val="000000">
+                      <a:alpha val="65000"/>
+                    </a:srgbClr>
+                  </a:innerShdw>
+                </a:effectLst>
+              </a:rPr>
+              <a:t>()</a:t>
+            </a:r>
+          </a:p>
+        </p:txBody>
+      </p:sp>
+      <p:sp>
+        <p:nvSpPr>
+          <p:cNvPr id="9" name="Rectangle 8">
+            <a:extLst>
+              <a:ext uri="{FF2B5EF4-FFF2-40B4-BE49-F238E27FC236}">
+                <a16:creationId xmlns:a16="http://schemas.microsoft.com/office/drawing/2014/main" id="{AE259FB9-1872-47CB-A97E-46EC9F196E07}"/>
+              </a:ext>
+            </a:extLst>
+          </p:cNvPr>
+          <p:cNvSpPr/>
+          <p:nvPr/>
+        </p:nvSpPr>
+        <p:spPr>
+          <a:xfrm>
+            <a:off x="4219179" y="6572271"/>
+            <a:ext cx="705642" cy="246221"/>
+          </a:xfrm>
+          <a:prstGeom prst="rect">
+            <a:avLst/>
+          </a:prstGeom>
+          <a:noFill/>
+        </p:spPr>
+        <p:txBody>
+          <a:bodyPr wrap="none" lIns="91440" tIns="45720" rIns="91440" bIns="45720">
+            <a:spAutoFit/>
+          </a:bodyPr>
+          <a:lstStyle/>
+          <a:p>
+            <a:pPr algn="ctr" rtl="1"/>
+            <a:r>
+              <a:rPr lang="fa-IR" sz="1000" b="1" dirty="0">
+                <a:ln w="1905"/>
+                <a:gradFill>
+                  <a:gsLst>
+                    <a:gs pos="0">
+                      <a:schemeClr val="accent6">
+                        <a:shade val="20000"/>
+                        <a:satMod val="200000"/>
+                      </a:schemeClr>
+                    </a:gs>
+                    <a:gs pos="78000">
+                      <a:schemeClr val="accent6">
+                        <a:tint val="90000"/>
+                        <a:shade val="89000"/>
+                        <a:satMod val="220000"/>
+                      </a:schemeClr>
+                    </a:gs>
+                    <a:gs pos="100000">
+                      <a:schemeClr val="accent6">
+                        <a:tint val="12000"/>
+                        <a:satMod val="255000"/>
+                      </a:schemeClr>
+                    </a:gs>
+                  </a:gsLst>
+                  <a:lin ang="5400000"/>
+                </a:gradFill>
+                <a:effectLst>
+                  <a:innerShdw blurRad="69850" dist="43180" dir="5400000">
+                    <a:srgbClr val="000000">
+                      <a:alpha val="65000"/>
+                    </a:srgbClr>
+                  </a:innerShdw>
+                </a:effectLst>
+              </a:rPr>
+              <a:t>تابستان 1401</a:t>
+            </a:r>
+            <a:endParaRPr lang="en-US" sz="1000" b="1" dirty="0">
+              <a:ln w="1905"/>
+              <a:gradFill>
+                <a:gsLst>
+                  <a:gs pos="0">
+                    <a:schemeClr val="accent6">
+                      <a:shade val="20000"/>
+                      <a:satMod val="200000"/>
+                    </a:schemeClr>
+                  </a:gs>
+                  <a:gs pos="78000">
+                    <a:schemeClr val="accent6">
+                      <a:tint val="90000"/>
+                      <a:shade val="89000"/>
+                      <a:satMod val="220000"/>
+                    </a:schemeClr>
+                  </a:gs>
+                  <a:gs pos="100000">
+                    <a:schemeClr val="accent6">
+                      <a:tint val="12000"/>
+                      <a:satMod val="255000"/>
+                    </a:schemeClr>
+                  </a:gs>
+                </a:gsLst>
+                <a:lin ang="5400000"/>
+              </a:gradFill>
+              <a:effectLst>
+                <a:innerShdw blurRad="69850" dist="43180" dir="5400000">
+                  <a:srgbClr val="000000">
+                    <a:alpha val="65000"/>
+                  </a:srgbClr>
+                </a:innerShdw>
+              </a:effectLst>
+            </a:endParaRPr>
+          </a:p>
+        </p:txBody>
+      </p:sp>
+      <p:sp>
+        <p:nvSpPr>
+          <p:cNvPr id="10" name="Rectangle 9">
+            <a:extLst>
+              <a:ext uri="{FF2B5EF4-FFF2-40B4-BE49-F238E27FC236}">
+                <a16:creationId xmlns:a16="http://schemas.microsoft.com/office/drawing/2014/main" id="{46913DD9-CDA3-43FD-AD19-429E0308D71B}"/>
+              </a:ext>
+            </a:extLst>
+          </p:cNvPr>
+          <p:cNvSpPr/>
+          <p:nvPr/>
+        </p:nvSpPr>
+        <p:spPr>
+          <a:xfrm>
+            <a:off x="1795886" y="6572272"/>
+            <a:ext cx="615874" cy="246221"/>
+          </a:xfrm>
+          <a:prstGeom prst="rect">
+            <a:avLst/>
+          </a:prstGeom>
+          <a:noFill/>
+        </p:spPr>
+        <p:txBody>
+          <a:bodyPr wrap="none" lIns="91440" tIns="45720" rIns="91440" bIns="45720">
+            <a:spAutoFit/>
+          </a:bodyPr>
+          <a:lstStyle/>
+          <a:p>
+            <a:pPr algn="ctr" rtl="1"/>
+            <a:r>
+              <a:rPr lang="en-US" sz="1000" b="1" dirty="0">
+                <a:ln w="1905"/>
+                <a:gradFill>
+                  <a:gsLst>
+                    <a:gs pos="0">
+                      <a:schemeClr val="accent6">
+                        <a:shade val="20000"/>
+                        <a:satMod val="200000"/>
+                      </a:schemeClr>
+                    </a:gs>
+                    <a:gs pos="78000">
+                      <a:schemeClr val="accent6">
+                        <a:tint val="90000"/>
+                        <a:shade val="89000"/>
+                        <a:satMod val="220000"/>
+                      </a:schemeClr>
+                    </a:gs>
+                    <a:gs pos="100000">
+                      <a:schemeClr val="accent6">
+                        <a:tint val="12000"/>
+                        <a:satMod val="255000"/>
+                      </a:schemeClr>
+                    </a:gs>
+                  </a:gsLst>
+                  <a:lin ang="5400000"/>
+                </a:gradFill>
+                <a:effectLst>
+                  <a:innerShdw blurRad="69850" dist="43180" dir="5400000">
+                    <a:srgbClr val="000000">
+                      <a:alpha val="65000"/>
+                    </a:srgbClr>
+                  </a:innerShdw>
+                </a:effectLst>
+              </a:rPr>
+              <a:t>Page: </a:t>
+            </a:r>
+            <a:fld id="{14AD6811-EE99-4BEB-8435-24D1DDA55D92}" type="slidenum">
+              <a:rPr lang="en-US" sz="1000" b="1" smtClean="0">
+                <a:ln w="1905"/>
+                <a:gradFill>
+                  <a:gsLst>
+                    <a:gs pos="0">
+                      <a:schemeClr val="accent6">
+                        <a:shade val="20000"/>
+                        <a:satMod val="200000"/>
+                      </a:schemeClr>
+                    </a:gs>
+                    <a:gs pos="78000">
+                      <a:schemeClr val="accent6">
+                        <a:tint val="90000"/>
+                        <a:shade val="89000"/>
+                        <a:satMod val="220000"/>
+                      </a:schemeClr>
+                    </a:gs>
+                    <a:gs pos="100000">
+                      <a:schemeClr val="accent6">
+                        <a:tint val="12000"/>
+                        <a:satMod val="255000"/>
+                      </a:schemeClr>
+                    </a:gs>
+                  </a:gsLst>
+                  <a:lin ang="5400000"/>
+                </a:gradFill>
+                <a:effectLst>
+                  <a:innerShdw blurRad="69850" dist="43180" dir="5400000">
+                    <a:srgbClr val="000000">
+                      <a:alpha val="65000"/>
+                    </a:srgbClr>
+                  </a:innerShdw>
+                </a:effectLst>
+              </a:rPr>
+              <a:t>7</a:t>
+            </a:fld>
+            <a:endParaRPr lang="en-US" sz="1000" b="1" dirty="0">
+              <a:ln w="1905"/>
+              <a:gradFill>
+                <a:gsLst>
+                  <a:gs pos="0">
+                    <a:schemeClr val="accent6">
+                      <a:shade val="20000"/>
+                      <a:satMod val="200000"/>
+                    </a:schemeClr>
+                  </a:gs>
+                  <a:gs pos="78000">
+                    <a:schemeClr val="accent6">
+                      <a:tint val="90000"/>
+                      <a:shade val="89000"/>
+                      <a:satMod val="220000"/>
+                    </a:schemeClr>
+                  </a:gs>
+                  <a:gs pos="100000">
+                    <a:schemeClr val="accent6">
+                      <a:tint val="12000"/>
+                      <a:satMod val="255000"/>
+                    </a:schemeClr>
+                  </a:gs>
+                </a:gsLst>
+                <a:lin ang="5400000"/>
+              </a:gradFill>
+              <a:effectLst>
+                <a:innerShdw blurRad="69850" dist="43180" dir="5400000">
+                  <a:srgbClr val="000000">
+                    <a:alpha val="65000"/>
+                  </a:srgbClr>
+                </a:innerShdw>
+              </a:effectLst>
+            </a:endParaRPr>
+          </a:p>
+        </p:txBody>
+      </p:sp>
+      <p:pic>
+        <p:nvPicPr>
+          <p:cNvPr id="4" name="Picture 3">
+            <a:extLst>
+              <a:ext uri="{FF2B5EF4-FFF2-40B4-BE49-F238E27FC236}">
+                <a16:creationId xmlns:a16="http://schemas.microsoft.com/office/drawing/2014/main" id="{F3625243-9805-4010-9491-688C02CA4108}"/>
+              </a:ext>
+            </a:extLst>
+          </p:cNvPr>
+          <p:cNvPicPr>
+            <a:picLocks noChangeAspect="1"/>
+          </p:cNvPicPr>
+          <p:nvPr/>
+        </p:nvPicPr>
+        <p:blipFill>
+          <a:blip r:embed="rId3" cstate="print">
+            <a:extLst>
+              <a:ext uri="{28A0092B-C50C-407E-A947-70E740481C1C}">
+                <a14:useLocalDpi xmlns:a14="http://schemas.microsoft.com/office/drawing/2010/main" val="0"/>
+              </a:ext>
+            </a:extLst>
+          </a:blip>
+          <a:stretch>
+            <a:fillRect/>
+          </a:stretch>
+        </p:blipFill>
+        <p:spPr>
+          <a:xfrm>
+            <a:off x="8343133" y="6104393"/>
+            <a:ext cx="765371" cy="780991"/>
+          </a:xfrm>
+          <a:prstGeom prst="rect">
+            <a:avLst/>
+          </a:prstGeom>
+        </p:spPr>
+      </p:pic>
+      <p:pic>
+        <p:nvPicPr>
+          <p:cNvPr id="17" name="Picture 16">
+            <a:extLst>
+              <a:ext uri="{FF2B5EF4-FFF2-40B4-BE49-F238E27FC236}">
+                <a16:creationId xmlns:a16="http://schemas.microsoft.com/office/drawing/2014/main" id="{671CD04D-E9F8-4950-836D-431AD3EA459A}"/>
+              </a:ext>
+            </a:extLst>
+          </p:cNvPr>
+          <p:cNvPicPr>
+            <a:picLocks noChangeAspect="1"/>
+          </p:cNvPicPr>
+          <p:nvPr/>
+        </p:nvPicPr>
+        <p:blipFill>
+          <a:blip r:embed="rId4" cstate="print">
+            <a:extLst>
+              <a:ext uri="{28A0092B-C50C-407E-A947-70E740481C1C}">
+                <a14:useLocalDpi xmlns:a14="http://schemas.microsoft.com/office/drawing/2010/main" val="0"/>
+              </a:ext>
+            </a:extLst>
+          </a:blip>
+          <a:srcRect/>
+          <a:stretch/>
+        </p:blipFill>
+        <p:spPr>
+          <a:xfrm>
+            <a:off x="49346" y="6165304"/>
+            <a:ext cx="1548718" cy="522459"/>
+          </a:xfrm>
+          <a:prstGeom prst="rect">
+            <a:avLst/>
+          </a:prstGeom>
+        </p:spPr>
+      </p:pic>
+      <p:pic>
+        <p:nvPicPr>
+          <p:cNvPr id="7" name="Picture 6">
+            <a:extLst>
+              <a:ext uri="{FF2B5EF4-FFF2-40B4-BE49-F238E27FC236}">
+                <a16:creationId xmlns:a16="http://schemas.microsoft.com/office/drawing/2014/main" id="{DD43C417-777F-B10A-1CC3-1B4C6B8C9218}"/>
+              </a:ext>
+            </a:extLst>
+          </p:cNvPr>
+          <p:cNvPicPr>
+            <a:picLocks noChangeAspect="1"/>
+          </p:cNvPicPr>
+          <p:nvPr/>
+        </p:nvPicPr>
+        <p:blipFill rotWithShape="1">
+          <a:blip r:embed="rId5"/>
+          <a:srcRect l="8263" t="30390" r="8758" b="44398"/>
+          <a:stretch/>
+        </p:blipFill>
+        <p:spPr>
+          <a:xfrm>
+            <a:off x="49346" y="909029"/>
+            <a:ext cx="9059157" cy="1871895"/>
+          </a:xfrm>
+          <a:prstGeom prst="rect">
+            <a:avLst/>
+          </a:prstGeom>
+        </p:spPr>
+      </p:pic>
+      <p:sp>
+        <p:nvSpPr>
+          <p:cNvPr id="14" name="TextBox 13">
+            <a:extLst>
+              <a:ext uri="{FF2B5EF4-FFF2-40B4-BE49-F238E27FC236}">
+                <a16:creationId xmlns:a16="http://schemas.microsoft.com/office/drawing/2014/main" id="{9A4145A8-DABD-B710-78C7-B5AEE05C59DE}"/>
+              </a:ext>
+            </a:extLst>
+          </p:cNvPr>
+          <p:cNvSpPr txBox="1"/>
+          <p:nvPr/>
+        </p:nvSpPr>
+        <p:spPr>
+          <a:xfrm>
+            <a:off x="2389367" y="2852936"/>
+            <a:ext cx="4365299" cy="646331"/>
+          </a:xfrm>
+          <a:prstGeom prst="rect">
+            <a:avLst/>
+          </a:prstGeom>
+          <a:noFill/>
+        </p:spPr>
+        <p:txBody>
+          <a:bodyPr wrap="none" rtlCol="0">
+            <a:spAutoFit/>
+          </a:bodyPr>
+          <a:lstStyle/>
+          <a:p>
+            <a:pPr algn="ctr" rtl="1"/>
+            <a:r>
+              <a:rPr lang="en-US" sz="3600" b="1" dirty="0">
+                <a:ln w="1905"/>
+                <a:gradFill>
+                  <a:gsLst>
+                    <a:gs pos="0">
+                      <a:schemeClr val="accent6">
+                        <a:shade val="20000"/>
+                        <a:satMod val="200000"/>
+                      </a:schemeClr>
+                    </a:gs>
+                    <a:gs pos="78000">
+                      <a:schemeClr val="accent6">
+                        <a:tint val="90000"/>
+                        <a:shade val="89000"/>
+                        <a:satMod val="220000"/>
+                      </a:schemeClr>
+                    </a:gs>
+                    <a:gs pos="100000">
+                      <a:schemeClr val="accent6">
+                        <a:tint val="12000"/>
+                        <a:satMod val="255000"/>
+                      </a:schemeClr>
+                    </a:gs>
+                  </a:gsLst>
+                  <a:lin ang="5400000"/>
+                </a:gradFill>
+                <a:effectLst>
+                  <a:innerShdw blurRad="69850" dist="43180" dir="5400000">
+                    <a:srgbClr val="000000">
+                      <a:alpha val="65000"/>
+                    </a:srgbClr>
+                  </a:innerShdw>
+                </a:effectLst>
+              </a:rPr>
+              <a:t>The type() function</a:t>
+            </a:r>
+          </a:p>
+        </p:txBody>
+      </p:sp>
+    </p:spTree>
+    <p:extLst>
+      <p:ext uri="{BB962C8B-B14F-4D97-AF65-F5344CB8AC3E}">
+        <p14:creationId xmlns:p14="http://schemas.microsoft.com/office/powerpoint/2010/main" val="1337011518"/>
+      </p:ext>
+    </p:extLst>
+  </p:cSld>
+  <p:clrMapOvr>
+    <a:masterClrMapping/>
+  </p:clrMapOvr>
+</p:sld>
+</file>
+
+<file path=ppt/slides/slide8.xml><?xml version="1.0" encoding="utf-8"?>
+<p:sld xmlns:a="http://schemas.openxmlformats.org/drawingml/2006/main" xmlns:r="http://schemas.openxmlformats.org/officeDocument/2006/relationships" xmlns:p="http://schemas.openxmlformats.org/presentationml/2006/main">
+  <p:cSld>
+    <p:bg>
+      <p:bgPr>
+        <a:solidFill>
+          <a:schemeClr val="bg1"/>
+        </a:solidFill>
+        <a:effectLst/>
+      </p:bgPr>
+    </p:bg>
+    <p:spTree>
+      <p:nvGrpSpPr>
+        <p:cNvPr id="1" name=""/>
+        <p:cNvGrpSpPr/>
+        <p:nvPr/>
+      </p:nvGrpSpPr>
+      <p:grpSpPr>
+        <a:xfrm>
+          <a:off x="0" y="0"/>
+          <a:ext cx="0" cy="0"/>
+          <a:chOff x="0" y="0"/>
+          <a:chExt cx="0" cy="0"/>
+        </a:xfrm>
+      </p:grpSpPr>
+      <p:cxnSp>
+        <p:nvCxnSpPr>
+          <p:cNvPr id="8" name="Straight Connector 7"/>
+          <p:cNvCxnSpPr>
+            <a:cxnSpLocks/>
+          </p:cNvCxnSpPr>
+          <p:nvPr/>
+        </p:nvCxnSpPr>
+        <p:spPr>
+          <a:xfrm>
+            <a:off x="1763688" y="6499457"/>
+            <a:ext cx="6480720" cy="0"/>
+          </a:xfrm>
+          <a:prstGeom prst="line">
+            <a:avLst/>
+          </a:prstGeom>
+        </p:spPr>
+        <p:style>
+          <a:lnRef idx="2">
+            <a:schemeClr val="dk1"/>
+          </a:lnRef>
+          <a:fillRef idx="0">
+            <a:schemeClr val="dk1"/>
+          </a:fillRef>
+          <a:effectRef idx="1">
+            <a:schemeClr val="dk1"/>
+          </a:effectRef>
+          <a:fontRef idx="minor">
+            <a:schemeClr val="tx1"/>
+          </a:fontRef>
+        </p:style>
+      </p:cxnSp>
+      <p:sp>
+        <p:nvSpPr>
+          <p:cNvPr id="11" name="Rectangle 10"/>
+          <p:cNvSpPr/>
+          <p:nvPr/>
+        </p:nvSpPr>
+        <p:spPr>
+          <a:xfrm>
+            <a:off x="6804248" y="6572272"/>
+            <a:ext cx="1345240" cy="246221"/>
+          </a:xfrm>
+          <a:prstGeom prst="rect">
+            <a:avLst/>
+          </a:prstGeom>
+          <a:noFill/>
+        </p:spPr>
+        <p:txBody>
+          <a:bodyPr wrap="none" lIns="91440" tIns="45720" rIns="91440" bIns="45720">
+            <a:spAutoFit/>
+          </a:bodyPr>
+          <a:lstStyle/>
+          <a:p>
+            <a:pPr algn="ctr" rtl="1"/>
+            <a:r>
+              <a:rPr lang="fa-IR" sz="1000" b="1" dirty="0">
+                <a:ln w="1905"/>
+                <a:gradFill>
+                  <a:gsLst>
+                    <a:gs pos="0">
+                      <a:schemeClr val="accent6">
+                        <a:shade val="20000"/>
+                        <a:satMod val="200000"/>
+                      </a:schemeClr>
+                    </a:gs>
+                    <a:gs pos="78000">
+                      <a:schemeClr val="accent6">
+                        <a:tint val="90000"/>
+                        <a:shade val="89000"/>
+                        <a:satMod val="220000"/>
+                      </a:schemeClr>
+                    </a:gs>
+                    <a:gs pos="100000">
+                      <a:schemeClr val="accent6">
+                        <a:tint val="12000"/>
+                        <a:satMod val="255000"/>
+                      </a:schemeClr>
+                    </a:gs>
+                  </a:gsLst>
+                  <a:lin ang="5400000"/>
+                </a:gradFill>
+                <a:effectLst>
+                  <a:innerShdw blurRad="69850" dist="43180" dir="5400000">
+                    <a:srgbClr val="000000">
+                      <a:alpha val="65000"/>
+                    </a:srgbClr>
+                  </a:innerShdw>
+                </a:effectLst>
+              </a:rPr>
+              <a:t>تهیه و تنظیم : سید حیدر علوی</a:t>
+            </a:r>
+            <a:endParaRPr lang="en-US" sz="1000" b="1" dirty="0">
+              <a:ln w="1905"/>
+              <a:gradFill>
+                <a:gsLst>
+                  <a:gs pos="0">
+                    <a:schemeClr val="accent6">
+                      <a:shade val="20000"/>
+                      <a:satMod val="200000"/>
+                    </a:schemeClr>
+                  </a:gs>
+                  <a:gs pos="78000">
+                    <a:schemeClr val="accent6">
+                      <a:tint val="90000"/>
+                      <a:shade val="89000"/>
+                      <a:satMod val="220000"/>
+                    </a:schemeClr>
+                  </a:gs>
+                  <a:gs pos="100000">
+                    <a:schemeClr val="accent6">
+                      <a:tint val="12000"/>
+                      <a:satMod val="255000"/>
+                    </a:schemeClr>
+                  </a:gs>
+                </a:gsLst>
+                <a:lin ang="5400000"/>
+              </a:gradFill>
+              <a:effectLst>
+                <a:innerShdw blurRad="69850" dist="43180" dir="5400000">
+                  <a:srgbClr val="000000">
+                    <a:alpha val="65000"/>
+                  </a:srgbClr>
+                </a:innerShdw>
+              </a:effectLst>
+            </a:endParaRPr>
+          </a:p>
+        </p:txBody>
+      </p:sp>
+      <p:sp>
+        <p:nvSpPr>
+          <p:cNvPr id="13" name="TextBox 12"/>
+          <p:cNvSpPr txBox="1"/>
+          <p:nvPr/>
+        </p:nvSpPr>
+        <p:spPr>
+          <a:xfrm>
+            <a:off x="1427053" y="188640"/>
+            <a:ext cx="6289928" cy="646331"/>
+          </a:xfrm>
+          <a:prstGeom prst="rect">
+            <a:avLst/>
+          </a:prstGeom>
+          <a:noFill/>
+        </p:spPr>
+        <p:txBody>
+          <a:bodyPr wrap="none" rtlCol="0">
+            <a:spAutoFit/>
+          </a:bodyPr>
+          <a:lstStyle/>
+          <a:p>
+            <a:pPr algn="ctr" rtl="1"/>
+            <a:r>
+              <a:rPr lang="en-US" sz="3600" b="1" dirty="0">
+                <a:ln w="1905"/>
+                <a:gradFill>
+                  <a:gsLst>
+                    <a:gs pos="0">
+                      <a:schemeClr val="accent6">
+                        <a:shade val="20000"/>
+                        <a:satMod val="200000"/>
+                      </a:schemeClr>
+                    </a:gs>
+                    <a:gs pos="78000">
+                      <a:schemeClr val="accent6">
+                        <a:tint val="90000"/>
+                        <a:shade val="89000"/>
+                        <a:satMod val="220000"/>
+                      </a:schemeClr>
+                    </a:gs>
+                    <a:gs pos="100000">
+                      <a:schemeClr val="accent6">
+                        <a:tint val="12000"/>
+                        <a:satMod val="255000"/>
+                      </a:schemeClr>
+                    </a:gs>
+                  </a:gsLst>
+                  <a:lin ang="5400000"/>
+                </a:gradFill>
+                <a:effectLst>
+                  <a:innerShdw blurRad="69850" dist="43180" dir="5400000">
+                    <a:srgbClr val="000000">
+                      <a:alpha val="65000"/>
+                    </a:srgbClr>
+                  </a:innerShdw>
+                </a:effectLst>
+              </a:rPr>
+              <a:t>The built-in function range()</a:t>
+            </a:r>
+          </a:p>
+        </p:txBody>
+      </p:sp>
+      <p:sp>
+        <p:nvSpPr>
+          <p:cNvPr id="9" name="Rectangle 8">
+            <a:extLst>
+              <a:ext uri="{FF2B5EF4-FFF2-40B4-BE49-F238E27FC236}">
+                <a16:creationId xmlns:a16="http://schemas.microsoft.com/office/drawing/2014/main" id="{AE259FB9-1872-47CB-A97E-46EC9F196E07}"/>
+              </a:ext>
+            </a:extLst>
+          </p:cNvPr>
+          <p:cNvSpPr/>
+          <p:nvPr/>
+        </p:nvSpPr>
+        <p:spPr>
+          <a:xfrm>
+            <a:off x="4219179" y="6572271"/>
+            <a:ext cx="705642" cy="246221"/>
+          </a:xfrm>
+          <a:prstGeom prst="rect">
+            <a:avLst/>
+          </a:prstGeom>
+          <a:noFill/>
+        </p:spPr>
+        <p:txBody>
+          <a:bodyPr wrap="none" lIns="91440" tIns="45720" rIns="91440" bIns="45720">
+            <a:spAutoFit/>
+          </a:bodyPr>
+          <a:lstStyle/>
+          <a:p>
+            <a:pPr algn="ctr" rtl="1"/>
+            <a:r>
+              <a:rPr lang="fa-IR" sz="1000" b="1" dirty="0">
+                <a:ln w="1905"/>
+                <a:gradFill>
+                  <a:gsLst>
+                    <a:gs pos="0">
+                      <a:schemeClr val="accent6">
+                        <a:shade val="20000"/>
+                        <a:satMod val="200000"/>
+                      </a:schemeClr>
+                    </a:gs>
+                    <a:gs pos="78000">
+                      <a:schemeClr val="accent6">
+                        <a:tint val="90000"/>
+                        <a:shade val="89000"/>
+                        <a:satMod val="220000"/>
+                      </a:schemeClr>
+                    </a:gs>
+                    <a:gs pos="100000">
+                      <a:schemeClr val="accent6">
+                        <a:tint val="12000"/>
+                        <a:satMod val="255000"/>
+                      </a:schemeClr>
+                    </a:gs>
+                  </a:gsLst>
+                  <a:lin ang="5400000"/>
+                </a:gradFill>
+                <a:effectLst>
+                  <a:innerShdw blurRad="69850" dist="43180" dir="5400000">
+                    <a:srgbClr val="000000">
+                      <a:alpha val="65000"/>
+                    </a:srgbClr>
+                  </a:innerShdw>
+                </a:effectLst>
+              </a:rPr>
+              <a:t>تابستان 1401</a:t>
+            </a:r>
+            <a:endParaRPr lang="en-US" sz="1000" b="1" dirty="0">
+              <a:ln w="1905"/>
+              <a:gradFill>
+                <a:gsLst>
+                  <a:gs pos="0">
+                    <a:schemeClr val="accent6">
+                      <a:shade val="20000"/>
+                      <a:satMod val="200000"/>
+                    </a:schemeClr>
+                  </a:gs>
+                  <a:gs pos="78000">
+                    <a:schemeClr val="accent6">
+                      <a:tint val="90000"/>
+                      <a:shade val="89000"/>
+                      <a:satMod val="220000"/>
+                    </a:schemeClr>
+                  </a:gs>
+                  <a:gs pos="100000">
+                    <a:schemeClr val="accent6">
+                      <a:tint val="12000"/>
+                      <a:satMod val="255000"/>
+                    </a:schemeClr>
+                  </a:gs>
+                </a:gsLst>
+                <a:lin ang="5400000"/>
+              </a:gradFill>
+              <a:effectLst>
+                <a:innerShdw blurRad="69850" dist="43180" dir="5400000">
+                  <a:srgbClr val="000000">
+                    <a:alpha val="65000"/>
+                  </a:srgbClr>
+                </a:innerShdw>
+              </a:effectLst>
+            </a:endParaRPr>
+          </a:p>
+        </p:txBody>
+      </p:sp>
+      <p:sp>
+        <p:nvSpPr>
+          <p:cNvPr id="10" name="Rectangle 9">
+            <a:extLst>
+              <a:ext uri="{FF2B5EF4-FFF2-40B4-BE49-F238E27FC236}">
+                <a16:creationId xmlns:a16="http://schemas.microsoft.com/office/drawing/2014/main" id="{46913DD9-CDA3-43FD-AD19-429E0308D71B}"/>
+              </a:ext>
+            </a:extLst>
+          </p:cNvPr>
+          <p:cNvSpPr/>
+          <p:nvPr/>
+        </p:nvSpPr>
+        <p:spPr>
+          <a:xfrm>
+            <a:off x="1795886" y="6572272"/>
+            <a:ext cx="615874" cy="246221"/>
+          </a:xfrm>
+          <a:prstGeom prst="rect">
+            <a:avLst/>
+          </a:prstGeom>
+          <a:noFill/>
+        </p:spPr>
+        <p:txBody>
+          <a:bodyPr wrap="none" lIns="91440" tIns="45720" rIns="91440" bIns="45720">
+            <a:spAutoFit/>
+          </a:bodyPr>
+          <a:lstStyle/>
+          <a:p>
+            <a:pPr algn="ctr" rtl="1"/>
+            <a:r>
+              <a:rPr lang="en-US" sz="1000" b="1" dirty="0">
+                <a:ln w="1905"/>
+                <a:gradFill>
+                  <a:gsLst>
+                    <a:gs pos="0">
+                      <a:schemeClr val="accent6">
+                        <a:shade val="20000"/>
+                        <a:satMod val="200000"/>
+                      </a:schemeClr>
+                    </a:gs>
+                    <a:gs pos="78000">
+                      <a:schemeClr val="accent6">
+                        <a:tint val="90000"/>
+                        <a:shade val="89000"/>
+                        <a:satMod val="220000"/>
+                      </a:schemeClr>
+                    </a:gs>
+                    <a:gs pos="100000">
+                      <a:schemeClr val="accent6">
+                        <a:tint val="12000"/>
+                        <a:satMod val="255000"/>
+                      </a:schemeClr>
+                    </a:gs>
+                  </a:gsLst>
+                  <a:lin ang="5400000"/>
+                </a:gradFill>
+                <a:effectLst>
+                  <a:innerShdw blurRad="69850" dist="43180" dir="5400000">
+                    <a:srgbClr val="000000">
+                      <a:alpha val="65000"/>
+                    </a:srgbClr>
+                  </a:innerShdw>
+                </a:effectLst>
+              </a:rPr>
+              <a:t>Page: </a:t>
+            </a:r>
+            <a:fld id="{14AD6811-EE99-4BEB-8435-24D1DDA55D92}" type="slidenum">
+              <a:rPr lang="en-US" sz="1000" b="1" smtClean="0">
+                <a:ln w="1905"/>
+                <a:gradFill>
+                  <a:gsLst>
+                    <a:gs pos="0">
+                      <a:schemeClr val="accent6">
+                        <a:shade val="20000"/>
+                        <a:satMod val="200000"/>
+                      </a:schemeClr>
+                    </a:gs>
+                    <a:gs pos="78000">
+                      <a:schemeClr val="accent6">
+                        <a:tint val="90000"/>
+                        <a:shade val="89000"/>
+                        <a:satMod val="220000"/>
+                      </a:schemeClr>
+                    </a:gs>
+                    <a:gs pos="100000">
+                      <a:schemeClr val="accent6">
+                        <a:tint val="12000"/>
+                        <a:satMod val="255000"/>
+                      </a:schemeClr>
+                    </a:gs>
+                  </a:gsLst>
+                  <a:lin ang="5400000"/>
+                </a:gradFill>
+                <a:effectLst>
+                  <a:innerShdw blurRad="69850" dist="43180" dir="5400000">
+                    <a:srgbClr val="000000">
+                      <a:alpha val="65000"/>
+                    </a:srgbClr>
+                  </a:innerShdw>
+                </a:effectLst>
+              </a:rPr>
+              <a:t>8</a:t>
+            </a:fld>
+            <a:endParaRPr lang="en-US" sz="1000" b="1" dirty="0">
+              <a:ln w="1905"/>
+              <a:gradFill>
+                <a:gsLst>
+                  <a:gs pos="0">
+                    <a:schemeClr val="accent6">
+                      <a:shade val="20000"/>
+                      <a:satMod val="200000"/>
+                    </a:schemeClr>
+                  </a:gs>
+                  <a:gs pos="78000">
+                    <a:schemeClr val="accent6">
+                      <a:tint val="90000"/>
+                      <a:shade val="89000"/>
+                      <a:satMod val="220000"/>
+                    </a:schemeClr>
+                  </a:gs>
+                  <a:gs pos="100000">
+                    <a:schemeClr val="accent6">
+                      <a:tint val="12000"/>
+                      <a:satMod val="255000"/>
+                    </a:schemeClr>
+                  </a:gs>
+                </a:gsLst>
+                <a:lin ang="5400000"/>
+              </a:gradFill>
+              <a:effectLst>
+                <a:innerShdw blurRad="69850" dist="43180" dir="5400000">
+                  <a:srgbClr val="000000">
+                    <a:alpha val="65000"/>
+                  </a:srgbClr>
+                </a:innerShdw>
+              </a:effectLst>
+            </a:endParaRPr>
+          </a:p>
+        </p:txBody>
+      </p:sp>
+      <p:pic>
+        <p:nvPicPr>
+          <p:cNvPr id="4" name="Picture 3">
+            <a:extLst>
+              <a:ext uri="{FF2B5EF4-FFF2-40B4-BE49-F238E27FC236}">
+                <a16:creationId xmlns:a16="http://schemas.microsoft.com/office/drawing/2014/main" id="{F3625243-9805-4010-9491-688C02CA4108}"/>
+              </a:ext>
+            </a:extLst>
+          </p:cNvPr>
+          <p:cNvPicPr>
+            <a:picLocks noChangeAspect="1"/>
+          </p:cNvPicPr>
+          <p:nvPr/>
+        </p:nvPicPr>
+        <p:blipFill>
+          <a:blip r:embed="rId2" cstate="print">
+            <a:extLst>
+              <a:ext uri="{28A0092B-C50C-407E-A947-70E740481C1C}">
+                <a14:useLocalDpi xmlns:a14="http://schemas.microsoft.com/office/drawing/2010/main" val="0"/>
+              </a:ext>
+            </a:extLst>
+          </a:blip>
+          <a:stretch>
+            <a:fillRect/>
+          </a:stretch>
+        </p:blipFill>
+        <p:spPr>
+          <a:xfrm>
+            <a:off x="8343133" y="6104393"/>
+            <a:ext cx="765371" cy="780991"/>
+          </a:xfrm>
+          <a:prstGeom prst="rect">
+            <a:avLst/>
+          </a:prstGeom>
+        </p:spPr>
+      </p:pic>
+      <p:pic>
+        <p:nvPicPr>
+          <p:cNvPr id="17" name="Picture 16">
+            <a:extLst>
+              <a:ext uri="{FF2B5EF4-FFF2-40B4-BE49-F238E27FC236}">
+                <a16:creationId xmlns:a16="http://schemas.microsoft.com/office/drawing/2014/main" id="{671CD04D-E9F8-4950-836D-431AD3EA459A}"/>
+              </a:ext>
+            </a:extLst>
+          </p:cNvPr>
+          <p:cNvPicPr>
+            <a:picLocks noChangeAspect="1"/>
+          </p:cNvPicPr>
+          <p:nvPr/>
+        </p:nvPicPr>
+        <p:blipFill>
+          <a:blip r:embed="rId3" cstate="print">
+            <a:extLst>
+              <a:ext uri="{28A0092B-C50C-407E-A947-70E740481C1C}">
+                <a14:useLocalDpi xmlns:a14="http://schemas.microsoft.com/office/drawing/2010/main" val="0"/>
+              </a:ext>
+            </a:extLst>
+          </a:blip>
+          <a:srcRect/>
+          <a:stretch/>
+        </p:blipFill>
+        <p:spPr>
+          <a:xfrm>
+            <a:off x="49346" y="6165304"/>
+            <a:ext cx="1548718" cy="522459"/>
+          </a:xfrm>
+          <a:prstGeom prst="rect">
+            <a:avLst/>
+          </a:prstGeom>
+        </p:spPr>
+      </p:pic>
+      <p:pic>
+        <p:nvPicPr>
+          <p:cNvPr id="3" name="Picture 2">
+            <a:extLst>
+              <a:ext uri="{FF2B5EF4-FFF2-40B4-BE49-F238E27FC236}">
+                <a16:creationId xmlns:a16="http://schemas.microsoft.com/office/drawing/2014/main" id="{D1494264-87D3-4045-346E-DACFEB18477B}"/>
+              </a:ext>
+            </a:extLst>
+          </p:cNvPr>
+          <p:cNvPicPr>
+            <a:picLocks noChangeAspect="1"/>
+          </p:cNvPicPr>
+          <p:nvPr/>
+        </p:nvPicPr>
+        <p:blipFill rotWithShape="1">
+          <a:blip r:embed="rId4"/>
+          <a:srcRect l="8263" t="30390" r="8758" b="42997"/>
+          <a:stretch/>
+        </p:blipFill>
+        <p:spPr>
+          <a:xfrm>
+            <a:off x="49346" y="939174"/>
+            <a:ext cx="9059157" cy="1697738"/>
+          </a:xfrm>
+          <a:prstGeom prst="rect">
+            <a:avLst/>
+          </a:prstGeom>
+        </p:spPr>
+      </p:pic>
+      <p:pic>
+        <p:nvPicPr>
+          <p:cNvPr id="6" name="Picture 5">
+            <a:extLst>
+              <a:ext uri="{FF2B5EF4-FFF2-40B4-BE49-F238E27FC236}">
+                <a16:creationId xmlns:a16="http://schemas.microsoft.com/office/drawing/2014/main" id="{C50E8A81-3F75-400F-50FB-D9D5FC9330C2}"/>
+              </a:ext>
+            </a:extLst>
+          </p:cNvPr>
+          <p:cNvPicPr>
+            <a:picLocks noChangeAspect="1"/>
+          </p:cNvPicPr>
+          <p:nvPr/>
+        </p:nvPicPr>
+        <p:blipFill rotWithShape="1">
+          <a:blip r:embed="rId5"/>
+          <a:srcRect l="8263" t="30390" r="8758" b="52802"/>
+          <a:stretch/>
+        </p:blipFill>
+        <p:spPr>
+          <a:xfrm>
+            <a:off x="49346" y="2841984"/>
+            <a:ext cx="9059157" cy="1163075"/>
+          </a:xfrm>
+          <a:prstGeom prst="rect">
+            <a:avLst/>
+          </a:prstGeom>
+        </p:spPr>
+      </p:pic>
+      <p:pic>
+        <p:nvPicPr>
+          <p:cNvPr id="15" name="Picture 14">
+            <a:extLst>
+              <a:ext uri="{FF2B5EF4-FFF2-40B4-BE49-F238E27FC236}">
+                <a16:creationId xmlns:a16="http://schemas.microsoft.com/office/drawing/2014/main" id="{5BFABB46-D88F-3C03-CA82-37820D9921C0}"/>
+              </a:ext>
+            </a:extLst>
+          </p:cNvPr>
+          <p:cNvPicPr>
+            <a:picLocks noChangeAspect="1"/>
+          </p:cNvPicPr>
+          <p:nvPr/>
+        </p:nvPicPr>
+        <p:blipFill rotWithShape="1">
+          <a:blip r:embed="rId6"/>
+          <a:srcRect l="9050" t="31791" r="8759" b="53017"/>
+          <a:stretch/>
+        </p:blipFill>
+        <p:spPr>
+          <a:xfrm>
+            <a:off x="49347" y="4210130"/>
+            <a:ext cx="9059156" cy="1235093"/>
+          </a:xfrm>
+          <a:prstGeom prst="rect">
+            <a:avLst/>
+          </a:prstGeom>
+        </p:spPr>
+      </p:pic>
+    </p:spTree>
+    <p:extLst>
+      <p:ext uri="{BB962C8B-B14F-4D97-AF65-F5344CB8AC3E}">
+        <p14:creationId xmlns:p14="http://schemas.microsoft.com/office/powerpoint/2010/main" val="3421988142"/>
+      </p:ext>
+    </p:extLst>
+  </p:cSld>
+  <p:clrMapOvr>
+    <a:masterClrMapping/>
+  </p:clrMapOvr>
+</p:sld>
+</file>
+
+<file path=ppt/slides/slide9.xml><?xml version="1.0" encoding="utf-8"?>
+<p:sld xmlns:a="http://schemas.openxmlformats.org/drawingml/2006/main" xmlns:r="http://schemas.openxmlformats.org/officeDocument/2006/relationships" xmlns:p="http://schemas.openxmlformats.org/presentationml/2006/main">
+  <p:cSld>
+    <p:bg>
+      <p:bgPr>
+        <a:solidFill>
+          <a:schemeClr val="bg1"/>
+        </a:solidFill>
+        <a:effectLst/>
+      </p:bgPr>
+    </p:bg>
+    <p:spTree>
+      <p:nvGrpSpPr>
+        <p:cNvPr id="1" name=""/>
+        <p:cNvGrpSpPr/>
+        <p:nvPr/>
+      </p:nvGrpSpPr>
+      <p:grpSpPr>
+        <a:xfrm>
+          <a:off x="0" y="0"/>
+          <a:ext cx="0" cy="0"/>
+          <a:chOff x="0" y="0"/>
+          <a:chExt cx="0" cy="0"/>
+        </a:xfrm>
+      </p:grpSpPr>
+      <p:cxnSp>
+        <p:nvCxnSpPr>
+          <p:cNvPr id="8" name="Straight Connector 7"/>
+          <p:cNvCxnSpPr>
+            <a:cxnSpLocks/>
+          </p:cNvCxnSpPr>
+          <p:nvPr/>
+        </p:nvCxnSpPr>
+        <p:spPr>
+          <a:xfrm>
+            <a:off x="1763688" y="6499457"/>
+            <a:ext cx="6480720" cy="0"/>
+          </a:xfrm>
+          <a:prstGeom prst="line">
+            <a:avLst/>
+          </a:prstGeom>
+        </p:spPr>
+        <p:style>
+          <a:lnRef idx="2">
+            <a:schemeClr val="dk1"/>
+          </a:lnRef>
+          <a:fillRef idx="0">
+            <a:schemeClr val="dk1"/>
+          </a:fillRef>
+          <a:effectRef idx="1">
+            <a:schemeClr val="dk1"/>
+          </a:effectRef>
+          <a:fontRef idx="minor">
+            <a:schemeClr val="tx1"/>
+          </a:fontRef>
+        </p:style>
+      </p:cxnSp>
+      <p:sp>
+        <p:nvSpPr>
+          <p:cNvPr id="11" name="Rectangle 10"/>
+          <p:cNvSpPr/>
+          <p:nvPr/>
+        </p:nvSpPr>
+        <p:spPr>
+          <a:xfrm>
+            <a:off x="6804248" y="6572272"/>
+            <a:ext cx="1345240" cy="246221"/>
+          </a:xfrm>
+          <a:prstGeom prst="rect">
+            <a:avLst/>
+          </a:prstGeom>
+          <a:noFill/>
+        </p:spPr>
+        <p:txBody>
+          <a:bodyPr wrap="none" lIns="91440" tIns="45720" rIns="91440" bIns="45720">
+            <a:spAutoFit/>
+          </a:bodyPr>
+          <a:lstStyle/>
+          <a:p>
+            <a:pPr algn="ctr" rtl="1"/>
+            <a:r>
+              <a:rPr lang="fa-IR" sz="1000" b="1" dirty="0">
+                <a:ln w="1905"/>
+                <a:gradFill>
+                  <a:gsLst>
+                    <a:gs pos="0">
+                      <a:schemeClr val="accent6">
+                        <a:shade val="20000"/>
+                        <a:satMod val="200000"/>
+                      </a:schemeClr>
+                    </a:gs>
+                    <a:gs pos="78000">
+                      <a:schemeClr val="accent6">
+                        <a:tint val="90000"/>
+                        <a:shade val="89000"/>
+                        <a:satMod val="220000"/>
+                      </a:schemeClr>
+                    </a:gs>
+                    <a:gs pos="100000">
+                      <a:schemeClr val="accent6">
+                        <a:tint val="12000"/>
+                        <a:satMod val="255000"/>
+                      </a:schemeClr>
+                    </a:gs>
+                  </a:gsLst>
+                  <a:lin ang="5400000"/>
+                </a:gradFill>
+                <a:effectLst>
+                  <a:innerShdw blurRad="69850" dist="43180" dir="5400000">
+                    <a:srgbClr val="000000">
+                      <a:alpha val="65000"/>
+                    </a:srgbClr>
+                  </a:innerShdw>
+                </a:effectLst>
+              </a:rPr>
+              <a:t>تهیه و تنظیم : سید حیدر علوی</a:t>
+            </a:r>
+            <a:endParaRPr lang="en-US" sz="1000" b="1" dirty="0">
+              <a:ln w="1905"/>
+              <a:gradFill>
+                <a:gsLst>
+                  <a:gs pos="0">
+                    <a:schemeClr val="accent6">
+                      <a:shade val="20000"/>
+                      <a:satMod val="200000"/>
+                    </a:schemeClr>
+                  </a:gs>
+                  <a:gs pos="78000">
+                    <a:schemeClr val="accent6">
+                      <a:tint val="90000"/>
+                      <a:shade val="89000"/>
+                      <a:satMod val="220000"/>
+                    </a:schemeClr>
+                  </a:gs>
+                  <a:gs pos="100000">
+                    <a:schemeClr val="accent6">
+                      <a:tint val="12000"/>
+                      <a:satMod val="255000"/>
+                    </a:schemeClr>
+                  </a:gs>
+                </a:gsLst>
+                <a:lin ang="5400000"/>
+              </a:gradFill>
+              <a:effectLst>
+                <a:innerShdw blurRad="69850" dist="43180" dir="5400000">
+                  <a:srgbClr val="000000">
+                    <a:alpha val="65000"/>
+                  </a:srgbClr>
+                </a:innerShdw>
+              </a:effectLst>
+            </a:endParaRPr>
+          </a:p>
+        </p:txBody>
+      </p:sp>
+      <p:sp>
+        <p:nvSpPr>
+          <p:cNvPr id="13" name="TextBox 12"/>
+          <p:cNvSpPr txBox="1"/>
+          <p:nvPr/>
+        </p:nvSpPr>
+        <p:spPr>
+          <a:xfrm>
+            <a:off x="2815645" y="190307"/>
+            <a:ext cx="3526558" cy="646331"/>
+          </a:xfrm>
+          <a:prstGeom prst="rect">
+            <a:avLst/>
+          </a:prstGeom>
+          <a:noFill/>
+        </p:spPr>
+        <p:txBody>
+          <a:bodyPr wrap="square" rtlCol="0">
+            <a:spAutoFit/>
+          </a:bodyPr>
+          <a:lstStyle/>
+          <a:p>
+            <a:pPr algn="ctr" rtl="1"/>
+            <a:r>
+              <a:rPr lang="en-US" altLang="en-US" sz="3600" b="1" dirty="0">
+                <a:ln w="1905"/>
+                <a:gradFill>
+                  <a:gsLst>
+                    <a:gs pos="0">
+                      <a:schemeClr val="accent6">
+                        <a:shade val="20000"/>
+                        <a:satMod val="200000"/>
+                      </a:schemeClr>
+                    </a:gs>
+                    <a:gs pos="78000">
+                      <a:schemeClr val="accent6">
+                        <a:tint val="90000"/>
+                        <a:shade val="89000"/>
+                        <a:satMod val="220000"/>
+                      </a:schemeClr>
+                    </a:gs>
+                    <a:gs pos="100000">
+                      <a:schemeClr val="accent6">
+                        <a:tint val="12000"/>
+                        <a:satMod val="255000"/>
+                      </a:schemeClr>
+                    </a:gs>
+                  </a:gsLst>
+                  <a:lin ang="5400000"/>
+                </a:gradFill>
+                <a:effectLst>
+                  <a:innerShdw blurRad="69850" dist="43180" dir="5400000">
+                    <a:srgbClr val="000000">
+                      <a:alpha val="65000"/>
+                    </a:srgbClr>
+                  </a:innerShdw>
+                </a:effectLst>
+              </a:rPr>
+              <a:t>for Statements</a:t>
+            </a:r>
+            <a:endParaRPr lang="en-US" sz="3600" b="1" dirty="0">
+              <a:ln w="1905"/>
+              <a:gradFill>
+                <a:gsLst>
+                  <a:gs pos="0">
+                    <a:schemeClr val="accent6">
+                      <a:shade val="20000"/>
+                      <a:satMod val="200000"/>
+                    </a:schemeClr>
+                  </a:gs>
+                  <a:gs pos="78000">
+                    <a:schemeClr val="accent6">
+                      <a:tint val="90000"/>
+                      <a:shade val="89000"/>
+                      <a:satMod val="220000"/>
+                    </a:schemeClr>
+                  </a:gs>
+                  <a:gs pos="100000">
+                    <a:schemeClr val="accent6">
+                      <a:tint val="12000"/>
+                      <a:satMod val="255000"/>
+                    </a:schemeClr>
+                  </a:gs>
+                </a:gsLst>
+                <a:lin ang="5400000"/>
+              </a:gradFill>
+              <a:effectLst>
+                <a:innerShdw blurRad="69850" dist="43180" dir="5400000">
+                  <a:srgbClr val="000000">
+                    <a:alpha val="65000"/>
+                  </a:srgbClr>
+                </a:innerShdw>
+              </a:effectLst>
+            </a:endParaRPr>
+          </a:p>
+        </p:txBody>
+      </p:sp>
+      <p:sp>
+        <p:nvSpPr>
+          <p:cNvPr id="9" name="Rectangle 8">
+            <a:extLst>
+              <a:ext uri="{FF2B5EF4-FFF2-40B4-BE49-F238E27FC236}">
+                <a16:creationId xmlns:a16="http://schemas.microsoft.com/office/drawing/2014/main" id="{AE259FB9-1872-47CB-A97E-46EC9F196E07}"/>
+              </a:ext>
+            </a:extLst>
+          </p:cNvPr>
+          <p:cNvSpPr/>
+          <p:nvPr/>
+        </p:nvSpPr>
+        <p:spPr>
+          <a:xfrm>
+            <a:off x="4219179" y="6572271"/>
+            <a:ext cx="705642" cy="246221"/>
+          </a:xfrm>
+          <a:prstGeom prst="rect">
+            <a:avLst/>
+          </a:prstGeom>
+          <a:noFill/>
+        </p:spPr>
+        <p:txBody>
+          <a:bodyPr wrap="none" lIns="91440" tIns="45720" rIns="91440" bIns="45720">
+            <a:spAutoFit/>
+          </a:bodyPr>
+          <a:lstStyle/>
+          <a:p>
+            <a:pPr algn="ctr" rtl="1"/>
+            <a:r>
+              <a:rPr lang="fa-IR" sz="1000" b="1" dirty="0">
+                <a:ln w="1905"/>
+                <a:gradFill>
+                  <a:gsLst>
+                    <a:gs pos="0">
+                      <a:schemeClr val="accent6">
+                        <a:shade val="20000"/>
+                        <a:satMod val="200000"/>
+                      </a:schemeClr>
+                    </a:gs>
+                    <a:gs pos="78000">
+                      <a:schemeClr val="accent6">
+                        <a:tint val="90000"/>
+                        <a:shade val="89000"/>
+                        <a:satMod val="220000"/>
+                      </a:schemeClr>
+                    </a:gs>
+                    <a:gs pos="100000">
+                      <a:schemeClr val="accent6">
+                        <a:tint val="12000"/>
+                        <a:satMod val="255000"/>
+                      </a:schemeClr>
+                    </a:gs>
+                  </a:gsLst>
+                  <a:lin ang="5400000"/>
+                </a:gradFill>
+                <a:effectLst>
+                  <a:innerShdw blurRad="69850" dist="43180" dir="5400000">
+                    <a:srgbClr val="000000">
+                      <a:alpha val="65000"/>
+                    </a:srgbClr>
+                  </a:innerShdw>
+                </a:effectLst>
+              </a:rPr>
+              <a:t>تابستان 1401</a:t>
+            </a:r>
+            <a:endParaRPr lang="en-US" sz="1000" b="1" dirty="0">
+              <a:ln w="1905"/>
+              <a:gradFill>
+                <a:gsLst>
+                  <a:gs pos="0">
+                    <a:schemeClr val="accent6">
+                      <a:shade val="20000"/>
+                      <a:satMod val="200000"/>
+                    </a:schemeClr>
+                  </a:gs>
+                  <a:gs pos="78000">
+                    <a:schemeClr val="accent6">
+                      <a:tint val="90000"/>
+                      <a:shade val="89000"/>
+                      <a:satMod val="220000"/>
+                    </a:schemeClr>
+                  </a:gs>
+                  <a:gs pos="100000">
+                    <a:schemeClr val="accent6">
+                      <a:tint val="12000"/>
+                      <a:satMod val="255000"/>
+                    </a:schemeClr>
+                  </a:gs>
+                </a:gsLst>
+                <a:lin ang="5400000"/>
+              </a:gradFill>
+              <a:effectLst>
+                <a:innerShdw blurRad="69850" dist="43180" dir="5400000">
+                  <a:srgbClr val="000000">
+                    <a:alpha val="65000"/>
+                  </a:srgbClr>
+                </a:innerShdw>
+              </a:effectLst>
+            </a:endParaRPr>
+          </a:p>
+        </p:txBody>
+      </p:sp>
+      <p:sp>
+        <p:nvSpPr>
+          <p:cNvPr id="10" name="Rectangle 9">
+            <a:extLst>
+              <a:ext uri="{FF2B5EF4-FFF2-40B4-BE49-F238E27FC236}">
+                <a16:creationId xmlns:a16="http://schemas.microsoft.com/office/drawing/2014/main" id="{46913DD9-CDA3-43FD-AD19-429E0308D71B}"/>
+              </a:ext>
+            </a:extLst>
+          </p:cNvPr>
+          <p:cNvSpPr/>
+          <p:nvPr/>
+        </p:nvSpPr>
+        <p:spPr>
+          <a:xfrm>
+            <a:off x="1795886" y="6572272"/>
+            <a:ext cx="615874" cy="246221"/>
+          </a:xfrm>
+          <a:prstGeom prst="rect">
+            <a:avLst/>
+          </a:prstGeom>
+          <a:noFill/>
+        </p:spPr>
+        <p:txBody>
+          <a:bodyPr wrap="none" lIns="91440" tIns="45720" rIns="91440" bIns="45720">
+            <a:spAutoFit/>
+          </a:bodyPr>
+          <a:lstStyle/>
+          <a:p>
+            <a:pPr algn="ctr" rtl="1"/>
+            <a:r>
+              <a:rPr lang="en-US" sz="1000" b="1" dirty="0">
+                <a:ln w="1905"/>
+                <a:gradFill>
+                  <a:gsLst>
+                    <a:gs pos="0">
+                      <a:schemeClr val="accent6">
+                        <a:shade val="20000"/>
+                        <a:satMod val="200000"/>
+                      </a:schemeClr>
+                    </a:gs>
+                    <a:gs pos="78000">
+                      <a:schemeClr val="accent6">
+                        <a:tint val="90000"/>
+                        <a:shade val="89000"/>
+                        <a:satMod val="220000"/>
+                      </a:schemeClr>
+                    </a:gs>
+                    <a:gs pos="100000">
+                      <a:schemeClr val="accent6">
+                        <a:tint val="12000"/>
+                        <a:satMod val="255000"/>
+                      </a:schemeClr>
+                    </a:gs>
+                  </a:gsLst>
+                  <a:lin ang="5400000"/>
+                </a:gradFill>
+                <a:effectLst>
+                  <a:innerShdw blurRad="69850" dist="43180" dir="5400000">
+                    <a:srgbClr val="000000">
+                      <a:alpha val="65000"/>
+                    </a:srgbClr>
+                  </a:innerShdw>
+                </a:effectLst>
+              </a:rPr>
+              <a:t>Page: </a:t>
+            </a:r>
+            <a:fld id="{14AD6811-EE99-4BEB-8435-24D1DDA55D92}" type="slidenum">
+              <a:rPr lang="en-US" sz="1000" b="1" smtClean="0">
+                <a:ln w="1905"/>
+                <a:gradFill>
+                  <a:gsLst>
+                    <a:gs pos="0">
+                      <a:schemeClr val="accent6">
+                        <a:shade val="20000"/>
+                        <a:satMod val="200000"/>
+                      </a:schemeClr>
+                    </a:gs>
+                    <a:gs pos="78000">
+                      <a:schemeClr val="accent6">
+                        <a:tint val="90000"/>
+                        <a:shade val="89000"/>
+                        <a:satMod val="220000"/>
+                      </a:schemeClr>
+                    </a:gs>
+                    <a:gs pos="100000">
+                      <a:schemeClr val="accent6">
+                        <a:tint val="12000"/>
+                        <a:satMod val="255000"/>
+                      </a:schemeClr>
+                    </a:gs>
+                  </a:gsLst>
+                  <a:lin ang="5400000"/>
+                </a:gradFill>
+                <a:effectLst>
+                  <a:innerShdw blurRad="69850" dist="43180" dir="5400000">
+                    <a:srgbClr val="000000">
+                      <a:alpha val="65000"/>
+                    </a:srgbClr>
+                  </a:innerShdw>
+                </a:effectLst>
+              </a:rPr>
+              <a:t>9</a:t>
+            </a:fld>
+            <a:endParaRPr lang="en-US" sz="1000" b="1" dirty="0">
+              <a:ln w="1905"/>
+              <a:gradFill>
+                <a:gsLst>
+                  <a:gs pos="0">
+                    <a:schemeClr val="accent6">
+                      <a:shade val="20000"/>
+                      <a:satMod val="200000"/>
+                    </a:schemeClr>
+                  </a:gs>
+                  <a:gs pos="78000">
+                    <a:schemeClr val="accent6">
+                      <a:tint val="90000"/>
+                      <a:shade val="89000"/>
+                      <a:satMod val="220000"/>
+                    </a:schemeClr>
+                  </a:gs>
+                  <a:gs pos="100000">
+                    <a:schemeClr val="accent6">
+                      <a:tint val="12000"/>
+                      <a:satMod val="255000"/>
+                    </a:schemeClr>
+                  </a:gs>
+                </a:gsLst>
+                <a:lin ang="5400000"/>
+              </a:gradFill>
+              <a:effectLst>
+                <a:innerShdw blurRad="69850" dist="43180" dir="5400000">
+                  <a:srgbClr val="000000">
+                    <a:alpha val="65000"/>
+                  </a:srgbClr>
+                </a:innerShdw>
+              </a:effectLst>
+            </a:endParaRPr>
+          </a:p>
+        </p:txBody>
+      </p:sp>
+      <p:pic>
+        <p:nvPicPr>
+          <p:cNvPr id="4" name="Picture 3">
+            <a:extLst>
+              <a:ext uri="{FF2B5EF4-FFF2-40B4-BE49-F238E27FC236}">
+                <a16:creationId xmlns:a16="http://schemas.microsoft.com/office/drawing/2014/main" id="{F3625243-9805-4010-9491-688C02CA4108}"/>
+              </a:ext>
+            </a:extLst>
+          </p:cNvPr>
+          <p:cNvPicPr>
+            <a:picLocks noChangeAspect="1"/>
+          </p:cNvPicPr>
+          <p:nvPr/>
+        </p:nvPicPr>
+        <p:blipFill>
+          <a:blip r:embed="rId2" cstate="print">
+            <a:extLst>
+              <a:ext uri="{28A0092B-C50C-407E-A947-70E740481C1C}">
+                <a14:useLocalDpi xmlns:a14="http://schemas.microsoft.com/office/drawing/2010/main" val="0"/>
+              </a:ext>
+            </a:extLst>
+          </a:blip>
+          <a:stretch>
+            <a:fillRect/>
+          </a:stretch>
+        </p:blipFill>
+        <p:spPr>
+          <a:xfrm>
+            <a:off x="8343133" y="6104393"/>
+            <a:ext cx="765371" cy="780991"/>
+          </a:xfrm>
+          <a:prstGeom prst="rect">
+            <a:avLst/>
+          </a:prstGeom>
+        </p:spPr>
+      </p:pic>
+      <p:pic>
+        <p:nvPicPr>
+          <p:cNvPr id="17" name="Picture 16">
+            <a:extLst>
+              <a:ext uri="{FF2B5EF4-FFF2-40B4-BE49-F238E27FC236}">
+                <a16:creationId xmlns:a16="http://schemas.microsoft.com/office/drawing/2014/main" id="{671CD04D-E9F8-4950-836D-431AD3EA459A}"/>
+              </a:ext>
+            </a:extLst>
+          </p:cNvPr>
+          <p:cNvPicPr>
+            <a:picLocks noChangeAspect="1"/>
+          </p:cNvPicPr>
+          <p:nvPr/>
+        </p:nvPicPr>
+        <p:blipFill>
+          <a:blip r:embed="rId3" cstate="print">
+            <a:extLst>
+              <a:ext uri="{28A0092B-C50C-407E-A947-70E740481C1C}">
+                <a14:useLocalDpi xmlns:a14="http://schemas.microsoft.com/office/drawing/2010/main" val="0"/>
+              </a:ext>
+            </a:extLst>
+          </a:blip>
+          <a:srcRect/>
+          <a:stretch/>
+        </p:blipFill>
+        <p:spPr>
+          <a:xfrm>
+            <a:off x="49346" y="6165304"/>
+            <a:ext cx="1548718" cy="522459"/>
+          </a:xfrm>
+          <a:prstGeom prst="rect">
+            <a:avLst/>
+          </a:prstGeom>
+        </p:spPr>
+      </p:pic>
+      <p:pic>
+        <p:nvPicPr>
+          <p:cNvPr id="7" name="Picture 6">
+            <a:extLst>
+              <a:ext uri="{FF2B5EF4-FFF2-40B4-BE49-F238E27FC236}">
+                <a16:creationId xmlns:a16="http://schemas.microsoft.com/office/drawing/2014/main" id="{340C54C9-D274-BE3A-D983-CEB719146DCB}"/>
+              </a:ext>
+            </a:extLst>
+          </p:cNvPr>
+          <p:cNvPicPr>
+            <a:picLocks noChangeAspect="1"/>
+          </p:cNvPicPr>
+          <p:nvPr/>
+        </p:nvPicPr>
+        <p:blipFill rotWithShape="1">
+          <a:blip r:embed="rId4"/>
+          <a:srcRect l="7476" t="31791" r="8758" b="27589"/>
+          <a:stretch/>
+        </p:blipFill>
+        <p:spPr>
+          <a:xfrm>
+            <a:off x="49346" y="884230"/>
+            <a:ext cx="9059157" cy="2832797"/>
+          </a:xfrm>
+          <a:prstGeom prst="rect">
+            <a:avLst/>
+          </a:prstGeom>
+        </p:spPr>
+      </p:pic>
+      <p:pic>
+        <p:nvPicPr>
+          <p:cNvPr id="14" name="Picture 13">
+            <a:extLst>
+              <a:ext uri="{FF2B5EF4-FFF2-40B4-BE49-F238E27FC236}">
+                <a16:creationId xmlns:a16="http://schemas.microsoft.com/office/drawing/2014/main" id="{71211C7A-2687-A775-ADA2-DC1FE748CDE6}"/>
+              </a:ext>
+            </a:extLst>
+          </p:cNvPr>
+          <p:cNvPicPr>
+            <a:picLocks noChangeAspect="1"/>
+          </p:cNvPicPr>
+          <p:nvPr/>
+        </p:nvPicPr>
+        <p:blipFill rotWithShape="1">
+          <a:blip r:embed="rId5"/>
+          <a:srcRect l="8263" t="30390" r="8758" b="40196"/>
+          <a:stretch/>
+        </p:blipFill>
+        <p:spPr>
+          <a:xfrm>
+            <a:off x="49347" y="3789840"/>
+            <a:ext cx="9059156" cy="2087431"/>
+          </a:xfrm>
+          <a:prstGeom prst="rect">
+            <a:avLst/>
+          </a:prstGeom>
+        </p:spPr>
+      </p:pic>
+    </p:spTree>
+    <p:extLst>
+      <p:ext uri="{BB962C8B-B14F-4D97-AF65-F5344CB8AC3E}">
+        <p14:creationId xmlns:p14="http://schemas.microsoft.com/office/powerpoint/2010/main" val="2038028986"/>
       </p:ext>
     </p:extLst>
   </p:cSld>

--- a/python_learning.pptx
+++ b/python_learning.pptx
@@ -5,7 +5,7 @@
     <p:sldMasterId id="2147483732" r:id="rId1"/>
   </p:sldMasterIdLst>
   <p:notesMasterIdLst>
-    <p:notesMasterId r:id="rId11"/>
+    <p:notesMasterId r:id="rId19"/>
   </p:notesMasterIdLst>
   <p:sldIdLst>
     <p:sldId id="256" r:id="rId2"/>
@@ -17,6 +17,14 @@
     <p:sldId id="262" r:id="rId8"/>
     <p:sldId id="263" r:id="rId9"/>
     <p:sldId id="264" r:id="rId10"/>
+    <p:sldId id="265" r:id="rId11"/>
+    <p:sldId id="266" r:id="rId12"/>
+    <p:sldId id="267" r:id="rId13"/>
+    <p:sldId id="268" r:id="rId14"/>
+    <p:sldId id="269" r:id="rId15"/>
+    <p:sldId id="270" r:id="rId16"/>
+    <p:sldId id="271" r:id="rId17"/>
+    <p:sldId id="272" r:id="rId18"/>
   </p:sldIdLst>
   <p:sldSz cx="9144000" cy="6858000" type="screen4x3"/>
   <p:notesSz cx="6858000" cy="9144000"/>
@@ -5241,6 +5249,4783 @@
 </p:sld>
 </file>
 
+<file path=ppt/slides/slide10.xml><?xml version="1.0" encoding="utf-8"?>
+<p:sld xmlns:a="http://schemas.openxmlformats.org/drawingml/2006/main" xmlns:r="http://schemas.openxmlformats.org/officeDocument/2006/relationships" xmlns:p="http://schemas.openxmlformats.org/presentationml/2006/main">
+  <p:cSld>
+    <p:bg>
+      <p:bgPr>
+        <a:solidFill>
+          <a:schemeClr val="bg1"/>
+        </a:solidFill>
+        <a:effectLst/>
+      </p:bgPr>
+    </p:bg>
+    <p:spTree>
+      <p:nvGrpSpPr>
+        <p:cNvPr id="1" name=""/>
+        <p:cNvGrpSpPr/>
+        <p:nvPr/>
+      </p:nvGrpSpPr>
+      <p:grpSpPr>
+        <a:xfrm>
+          <a:off x="0" y="0"/>
+          <a:ext cx="0" cy="0"/>
+          <a:chOff x="0" y="0"/>
+          <a:chExt cx="0" cy="0"/>
+        </a:xfrm>
+      </p:grpSpPr>
+      <p:cxnSp>
+        <p:nvCxnSpPr>
+          <p:cNvPr id="8" name="Straight Connector 7"/>
+          <p:cNvCxnSpPr>
+            <a:cxnSpLocks/>
+          </p:cNvCxnSpPr>
+          <p:nvPr/>
+        </p:nvCxnSpPr>
+        <p:spPr>
+          <a:xfrm>
+            <a:off x="1763688" y="6499457"/>
+            <a:ext cx="6480720" cy="0"/>
+          </a:xfrm>
+          <a:prstGeom prst="line">
+            <a:avLst/>
+          </a:prstGeom>
+        </p:spPr>
+        <p:style>
+          <a:lnRef idx="2">
+            <a:schemeClr val="dk1"/>
+          </a:lnRef>
+          <a:fillRef idx="0">
+            <a:schemeClr val="dk1"/>
+          </a:fillRef>
+          <a:effectRef idx="1">
+            <a:schemeClr val="dk1"/>
+          </a:effectRef>
+          <a:fontRef idx="minor">
+            <a:schemeClr val="tx1"/>
+          </a:fontRef>
+        </p:style>
+      </p:cxnSp>
+      <p:sp>
+        <p:nvSpPr>
+          <p:cNvPr id="11" name="Rectangle 10"/>
+          <p:cNvSpPr/>
+          <p:nvPr/>
+        </p:nvSpPr>
+        <p:spPr>
+          <a:xfrm>
+            <a:off x="6804248" y="6572272"/>
+            <a:ext cx="1345240" cy="246221"/>
+          </a:xfrm>
+          <a:prstGeom prst="rect">
+            <a:avLst/>
+          </a:prstGeom>
+          <a:noFill/>
+        </p:spPr>
+        <p:txBody>
+          <a:bodyPr wrap="none" lIns="91440" tIns="45720" rIns="91440" bIns="45720">
+            <a:spAutoFit/>
+          </a:bodyPr>
+          <a:lstStyle/>
+          <a:p>
+            <a:pPr algn="ctr" rtl="1"/>
+            <a:r>
+              <a:rPr lang="fa-IR" sz="1000" b="1" dirty="0">
+                <a:ln w="1905"/>
+                <a:gradFill>
+                  <a:gsLst>
+                    <a:gs pos="0">
+                      <a:schemeClr val="accent6">
+                        <a:shade val="20000"/>
+                        <a:satMod val="200000"/>
+                      </a:schemeClr>
+                    </a:gs>
+                    <a:gs pos="78000">
+                      <a:schemeClr val="accent6">
+                        <a:tint val="90000"/>
+                        <a:shade val="89000"/>
+                        <a:satMod val="220000"/>
+                      </a:schemeClr>
+                    </a:gs>
+                    <a:gs pos="100000">
+                      <a:schemeClr val="accent6">
+                        <a:tint val="12000"/>
+                        <a:satMod val="255000"/>
+                      </a:schemeClr>
+                    </a:gs>
+                  </a:gsLst>
+                  <a:lin ang="5400000"/>
+                </a:gradFill>
+                <a:effectLst>
+                  <a:innerShdw blurRad="69850" dist="43180" dir="5400000">
+                    <a:srgbClr val="000000">
+                      <a:alpha val="65000"/>
+                    </a:srgbClr>
+                  </a:innerShdw>
+                </a:effectLst>
+              </a:rPr>
+              <a:t>تهیه و تنظیم : سید حیدر علوی</a:t>
+            </a:r>
+            <a:endParaRPr lang="en-US" sz="1000" b="1" dirty="0">
+              <a:ln w="1905"/>
+              <a:gradFill>
+                <a:gsLst>
+                  <a:gs pos="0">
+                    <a:schemeClr val="accent6">
+                      <a:shade val="20000"/>
+                      <a:satMod val="200000"/>
+                    </a:schemeClr>
+                  </a:gs>
+                  <a:gs pos="78000">
+                    <a:schemeClr val="accent6">
+                      <a:tint val="90000"/>
+                      <a:shade val="89000"/>
+                      <a:satMod val="220000"/>
+                    </a:schemeClr>
+                  </a:gs>
+                  <a:gs pos="100000">
+                    <a:schemeClr val="accent6">
+                      <a:tint val="12000"/>
+                      <a:satMod val="255000"/>
+                    </a:schemeClr>
+                  </a:gs>
+                </a:gsLst>
+                <a:lin ang="5400000"/>
+              </a:gradFill>
+              <a:effectLst>
+                <a:innerShdw blurRad="69850" dist="43180" dir="5400000">
+                  <a:srgbClr val="000000">
+                    <a:alpha val="65000"/>
+                  </a:srgbClr>
+                </a:innerShdw>
+              </a:effectLst>
+            </a:endParaRPr>
+          </a:p>
+        </p:txBody>
+      </p:sp>
+      <p:sp>
+        <p:nvSpPr>
+          <p:cNvPr id="13" name="TextBox 12"/>
+          <p:cNvSpPr txBox="1"/>
+          <p:nvPr/>
+        </p:nvSpPr>
+        <p:spPr>
+          <a:xfrm>
+            <a:off x="1065530" y="51540"/>
+            <a:ext cx="7277603" cy="646331"/>
+          </a:xfrm>
+          <a:prstGeom prst="rect">
+            <a:avLst/>
+          </a:prstGeom>
+          <a:noFill/>
+        </p:spPr>
+        <p:txBody>
+          <a:bodyPr wrap="square" rtlCol="0">
+            <a:spAutoFit/>
+          </a:bodyPr>
+          <a:lstStyle/>
+          <a:p>
+            <a:pPr algn="l"/>
+            <a:r>
+              <a:rPr lang="en-US" sz="3600" b="1" dirty="0">
+                <a:ln w="1905"/>
+                <a:gradFill>
+                  <a:gsLst>
+                    <a:gs pos="0">
+                      <a:schemeClr val="accent6">
+                        <a:shade val="20000"/>
+                        <a:satMod val="200000"/>
+                      </a:schemeClr>
+                    </a:gs>
+                    <a:gs pos="78000">
+                      <a:schemeClr val="accent6">
+                        <a:tint val="90000"/>
+                        <a:shade val="89000"/>
+                        <a:satMod val="220000"/>
+                      </a:schemeClr>
+                    </a:gs>
+                    <a:gs pos="100000">
+                      <a:schemeClr val="accent6">
+                        <a:tint val="12000"/>
+                        <a:satMod val="255000"/>
+                      </a:schemeClr>
+                    </a:gs>
+                  </a:gsLst>
+                  <a:lin ang="5400000"/>
+                </a:gradFill>
+                <a:effectLst>
+                  <a:innerShdw blurRad="69850" dist="43180" dir="5400000">
+                    <a:srgbClr val="000000">
+                      <a:alpha val="65000"/>
+                    </a:srgbClr>
+                  </a:innerShdw>
+                </a:effectLst>
+              </a:rPr>
+              <a:t>Many Values to Multiple Variables</a:t>
+            </a:r>
+          </a:p>
+        </p:txBody>
+      </p:sp>
+      <p:sp>
+        <p:nvSpPr>
+          <p:cNvPr id="9" name="Rectangle 8">
+            <a:extLst>
+              <a:ext uri="{FF2B5EF4-FFF2-40B4-BE49-F238E27FC236}">
+                <a16:creationId xmlns:a16="http://schemas.microsoft.com/office/drawing/2014/main" id="{AE259FB9-1872-47CB-A97E-46EC9F196E07}"/>
+              </a:ext>
+            </a:extLst>
+          </p:cNvPr>
+          <p:cNvSpPr/>
+          <p:nvPr/>
+        </p:nvSpPr>
+        <p:spPr>
+          <a:xfrm>
+            <a:off x="4219179" y="6572271"/>
+            <a:ext cx="705642" cy="246221"/>
+          </a:xfrm>
+          <a:prstGeom prst="rect">
+            <a:avLst/>
+          </a:prstGeom>
+          <a:noFill/>
+        </p:spPr>
+        <p:txBody>
+          <a:bodyPr wrap="none" lIns="91440" tIns="45720" rIns="91440" bIns="45720">
+            <a:spAutoFit/>
+          </a:bodyPr>
+          <a:lstStyle/>
+          <a:p>
+            <a:pPr algn="ctr" rtl="1"/>
+            <a:r>
+              <a:rPr lang="fa-IR" sz="1000" b="1" dirty="0">
+                <a:ln w="1905"/>
+                <a:gradFill>
+                  <a:gsLst>
+                    <a:gs pos="0">
+                      <a:schemeClr val="accent6">
+                        <a:shade val="20000"/>
+                        <a:satMod val="200000"/>
+                      </a:schemeClr>
+                    </a:gs>
+                    <a:gs pos="78000">
+                      <a:schemeClr val="accent6">
+                        <a:tint val="90000"/>
+                        <a:shade val="89000"/>
+                        <a:satMod val="220000"/>
+                      </a:schemeClr>
+                    </a:gs>
+                    <a:gs pos="100000">
+                      <a:schemeClr val="accent6">
+                        <a:tint val="12000"/>
+                        <a:satMod val="255000"/>
+                      </a:schemeClr>
+                    </a:gs>
+                  </a:gsLst>
+                  <a:lin ang="5400000"/>
+                </a:gradFill>
+                <a:effectLst>
+                  <a:innerShdw blurRad="69850" dist="43180" dir="5400000">
+                    <a:srgbClr val="000000">
+                      <a:alpha val="65000"/>
+                    </a:srgbClr>
+                  </a:innerShdw>
+                </a:effectLst>
+              </a:rPr>
+              <a:t>تابستان 1401</a:t>
+            </a:r>
+            <a:endParaRPr lang="en-US" sz="1000" b="1" dirty="0">
+              <a:ln w="1905"/>
+              <a:gradFill>
+                <a:gsLst>
+                  <a:gs pos="0">
+                    <a:schemeClr val="accent6">
+                      <a:shade val="20000"/>
+                      <a:satMod val="200000"/>
+                    </a:schemeClr>
+                  </a:gs>
+                  <a:gs pos="78000">
+                    <a:schemeClr val="accent6">
+                      <a:tint val="90000"/>
+                      <a:shade val="89000"/>
+                      <a:satMod val="220000"/>
+                    </a:schemeClr>
+                  </a:gs>
+                  <a:gs pos="100000">
+                    <a:schemeClr val="accent6">
+                      <a:tint val="12000"/>
+                      <a:satMod val="255000"/>
+                    </a:schemeClr>
+                  </a:gs>
+                </a:gsLst>
+                <a:lin ang="5400000"/>
+              </a:gradFill>
+              <a:effectLst>
+                <a:innerShdw blurRad="69850" dist="43180" dir="5400000">
+                  <a:srgbClr val="000000">
+                    <a:alpha val="65000"/>
+                  </a:srgbClr>
+                </a:innerShdw>
+              </a:effectLst>
+            </a:endParaRPr>
+          </a:p>
+        </p:txBody>
+      </p:sp>
+      <p:sp>
+        <p:nvSpPr>
+          <p:cNvPr id="10" name="Rectangle 9">
+            <a:extLst>
+              <a:ext uri="{FF2B5EF4-FFF2-40B4-BE49-F238E27FC236}">
+                <a16:creationId xmlns:a16="http://schemas.microsoft.com/office/drawing/2014/main" id="{46913DD9-CDA3-43FD-AD19-429E0308D71B}"/>
+              </a:ext>
+            </a:extLst>
+          </p:cNvPr>
+          <p:cNvSpPr/>
+          <p:nvPr/>
+        </p:nvSpPr>
+        <p:spPr>
+          <a:xfrm>
+            <a:off x="1795886" y="6572272"/>
+            <a:ext cx="615874" cy="246221"/>
+          </a:xfrm>
+          <a:prstGeom prst="rect">
+            <a:avLst/>
+          </a:prstGeom>
+          <a:noFill/>
+        </p:spPr>
+        <p:txBody>
+          <a:bodyPr wrap="none" lIns="91440" tIns="45720" rIns="91440" bIns="45720">
+            <a:spAutoFit/>
+          </a:bodyPr>
+          <a:lstStyle/>
+          <a:p>
+            <a:pPr algn="ctr" rtl="1"/>
+            <a:r>
+              <a:rPr lang="en-US" sz="1000" b="1" dirty="0">
+                <a:ln w="1905"/>
+                <a:gradFill>
+                  <a:gsLst>
+                    <a:gs pos="0">
+                      <a:schemeClr val="accent6">
+                        <a:shade val="20000"/>
+                        <a:satMod val="200000"/>
+                      </a:schemeClr>
+                    </a:gs>
+                    <a:gs pos="78000">
+                      <a:schemeClr val="accent6">
+                        <a:tint val="90000"/>
+                        <a:shade val="89000"/>
+                        <a:satMod val="220000"/>
+                      </a:schemeClr>
+                    </a:gs>
+                    <a:gs pos="100000">
+                      <a:schemeClr val="accent6">
+                        <a:tint val="12000"/>
+                        <a:satMod val="255000"/>
+                      </a:schemeClr>
+                    </a:gs>
+                  </a:gsLst>
+                  <a:lin ang="5400000"/>
+                </a:gradFill>
+                <a:effectLst>
+                  <a:innerShdw blurRad="69850" dist="43180" dir="5400000">
+                    <a:srgbClr val="000000">
+                      <a:alpha val="65000"/>
+                    </a:srgbClr>
+                  </a:innerShdw>
+                </a:effectLst>
+              </a:rPr>
+              <a:t>Page: </a:t>
+            </a:r>
+            <a:fld id="{14AD6811-EE99-4BEB-8435-24D1DDA55D92}" type="slidenum">
+              <a:rPr lang="en-US" sz="1000" b="1" smtClean="0">
+                <a:ln w="1905"/>
+                <a:gradFill>
+                  <a:gsLst>
+                    <a:gs pos="0">
+                      <a:schemeClr val="accent6">
+                        <a:shade val="20000"/>
+                        <a:satMod val="200000"/>
+                      </a:schemeClr>
+                    </a:gs>
+                    <a:gs pos="78000">
+                      <a:schemeClr val="accent6">
+                        <a:tint val="90000"/>
+                        <a:shade val="89000"/>
+                        <a:satMod val="220000"/>
+                      </a:schemeClr>
+                    </a:gs>
+                    <a:gs pos="100000">
+                      <a:schemeClr val="accent6">
+                        <a:tint val="12000"/>
+                        <a:satMod val="255000"/>
+                      </a:schemeClr>
+                    </a:gs>
+                  </a:gsLst>
+                  <a:lin ang="5400000"/>
+                </a:gradFill>
+                <a:effectLst>
+                  <a:innerShdw blurRad="69850" dist="43180" dir="5400000">
+                    <a:srgbClr val="000000">
+                      <a:alpha val="65000"/>
+                    </a:srgbClr>
+                  </a:innerShdw>
+                </a:effectLst>
+              </a:rPr>
+              <a:t>10</a:t>
+            </a:fld>
+            <a:endParaRPr lang="en-US" sz="1000" b="1" dirty="0">
+              <a:ln w="1905"/>
+              <a:gradFill>
+                <a:gsLst>
+                  <a:gs pos="0">
+                    <a:schemeClr val="accent6">
+                      <a:shade val="20000"/>
+                      <a:satMod val="200000"/>
+                    </a:schemeClr>
+                  </a:gs>
+                  <a:gs pos="78000">
+                    <a:schemeClr val="accent6">
+                      <a:tint val="90000"/>
+                      <a:shade val="89000"/>
+                      <a:satMod val="220000"/>
+                    </a:schemeClr>
+                  </a:gs>
+                  <a:gs pos="100000">
+                    <a:schemeClr val="accent6">
+                      <a:tint val="12000"/>
+                      <a:satMod val="255000"/>
+                    </a:schemeClr>
+                  </a:gs>
+                </a:gsLst>
+                <a:lin ang="5400000"/>
+              </a:gradFill>
+              <a:effectLst>
+                <a:innerShdw blurRad="69850" dist="43180" dir="5400000">
+                  <a:srgbClr val="000000">
+                    <a:alpha val="65000"/>
+                  </a:srgbClr>
+                </a:innerShdw>
+              </a:effectLst>
+            </a:endParaRPr>
+          </a:p>
+        </p:txBody>
+      </p:sp>
+      <p:pic>
+        <p:nvPicPr>
+          <p:cNvPr id="4" name="Picture 3">
+            <a:extLst>
+              <a:ext uri="{FF2B5EF4-FFF2-40B4-BE49-F238E27FC236}">
+                <a16:creationId xmlns:a16="http://schemas.microsoft.com/office/drawing/2014/main" id="{F3625243-9805-4010-9491-688C02CA4108}"/>
+              </a:ext>
+            </a:extLst>
+          </p:cNvPr>
+          <p:cNvPicPr>
+            <a:picLocks noChangeAspect="1"/>
+          </p:cNvPicPr>
+          <p:nvPr/>
+        </p:nvPicPr>
+        <p:blipFill>
+          <a:blip r:embed="rId2" cstate="print">
+            <a:extLst>
+              <a:ext uri="{28A0092B-C50C-407E-A947-70E740481C1C}">
+                <a14:useLocalDpi xmlns:a14="http://schemas.microsoft.com/office/drawing/2010/main" val="0"/>
+              </a:ext>
+            </a:extLst>
+          </a:blip>
+          <a:stretch>
+            <a:fillRect/>
+          </a:stretch>
+        </p:blipFill>
+        <p:spPr>
+          <a:xfrm>
+            <a:off x="8343133" y="6104393"/>
+            <a:ext cx="765371" cy="780991"/>
+          </a:xfrm>
+          <a:prstGeom prst="rect">
+            <a:avLst/>
+          </a:prstGeom>
+        </p:spPr>
+      </p:pic>
+      <p:pic>
+        <p:nvPicPr>
+          <p:cNvPr id="17" name="Picture 16">
+            <a:extLst>
+              <a:ext uri="{FF2B5EF4-FFF2-40B4-BE49-F238E27FC236}">
+                <a16:creationId xmlns:a16="http://schemas.microsoft.com/office/drawing/2014/main" id="{671CD04D-E9F8-4950-836D-431AD3EA459A}"/>
+              </a:ext>
+            </a:extLst>
+          </p:cNvPr>
+          <p:cNvPicPr>
+            <a:picLocks noChangeAspect="1"/>
+          </p:cNvPicPr>
+          <p:nvPr/>
+        </p:nvPicPr>
+        <p:blipFill>
+          <a:blip r:embed="rId3" cstate="print">
+            <a:extLst>
+              <a:ext uri="{28A0092B-C50C-407E-A947-70E740481C1C}">
+                <a14:useLocalDpi xmlns:a14="http://schemas.microsoft.com/office/drawing/2010/main" val="0"/>
+              </a:ext>
+            </a:extLst>
+          </a:blip>
+          <a:srcRect/>
+          <a:stretch/>
+        </p:blipFill>
+        <p:spPr>
+          <a:xfrm>
+            <a:off x="49346" y="6165304"/>
+            <a:ext cx="1548718" cy="522459"/>
+          </a:xfrm>
+          <a:prstGeom prst="rect">
+            <a:avLst/>
+          </a:prstGeom>
+        </p:spPr>
+      </p:pic>
+      <p:pic>
+        <p:nvPicPr>
+          <p:cNvPr id="3" name="Picture 2">
+            <a:extLst>
+              <a:ext uri="{FF2B5EF4-FFF2-40B4-BE49-F238E27FC236}">
+                <a16:creationId xmlns:a16="http://schemas.microsoft.com/office/drawing/2014/main" id="{D8C9CA9F-4A67-AFD9-5B3F-07A60AE0D814}"/>
+              </a:ext>
+            </a:extLst>
+          </p:cNvPr>
+          <p:cNvPicPr>
+            <a:picLocks noChangeAspect="1"/>
+          </p:cNvPicPr>
+          <p:nvPr/>
+        </p:nvPicPr>
+        <p:blipFill rotWithShape="1">
+          <a:blip r:embed="rId4"/>
+          <a:srcRect l="8263" t="30390" r="8758" b="42997"/>
+          <a:stretch/>
+        </p:blipFill>
+        <p:spPr>
+          <a:xfrm>
+            <a:off x="49346" y="697871"/>
+            <a:ext cx="9059158" cy="2304256"/>
+          </a:xfrm>
+          <a:prstGeom prst="rect">
+            <a:avLst/>
+          </a:prstGeom>
+        </p:spPr>
+      </p:pic>
+    </p:spTree>
+    <p:extLst>
+      <p:ext uri="{BB962C8B-B14F-4D97-AF65-F5344CB8AC3E}">
+        <p14:creationId xmlns:p14="http://schemas.microsoft.com/office/powerpoint/2010/main" val="1793499184"/>
+      </p:ext>
+    </p:extLst>
+  </p:cSld>
+  <p:clrMapOvr>
+    <a:masterClrMapping/>
+  </p:clrMapOvr>
+</p:sld>
+</file>
+
+<file path=ppt/slides/slide11.xml><?xml version="1.0" encoding="utf-8"?>
+<p:sld xmlns:a="http://schemas.openxmlformats.org/drawingml/2006/main" xmlns:r="http://schemas.openxmlformats.org/officeDocument/2006/relationships" xmlns:p="http://schemas.openxmlformats.org/presentationml/2006/main">
+  <p:cSld>
+    <p:bg>
+      <p:bgPr>
+        <a:solidFill>
+          <a:schemeClr val="bg1"/>
+        </a:solidFill>
+        <a:effectLst/>
+      </p:bgPr>
+    </p:bg>
+    <p:spTree>
+      <p:nvGrpSpPr>
+        <p:cNvPr id="1" name=""/>
+        <p:cNvGrpSpPr/>
+        <p:nvPr/>
+      </p:nvGrpSpPr>
+      <p:grpSpPr>
+        <a:xfrm>
+          <a:off x="0" y="0"/>
+          <a:ext cx="0" cy="0"/>
+          <a:chOff x="0" y="0"/>
+          <a:chExt cx="0" cy="0"/>
+        </a:xfrm>
+      </p:grpSpPr>
+      <p:cxnSp>
+        <p:nvCxnSpPr>
+          <p:cNvPr id="8" name="Straight Connector 7"/>
+          <p:cNvCxnSpPr>
+            <a:cxnSpLocks/>
+          </p:cNvCxnSpPr>
+          <p:nvPr/>
+        </p:nvCxnSpPr>
+        <p:spPr>
+          <a:xfrm>
+            <a:off x="1763688" y="6499457"/>
+            <a:ext cx="6480720" cy="0"/>
+          </a:xfrm>
+          <a:prstGeom prst="line">
+            <a:avLst/>
+          </a:prstGeom>
+        </p:spPr>
+        <p:style>
+          <a:lnRef idx="2">
+            <a:schemeClr val="dk1"/>
+          </a:lnRef>
+          <a:fillRef idx="0">
+            <a:schemeClr val="dk1"/>
+          </a:fillRef>
+          <a:effectRef idx="1">
+            <a:schemeClr val="dk1"/>
+          </a:effectRef>
+          <a:fontRef idx="minor">
+            <a:schemeClr val="tx1"/>
+          </a:fontRef>
+        </p:style>
+      </p:cxnSp>
+      <p:sp>
+        <p:nvSpPr>
+          <p:cNvPr id="11" name="Rectangle 10"/>
+          <p:cNvSpPr/>
+          <p:nvPr/>
+        </p:nvSpPr>
+        <p:spPr>
+          <a:xfrm>
+            <a:off x="6804248" y="6572272"/>
+            <a:ext cx="1345240" cy="246221"/>
+          </a:xfrm>
+          <a:prstGeom prst="rect">
+            <a:avLst/>
+          </a:prstGeom>
+          <a:noFill/>
+        </p:spPr>
+        <p:txBody>
+          <a:bodyPr wrap="none" lIns="91440" tIns="45720" rIns="91440" bIns="45720">
+            <a:spAutoFit/>
+          </a:bodyPr>
+          <a:lstStyle/>
+          <a:p>
+            <a:pPr algn="ctr" rtl="1"/>
+            <a:r>
+              <a:rPr lang="fa-IR" sz="1000" b="1" dirty="0">
+                <a:ln w="1905"/>
+                <a:gradFill>
+                  <a:gsLst>
+                    <a:gs pos="0">
+                      <a:schemeClr val="accent6">
+                        <a:shade val="20000"/>
+                        <a:satMod val="200000"/>
+                      </a:schemeClr>
+                    </a:gs>
+                    <a:gs pos="78000">
+                      <a:schemeClr val="accent6">
+                        <a:tint val="90000"/>
+                        <a:shade val="89000"/>
+                        <a:satMod val="220000"/>
+                      </a:schemeClr>
+                    </a:gs>
+                    <a:gs pos="100000">
+                      <a:schemeClr val="accent6">
+                        <a:tint val="12000"/>
+                        <a:satMod val="255000"/>
+                      </a:schemeClr>
+                    </a:gs>
+                  </a:gsLst>
+                  <a:lin ang="5400000"/>
+                </a:gradFill>
+                <a:effectLst>
+                  <a:innerShdw blurRad="69850" dist="43180" dir="5400000">
+                    <a:srgbClr val="000000">
+                      <a:alpha val="65000"/>
+                    </a:srgbClr>
+                  </a:innerShdw>
+                </a:effectLst>
+              </a:rPr>
+              <a:t>تهیه و تنظیم : سید حیدر علوی</a:t>
+            </a:r>
+            <a:endParaRPr lang="en-US" sz="1000" b="1" dirty="0">
+              <a:ln w="1905"/>
+              <a:gradFill>
+                <a:gsLst>
+                  <a:gs pos="0">
+                    <a:schemeClr val="accent6">
+                      <a:shade val="20000"/>
+                      <a:satMod val="200000"/>
+                    </a:schemeClr>
+                  </a:gs>
+                  <a:gs pos="78000">
+                    <a:schemeClr val="accent6">
+                      <a:tint val="90000"/>
+                      <a:shade val="89000"/>
+                      <a:satMod val="220000"/>
+                    </a:schemeClr>
+                  </a:gs>
+                  <a:gs pos="100000">
+                    <a:schemeClr val="accent6">
+                      <a:tint val="12000"/>
+                      <a:satMod val="255000"/>
+                    </a:schemeClr>
+                  </a:gs>
+                </a:gsLst>
+                <a:lin ang="5400000"/>
+              </a:gradFill>
+              <a:effectLst>
+                <a:innerShdw blurRad="69850" dist="43180" dir="5400000">
+                  <a:srgbClr val="000000">
+                    <a:alpha val="65000"/>
+                  </a:srgbClr>
+                </a:innerShdw>
+              </a:effectLst>
+            </a:endParaRPr>
+          </a:p>
+        </p:txBody>
+      </p:sp>
+      <p:sp>
+        <p:nvSpPr>
+          <p:cNvPr id="13" name="TextBox 12"/>
+          <p:cNvSpPr txBox="1"/>
+          <p:nvPr/>
+        </p:nvSpPr>
+        <p:spPr>
+          <a:xfrm>
+            <a:off x="2703534" y="51540"/>
+            <a:ext cx="4442574" cy="646331"/>
+          </a:xfrm>
+          <a:prstGeom prst="rect">
+            <a:avLst/>
+          </a:prstGeom>
+          <a:noFill/>
+        </p:spPr>
+        <p:txBody>
+          <a:bodyPr wrap="square" rtlCol="0">
+            <a:spAutoFit/>
+          </a:bodyPr>
+          <a:lstStyle/>
+          <a:p>
+            <a:pPr algn="l"/>
+            <a:r>
+              <a:rPr lang="en-US" sz="3600" b="1" dirty="0">
+                <a:ln w="1905"/>
+                <a:gradFill>
+                  <a:gsLst>
+                    <a:gs pos="0">
+                      <a:schemeClr val="accent6">
+                        <a:shade val="20000"/>
+                        <a:satMod val="200000"/>
+                      </a:schemeClr>
+                    </a:gs>
+                    <a:gs pos="78000">
+                      <a:schemeClr val="accent6">
+                        <a:tint val="90000"/>
+                        <a:shade val="89000"/>
+                        <a:satMod val="220000"/>
+                      </a:schemeClr>
+                    </a:gs>
+                    <a:gs pos="100000">
+                      <a:schemeClr val="accent6">
+                        <a:tint val="12000"/>
+                        <a:satMod val="255000"/>
+                      </a:schemeClr>
+                    </a:gs>
+                  </a:gsLst>
+                  <a:lin ang="5400000"/>
+                </a:gradFill>
+                <a:effectLst>
+                  <a:innerShdw blurRad="69850" dist="43180" dir="5400000">
+                    <a:srgbClr val="000000">
+                      <a:alpha val="65000"/>
+                    </a:srgbClr>
+                  </a:innerShdw>
+                </a:effectLst>
+              </a:rPr>
+              <a:t>Python Dictionaries</a:t>
+            </a:r>
+          </a:p>
+        </p:txBody>
+      </p:sp>
+      <p:sp>
+        <p:nvSpPr>
+          <p:cNvPr id="9" name="Rectangle 8">
+            <a:extLst>
+              <a:ext uri="{FF2B5EF4-FFF2-40B4-BE49-F238E27FC236}">
+                <a16:creationId xmlns:a16="http://schemas.microsoft.com/office/drawing/2014/main" id="{AE259FB9-1872-47CB-A97E-46EC9F196E07}"/>
+              </a:ext>
+            </a:extLst>
+          </p:cNvPr>
+          <p:cNvSpPr/>
+          <p:nvPr/>
+        </p:nvSpPr>
+        <p:spPr>
+          <a:xfrm>
+            <a:off x="4219179" y="6572271"/>
+            <a:ext cx="705642" cy="246221"/>
+          </a:xfrm>
+          <a:prstGeom prst="rect">
+            <a:avLst/>
+          </a:prstGeom>
+          <a:noFill/>
+        </p:spPr>
+        <p:txBody>
+          <a:bodyPr wrap="none" lIns="91440" tIns="45720" rIns="91440" bIns="45720">
+            <a:spAutoFit/>
+          </a:bodyPr>
+          <a:lstStyle/>
+          <a:p>
+            <a:pPr algn="ctr" rtl="1"/>
+            <a:r>
+              <a:rPr lang="fa-IR" sz="1000" b="1" dirty="0">
+                <a:ln w="1905"/>
+                <a:gradFill>
+                  <a:gsLst>
+                    <a:gs pos="0">
+                      <a:schemeClr val="accent6">
+                        <a:shade val="20000"/>
+                        <a:satMod val="200000"/>
+                      </a:schemeClr>
+                    </a:gs>
+                    <a:gs pos="78000">
+                      <a:schemeClr val="accent6">
+                        <a:tint val="90000"/>
+                        <a:shade val="89000"/>
+                        <a:satMod val="220000"/>
+                      </a:schemeClr>
+                    </a:gs>
+                    <a:gs pos="100000">
+                      <a:schemeClr val="accent6">
+                        <a:tint val="12000"/>
+                        <a:satMod val="255000"/>
+                      </a:schemeClr>
+                    </a:gs>
+                  </a:gsLst>
+                  <a:lin ang="5400000"/>
+                </a:gradFill>
+                <a:effectLst>
+                  <a:innerShdw blurRad="69850" dist="43180" dir="5400000">
+                    <a:srgbClr val="000000">
+                      <a:alpha val="65000"/>
+                    </a:srgbClr>
+                  </a:innerShdw>
+                </a:effectLst>
+              </a:rPr>
+              <a:t>تابستان 1401</a:t>
+            </a:r>
+            <a:endParaRPr lang="en-US" sz="1000" b="1" dirty="0">
+              <a:ln w="1905"/>
+              <a:gradFill>
+                <a:gsLst>
+                  <a:gs pos="0">
+                    <a:schemeClr val="accent6">
+                      <a:shade val="20000"/>
+                      <a:satMod val="200000"/>
+                    </a:schemeClr>
+                  </a:gs>
+                  <a:gs pos="78000">
+                    <a:schemeClr val="accent6">
+                      <a:tint val="90000"/>
+                      <a:shade val="89000"/>
+                      <a:satMod val="220000"/>
+                    </a:schemeClr>
+                  </a:gs>
+                  <a:gs pos="100000">
+                    <a:schemeClr val="accent6">
+                      <a:tint val="12000"/>
+                      <a:satMod val="255000"/>
+                    </a:schemeClr>
+                  </a:gs>
+                </a:gsLst>
+                <a:lin ang="5400000"/>
+              </a:gradFill>
+              <a:effectLst>
+                <a:innerShdw blurRad="69850" dist="43180" dir="5400000">
+                  <a:srgbClr val="000000">
+                    <a:alpha val="65000"/>
+                  </a:srgbClr>
+                </a:innerShdw>
+              </a:effectLst>
+            </a:endParaRPr>
+          </a:p>
+        </p:txBody>
+      </p:sp>
+      <p:sp>
+        <p:nvSpPr>
+          <p:cNvPr id="10" name="Rectangle 9">
+            <a:extLst>
+              <a:ext uri="{FF2B5EF4-FFF2-40B4-BE49-F238E27FC236}">
+                <a16:creationId xmlns:a16="http://schemas.microsoft.com/office/drawing/2014/main" id="{46913DD9-CDA3-43FD-AD19-429E0308D71B}"/>
+              </a:ext>
+            </a:extLst>
+          </p:cNvPr>
+          <p:cNvSpPr/>
+          <p:nvPr/>
+        </p:nvSpPr>
+        <p:spPr>
+          <a:xfrm>
+            <a:off x="1795886" y="6572272"/>
+            <a:ext cx="615874" cy="246221"/>
+          </a:xfrm>
+          <a:prstGeom prst="rect">
+            <a:avLst/>
+          </a:prstGeom>
+          <a:noFill/>
+        </p:spPr>
+        <p:txBody>
+          <a:bodyPr wrap="none" lIns="91440" tIns="45720" rIns="91440" bIns="45720">
+            <a:spAutoFit/>
+          </a:bodyPr>
+          <a:lstStyle/>
+          <a:p>
+            <a:pPr algn="ctr" rtl="1"/>
+            <a:r>
+              <a:rPr lang="en-US" sz="1000" b="1" dirty="0">
+                <a:ln w="1905"/>
+                <a:gradFill>
+                  <a:gsLst>
+                    <a:gs pos="0">
+                      <a:schemeClr val="accent6">
+                        <a:shade val="20000"/>
+                        <a:satMod val="200000"/>
+                      </a:schemeClr>
+                    </a:gs>
+                    <a:gs pos="78000">
+                      <a:schemeClr val="accent6">
+                        <a:tint val="90000"/>
+                        <a:shade val="89000"/>
+                        <a:satMod val="220000"/>
+                      </a:schemeClr>
+                    </a:gs>
+                    <a:gs pos="100000">
+                      <a:schemeClr val="accent6">
+                        <a:tint val="12000"/>
+                        <a:satMod val="255000"/>
+                      </a:schemeClr>
+                    </a:gs>
+                  </a:gsLst>
+                  <a:lin ang="5400000"/>
+                </a:gradFill>
+                <a:effectLst>
+                  <a:innerShdw blurRad="69850" dist="43180" dir="5400000">
+                    <a:srgbClr val="000000">
+                      <a:alpha val="65000"/>
+                    </a:srgbClr>
+                  </a:innerShdw>
+                </a:effectLst>
+              </a:rPr>
+              <a:t>Page: </a:t>
+            </a:r>
+            <a:fld id="{14AD6811-EE99-4BEB-8435-24D1DDA55D92}" type="slidenum">
+              <a:rPr lang="en-US" sz="1000" b="1" smtClean="0">
+                <a:ln w="1905"/>
+                <a:gradFill>
+                  <a:gsLst>
+                    <a:gs pos="0">
+                      <a:schemeClr val="accent6">
+                        <a:shade val="20000"/>
+                        <a:satMod val="200000"/>
+                      </a:schemeClr>
+                    </a:gs>
+                    <a:gs pos="78000">
+                      <a:schemeClr val="accent6">
+                        <a:tint val="90000"/>
+                        <a:shade val="89000"/>
+                        <a:satMod val="220000"/>
+                      </a:schemeClr>
+                    </a:gs>
+                    <a:gs pos="100000">
+                      <a:schemeClr val="accent6">
+                        <a:tint val="12000"/>
+                        <a:satMod val="255000"/>
+                      </a:schemeClr>
+                    </a:gs>
+                  </a:gsLst>
+                  <a:lin ang="5400000"/>
+                </a:gradFill>
+                <a:effectLst>
+                  <a:innerShdw blurRad="69850" dist="43180" dir="5400000">
+                    <a:srgbClr val="000000">
+                      <a:alpha val="65000"/>
+                    </a:srgbClr>
+                  </a:innerShdw>
+                </a:effectLst>
+              </a:rPr>
+              <a:t>11</a:t>
+            </a:fld>
+            <a:endParaRPr lang="en-US" sz="1000" b="1" dirty="0">
+              <a:ln w="1905"/>
+              <a:gradFill>
+                <a:gsLst>
+                  <a:gs pos="0">
+                    <a:schemeClr val="accent6">
+                      <a:shade val="20000"/>
+                      <a:satMod val="200000"/>
+                    </a:schemeClr>
+                  </a:gs>
+                  <a:gs pos="78000">
+                    <a:schemeClr val="accent6">
+                      <a:tint val="90000"/>
+                      <a:shade val="89000"/>
+                      <a:satMod val="220000"/>
+                    </a:schemeClr>
+                  </a:gs>
+                  <a:gs pos="100000">
+                    <a:schemeClr val="accent6">
+                      <a:tint val="12000"/>
+                      <a:satMod val="255000"/>
+                    </a:schemeClr>
+                  </a:gs>
+                </a:gsLst>
+                <a:lin ang="5400000"/>
+              </a:gradFill>
+              <a:effectLst>
+                <a:innerShdw blurRad="69850" dist="43180" dir="5400000">
+                  <a:srgbClr val="000000">
+                    <a:alpha val="65000"/>
+                  </a:srgbClr>
+                </a:innerShdw>
+              </a:effectLst>
+            </a:endParaRPr>
+          </a:p>
+        </p:txBody>
+      </p:sp>
+      <p:pic>
+        <p:nvPicPr>
+          <p:cNvPr id="4" name="Picture 3">
+            <a:extLst>
+              <a:ext uri="{FF2B5EF4-FFF2-40B4-BE49-F238E27FC236}">
+                <a16:creationId xmlns:a16="http://schemas.microsoft.com/office/drawing/2014/main" id="{F3625243-9805-4010-9491-688C02CA4108}"/>
+              </a:ext>
+            </a:extLst>
+          </p:cNvPr>
+          <p:cNvPicPr>
+            <a:picLocks noChangeAspect="1"/>
+          </p:cNvPicPr>
+          <p:nvPr/>
+        </p:nvPicPr>
+        <p:blipFill>
+          <a:blip r:embed="rId2" cstate="print">
+            <a:extLst>
+              <a:ext uri="{28A0092B-C50C-407E-A947-70E740481C1C}">
+                <a14:useLocalDpi xmlns:a14="http://schemas.microsoft.com/office/drawing/2010/main" val="0"/>
+              </a:ext>
+            </a:extLst>
+          </a:blip>
+          <a:stretch>
+            <a:fillRect/>
+          </a:stretch>
+        </p:blipFill>
+        <p:spPr>
+          <a:xfrm>
+            <a:off x="8343133" y="6104393"/>
+            <a:ext cx="765371" cy="780991"/>
+          </a:xfrm>
+          <a:prstGeom prst="rect">
+            <a:avLst/>
+          </a:prstGeom>
+        </p:spPr>
+      </p:pic>
+      <p:pic>
+        <p:nvPicPr>
+          <p:cNvPr id="17" name="Picture 16">
+            <a:extLst>
+              <a:ext uri="{FF2B5EF4-FFF2-40B4-BE49-F238E27FC236}">
+                <a16:creationId xmlns:a16="http://schemas.microsoft.com/office/drawing/2014/main" id="{671CD04D-E9F8-4950-836D-431AD3EA459A}"/>
+              </a:ext>
+            </a:extLst>
+          </p:cNvPr>
+          <p:cNvPicPr>
+            <a:picLocks noChangeAspect="1"/>
+          </p:cNvPicPr>
+          <p:nvPr/>
+        </p:nvPicPr>
+        <p:blipFill>
+          <a:blip r:embed="rId3" cstate="print">
+            <a:extLst>
+              <a:ext uri="{28A0092B-C50C-407E-A947-70E740481C1C}">
+                <a14:useLocalDpi xmlns:a14="http://schemas.microsoft.com/office/drawing/2010/main" val="0"/>
+              </a:ext>
+            </a:extLst>
+          </a:blip>
+          <a:srcRect/>
+          <a:stretch/>
+        </p:blipFill>
+        <p:spPr>
+          <a:xfrm>
+            <a:off x="49346" y="6165304"/>
+            <a:ext cx="1548718" cy="522459"/>
+          </a:xfrm>
+          <a:prstGeom prst="rect">
+            <a:avLst/>
+          </a:prstGeom>
+        </p:spPr>
+      </p:pic>
+      <p:pic>
+        <p:nvPicPr>
+          <p:cNvPr id="5" name="Picture 4">
+            <a:extLst>
+              <a:ext uri="{FF2B5EF4-FFF2-40B4-BE49-F238E27FC236}">
+                <a16:creationId xmlns:a16="http://schemas.microsoft.com/office/drawing/2014/main" id="{5257E1E4-7638-1B82-A2BF-9B75D5B088BB}"/>
+              </a:ext>
+            </a:extLst>
+          </p:cNvPr>
+          <p:cNvPicPr>
+            <a:picLocks noChangeAspect="1"/>
+          </p:cNvPicPr>
+          <p:nvPr/>
+        </p:nvPicPr>
+        <p:blipFill rotWithShape="1">
+          <a:blip r:embed="rId4"/>
+          <a:srcRect l="7476" t="28990" r="8758" b="13582"/>
+          <a:stretch/>
+        </p:blipFill>
+        <p:spPr>
+          <a:xfrm>
+            <a:off x="49346" y="770683"/>
+            <a:ext cx="9059158" cy="3810439"/>
+          </a:xfrm>
+          <a:prstGeom prst="rect">
+            <a:avLst/>
+          </a:prstGeom>
+        </p:spPr>
+      </p:pic>
+    </p:spTree>
+    <p:extLst>
+      <p:ext uri="{BB962C8B-B14F-4D97-AF65-F5344CB8AC3E}">
+        <p14:creationId xmlns:p14="http://schemas.microsoft.com/office/powerpoint/2010/main" val="2632676794"/>
+      </p:ext>
+    </p:extLst>
+  </p:cSld>
+  <p:clrMapOvr>
+    <a:masterClrMapping/>
+  </p:clrMapOvr>
+</p:sld>
+</file>
+
+<file path=ppt/slides/slide12.xml><?xml version="1.0" encoding="utf-8"?>
+<p:sld xmlns:a="http://schemas.openxmlformats.org/drawingml/2006/main" xmlns:r="http://schemas.openxmlformats.org/officeDocument/2006/relationships" xmlns:p="http://schemas.openxmlformats.org/presentationml/2006/main">
+  <p:cSld>
+    <p:bg>
+      <p:bgPr>
+        <a:solidFill>
+          <a:schemeClr val="bg1"/>
+        </a:solidFill>
+        <a:effectLst/>
+      </p:bgPr>
+    </p:bg>
+    <p:spTree>
+      <p:nvGrpSpPr>
+        <p:cNvPr id="1" name=""/>
+        <p:cNvGrpSpPr/>
+        <p:nvPr/>
+      </p:nvGrpSpPr>
+      <p:grpSpPr>
+        <a:xfrm>
+          <a:off x="0" y="0"/>
+          <a:ext cx="0" cy="0"/>
+          <a:chOff x="0" y="0"/>
+          <a:chExt cx="0" cy="0"/>
+        </a:xfrm>
+      </p:grpSpPr>
+      <p:cxnSp>
+        <p:nvCxnSpPr>
+          <p:cNvPr id="8" name="Straight Connector 7"/>
+          <p:cNvCxnSpPr>
+            <a:cxnSpLocks/>
+          </p:cNvCxnSpPr>
+          <p:nvPr/>
+        </p:nvCxnSpPr>
+        <p:spPr>
+          <a:xfrm>
+            <a:off x="1763688" y="6499457"/>
+            <a:ext cx="6480720" cy="0"/>
+          </a:xfrm>
+          <a:prstGeom prst="line">
+            <a:avLst/>
+          </a:prstGeom>
+        </p:spPr>
+        <p:style>
+          <a:lnRef idx="2">
+            <a:schemeClr val="dk1"/>
+          </a:lnRef>
+          <a:fillRef idx="0">
+            <a:schemeClr val="dk1"/>
+          </a:fillRef>
+          <a:effectRef idx="1">
+            <a:schemeClr val="dk1"/>
+          </a:effectRef>
+          <a:fontRef idx="minor">
+            <a:schemeClr val="tx1"/>
+          </a:fontRef>
+        </p:style>
+      </p:cxnSp>
+      <p:sp>
+        <p:nvSpPr>
+          <p:cNvPr id="11" name="Rectangle 10"/>
+          <p:cNvSpPr/>
+          <p:nvPr/>
+        </p:nvSpPr>
+        <p:spPr>
+          <a:xfrm>
+            <a:off x="6804248" y="6572272"/>
+            <a:ext cx="1345240" cy="246221"/>
+          </a:xfrm>
+          <a:prstGeom prst="rect">
+            <a:avLst/>
+          </a:prstGeom>
+          <a:noFill/>
+        </p:spPr>
+        <p:txBody>
+          <a:bodyPr wrap="none" lIns="91440" tIns="45720" rIns="91440" bIns="45720">
+            <a:spAutoFit/>
+          </a:bodyPr>
+          <a:lstStyle/>
+          <a:p>
+            <a:pPr algn="ctr" rtl="1"/>
+            <a:r>
+              <a:rPr lang="fa-IR" sz="1000" b="1" dirty="0">
+                <a:ln w="1905"/>
+                <a:gradFill>
+                  <a:gsLst>
+                    <a:gs pos="0">
+                      <a:schemeClr val="accent6">
+                        <a:shade val="20000"/>
+                        <a:satMod val="200000"/>
+                      </a:schemeClr>
+                    </a:gs>
+                    <a:gs pos="78000">
+                      <a:schemeClr val="accent6">
+                        <a:tint val="90000"/>
+                        <a:shade val="89000"/>
+                        <a:satMod val="220000"/>
+                      </a:schemeClr>
+                    </a:gs>
+                    <a:gs pos="100000">
+                      <a:schemeClr val="accent6">
+                        <a:tint val="12000"/>
+                        <a:satMod val="255000"/>
+                      </a:schemeClr>
+                    </a:gs>
+                  </a:gsLst>
+                  <a:lin ang="5400000"/>
+                </a:gradFill>
+                <a:effectLst>
+                  <a:innerShdw blurRad="69850" dist="43180" dir="5400000">
+                    <a:srgbClr val="000000">
+                      <a:alpha val="65000"/>
+                    </a:srgbClr>
+                  </a:innerShdw>
+                </a:effectLst>
+              </a:rPr>
+              <a:t>تهیه و تنظیم : سید حیدر علوی</a:t>
+            </a:r>
+            <a:endParaRPr lang="en-US" sz="1000" b="1" dirty="0">
+              <a:ln w="1905"/>
+              <a:gradFill>
+                <a:gsLst>
+                  <a:gs pos="0">
+                    <a:schemeClr val="accent6">
+                      <a:shade val="20000"/>
+                      <a:satMod val="200000"/>
+                    </a:schemeClr>
+                  </a:gs>
+                  <a:gs pos="78000">
+                    <a:schemeClr val="accent6">
+                      <a:tint val="90000"/>
+                      <a:shade val="89000"/>
+                      <a:satMod val="220000"/>
+                    </a:schemeClr>
+                  </a:gs>
+                  <a:gs pos="100000">
+                    <a:schemeClr val="accent6">
+                      <a:tint val="12000"/>
+                      <a:satMod val="255000"/>
+                    </a:schemeClr>
+                  </a:gs>
+                </a:gsLst>
+                <a:lin ang="5400000"/>
+              </a:gradFill>
+              <a:effectLst>
+                <a:innerShdw blurRad="69850" dist="43180" dir="5400000">
+                  <a:srgbClr val="000000">
+                    <a:alpha val="65000"/>
+                  </a:srgbClr>
+                </a:innerShdw>
+              </a:effectLst>
+            </a:endParaRPr>
+          </a:p>
+        </p:txBody>
+      </p:sp>
+      <p:sp>
+        <p:nvSpPr>
+          <p:cNvPr id="13" name="TextBox 12"/>
+          <p:cNvSpPr txBox="1"/>
+          <p:nvPr/>
+        </p:nvSpPr>
+        <p:spPr>
+          <a:xfrm>
+            <a:off x="1482875" y="87945"/>
+            <a:ext cx="5472608" cy="646331"/>
+          </a:xfrm>
+          <a:prstGeom prst="rect">
+            <a:avLst/>
+          </a:prstGeom>
+          <a:noFill/>
+        </p:spPr>
+        <p:txBody>
+          <a:bodyPr wrap="square" rtlCol="0">
+            <a:spAutoFit/>
+          </a:bodyPr>
+          <a:lstStyle/>
+          <a:p>
+            <a:r>
+              <a:rPr lang="en-US" sz="3600" b="1" dirty="0">
+                <a:ln w="1905"/>
+                <a:gradFill>
+                  <a:gsLst>
+                    <a:gs pos="0">
+                      <a:schemeClr val="accent6">
+                        <a:shade val="20000"/>
+                        <a:satMod val="200000"/>
+                      </a:schemeClr>
+                    </a:gs>
+                    <a:gs pos="78000">
+                      <a:schemeClr val="accent6">
+                        <a:tint val="90000"/>
+                        <a:shade val="89000"/>
+                        <a:satMod val="220000"/>
+                      </a:schemeClr>
+                    </a:gs>
+                    <a:gs pos="100000">
+                      <a:schemeClr val="accent6">
+                        <a:tint val="12000"/>
+                        <a:satMod val="255000"/>
+                      </a:schemeClr>
+                    </a:gs>
+                  </a:gsLst>
+                  <a:lin ang="5400000"/>
+                </a:gradFill>
+                <a:effectLst>
+                  <a:innerShdw blurRad="69850" dist="43180" dir="5400000">
+                    <a:srgbClr val="000000">
+                      <a:alpha val="65000"/>
+                    </a:srgbClr>
+                  </a:innerShdw>
+                </a:effectLst>
+              </a:rPr>
+              <a:t>Access Dictionary Items</a:t>
+            </a:r>
+          </a:p>
+        </p:txBody>
+      </p:sp>
+      <p:sp>
+        <p:nvSpPr>
+          <p:cNvPr id="9" name="Rectangle 8">
+            <a:extLst>
+              <a:ext uri="{FF2B5EF4-FFF2-40B4-BE49-F238E27FC236}">
+                <a16:creationId xmlns:a16="http://schemas.microsoft.com/office/drawing/2014/main" id="{AE259FB9-1872-47CB-A97E-46EC9F196E07}"/>
+              </a:ext>
+            </a:extLst>
+          </p:cNvPr>
+          <p:cNvSpPr/>
+          <p:nvPr/>
+        </p:nvSpPr>
+        <p:spPr>
+          <a:xfrm>
+            <a:off x="4219179" y="6572271"/>
+            <a:ext cx="705642" cy="246221"/>
+          </a:xfrm>
+          <a:prstGeom prst="rect">
+            <a:avLst/>
+          </a:prstGeom>
+          <a:noFill/>
+        </p:spPr>
+        <p:txBody>
+          <a:bodyPr wrap="none" lIns="91440" tIns="45720" rIns="91440" bIns="45720">
+            <a:spAutoFit/>
+          </a:bodyPr>
+          <a:lstStyle/>
+          <a:p>
+            <a:pPr algn="ctr" rtl="1"/>
+            <a:r>
+              <a:rPr lang="fa-IR" sz="1000" b="1" dirty="0">
+                <a:ln w="1905"/>
+                <a:gradFill>
+                  <a:gsLst>
+                    <a:gs pos="0">
+                      <a:schemeClr val="accent6">
+                        <a:shade val="20000"/>
+                        <a:satMod val="200000"/>
+                      </a:schemeClr>
+                    </a:gs>
+                    <a:gs pos="78000">
+                      <a:schemeClr val="accent6">
+                        <a:tint val="90000"/>
+                        <a:shade val="89000"/>
+                        <a:satMod val="220000"/>
+                      </a:schemeClr>
+                    </a:gs>
+                    <a:gs pos="100000">
+                      <a:schemeClr val="accent6">
+                        <a:tint val="12000"/>
+                        <a:satMod val="255000"/>
+                      </a:schemeClr>
+                    </a:gs>
+                  </a:gsLst>
+                  <a:lin ang="5400000"/>
+                </a:gradFill>
+                <a:effectLst>
+                  <a:innerShdw blurRad="69850" dist="43180" dir="5400000">
+                    <a:srgbClr val="000000">
+                      <a:alpha val="65000"/>
+                    </a:srgbClr>
+                  </a:innerShdw>
+                </a:effectLst>
+              </a:rPr>
+              <a:t>تابستان 1401</a:t>
+            </a:r>
+            <a:endParaRPr lang="en-US" sz="1000" b="1" dirty="0">
+              <a:ln w="1905"/>
+              <a:gradFill>
+                <a:gsLst>
+                  <a:gs pos="0">
+                    <a:schemeClr val="accent6">
+                      <a:shade val="20000"/>
+                      <a:satMod val="200000"/>
+                    </a:schemeClr>
+                  </a:gs>
+                  <a:gs pos="78000">
+                    <a:schemeClr val="accent6">
+                      <a:tint val="90000"/>
+                      <a:shade val="89000"/>
+                      <a:satMod val="220000"/>
+                    </a:schemeClr>
+                  </a:gs>
+                  <a:gs pos="100000">
+                    <a:schemeClr val="accent6">
+                      <a:tint val="12000"/>
+                      <a:satMod val="255000"/>
+                    </a:schemeClr>
+                  </a:gs>
+                </a:gsLst>
+                <a:lin ang="5400000"/>
+              </a:gradFill>
+              <a:effectLst>
+                <a:innerShdw blurRad="69850" dist="43180" dir="5400000">
+                  <a:srgbClr val="000000">
+                    <a:alpha val="65000"/>
+                  </a:srgbClr>
+                </a:innerShdw>
+              </a:effectLst>
+            </a:endParaRPr>
+          </a:p>
+        </p:txBody>
+      </p:sp>
+      <p:sp>
+        <p:nvSpPr>
+          <p:cNvPr id="10" name="Rectangle 9">
+            <a:extLst>
+              <a:ext uri="{FF2B5EF4-FFF2-40B4-BE49-F238E27FC236}">
+                <a16:creationId xmlns:a16="http://schemas.microsoft.com/office/drawing/2014/main" id="{46913DD9-CDA3-43FD-AD19-429E0308D71B}"/>
+              </a:ext>
+            </a:extLst>
+          </p:cNvPr>
+          <p:cNvSpPr/>
+          <p:nvPr/>
+        </p:nvSpPr>
+        <p:spPr>
+          <a:xfrm>
+            <a:off x="1795886" y="6572272"/>
+            <a:ext cx="615874" cy="246221"/>
+          </a:xfrm>
+          <a:prstGeom prst="rect">
+            <a:avLst/>
+          </a:prstGeom>
+          <a:noFill/>
+        </p:spPr>
+        <p:txBody>
+          <a:bodyPr wrap="none" lIns="91440" tIns="45720" rIns="91440" bIns="45720">
+            <a:spAutoFit/>
+          </a:bodyPr>
+          <a:lstStyle/>
+          <a:p>
+            <a:pPr algn="ctr" rtl="1"/>
+            <a:r>
+              <a:rPr lang="en-US" sz="1000" b="1" dirty="0">
+                <a:ln w="1905"/>
+                <a:gradFill>
+                  <a:gsLst>
+                    <a:gs pos="0">
+                      <a:schemeClr val="accent6">
+                        <a:shade val="20000"/>
+                        <a:satMod val="200000"/>
+                      </a:schemeClr>
+                    </a:gs>
+                    <a:gs pos="78000">
+                      <a:schemeClr val="accent6">
+                        <a:tint val="90000"/>
+                        <a:shade val="89000"/>
+                        <a:satMod val="220000"/>
+                      </a:schemeClr>
+                    </a:gs>
+                    <a:gs pos="100000">
+                      <a:schemeClr val="accent6">
+                        <a:tint val="12000"/>
+                        <a:satMod val="255000"/>
+                      </a:schemeClr>
+                    </a:gs>
+                  </a:gsLst>
+                  <a:lin ang="5400000"/>
+                </a:gradFill>
+                <a:effectLst>
+                  <a:innerShdw blurRad="69850" dist="43180" dir="5400000">
+                    <a:srgbClr val="000000">
+                      <a:alpha val="65000"/>
+                    </a:srgbClr>
+                  </a:innerShdw>
+                </a:effectLst>
+              </a:rPr>
+              <a:t>Page: </a:t>
+            </a:r>
+            <a:fld id="{14AD6811-EE99-4BEB-8435-24D1DDA55D92}" type="slidenum">
+              <a:rPr lang="en-US" sz="1000" b="1" smtClean="0">
+                <a:ln w="1905"/>
+                <a:gradFill>
+                  <a:gsLst>
+                    <a:gs pos="0">
+                      <a:schemeClr val="accent6">
+                        <a:shade val="20000"/>
+                        <a:satMod val="200000"/>
+                      </a:schemeClr>
+                    </a:gs>
+                    <a:gs pos="78000">
+                      <a:schemeClr val="accent6">
+                        <a:tint val="90000"/>
+                        <a:shade val="89000"/>
+                        <a:satMod val="220000"/>
+                      </a:schemeClr>
+                    </a:gs>
+                    <a:gs pos="100000">
+                      <a:schemeClr val="accent6">
+                        <a:tint val="12000"/>
+                        <a:satMod val="255000"/>
+                      </a:schemeClr>
+                    </a:gs>
+                  </a:gsLst>
+                  <a:lin ang="5400000"/>
+                </a:gradFill>
+                <a:effectLst>
+                  <a:innerShdw blurRad="69850" dist="43180" dir="5400000">
+                    <a:srgbClr val="000000">
+                      <a:alpha val="65000"/>
+                    </a:srgbClr>
+                  </a:innerShdw>
+                </a:effectLst>
+              </a:rPr>
+              <a:t>12</a:t>
+            </a:fld>
+            <a:endParaRPr lang="en-US" sz="1000" b="1" dirty="0">
+              <a:ln w="1905"/>
+              <a:gradFill>
+                <a:gsLst>
+                  <a:gs pos="0">
+                    <a:schemeClr val="accent6">
+                      <a:shade val="20000"/>
+                      <a:satMod val="200000"/>
+                    </a:schemeClr>
+                  </a:gs>
+                  <a:gs pos="78000">
+                    <a:schemeClr val="accent6">
+                      <a:tint val="90000"/>
+                      <a:shade val="89000"/>
+                      <a:satMod val="220000"/>
+                    </a:schemeClr>
+                  </a:gs>
+                  <a:gs pos="100000">
+                    <a:schemeClr val="accent6">
+                      <a:tint val="12000"/>
+                      <a:satMod val="255000"/>
+                    </a:schemeClr>
+                  </a:gs>
+                </a:gsLst>
+                <a:lin ang="5400000"/>
+              </a:gradFill>
+              <a:effectLst>
+                <a:innerShdw blurRad="69850" dist="43180" dir="5400000">
+                  <a:srgbClr val="000000">
+                    <a:alpha val="65000"/>
+                  </a:srgbClr>
+                </a:innerShdw>
+              </a:effectLst>
+            </a:endParaRPr>
+          </a:p>
+        </p:txBody>
+      </p:sp>
+      <p:pic>
+        <p:nvPicPr>
+          <p:cNvPr id="4" name="Picture 3">
+            <a:extLst>
+              <a:ext uri="{FF2B5EF4-FFF2-40B4-BE49-F238E27FC236}">
+                <a16:creationId xmlns:a16="http://schemas.microsoft.com/office/drawing/2014/main" id="{F3625243-9805-4010-9491-688C02CA4108}"/>
+              </a:ext>
+            </a:extLst>
+          </p:cNvPr>
+          <p:cNvPicPr>
+            <a:picLocks noChangeAspect="1"/>
+          </p:cNvPicPr>
+          <p:nvPr/>
+        </p:nvPicPr>
+        <p:blipFill>
+          <a:blip r:embed="rId2" cstate="print">
+            <a:extLst>
+              <a:ext uri="{28A0092B-C50C-407E-A947-70E740481C1C}">
+                <a14:useLocalDpi xmlns:a14="http://schemas.microsoft.com/office/drawing/2010/main" val="0"/>
+              </a:ext>
+            </a:extLst>
+          </a:blip>
+          <a:stretch>
+            <a:fillRect/>
+          </a:stretch>
+        </p:blipFill>
+        <p:spPr>
+          <a:xfrm>
+            <a:off x="8343133" y="6104393"/>
+            <a:ext cx="765371" cy="780991"/>
+          </a:xfrm>
+          <a:prstGeom prst="rect">
+            <a:avLst/>
+          </a:prstGeom>
+        </p:spPr>
+      </p:pic>
+      <p:pic>
+        <p:nvPicPr>
+          <p:cNvPr id="17" name="Picture 16">
+            <a:extLst>
+              <a:ext uri="{FF2B5EF4-FFF2-40B4-BE49-F238E27FC236}">
+                <a16:creationId xmlns:a16="http://schemas.microsoft.com/office/drawing/2014/main" id="{671CD04D-E9F8-4950-836D-431AD3EA459A}"/>
+              </a:ext>
+            </a:extLst>
+          </p:cNvPr>
+          <p:cNvPicPr>
+            <a:picLocks noChangeAspect="1"/>
+          </p:cNvPicPr>
+          <p:nvPr/>
+        </p:nvPicPr>
+        <p:blipFill>
+          <a:blip r:embed="rId3" cstate="print">
+            <a:extLst>
+              <a:ext uri="{28A0092B-C50C-407E-A947-70E740481C1C}">
+                <a14:useLocalDpi xmlns:a14="http://schemas.microsoft.com/office/drawing/2010/main" val="0"/>
+              </a:ext>
+            </a:extLst>
+          </a:blip>
+          <a:srcRect/>
+          <a:stretch/>
+        </p:blipFill>
+        <p:spPr>
+          <a:xfrm>
+            <a:off x="49346" y="6165304"/>
+            <a:ext cx="1548718" cy="522459"/>
+          </a:xfrm>
+          <a:prstGeom prst="rect">
+            <a:avLst/>
+          </a:prstGeom>
+        </p:spPr>
+      </p:pic>
+      <p:pic>
+        <p:nvPicPr>
+          <p:cNvPr id="3" name="Picture 2">
+            <a:extLst>
+              <a:ext uri="{FF2B5EF4-FFF2-40B4-BE49-F238E27FC236}">
+                <a16:creationId xmlns:a16="http://schemas.microsoft.com/office/drawing/2014/main" id="{9FE9DAD1-1E7C-55D7-98B3-183BF7028931}"/>
+              </a:ext>
+            </a:extLst>
+          </p:cNvPr>
+          <p:cNvPicPr>
+            <a:picLocks noChangeAspect="1"/>
+          </p:cNvPicPr>
+          <p:nvPr/>
+        </p:nvPicPr>
+        <p:blipFill rotWithShape="1">
+          <a:blip r:embed="rId4"/>
+          <a:srcRect l="12201" t="27590" r="12988" b="7980"/>
+          <a:stretch/>
+        </p:blipFill>
+        <p:spPr>
+          <a:xfrm>
+            <a:off x="49346" y="980727"/>
+            <a:ext cx="9059158" cy="5050851"/>
+          </a:xfrm>
+          <a:prstGeom prst="rect">
+            <a:avLst/>
+          </a:prstGeom>
+        </p:spPr>
+      </p:pic>
+    </p:spTree>
+    <p:extLst>
+      <p:ext uri="{BB962C8B-B14F-4D97-AF65-F5344CB8AC3E}">
+        <p14:creationId xmlns:p14="http://schemas.microsoft.com/office/powerpoint/2010/main" val="381115928"/>
+      </p:ext>
+    </p:extLst>
+  </p:cSld>
+  <p:clrMapOvr>
+    <a:masterClrMapping/>
+  </p:clrMapOvr>
+</p:sld>
+</file>
+
+<file path=ppt/slides/slide13.xml><?xml version="1.0" encoding="utf-8"?>
+<p:sld xmlns:a="http://schemas.openxmlformats.org/drawingml/2006/main" xmlns:r="http://schemas.openxmlformats.org/officeDocument/2006/relationships" xmlns:p="http://schemas.openxmlformats.org/presentationml/2006/main">
+  <p:cSld>
+    <p:bg>
+      <p:bgPr>
+        <a:solidFill>
+          <a:schemeClr val="bg1"/>
+        </a:solidFill>
+        <a:effectLst/>
+      </p:bgPr>
+    </p:bg>
+    <p:spTree>
+      <p:nvGrpSpPr>
+        <p:cNvPr id="1" name=""/>
+        <p:cNvGrpSpPr/>
+        <p:nvPr/>
+      </p:nvGrpSpPr>
+      <p:grpSpPr>
+        <a:xfrm>
+          <a:off x="0" y="0"/>
+          <a:ext cx="0" cy="0"/>
+          <a:chOff x="0" y="0"/>
+          <a:chExt cx="0" cy="0"/>
+        </a:xfrm>
+      </p:grpSpPr>
+      <p:cxnSp>
+        <p:nvCxnSpPr>
+          <p:cNvPr id="8" name="Straight Connector 7"/>
+          <p:cNvCxnSpPr>
+            <a:cxnSpLocks/>
+          </p:cNvCxnSpPr>
+          <p:nvPr/>
+        </p:nvCxnSpPr>
+        <p:spPr>
+          <a:xfrm>
+            <a:off x="1763688" y="6499457"/>
+            <a:ext cx="6480720" cy="0"/>
+          </a:xfrm>
+          <a:prstGeom prst="line">
+            <a:avLst/>
+          </a:prstGeom>
+        </p:spPr>
+        <p:style>
+          <a:lnRef idx="2">
+            <a:schemeClr val="dk1"/>
+          </a:lnRef>
+          <a:fillRef idx="0">
+            <a:schemeClr val="dk1"/>
+          </a:fillRef>
+          <a:effectRef idx="1">
+            <a:schemeClr val="dk1"/>
+          </a:effectRef>
+          <a:fontRef idx="minor">
+            <a:schemeClr val="tx1"/>
+          </a:fontRef>
+        </p:style>
+      </p:cxnSp>
+      <p:sp>
+        <p:nvSpPr>
+          <p:cNvPr id="11" name="Rectangle 10"/>
+          <p:cNvSpPr/>
+          <p:nvPr/>
+        </p:nvSpPr>
+        <p:spPr>
+          <a:xfrm>
+            <a:off x="6804248" y="6572272"/>
+            <a:ext cx="1345240" cy="246221"/>
+          </a:xfrm>
+          <a:prstGeom prst="rect">
+            <a:avLst/>
+          </a:prstGeom>
+          <a:noFill/>
+        </p:spPr>
+        <p:txBody>
+          <a:bodyPr wrap="none" lIns="91440" tIns="45720" rIns="91440" bIns="45720">
+            <a:spAutoFit/>
+          </a:bodyPr>
+          <a:lstStyle/>
+          <a:p>
+            <a:pPr algn="ctr" rtl="1"/>
+            <a:r>
+              <a:rPr lang="fa-IR" sz="1000" b="1" dirty="0">
+                <a:ln w="1905"/>
+                <a:gradFill>
+                  <a:gsLst>
+                    <a:gs pos="0">
+                      <a:schemeClr val="accent6">
+                        <a:shade val="20000"/>
+                        <a:satMod val="200000"/>
+                      </a:schemeClr>
+                    </a:gs>
+                    <a:gs pos="78000">
+                      <a:schemeClr val="accent6">
+                        <a:tint val="90000"/>
+                        <a:shade val="89000"/>
+                        <a:satMod val="220000"/>
+                      </a:schemeClr>
+                    </a:gs>
+                    <a:gs pos="100000">
+                      <a:schemeClr val="accent6">
+                        <a:tint val="12000"/>
+                        <a:satMod val="255000"/>
+                      </a:schemeClr>
+                    </a:gs>
+                  </a:gsLst>
+                  <a:lin ang="5400000"/>
+                </a:gradFill>
+                <a:effectLst>
+                  <a:innerShdw blurRad="69850" dist="43180" dir="5400000">
+                    <a:srgbClr val="000000">
+                      <a:alpha val="65000"/>
+                    </a:srgbClr>
+                  </a:innerShdw>
+                </a:effectLst>
+              </a:rPr>
+              <a:t>تهیه و تنظیم : سید حیدر علوی</a:t>
+            </a:r>
+            <a:endParaRPr lang="en-US" sz="1000" b="1" dirty="0">
+              <a:ln w="1905"/>
+              <a:gradFill>
+                <a:gsLst>
+                  <a:gs pos="0">
+                    <a:schemeClr val="accent6">
+                      <a:shade val="20000"/>
+                      <a:satMod val="200000"/>
+                    </a:schemeClr>
+                  </a:gs>
+                  <a:gs pos="78000">
+                    <a:schemeClr val="accent6">
+                      <a:tint val="90000"/>
+                      <a:shade val="89000"/>
+                      <a:satMod val="220000"/>
+                    </a:schemeClr>
+                  </a:gs>
+                  <a:gs pos="100000">
+                    <a:schemeClr val="accent6">
+                      <a:tint val="12000"/>
+                      <a:satMod val="255000"/>
+                    </a:schemeClr>
+                  </a:gs>
+                </a:gsLst>
+                <a:lin ang="5400000"/>
+              </a:gradFill>
+              <a:effectLst>
+                <a:innerShdw blurRad="69850" dist="43180" dir="5400000">
+                  <a:srgbClr val="000000">
+                    <a:alpha val="65000"/>
+                  </a:srgbClr>
+                </a:innerShdw>
+              </a:effectLst>
+            </a:endParaRPr>
+          </a:p>
+        </p:txBody>
+      </p:sp>
+      <p:sp>
+        <p:nvSpPr>
+          <p:cNvPr id="13" name="TextBox 12"/>
+          <p:cNvSpPr txBox="1"/>
+          <p:nvPr/>
+        </p:nvSpPr>
+        <p:spPr>
+          <a:xfrm>
+            <a:off x="1482874" y="87945"/>
+            <a:ext cx="6113462" cy="646331"/>
+          </a:xfrm>
+          <a:prstGeom prst="rect">
+            <a:avLst/>
+          </a:prstGeom>
+          <a:noFill/>
+        </p:spPr>
+        <p:txBody>
+          <a:bodyPr wrap="square" rtlCol="0">
+            <a:spAutoFit/>
+          </a:bodyPr>
+          <a:lstStyle/>
+          <a:p>
+            <a:r>
+              <a:rPr lang="en-US" sz="3600" b="1" dirty="0">
+                <a:ln w="1905"/>
+                <a:gradFill>
+                  <a:gsLst>
+                    <a:gs pos="0">
+                      <a:schemeClr val="accent6">
+                        <a:shade val="20000"/>
+                        <a:satMod val="200000"/>
+                      </a:schemeClr>
+                    </a:gs>
+                    <a:gs pos="78000">
+                      <a:schemeClr val="accent6">
+                        <a:tint val="90000"/>
+                        <a:shade val="89000"/>
+                        <a:satMod val="220000"/>
+                      </a:schemeClr>
+                    </a:gs>
+                    <a:gs pos="100000">
+                      <a:schemeClr val="accent6">
+                        <a:tint val="12000"/>
+                        <a:satMod val="255000"/>
+                      </a:schemeClr>
+                    </a:gs>
+                  </a:gsLst>
+                  <a:lin ang="5400000"/>
+                </a:gradFill>
+                <a:effectLst>
+                  <a:innerShdw blurRad="69850" dist="43180" dir="5400000">
+                    <a:srgbClr val="000000">
+                      <a:alpha val="65000"/>
+                    </a:srgbClr>
+                  </a:innerShdw>
+                </a:effectLst>
+              </a:rPr>
+              <a:t>Python Dictionary Methods</a:t>
+            </a:r>
+          </a:p>
+        </p:txBody>
+      </p:sp>
+      <p:sp>
+        <p:nvSpPr>
+          <p:cNvPr id="9" name="Rectangle 8">
+            <a:extLst>
+              <a:ext uri="{FF2B5EF4-FFF2-40B4-BE49-F238E27FC236}">
+                <a16:creationId xmlns:a16="http://schemas.microsoft.com/office/drawing/2014/main" id="{AE259FB9-1872-47CB-A97E-46EC9F196E07}"/>
+              </a:ext>
+            </a:extLst>
+          </p:cNvPr>
+          <p:cNvSpPr/>
+          <p:nvPr/>
+        </p:nvSpPr>
+        <p:spPr>
+          <a:xfrm>
+            <a:off x="4219179" y="6572271"/>
+            <a:ext cx="705642" cy="246221"/>
+          </a:xfrm>
+          <a:prstGeom prst="rect">
+            <a:avLst/>
+          </a:prstGeom>
+          <a:noFill/>
+        </p:spPr>
+        <p:txBody>
+          <a:bodyPr wrap="none" lIns="91440" tIns="45720" rIns="91440" bIns="45720">
+            <a:spAutoFit/>
+          </a:bodyPr>
+          <a:lstStyle/>
+          <a:p>
+            <a:pPr algn="ctr" rtl="1"/>
+            <a:r>
+              <a:rPr lang="fa-IR" sz="1000" b="1" dirty="0">
+                <a:ln w="1905"/>
+                <a:gradFill>
+                  <a:gsLst>
+                    <a:gs pos="0">
+                      <a:schemeClr val="accent6">
+                        <a:shade val="20000"/>
+                        <a:satMod val="200000"/>
+                      </a:schemeClr>
+                    </a:gs>
+                    <a:gs pos="78000">
+                      <a:schemeClr val="accent6">
+                        <a:tint val="90000"/>
+                        <a:shade val="89000"/>
+                        <a:satMod val="220000"/>
+                      </a:schemeClr>
+                    </a:gs>
+                    <a:gs pos="100000">
+                      <a:schemeClr val="accent6">
+                        <a:tint val="12000"/>
+                        <a:satMod val="255000"/>
+                      </a:schemeClr>
+                    </a:gs>
+                  </a:gsLst>
+                  <a:lin ang="5400000"/>
+                </a:gradFill>
+                <a:effectLst>
+                  <a:innerShdw blurRad="69850" dist="43180" dir="5400000">
+                    <a:srgbClr val="000000">
+                      <a:alpha val="65000"/>
+                    </a:srgbClr>
+                  </a:innerShdw>
+                </a:effectLst>
+              </a:rPr>
+              <a:t>تابستان 1401</a:t>
+            </a:r>
+            <a:endParaRPr lang="en-US" sz="1000" b="1" dirty="0">
+              <a:ln w="1905"/>
+              <a:gradFill>
+                <a:gsLst>
+                  <a:gs pos="0">
+                    <a:schemeClr val="accent6">
+                      <a:shade val="20000"/>
+                      <a:satMod val="200000"/>
+                    </a:schemeClr>
+                  </a:gs>
+                  <a:gs pos="78000">
+                    <a:schemeClr val="accent6">
+                      <a:tint val="90000"/>
+                      <a:shade val="89000"/>
+                      <a:satMod val="220000"/>
+                    </a:schemeClr>
+                  </a:gs>
+                  <a:gs pos="100000">
+                    <a:schemeClr val="accent6">
+                      <a:tint val="12000"/>
+                      <a:satMod val="255000"/>
+                    </a:schemeClr>
+                  </a:gs>
+                </a:gsLst>
+                <a:lin ang="5400000"/>
+              </a:gradFill>
+              <a:effectLst>
+                <a:innerShdw blurRad="69850" dist="43180" dir="5400000">
+                  <a:srgbClr val="000000">
+                    <a:alpha val="65000"/>
+                  </a:srgbClr>
+                </a:innerShdw>
+              </a:effectLst>
+            </a:endParaRPr>
+          </a:p>
+        </p:txBody>
+      </p:sp>
+      <p:sp>
+        <p:nvSpPr>
+          <p:cNvPr id="10" name="Rectangle 9">
+            <a:extLst>
+              <a:ext uri="{FF2B5EF4-FFF2-40B4-BE49-F238E27FC236}">
+                <a16:creationId xmlns:a16="http://schemas.microsoft.com/office/drawing/2014/main" id="{46913DD9-CDA3-43FD-AD19-429E0308D71B}"/>
+              </a:ext>
+            </a:extLst>
+          </p:cNvPr>
+          <p:cNvSpPr/>
+          <p:nvPr/>
+        </p:nvSpPr>
+        <p:spPr>
+          <a:xfrm>
+            <a:off x="1795886" y="6572272"/>
+            <a:ext cx="615874" cy="246221"/>
+          </a:xfrm>
+          <a:prstGeom prst="rect">
+            <a:avLst/>
+          </a:prstGeom>
+          <a:noFill/>
+        </p:spPr>
+        <p:txBody>
+          <a:bodyPr wrap="none" lIns="91440" tIns="45720" rIns="91440" bIns="45720">
+            <a:spAutoFit/>
+          </a:bodyPr>
+          <a:lstStyle/>
+          <a:p>
+            <a:pPr algn="ctr" rtl="1"/>
+            <a:r>
+              <a:rPr lang="en-US" sz="1000" b="1" dirty="0">
+                <a:ln w="1905"/>
+                <a:gradFill>
+                  <a:gsLst>
+                    <a:gs pos="0">
+                      <a:schemeClr val="accent6">
+                        <a:shade val="20000"/>
+                        <a:satMod val="200000"/>
+                      </a:schemeClr>
+                    </a:gs>
+                    <a:gs pos="78000">
+                      <a:schemeClr val="accent6">
+                        <a:tint val="90000"/>
+                        <a:shade val="89000"/>
+                        <a:satMod val="220000"/>
+                      </a:schemeClr>
+                    </a:gs>
+                    <a:gs pos="100000">
+                      <a:schemeClr val="accent6">
+                        <a:tint val="12000"/>
+                        <a:satMod val="255000"/>
+                      </a:schemeClr>
+                    </a:gs>
+                  </a:gsLst>
+                  <a:lin ang="5400000"/>
+                </a:gradFill>
+                <a:effectLst>
+                  <a:innerShdw blurRad="69850" dist="43180" dir="5400000">
+                    <a:srgbClr val="000000">
+                      <a:alpha val="65000"/>
+                    </a:srgbClr>
+                  </a:innerShdw>
+                </a:effectLst>
+              </a:rPr>
+              <a:t>Page: </a:t>
+            </a:r>
+            <a:fld id="{14AD6811-EE99-4BEB-8435-24D1DDA55D92}" type="slidenum">
+              <a:rPr lang="en-US" sz="1000" b="1" smtClean="0">
+                <a:ln w="1905"/>
+                <a:gradFill>
+                  <a:gsLst>
+                    <a:gs pos="0">
+                      <a:schemeClr val="accent6">
+                        <a:shade val="20000"/>
+                        <a:satMod val="200000"/>
+                      </a:schemeClr>
+                    </a:gs>
+                    <a:gs pos="78000">
+                      <a:schemeClr val="accent6">
+                        <a:tint val="90000"/>
+                        <a:shade val="89000"/>
+                        <a:satMod val="220000"/>
+                      </a:schemeClr>
+                    </a:gs>
+                    <a:gs pos="100000">
+                      <a:schemeClr val="accent6">
+                        <a:tint val="12000"/>
+                        <a:satMod val="255000"/>
+                      </a:schemeClr>
+                    </a:gs>
+                  </a:gsLst>
+                  <a:lin ang="5400000"/>
+                </a:gradFill>
+                <a:effectLst>
+                  <a:innerShdw blurRad="69850" dist="43180" dir="5400000">
+                    <a:srgbClr val="000000">
+                      <a:alpha val="65000"/>
+                    </a:srgbClr>
+                  </a:innerShdw>
+                </a:effectLst>
+              </a:rPr>
+              <a:t>13</a:t>
+            </a:fld>
+            <a:endParaRPr lang="en-US" sz="1000" b="1" dirty="0">
+              <a:ln w="1905"/>
+              <a:gradFill>
+                <a:gsLst>
+                  <a:gs pos="0">
+                    <a:schemeClr val="accent6">
+                      <a:shade val="20000"/>
+                      <a:satMod val="200000"/>
+                    </a:schemeClr>
+                  </a:gs>
+                  <a:gs pos="78000">
+                    <a:schemeClr val="accent6">
+                      <a:tint val="90000"/>
+                      <a:shade val="89000"/>
+                      <a:satMod val="220000"/>
+                    </a:schemeClr>
+                  </a:gs>
+                  <a:gs pos="100000">
+                    <a:schemeClr val="accent6">
+                      <a:tint val="12000"/>
+                      <a:satMod val="255000"/>
+                    </a:schemeClr>
+                  </a:gs>
+                </a:gsLst>
+                <a:lin ang="5400000"/>
+              </a:gradFill>
+              <a:effectLst>
+                <a:innerShdw blurRad="69850" dist="43180" dir="5400000">
+                  <a:srgbClr val="000000">
+                    <a:alpha val="65000"/>
+                  </a:srgbClr>
+                </a:innerShdw>
+              </a:effectLst>
+            </a:endParaRPr>
+          </a:p>
+        </p:txBody>
+      </p:sp>
+      <p:pic>
+        <p:nvPicPr>
+          <p:cNvPr id="4" name="Picture 3">
+            <a:extLst>
+              <a:ext uri="{FF2B5EF4-FFF2-40B4-BE49-F238E27FC236}">
+                <a16:creationId xmlns:a16="http://schemas.microsoft.com/office/drawing/2014/main" id="{F3625243-9805-4010-9491-688C02CA4108}"/>
+              </a:ext>
+            </a:extLst>
+          </p:cNvPr>
+          <p:cNvPicPr>
+            <a:picLocks noChangeAspect="1"/>
+          </p:cNvPicPr>
+          <p:nvPr/>
+        </p:nvPicPr>
+        <p:blipFill>
+          <a:blip r:embed="rId2" cstate="print">
+            <a:extLst>
+              <a:ext uri="{28A0092B-C50C-407E-A947-70E740481C1C}">
+                <a14:useLocalDpi xmlns:a14="http://schemas.microsoft.com/office/drawing/2010/main" val="0"/>
+              </a:ext>
+            </a:extLst>
+          </a:blip>
+          <a:stretch>
+            <a:fillRect/>
+          </a:stretch>
+        </p:blipFill>
+        <p:spPr>
+          <a:xfrm>
+            <a:off x="8343133" y="6104393"/>
+            <a:ext cx="765371" cy="780991"/>
+          </a:xfrm>
+          <a:prstGeom prst="rect">
+            <a:avLst/>
+          </a:prstGeom>
+        </p:spPr>
+      </p:pic>
+      <p:pic>
+        <p:nvPicPr>
+          <p:cNvPr id="17" name="Picture 16">
+            <a:extLst>
+              <a:ext uri="{FF2B5EF4-FFF2-40B4-BE49-F238E27FC236}">
+                <a16:creationId xmlns:a16="http://schemas.microsoft.com/office/drawing/2014/main" id="{671CD04D-E9F8-4950-836D-431AD3EA459A}"/>
+              </a:ext>
+            </a:extLst>
+          </p:cNvPr>
+          <p:cNvPicPr>
+            <a:picLocks noChangeAspect="1"/>
+          </p:cNvPicPr>
+          <p:nvPr/>
+        </p:nvPicPr>
+        <p:blipFill>
+          <a:blip r:embed="rId3" cstate="print">
+            <a:extLst>
+              <a:ext uri="{28A0092B-C50C-407E-A947-70E740481C1C}">
+                <a14:useLocalDpi xmlns:a14="http://schemas.microsoft.com/office/drawing/2010/main" val="0"/>
+              </a:ext>
+            </a:extLst>
+          </a:blip>
+          <a:srcRect/>
+          <a:stretch/>
+        </p:blipFill>
+        <p:spPr>
+          <a:xfrm>
+            <a:off x="49346" y="6165304"/>
+            <a:ext cx="1548718" cy="522459"/>
+          </a:xfrm>
+          <a:prstGeom prst="rect">
+            <a:avLst/>
+          </a:prstGeom>
+        </p:spPr>
+      </p:pic>
+      <p:pic>
+        <p:nvPicPr>
+          <p:cNvPr id="5" name="Picture 4">
+            <a:extLst>
+              <a:ext uri="{FF2B5EF4-FFF2-40B4-BE49-F238E27FC236}">
+                <a16:creationId xmlns:a16="http://schemas.microsoft.com/office/drawing/2014/main" id="{16384334-50FD-9375-D530-D2160FB5B184}"/>
+              </a:ext>
+            </a:extLst>
+          </p:cNvPr>
+          <p:cNvPicPr>
+            <a:picLocks noChangeAspect="1"/>
+          </p:cNvPicPr>
+          <p:nvPr/>
+        </p:nvPicPr>
+        <p:blipFill rotWithShape="1">
+          <a:blip r:embed="rId4"/>
+          <a:srcRect l="17477" t="26190" r="16926" b="7979"/>
+          <a:stretch/>
+        </p:blipFill>
+        <p:spPr>
+          <a:xfrm>
+            <a:off x="251520" y="734275"/>
+            <a:ext cx="8712968" cy="5297303"/>
+          </a:xfrm>
+          <a:prstGeom prst="rect">
+            <a:avLst/>
+          </a:prstGeom>
+        </p:spPr>
+      </p:pic>
+    </p:spTree>
+    <p:extLst>
+      <p:ext uri="{BB962C8B-B14F-4D97-AF65-F5344CB8AC3E}">
+        <p14:creationId xmlns:p14="http://schemas.microsoft.com/office/powerpoint/2010/main" val="1985465406"/>
+      </p:ext>
+    </p:extLst>
+  </p:cSld>
+  <p:clrMapOvr>
+    <a:masterClrMapping/>
+  </p:clrMapOvr>
+</p:sld>
+</file>
+
+<file path=ppt/slides/slide14.xml><?xml version="1.0" encoding="utf-8"?>
+<p:sld xmlns:a="http://schemas.openxmlformats.org/drawingml/2006/main" xmlns:r="http://schemas.openxmlformats.org/officeDocument/2006/relationships" xmlns:p="http://schemas.openxmlformats.org/presentationml/2006/main">
+  <p:cSld>
+    <p:bg>
+      <p:bgPr>
+        <a:solidFill>
+          <a:schemeClr val="bg1"/>
+        </a:solidFill>
+        <a:effectLst/>
+      </p:bgPr>
+    </p:bg>
+    <p:spTree>
+      <p:nvGrpSpPr>
+        <p:cNvPr id="1" name=""/>
+        <p:cNvGrpSpPr/>
+        <p:nvPr/>
+      </p:nvGrpSpPr>
+      <p:grpSpPr>
+        <a:xfrm>
+          <a:off x="0" y="0"/>
+          <a:ext cx="0" cy="0"/>
+          <a:chOff x="0" y="0"/>
+          <a:chExt cx="0" cy="0"/>
+        </a:xfrm>
+      </p:grpSpPr>
+      <p:cxnSp>
+        <p:nvCxnSpPr>
+          <p:cNvPr id="8" name="Straight Connector 7"/>
+          <p:cNvCxnSpPr>
+            <a:cxnSpLocks/>
+          </p:cNvCxnSpPr>
+          <p:nvPr/>
+        </p:nvCxnSpPr>
+        <p:spPr>
+          <a:xfrm>
+            <a:off x="1763688" y="6499457"/>
+            <a:ext cx="6480720" cy="0"/>
+          </a:xfrm>
+          <a:prstGeom prst="line">
+            <a:avLst/>
+          </a:prstGeom>
+        </p:spPr>
+        <p:style>
+          <a:lnRef idx="2">
+            <a:schemeClr val="dk1"/>
+          </a:lnRef>
+          <a:fillRef idx="0">
+            <a:schemeClr val="dk1"/>
+          </a:fillRef>
+          <a:effectRef idx="1">
+            <a:schemeClr val="dk1"/>
+          </a:effectRef>
+          <a:fontRef idx="minor">
+            <a:schemeClr val="tx1"/>
+          </a:fontRef>
+        </p:style>
+      </p:cxnSp>
+      <p:sp>
+        <p:nvSpPr>
+          <p:cNvPr id="11" name="Rectangle 10"/>
+          <p:cNvSpPr/>
+          <p:nvPr/>
+        </p:nvSpPr>
+        <p:spPr>
+          <a:xfrm>
+            <a:off x="6804248" y="6572272"/>
+            <a:ext cx="1345240" cy="246221"/>
+          </a:xfrm>
+          <a:prstGeom prst="rect">
+            <a:avLst/>
+          </a:prstGeom>
+          <a:noFill/>
+        </p:spPr>
+        <p:txBody>
+          <a:bodyPr wrap="none" lIns="91440" tIns="45720" rIns="91440" bIns="45720">
+            <a:spAutoFit/>
+          </a:bodyPr>
+          <a:lstStyle/>
+          <a:p>
+            <a:pPr algn="ctr" rtl="1"/>
+            <a:r>
+              <a:rPr lang="fa-IR" sz="1000" b="1" dirty="0">
+                <a:ln w="1905"/>
+                <a:gradFill>
+                  <a:gsLst>
+                    <a:gs pos="0">
+                      <a:schemeClr val="accent6">
+                        <a:shade val="20000"/>
+                        <a:satMod val="200000"/>
+                      </a:schemeClr>
+                    </a:gs>
+                    <a:gs pos="78000">
+                      <a:schemeClr val="accent6">
+                        <a:tint val="90000"/>
+                        <a:shade val="89000"/>
+                        <a:satMod val="220000"/>
+                      </a:schemeClr>
+                    </a:gs>
+                    <a:gs pos="100000">
+                      <a:schemeClr val="accent6">
+                        <a:tint val="12000"/>
+                        <a:satMod val="255000"/>
+                      </a:schemeClr>
+                    </a:gs>
+                  </a:gsLst>
+                  <a:lin ang="5400000"/>
+                </a:gradFill>
+                <a:effectLst>
+                  <a:innerShdw blurRad="69850" dist="43180" dir="5400000">
+                    <a:srgbClr val="000000">
+                      <a:alpha val="65000"/>
+                    </a:srgbClr>
+                  </a:innerShdw>
+                </a:effectLst>
+              </a:rPr>
+              <a:t>تهیه و تنظیم : سید حیدر علوی</a:t>
+            </a:r>
+            <a:endParaRPr lang="en-US" sz="1000" b="1" dirty="0">
+              <a:ln w="1905"/>
+              <a:gradFill>
+                <a:gsLst>
+                  <a:gs pos="0">
+                    <a:schemeClr val="accent6">
+                      <a:shade val="20000"/>
+                      <a:satMod val="200000"/>
+                    </a:schemeClr>
+                  </a:gs>
+                  <a:gs pos="78000">
+                    <a:schemeClr val="accent6">
+                      <a:tint val="90000"/>
+                      <a:shade val="89000"/>
+                      <a:satMod val="220000"/>
+                    </a:schemeClr>
+                  </a:gs>
+                  <a:gs pos="100000">
+                    <a:schemeClr val="accent6">
+                      <a:tint val="12000"/>
+                      <a:satMod val="255000"/>
+                    </a:schemeClr>
+                  </a:gs>
+                </a:gsLst>
+                <a:lin ang="5400000"/>
+              </a:gradFill>
+              <a:effectLst>
+                <a:innerShdw blurRad="69850" dist="43180" dir="5400000">
+                  <a:srgbClr val="000000">
+                    <a:alpha val="65000"/>
+                  </a:srgbClr>
+                </a:innerShdw>
+              </a:effectLst>
+            </a:endParaRPr>
+          </a:p>
+        </p:txBody>
+      </p:sp>
+      <p:sp>
+        <p:nvSpPr>
+          <p:cNvPr id="13" name="TextBox 12"/>
+          <p:cNvSpPr txBox="1"/>
+          <p:nvPr/>
+        </p:nvSpPr>
+        <p:spPr>
+          <a:xfrm>
+            <a:off x="2422588" y="51537"/>
+            <a:ext cx="3593182" cy="646331"/>
+          </a:xfrm>
+          <a:prstGeom prst="rect">
+            <a:avLst/>
+          </a:prstGeom>
+          <a:noFill/>
+        </p:spPr>
+        <p:txBody>
+          <a:bodyPr wrap="square" rtlCol="0">
+            <a:spAutoFit/>
+          </a:bodyPr>
+          <a:lstStyle/>
+          <a:p>
+            <a:r>
+              <a:rPr lang="en-US" sz="3600" b="1" dirty="0">
+                <a:ln w="1905"/>
+                <a:gradFill>
+                  <a:gsLst>
+                    <a:gs pos="0">
+                      <a:schemeClr val="accent6">
+                        <a:shade val="20000"/>
+                        <a:satMod val="200000"/>
+                      </a:schemeClr>
+                    </a:gs>
+                    <a:gs pos="78000">
+                      <a:schemeClr val="accent6">
+                        <a:tint val="90000"/>
+                        <a:shade val="89000"/>
+                        <a:satMod val="220000"/>
+                      </a:schemeClr>
+                    </a:gs>
+                    <a:gs pos="100000">
+                      <a:schemeClr val="accent6">
+                        <a:tint val="12000"/>
+                        <a:satMod val="255000"/>
+                      </a:schemeClr>
+                    </a:gs>
+                  </a:gsLst>
+                  <a:lin ang="5400000"/>
+                </a:gradFill>
+                <a:effectLst>
+                  <a:innerShdw blurRad="69850" dist="43180" dir="5400000">
+                    <a:srgbClr val="000000">
+                      <a:alpha val="65000"/>
+                    </a:srgbClr>
+                  </a:innerShdw>
+                </a:effectLst>
+              </a:rPr>
+              <a:t>Python If ... Else</a:t>
+            </a:r>
+          </a:p>
+        </p:txBody>
+      </p:sp>
+      <p:sp>
+        <p:nvSpPr>
+          <p:cNvPr id="9" name="Rectangle 8">
+            <a:extLst>
+              <a:ext uri="{FF2B5EF4-FFF2-40B4-BE49-F238E27FC236}">
+                <a16:creationId xmlns:a16="http://schemas.microsoft.com/office/drawing/2014/main" id="{AE259FB9-1872-47CB-A97E-46EC9F196E07}"/>
+              </a:ext>
+            </a:extLst>
+          </p:cNvPr>
+          <p:cNvSpPr/>
+          <p:nvPr/>
+        </p:nvSpPr>
+        <p:spPr>
+          <a:xfrm>
+            <a:off x="4219179" y="6572271"/>
+            <a:ext cx="705642" cy="246221"/>
+          </a:xfrm>
+          <a:prstGeom prst="rect">
+            <a:avLst/>
+          </a:prstGeom>
+          <a:noFill/>
+        </p:spPr>
+        <p:txBody>
+          <a:bodyPr wrap="none" lIns="91440" tIns="45720" rIns="91440" bIns="45720">
+            <a:spAutoFit/>
+          </a:bodyPr>
+          <a:lstStyle/>
+          <a:p>
+            <a:pPr algn="ctr" rtl="1"/>
+            <a:r>
+              <a:rPr lang="fa-IR" sz="1000" b="1" dirty="0">
+                <a:ln w="1905"/>
+                <a:gradFill>
+                  <a:gsLst>
+                    <a:gs pos="0">
+                      <a:schemeClr val="accent6">
+                        <a:shade val="20000"/>
+                        <a:satMod val="200000"/>
+                      </a:schemeClr>
+                    </a:gs>
+                    <a:gs pos="78000">
+                      <a:schemeClr val="accent6">
+                        <a:tint val="90000"/>
+                        <a:shade val="89000"/>
+                        <a:satMod val="220000"/>
+                      </a:schemeClr>
+                    </a:gs>
+                    <a:gs pos="100000">
+                      <a:schemeClr val="accent6">
+                        <a:tint val="12000"/>
+                        <a:satMod val="255000"/>
+                      </a:schemeClr>
+                    </a:gs>
+                  </a:gsLst>
+                  <a:lin ang="5400000"/>
+                </a:gradFill>
+                <a:effectLst>
+                  <a:innerShdw blurRad="69850" dist="43180" dir="5400000">
+                    <a:srgbClr val="000000">
+                      <a:alpha val="65000"/>
+                    </a:srgbClr>
+                  </a:innerShdw>
+                </a:effectLst>
+              </a:rPr>
+              <a:t>تابستان 1401</a:t>
+            </a:r>
+            <a:endParaRPr lang="en-US" sz="1000" b="1" dirty="0">
+              <a:ln w="1905"/>
+              <a:gradFill>
+                <a:gsLst>
+                  <a:gs pos="0">
+                    <a:schemeClr val="accent6">
+                      <a:shade val="20000"/>
+                      <a:satMod val="200000"/>
+                    </a:schemeClr>
+                  </a:gs>
+                  <a:gs pos="78000">
+                    <a:schemeClr val="accent6">
+                      <a:tint val="90000"/>
+                      <a:shade val="89000"/>
+                      <a:satMod val="220000"/>
+                    </a:schemeClr>
+                  </a:gs>
+                  <a:gs pos="100000">
+                    <a:schemeClr val="accent6">
+                      <a:tint val="12000"/>
+                      <a:satMod val="255000"/>
+                    </a:schemeClr>
+                  </a:gs>
+                </a:gsLst>
+                <a:lin ang="5400000"/>
+              </a:gradFill>
+              <a:effectLst>
+                <a:innerShdw blurRad="69850" dist="43180" dir="5400000">
+                  <a:srgbClr val="000000">
+                    <a:alpha val="65000"/>
+                  </a:srgbClr>
+                </a:innerShdw>
+              </a:effectLst>
+            </a:endParaRPr>
+          </a:p>
+        </p:txBody>
+      </p:sp>
+      <p:sp>
+        <p:nvSpPr>
+          <p:cNvPr id="10" name="Rectangle 9">
+            <a:extLst>
+              <a:ext uri="{FF2B5EF4-FFF2-40B4-BE49-F238E27FC236}">
+                <a16:creationId xmlns:a16="http://schemas.microsoft.com/office/drawing/2014/main" id="{46913DD9-CDA3-43FD-AD19-429E0308D71B}"/>
+              </a:ext>
+            </a:extLst>
+          </p:cNvPr>
+          <p:cNvSpPr/>
+          <p:nvPr/>
+        </p:nvSpPr>
+        <p:spPr>
+          <a:xfrm>
+            <a:off x="1795886" y="6572272"/>
+            <a:ext cx="615874" cy="246221"/>
+          </a:xfrm>
+          <a:prstGeom prst="rect">
+            <a:avLst/>
+          </a:prstGeom>
+          <a:noFill/>
+        </p:spPr>
+        <p:txBody>
+          <a:bodyPr wrap="none" lIns="91440" tIns="45720" rIns="91440" bIns="45720">
+            <a:spAutoFit/>
+          </a:bodyPr>
+          <a:lstStyle/>
+          <a:p>
+            <a:pPr algn="ctr" rtl="1"/>
+            <a:r>
+              <a:rPr lang="en-US" sz="1000" b="1" dirty="0">
+                <a:ln w="1905"/>
+                <a:gradFill>
+                  <a:gsLst>
+                    <a:gs pos="0">
+                      <a:schemeClr val="accent6">
+                        <a:shade val="20000"/>
+                        <a:satMod val="200000"/>
+                      </a:schemeClr>
+                    </a:gs>
+                    <a:gs pos="78000">
+                      <a:schemeClr val="accent6">
+                        <a:tint val="90000"/>
+                        <a:shade val="89000"/>
+                        <a:satMod val="220000"/>
+                      </a:schemeClr>
+                    </a:gs>
+                    <a:gs pos="100000">
+                      <a:schemeClr val="accent6">
+                        <a:tint val="12000"/>
+                        <a:satMod val="255000"/>
+                      </a:schemeClr>
+                    </a:gs>
+                  </a:gsLst>
+                  <a:lin ang="5400000"/>
+                </a:gradFill>
+                <a:effectLst>
+                  <a:innerShdw blurRad="69850" dist="43180" dir="5400000">
+                    <a:srgbClr val="000000">
+                      <a:alpha val="65000"/>
+                    </a:srgbClr>
+                  </a:innerShdw>
+                </a:effectLst>
+              </a:rPr>
+              <a:t>Page: </a:t>
+            </a:r>
+            <a:fld id="{14AD6811-EE99-4BEB-8435-24D1DDA55D92}" type="slidenum">
+              <a:rPr lang="en-US" sz="1000" b="1" smtClean="0">
+                <a:ln w="1905"/>
+                <a:gradFill>
+                  <a:gsLst>
+                    <a:gs pos="0">
+                      <a:schemeClr val="accent6">
+                        <a:shade val="20000"/>
+                        <a:satMod val="200000"/>
+                      </a:schemeClr>
+                    </a:gs>
+                    <a:gs pos="78000">
+                      <a:schemeClr val="accent6">
+                        <a:tint val="90000"/>
+                        <a:shade val="89000"/>
+                        <a:satMod val="220000"/>
+                      </a:schemeClr>
+                    </a:gs>
+                    <a:gs pos="100000">
+                      <a:schemeClr val="accent6">
+                        <a:tint val="12000"/>
+                        <a:satMod val="255000"/>
+                      </a:schemeClr>
+                    </a:gs>
+                  </a:gsLst>
+                  <a:lin ang="5400000"/>
+                </a:gradFill>
+                <a:effectLst>
+                  <a:innerShdw blurRad="69850" dist="43180" dir="5400000">
+                    <a:srgbClr val="000000">
+                      <a:alpha val="65000"/>
+                    </a:srgbClr>
+                  </a:innerShdw>
+                </a:effectLst>
+              </a:rPr>
+              <a:t>14</a:t>
+            </a:fld>
+            <a:endParaRPr lang="en-US" sz="1000" b="1" dirty="0">
+              <a:ln w="1905"/>
+              <a:gradFill>
+                <a:gsLst>
+                  <a:gs pos="0">
+                    <a:schemeClr val="accent6">
+                      <a:shade val="20000"/>
+                      <a:satMod val="200000"/>
+                    </a:schemeClr>
+                  </a:gs>
+                  <a:gs pos="78000">
+                    <a:schemeClr val="accent6">
+                      <a:tint val="90000"/>
+                      <a:shade val="89000"/>
+                      <a:satMod val="220000"/>
+                    </a:schemeClr>
+                  </a:gs>
+                  <a:gs pos="100000">
+                    <a:schemeClr val="accent6">
+                      <a:tint val="12000"/>
+                      <a:satMod val="255000"/>
+                    </a:schemeClr>
+                  </a:gs>
+                </a:gsLst>
+                <a:lin ang="5400000"/>
+              </a:gradFill>
+              <a:effectLst>
+                <a:innerShdw blurRad="69850" dist="43180" dir="5400000">
+                  <a:srgbClr val="000000">
+                    <a:alpha val="65000"/>
+                  </a:srgbClr>
+                </a:innerShdw>
+              </a:effectLst>
+            </a:endParaRPr>
+          </a:p>
+        </p:txBody>
+      </p:sp>
+      <p:pic>
+        <p:nvPicPr>
+          <p:cNvPr id="4" name="Picture 3">
+            <a:extLst>
+              <a:ext uri="{FF2B5EF4-FFF2-40B4-BE49-F238E27FC236}">
+                <a16:creationId xmlns:a16="http://schemas.microsoft.com/office/drawing/2014/main" id="{F3625243-9805-4010-9491-688C02CA4108}"/>
+              </a:ext>
+            </a:extLst>
+          </p:cNvPr>
+          <p:cNvPicPr>
+            <a:picLocks noChangeAspect="1"/>
+          </p:cNvPicPr>
+          <p:nvPr/>
+        </p:nvPicPr>
+        <p:blipFill>
+          <a:blip r:embed="rId2" cstate="print">
+            <a:extLst>
+              <a:ext uri="{28A0092B-C50C-407E-A947-70E740481C1C}">
+                <a14:useLocalDpi xmlns:a14="http://schemas.microsoft.com/office/drawing/2010/main" val="0"/>
+              </a:ext>
+            </a:extLst>
+          </a:blip>
+          <a:stretch>
+            <a:fillRect/>
+          </a:stretch>
+        </p:blipFill>
+        <p:spPr>
+          <a:xfrm>
+            <a:off x="8343133" y="6104393"/>
+            <a:ext cx="765371" cy="780991"/>
+          </a:xfrm>
+          <a:prstGeom prst="rect">
+            <a:avLst/>
+          </a:prstGeom>
+        </p:spPr>
+      </p:pic>
+      <p:pic>
+        <p:nvPicPr>
+          <p:cNvPr id="17" name="Picture 16">
+            <a:extLst>
+              <a:ext uri="{FF2B5EF4-FFF2-40B4-BE49-F238E27FC236}">
+                <a16:creationId xmlns:a16="http://schemas.microsoft.com/office/drawing/2014/main" id="{671CD04D-E9F8-4950-836D-431AD3EA459A}"/>
+              </a:ext>
+            </a:extLst>
+          </p:cNvPr>
+          <p:cNvPicPr>
+            <a:picLocks noChangeAspect="1"/>
+          </p:cNvPicPr>
+          <p:nvPr/>
+        </p:nvPicPr>
+        <p:blipFill>
+          <a:blip r:embed="rId3" cstate="print">
+            <a:extLst>
+              <a:ext uri="{28A0092B-C50C-407E-A947-70E740481C1C}">
+                <a14:useLocalDpi xmlns:a14="http://schemas.microsoft.com/office/drawing/2010/main" val="0"/>
+              </a:ext>
+            </a:extLst>
+          </a:blip>
+          <a:srcRect/>
+          <a:stretch/>
+        </p:blipFill>
+        <p:spPr>
+          <a:xfrm>
+            <a:off x="49346" y="6165304"/>
+            <a:ext cx="1548718" cy="522459"/>
+          </a:xfrm>
+          <a:prstGeom prst="rect">
+            <a:avLst/>
+          </a:prstGeom>
+        </p:spPr>
+      </p:pic>
+      <p:pic>
+        <p:nvPicPr>
+          <p:cNvPr id="3" name="Picture 2">
+            <a:extLst>
+              <a:ext uri="{FF2B5EF4-FFF2-40B4-BE49-F238E27FC236}">
+                <a16:creationId xmlns:a16="http://schemas.microsoft.com/office/drawing/2014/main" id="{7C462A3E-AB1F-687E-4AC8-3BFE3D5B3715}"/>
+              </a:ext>
+            </a:extLst>
+          </p:cNvPr>
+          <p:cNvPicPr>
+            <a:picLocks noChangeAspect="1"/>
+          </p:cNvPicPr>
+          <p:nvPr/>
+        </p:nvPicPr>
+        <p:blipFill rotWithShape="1">
+          <a:blip r:embed="rId4"/>
+          <a:srcRect l="11413" t="28991" r="12987" b="14983"/>
+          <a:stretch/>
+        </p:blipFill>
+        <p:spPr>
+          <a:xfrm>
+            <a:off x="49346" y="770681"/>
+            <a:ext cx="9059158" cy="5178597"/>
+          </a:xfrm>
+          <a:prstGeom prst="rect">
+            <a:avLst/>
+          </a:prstGeom>
+        </p:spPr>
+      </p:pic>
+    </p:spTree>
+    <p:extLst>
+      <p:ext uri="{BB962C8B-B14F-4D97-AF65-F5344CB8AC3E}">
+        <p14:creationId xmlns:p14="http://schemas.microsoft.com/office/powerpoint/2010/main" val="1793367751"/>
+      </p:ext>
+    </p:extLst>
+  </p:cSld>
+  <p:clrMapOvr>
+    <a:masterClrMapping/>
+  </p:clrMapOvr>
+</p:sld>
+</file>
+
+<file path=ppt/slides/slide15.xml><?xml version="1.0" encoding="utf-8"?>
+<p:sld xmlns:a="http://schemas.openxmlformats.org/drawingml/2006/main" xmlns:r="http://schemas.openxmlformats.org/officeDocument/2006/relationships" xmlns:p="http://schemas.openxmlformats.org/presentationml/2006/main">
+  <p:cSld>
+    <p:bg>
+      <p:bgPr>
+        <a:solidFill>
+          <a:schemeClr val="bg1"/>
+        </a:solidFill>
+        <a:effectLst/>
+      </p:bgPr>
+    </p:bg>
+    <p:spTree>
+      <p:nvGrpSpPr>
+        <p:cNvPr id="1" name=""/>
+        <p:cNvGrpSpPr/>
+        <p:nvPr/>
+      </p:nvGrpSpPr>
+      <p:grpSpPr>
+        <a:xfrm>
+          <a:off x="0" y="0"/>
+          <a:ext cx="0" cy="0"/>
+          <a:chOff x="0" y="0"/>
+          <a:chExt cx="0" cy="0"/>
+        </a:xfrm>
+      </p:grpSpPr>
+      <p:cxnSp>
+        <p:nvCxnSpPr>
+          <p:cNvPr id="8" name="Straight Connector 7"/>
+          <p:cNvCxnSpPr>
+            <a:cxnSpLocks/>
+          </p:cNvCxnSpPr>
+          <p:nvPr/>
+        </p:nvCxnSpPr>
+        <p:spPr>
+          <a:xfrm>
+            <a:off x="1763688" y="6499457"/>
+            <a:ext cx="6480720" cy="0"/>
+          </a:xfrm>
+          <a:prstGeom prst="line">
+            <a:avLst/>
+          </a:prstGeom>
+        </p:spPr>
+        <p:style>
+          <a:lnRef idx="2">
+            <a:schemeClr val="dk1"/>
+          </a:lnRef>
+          <a:fillRef idx="0">
+            <a:schemeClr val="dk1"/>
+          </a:fillRef>
+          <a:effectRef idx="1">
+            <a:schemeClr val="dk1"/>
+          </a:effectRef>
+          <a:fontRef idx="minor">
+            <a:schemeClr val="tx1"/>
+          </a:fontRef>
+        </p:style>
+      </p:cxnSp>
+      <p:sp>
+        <p:nvSpPr>
+          <p:cNvPr id="11" name="Rectangle 10"/>
+          <p:cNvSpPr/>
+          <p:nvPr/>
+        </p:nvSpPr>
+        <p:spPr>
+          <a:xfrm>
+            <a:off x="6804248" y="6572272"/>
+            <a:ext cx="1345240" cy="246221"/>
+          </a:xfrm>
+          <a:prstGeom prst="rect">
+            <a:avLst/>
+          </a:prstGeom>
+          <a:noFill/>
+        </p:spPr>
+        <p:txBody>
+          <a:bodyPr wrap="none" lIns="91440" tIns="45720" rIns="91440" bIns="45720">
+            <a:spAutoFit/>
+          </a:bodyPr>
+          <a:lstStyle/>
+          <a:p>
+            <a:pPr algn="ctr" rtl="1"/>
+            <a:r>
+              <a:rPr lang="fa-IR" sz="1000" b="1" dirty="0">
+                <a:ln w="1905"/>
+                <a:gradFill>
+                  <a:gsLst>
+                    <a:gs pos="0">
+                      <a:schemeClr val="accent6">
+                        <a:shade val="20000"/>
+                        <a:satMod val="200000"/>
+                      </a:schemeClr>
+                    </a:gs>
+                    <a:gs pos="78000">
+                      <a:schemeClr val="accent6">
+                        <a:tint val="90000"/>
+                        <a:shade val="89000"/>
+                        <a:satMod val="220000"/>
+                      </a:schemeClr>
+                    </a:gs>
+                    <a:gs pos="100000">
+                      <a:schemeClr val="accent6">
+                        <a:tint val="12000"/>
+                        <a:satMod val="255000"/>
+                      </a:schemeClr>
+                    </a:gs>
+                  </a:gsLst>
+                  <a:lin ang="5400000"/>
+                </a:gradFill>
+                <a:effectLst>
+                  <a:innerShdw blurRad="69850" dist="43180" dir="5400000">
+                    <a:srgbClr val="000000">
+                      <a:alpha val="65000"/>
+                    </a:srgbClr>
+                  </a:innerShdw>
+                </a:effectLst>
+              </a:rPr>
+              <a:t>تهیه و تنظیم : سید حیدر علوی</a:t>
+            </a:r>
+            <a:endParaRPr lang="en-US" sz="1000" b="1" dirty="0">
+              <a:ln w="1905"/>
+              <a:gradFill>
+                <a:gsLst>
+                  <a:gs pos="0">
+                    <a:schemeClr val="accent6">
+                      <a:shade val="20000"/>
+                      <a:satMod val="200000"/>
+                    </a:schemeClr>
+                  </a:gs>
+                  <a:gs pos="78000">
+                    <a:schemeClr val="accent6">
+                      <a:tint val="90000"/>
+                      <a:shade val="89000"/>
+                      <a:satMod val="220000"/>
+                    </a:schemeClr>
+                  </a:gs>
+                  <a:gs pos="100000">
+                    <a:schemeClr val="accent6">
+                      <a:tint val="12000"/>
+                      <a:satMod val="255000"/>
+                    </a:schemeClr>
+                  </a:gs>
+                </a:gsLst>
+                <a:lin ang="5400000"/>
+              </a:gradFill>
+              <a:effectLst>
+                <a:innerShdw blurRad="69850" dist="43180" dir="5400000">
+                  <a:srgbClr val="000000">
+                    <a:alpha val="65000"/>
+                  </a:srgbClr>
+                </a:innerShdw>
+              </a:effectLst>
+            </a:endParaRPr>
+          </a:p>
+        </p:txBody>
+      </p:sp>
+      <p:sp>
+        <p:nvSpPr>
+          <p:cNvPr id="13" name="TextBox 12"/>
+          <p:cNvSpPr txBox="1"/>
+          <p:nvPr/>
+        </p:nvSpPr>
+        <p:spPr>
+          <a:xfrm>
+            <a:off x="2316087" y="-10312"/>
+            <a:ext cx="4525676" cy="646331"/>
+          </a:xfrm>
+          <a:prstGeom prst="rect">
+            <a:avLst/>
+          </a:prstGeom>
+          <a:noFill/>
+        </p:spPr>
+        <p:txBody>
+          <a:bodyPr wrap="square" rtlCol="0">
+            <a:spAutoFit/>
+          </a:bodyPr>
+          <a:lstStyle/>
+          <a:p>
+            <a:r>
+              <a:rPr lang="en-US" sz="3600" b="1" dirty="0">
+                <a:ln w="1905"/>
+                <a:gradFill>
+                  <a:gsLst>
+                    <a:gs pos="0">
+                      <a:schemeClr val="accent6">
+                        <a:shade val="20000"/>
+                        <a:satMod val="200000"/>
+                      </a:schemeClr>
+                    </a:gs>
+                    <a:gs pos="78000">
+                      <a:schemeClr val="accent6">
+                        <a:tint val="90000"/>
+                        <a:shade val="89000"/>
+                        <a:satMod val="220000"/>
+                      </a:schemeClr>
+                    </a:gs>
+                    <a:gs pos="100000">
+                      <a:schemeClr val="accent6">
+                        <a:tint val="12000"/>
+                        <a:satMod val="255000"/>
+                      </a:schemeClr>
+                    </a:gs>
+                  </a:gsLst>
+                  <a:lin ang="5400000"/>
+                </a:gradFill>
+                <a:effectLst>
+                  <a:innerShdw blurRad="69850" dist="43180" dir="5400000">
+                    <a:srgbClr val="000000">
+                      <a:alpha val="65000"/>
+                    </a:srgbClr>
+                  </a:innerShdw>
+                </a:effectLst>
+              </a:rPr>
+              <a:t>Python While Loops</a:t>
+            </a:r>
+          </a:p>
+        </p:txBody>
+      </p:sp>
+      <p:sp>
+        <p:nvSpPr>
+          <p:cNvPr id="9" name="Rectangle 8">
+            <a:extLst>
+              <a:ext uri="{FF2B5EF4-FFF2-40B4-BE49-F238E27FC236}">
+                <a16:creationId xmlns:a16="http://schemas.microsoft.com/office/drawing/2014/main" id="{AE259FB9-1872-47CB-A97E-46EC9F196E07}"/>
+              </a:ext>
+            </a:extLst>
+          </p:cNvPr>
+          <p:cNvSpPr/>
+          <p:nvPr/>
+        </p:nvSpPr>
+        <p:spPr>
+          <a:xfrm>
+            <a:off x="4219179" y="6572271"/>
+            <a:ext cx="705642" cy="246221"/>
+          </a:xfrm>
+          <a:prstGeom prst="rect">
+            <a:avLst/>
+          </a:prstGeom>
+          <a:noFill/>
+        </p:spPr>
+        <p:txBody>
+          <a:bodyPr wrap="none" lIns="91440" tIns="45720" rIns="91440" bIns="45720">
+            <a:spAutoFit/>
+          </a:bodyPr>
+          <a:lstStyle/>
+          <a:p>
+            <a:pPr algn="ctr" rtl="1"/>
+            <a:r>
+              <a:rPr lang="fa-IR" sz="1000" b="1" dirty="0">
+                <a:ln w="1905"/>
+                <a:gradFill>
+                  <a:gsLst>
+                    <a:gs pos="0">
+                      <a:schemeClr val="accent6">
+                        <a:shade val="20000"/>
+                        <a:satMod val="200000"/>
+                      </a:schemeClr>
+                    </a:gs>
+                    <a:gs pos="78000">
+                      <a:schemeClr val="accent6">
+                        <a:tint val="90000"/>
+                        <a:shade val="89000"/>
+                        <a:satMod val="220000"/>
+                      </a:schemeClr>
+                    </a:gs>
+                    <a:gs pos="100000">
+                      <a:schemeClr val="accent6">
+                        <a:tint val="12000"/>
+                        <a:satMod val="255000"/>
+                      </a:schemeClr>
+                    </a:gs>
+                  </a:gsLst>
+                  <a:lin ang="5400000"/>
+                </a:gradFill>
+                <a:effectLst>
+                  <a:innerShdw blurRad="69850" dist="43180" dir="5400000">
+                    <a:srgbClr val="000000">
+                      <a:alpha val="65000"/>
+                    </a:srgbClr>
+                  </a:innerShdw>
+                </a:effectLst>
+              </a:rPr>
+              <a:t>تابستان 1401</a:t>
+            </a:r>
+            <a:endParaRPr lang="en-US" sz="1000" b="1" dirty="0">
+              <a:ln w="1905"/>
+              <a:gradFill>
+                <a:gsLst>
+                  <a:gs pos="0">
+                    <a:schemeClr val="accent6">
+                      <a:shade val="20000"/>
+                      <a:satMod val="200000"/>
+                    </a:schemeClr>
+                  </a:gs>
+                  <a:gs pos="78000">
+                    <a:schemeClr val="accent6">
+                      <a:tint val="90000"/>
+                      <a:shade val="89000"/>
+                      <a:satMod val="220000"/>
+                    </a:schemeClr>
+                  </a:gs>
+                  <a:gs pos="100000">
+                    <a:schemeClr val="accent6">
+                      <a:tint val="12000"/>
+                      <a:satMod val="255000"/>
+                    </a:schemeClr>
+                  </a:gs>
+                </a:gsLst>
+                <a:lin ang="5400000"/>
+              </a:gradFill>
+              <a:effectLst>
+                <a:innerShdw blurRad="69850" dist="43180" dir="5400000">
+                  <a:srgbClr val="000000">
+                    <a:alpha val="65000"/>
+                  </a:srgbClr>
+                </a:innerShdw>
+              </a:effectLst>
+            </a:endParaRPr>
+          </a:p>
+        </p:txBody>
+      </p:sp>
+      <p:sp>
+        <p:nvSpPr>
+          <p:cNvPr id="10" name="Rectangle 9">
+            <a:extLst>
+              <a:ext uri="{FF2B5EF4-FFF2-40B4-BE49-F238E27FC236}">
+                <a16:creationId xmlns:a16="http://schemas.microsoft.com/office/drawing/2014/main" id="{46913DD9-CDA3-43FD-AD19-429E0308D71B}"/>
+              </a:ext>
+            </a:extLst>
+          </p:cNvPr>
+          <p:cNvSpPr/>
+          <p:nvPr/>
+        </p:nvSpPr>
+        <p:spPr>
+          <a:xfrm>
+            <a:off x="1795886" y="6572272"/>
+            <a:ext cx="615874" cy="246221"/>
+          </a:xfrm>
+          <a:prstGeom prst="rect">
+            <a:avLst/>
+          </a:prstGeom>
+          <a:noFill/>
+        </p:spPr>
+        <p:txBody>
+          <a:bodyPr wrap="none" lIns="91440" tIns="45720" rIns="91440" bIns="45720">
+            <a:spAutoFit/>
+          </a:bodyPr>
+          <a:lstStyle/>
+          <a:p>
+            <a:pPr algn="ctr" rtl="1"/>
+            <a:r>
+              <a:rPr lang="en-US" sz="1000" b="1" dirty="0">
+                <a:ln w="1905"/>
+                <a:gradFill>
+                  <a:gsLst>
+                    <a:gs pos="0">
+                      <a:schemeClr val="accent6">
+                        <a:shade val="20000"/>
+                        <a:satMod val="200000"/>
+                      </a:schemeClr>
+                    </a:gs>
+                    <a:gs pos="78000">
+                      <a:schemeClr val="accent6">
+                        <a:tint val="90000"/>
+                        <a:shade val="89000"/>
+                        <a:satMod val="220000"/>
+                      </a:schemeClr>
+                    </a:gs>
+                    <a:gs pos="100000">
+                      <a:schemeClr val="accent6">
+                        <a:tint val="12000"/>
+                        <a:satMod val="255000"/>
+                      </a:schemeClr>
+                    </a:gs>
+                  </a:gsLst>
+                  <a:lin ang="5400000"/>
+                </a:gradFill>
+                <a:effectLst>
+                  <a:innerShdw blurRad="69850" dist="43180" dir="5400000">
+                    <a:srgbClr val="000000">
+                      <a:alpha val="65000"/>
+                    </a:srgbClr>
+                  </a:innerShdw>
+                </a:effectLst>
+              </a:rPr>
+              <a:t>Page: </a:t>
+            </a:r>
+            <a:fld id="{14AD6811-EE99-4BEB-8435-24D1DDA55D92}" type="slidenum">
+              <a:rPr lang="en-US" sz="1000" b="1" smtClean="0">
+                <a:ln w="1905"/>
+                <a:gradFill>
+                  <a:gsLst>
+                    <a:gs pos="0">
+                      <a:schemeClr val="accent6">
+                        <a:shade val="20000"/>
+                        <a:satMod val="200000"/>
+                      </a:schemeClr>
+                    </a:gs>
+                    <a:gs pos="78000">
+                      <a:schemeClr val="accent6">
+                        <a:tint val="90000"/>
+                        <a:shade val="89000"/>
+                        <a:satMod val="220000"/>
+                      </a:schemeClr>
+                    </a:gs>
+                    <a:gs pos="100000">
+                      <a:schemeClr val="accent6">
+                        <a:tint val="12000"/>
+                        <a:satMod val="255000"/>
+                      </a:schemeClr>
+                    </a:gs>
+                  </a:gsLst>
+                  <a:lin ang="5400000"/>
+                </a:gradFill>
+                <a:effectLst>
+                  <a:innerShdw blurRad="69850" dist="43180" dir="5400000">
+                    <a:srgbClr val="000000">
+                      <a:alpha val="65000"/>
+                    </a:srgbClr>
+                  </a:innerShdw>
+                </a:effectLst>
+              </a:rPr>
+              <a:t>15</a:t>
+            </a:fld>
+            <a:endParaRPr lang="en-US" sz="1000" b="1" dirty="0">
+              <a:ln w="1905"/>
+              <a:gradFill>
+                <a:gsLst>
+                  <a:gs pos="0">
+                    <a:schemeClr val="accent6">
+                      <a:shade val="20000"/>
+                      <a:satMod val="200000"/>
+                    </a:schemeClr>
+                  </a:gs>
+                  <a:gs pos="78000">
+                    <a:schemeClr val="accent6">
+                      <a:tint val="90000"/>
+                      <a:shade val="89000"/>
+                      <a:satMod val="220000"/>
+                    </a:schemeClr>
+                  </a:gs>
+                  <a:gs pos="100000">
+                    <a:schemeClr val="accent6">
+                      <a:tint val="12000"/>
+                      <a:satMod val="255000"/>
+                    </a:schemeClr>
+                  </a:gs>
+                </a:gsLst>
+                <a:lin ang="5400000"/>
+              </a:gradFill>
+              <a:effectLst>
+                <a:innerShdw blurRad="69850" dist="43180" dir="5400000">
+                  <a:srgbClr val="000000">
+                    <a:alpha val="65000"/>
+                  </a:srgbClr>
+                </a:innerShdw>
+              </a:effectLst>
+            </a:endParaRPr>
+          </a:p>
+        </p:txBody>
+      </p:sp>
+      <p:pic>
+        <p:nvPicPr>
+          <p:cNvPr id="4" name="Picture 3">
+            <a:extLst>
+              <a:ext uri="{FF2B5EF4-FFF2-40B4-BE49-F238E27FC236}">
+                <a16:creationId xmlns:a16="http://schemas.microsoft.com/office/drawing/2014/main" id="{F3625243-9805-4010-9491-688C02CA4108}"/>
+              </a:ext>
+            </a:extLst>
+          </p:cNvPr>
+          <p:cNvPicPr>
+            <a:picLocks noChangeAspect="1"/>
+          </p:cNvPicPr>
+          <p:nvPr/>
+        </p:nvPicPr>
+        <p:blipFill>
+          <a:blip r:embed="rId2" cstate="print">
+            <a:extLst>
+              <a:ext uri="{28A0092B-C50C-407E-A947-70E740481C1C}">
+                <a14:useLocalDpi xmlns:a14="http://schemas.microsoft.com/office/drawing/2010/main" val="0"/>
+              </a:ext>
+            </a:extLst>
+          </a:blip>
+          <a:stretch>
+            <a:fillRect/>
+          </a:stretch>
+        </p:blipFill>
+        <p:spPr>
+          <a:xfrm>
+            <a:off x="8343133" y="6104393"/>
+            <a:ext cx="765371" cy="780991"/>
+          </a:xfrm>
+          <a:prstGeom prst="rect">
+            <a:avLst/>
+          </a:prstGeom>
+        </p:spPr>
+      </p:pic>
+      <p:pic>
+        <p:nvPicPr>
+          <p:cNvPr id="17" name="Picture 16">
+            <a:extLst>
+              <a:ext uri="{FF2B5EF4-FFF2-40B4-BE49-F238E27FC236}">
+                <a16:creationId xmlns:a16="http://schemas.microsoft.com/office/drawing/2014/main" id="{671CD04D-E9F8-4950-836D-431AD3EA459A}"/>
+              </a:ext>
+            </a:extLst>
+          </p:cNvPr>
+          <p:cNvPicPr>
+            <a:picLocks noChangeAspect="1"/>
+          </p:cNvPicPr>
+          <p:nvPr/>
+        </p:nvPicPr>
+        <p:blipFill>
+          <a:blip r:embed="rId3" cstate="print">
+            <a:extLst>
+              <a:ext uri="{28A0092B-C50C-407E-A947-70E740481C1C}">
+                <a14:useLocalDpi xmlns:a14="http://schemas.microsoft.com/office/drawing/2010/main" val="0"/>
+              </a:ext>
+            </a:extLst>
+          </a:blip>
+          <a:srcRect/>
+          <a:stretch/>
+        </p:blipFill>
+        <p:spPr>
+          <a:xfrm>
+            <a:off x="49346" y="6165304"/>
+            <a:ext cx="1548718" cy="522459"/>
+          </a:xfrm>
+          <a:prstGeom prst="rect">
+            <a:avLst/>
+          </a:prstGeom>
+        </p:spPr>
+      </p:pic>
+      <p:pic>
+        <p:nvPicPr>
+          <p:cNvPr id="5" name="Picture 4">
+            <a:extLst>
+              <a:ext uri="{FF2B5EF4-FFF2-40B4-BE49-F238E27FC236}">
+                <a16:creationId xmlns:a16="http://schemas.microsoft.com/office/drawing/2014/main" id="{25653C5A-043F-E7DE-D586-6894FDC5C5C3}"/>
+              </a:ext>
+            </a:extLst>
+          </p:cNvPr>
+          <p:cNvPicPr>
+            <a:picLocks noChangeAspect="1"/>
+          </p:cNvPicPr>
+          <p:nvPr/>
+        </p:nvPicPr>
+        <p:blipFill rotWithShape="1">
+          <a:blip r:embed="rId4"/>
+          <a:srcRect l="13775" t="28990" r="13775" b="21987"/>
+          <a:stretch/>
+        </p:blipFill>
+        <p:spPr>
+          <a:xfrm>
+            <a:off x="49346" y="636019"/>
+            <a:ext cx="8987150" cy="5395558"/>
+          </a:xfrm>
+          <a:prstGeom prst="rect">
+            <a:avLst/>
+          </a:prstGeom>
+        </p:spPr>
+      </p:pic>
+    </p:spTree>
+    <p:extLst>
+      <p:ext uri="{BB962C8B-B14F-4D97-AF65-F5344CB8AC3E}">
+        <p14:creationId xmlns:p14="http://schemas.microsoft.com/office/powerpoint/2010/main" val="295556123"/>
+      </p:ext>
+    </p:extLst>
+  </p:cSld>
+  <p:clrMapOvr>
+    <a:masterClrMapping/>
+  </p:clrMapOvr>
+</p:sld>
+</file>
+
+<file path=ppt/slides/slide16.xml><?xml version="1.0" encoding="utf-8"?>
+<p:sld xmlns:a="http://schemas.openxmlformats.org/drawingml/2006/main" xmlns:r="http://schemas.openxmlformats.org/officeDocument/2006/relationships" xmlns:p="http://schemas.openxmlformats.org/presentationml/2006/main">
+  <p:cSld>
+    <p:bg>
+      <p:bgPr>
+        <a:solidFill>
+          <a:schemeClr val="bg1"/>
+        </a:solidFill>
+        <a:effectLst/>
+      </p:bgPr>
+    </p:bg>
+    <p:spTree>
+      <p:nvGrpSpPr>
+        <p:cNvPr id="1" name=""/>
+        <p:cNvGrpSpPr/>
+        <p:nvPr/>
+      </p:nvGrpSpPr>
+      <p:grpSpPr>
+        <a:xfrm>
+          <a:off x="0" y="0"/>
+          <a:ext cx="0" cy="0"/>
+          <a:chOff x="0" y="0"/>
+          <a:chExt cx="0" cy="0"/>
+        </a:xfrm>
+      </p:grpSpPr>
+      <p:cxnSp>
+        <p:nvCxnSpPr>
+          <p:cNvPr id="8" name="Straight Connector 7"/>
+          <p:cNvCxnSpPr>
+            <a:cxnSpLocks/>
+          </p:cNvCxnSpPr>
+          <p:nvPr/>
+        </p:nvCxnSpPr>
+        <p:spPr>
+          <a:xfrm>
+            <a:off x="1763688" y="6499457"/>
+            <a:ext cx="6480720" cy="0"/>
+          </a:xfrm>
+          <a:prstGeom prst="line">
+            <a:avLst/>
+          </a:prstGeom>
+        </p:spPr>
+        <p:style>
+          <a:lnRef idx="2">
+            <a:schemeClr val="dk1"/>
+          </a:lnRef>
+          <a:fillRef idx="0">
+            <a:schemeClr val="dk1"/>
+          </a:fillRef>
+          <a:effectRef idx="1">
+            <a:schemeClr val="dk1"/>
+          </a:effectRef>
+          <a:fontRef idx="minor">
+            <a:schemeClr val="tx1"/>
+          </a:fontRef>
+        </p:style>
+      </p:cxnSp>
+      <p:sp>
+        <p:nvSpPr>
+          <p:cNvPr id="11" name="Rectangle 10"/>
+          <p:cNvSpPr/>
+          <p:nvPr/>
+        </p:nvSpPr>
+        <p:spPr>
+          <a:xfrm>
+            <a:off x="6804248" y="6572272"/>
+            <a:ext cx="1345240" cy="246221"/>
+          </a:xfrm>
+          <a:prstGeom prst="rect">
+            <a:avLst/>
+          </a:prstGeom>
+          <a:noFill/>
+        </p:spPr>
+        <p:txBody>
+          <a:bodyPr wrap="none" lIns="91440" tIns="45720" rIns="91440" bIns="45720">
+            <a:spAutoFit/>
+          </a:bodyPr>
+          <a:lstStyle/>
+          <a:p>
+            <a:pPr algn="ctr" rtl="1"/>
+            <a:r>
+              <a:rPr lang="fa-IR" sz="1000" b="1" dirty="0">
+                <a:ln w="1905"/>
+                <a:gradFill>
+                  <a:gsLst>
+                    <a:gs pos="0">
+                      <a:schemeClr val="accent6">
+                        <a:shade val="20000"/>
+                        <a:satMod val="200000"/>
+                      </a:schemeClr>
+                    </a:gs>
+                    <a:gs pos="78000">
+                      <a:schemeClr val="accent6">
+                        <a:tint val="90000"/>
+                        <a:shade val="89000"/>
+                        <a:satMod val="220000"/>
+                      </a:schemeClr>
+                    </a:gs>
+                    <a:gs pos="100000">
+                      <a:schemeClr val="accent6">
+                        <a:tint val="12000"/>
+                        <a:satMod val="255000"/>
+                      </a:schemeClr>
+                    </a:gs>
+                  </a:gsLst>
+                  <a:lin ang="5400000"/>
+                </a:gradFill>
+                <a:effectLst>
+                  <a:innerShdw blurRad="69850" dist="43180" dir="5400000">
+                    <a:srgbClr val="000000">
+                      <a:alpha val="65000"/>
+                    </a:srgbClr>
+                  </a:innerShdw>
+                </a:effectLst>
+              </a:rPr>
+              <a:t>تهیه و تنظیم : سید حیدر علوی</a:t>
+            </a:r>
+            <a:endParaRPr lang="en-US" sz="1000" b="1" dirty="0">
+              <a:ln w="1905"/>
+              <a:gradFill>
+                <a:gsLst>
+                  <a:gs pos="0">
+                    <a:schemeClr val="accent6">
+                      <a:shade val="20000"/>
+                      <a:satMod val="200000"/>
+                    </a:schemeClr>
+                  </a:gs>
+                  <a:gs pos="78000">
+                    <a:schemeClr val="accent6">
+                      <a:tint val="90000"/>
+                      <a:shade val="89000"/>
+                      <a:satMod val="220000"/>
+                    </a:schemeClr>
+                  </a:gs>
+                  <a:gs pos="100000">
+                    <a:schemeClr val="accent6">
+                      <a:tint val="12000"/>
+                      <a:satMod val="255000"/>
+                    </a:schemeClr>
+                  </a:gs>
+                </a:gsLst>
+                <a:lin ang="5400000"/>
+              </a:gradFill>
+              <a:effectLst>
+                <a:innerShdw blurRad="69850" dist="43180" dir="5400000">
+                  <a:srgbClr val="000000">
+                    <a:alpha val="65000"/>
+                  </a:srgbClr>
+                </a:innerShdw>
+              </a:effectLst>
+            </a:endParaRPr>
+          </a:p>
+        </p:txBody>
+      </p:sp>
+      <p:sp>
+        <p:nvSpPr>
+          <p:cNvPr id="13" name="TextBox 12"/>
+          <p:cNvSpPr txBox="1"/>
+          <p:nvPr/>
+        </p:nvSpPr>
+        <p:spPr>
+          <a:xfrm>
+            <a:off x="2550868" y="78914"/>
+            <a:ext cx="3984106" cy="646331"/>
+          </a:xfrm>
+          <a:prstGeom prst="rect">
+            <a:avLst/>
+          </a:prstGeom>
+          <a:noFill/>
+        </p:spPr>
+        <p:txBody>
+          <a:bodyPr wrap="square" rtlCol="0">
+            <a:spAutoFit/>
+          </a:bodyPr>
+          <a:lstStyle/>
+          <a:p>
+            <a:r>
+              <a:rPr lang="en-US" sz="3600" b="1" dirty="0">
+                <a:ln w="1905"/>
+                <a:gradFill>
+                  <a:gsLst>
+                    <a:gs pos="0">
+                      <a:schemeClr val="accent6">
+                        <a:shade val="20000"/>
+                        <a:satMod val="200000"/>
+                      </a:schemeClr>
+                    </a:gs>
+                    <a:gs pos="78000">
+                      <a:schemeClr val="accent6">
+                        <a:tint val="90000"/>
+                        <a:shade val="89000"/>
+                        <a:satMod val="220000"/>
+                      </a:schemeClr>
+                    </a:gs>
+                    <a:gs pos="100000">
+                      <a:schemeClr val="accent6">
+                        <a:tint val="12000"/>
+                        <a:satMod val="255000"/>
+                      </a:schemeClr>
+                    </a:gs>
+                  </a:gsLst>
+                  <a:lin ang="5400000"/>
+                </a:gradFill>
+                <a:effectLst>
+                  <a:innerShdw blurRad="69850" dist="43180" dir="5400000">
+                    <a:srgbClr val="000000">
+                      <a:alpha val="65000"/>
+                    </a:srgbClr>
+                  </a:innerShdw>
+                </a:effectLst>
+              </a:rPr>
+              <a:t>Python Functions</a:t>
+            </a:r>
+          </a:p>
+        </p:txBody>
+      </p:sp>
+      <p:sp>
+        <p:nvSpPr>
+          <p:cNvPr id="9" name="Rectangle 8">
+            <a:extLst>
+              <a:ext uri="{FF2B5EF4-FFF2-40B4-BE49-F238E27FC236}">
+                <a16:creationId xmlns:a16="http://schemas.microsoft.com/office/drawing/2014/main" id="{AE259FB9-1872-47CB-A97E-46EC9F196E07}"/>
+              </a:ext>
+            </a:extLst>
+          </p:cNvPr>
+          <p:cNvSpPr/>
+          <p:nvPr/>
+        </p:nvSpPr>
+        <p:spPr>
+          <a:xfrm>
+            <a:off x="4219179" y="6572271"/>
+            <a:ext cx="705642" cy="246221"/>
+          </a:xfrm>
+          <a:prstGeom prst="rect">
+            <a:avLst/>
+          </a:prstGeom>
+          <a:noFill/>
+        </p:spPr>
+        <p:txBody>
+          <a:bodyPr wrap="none" lIns="91440" tIns="45720" rIns="91440" bIns="45720">
+            <a:spAutoFit/>
+          </a:bodyPr>
+          <a:lstStyle/>
+          <a:p>
+            <a:pPr algn="ctr" rtl="1"/>
+            <a:r>
+              <a:rPr lang="fa-IR" sz="1000" b="1" dirty="0">
+                <a:ln w="1905"/>
+                <a:gradFill>
+                  <a:gsLst>
+                    <a:gs pos="0">
+                      <a:schemeClr val="accent6">
+                        <a:shade val="20000"/>
+                        <a:satMod val="200000"/>
+                      </a:schemeClr>
+                    </a:gs>
+                    <a:gs pos="78000">
+                      <a:schemeClr val="accent6">
+                        <a:tint val="90000"/>
+                        <a:shade val="89000"/>
+                        <a:satMod val="220000"/>
+                      </a:schemeClr>
+                    </a:gs>
+                    <a:gs pos="100000">
+                      <a:schemeClr val="accent6">
+                        <a:tint val="12000"/>
+                        <a:satMod val="255000"/>
+                      </a:schemeClr>
+                    </a:gs>
+                  </a:gsLst>
+                  <a:lin ang="5400000"/>
+                </a:gradFill>
+                <a:effectLst>
+                  <a:innerShdw blurRad="69850" dist="43180" dir="5400000">
+                    <a:srgbClr val="000000">
+                      <a:alpha val="65000"/>
+                    </a:srgbClr>
+                  </a:innerShdw>
+                </a:effectLst>
+              </a:rPr>
+              <a:t>تابستان 1401</a:t>
+            </a:r>
+            <a:endParaRPr lang="en-US" sz="1000" b="1" dirty="0">
+              <a:ln w="1905"/>
+              <a:gradFill>
+                <a:gsLst>
+                  <a:gs pos="0">
+                    <a:schemeClr val="accent6">
+                      <a:shade val="20000"/>
+                      <a:satMod val="200000"/>
+                    </a:schemeClr>
+                  </a:gs>
+                  <a:gs pos="78000">
+                    <a:schemeClr val="accent6">
+                      <a:tint val="90000"/>
+                      <a:shade val="89000"/>
+                      <a:satMod val="220000"/>
+                    </a:schemeClr>
+                  </a:gs>
+                  <a:gs pos="100000">
+                    <a:schemeClr val="accent6">
+                      <a:tint val="12000"/>
+                      <a:satMod val="255000"/>
+                    </a:schemeClr>
+                  </a:gs>
+                </a:gsLst>
+                <a:lin ang="5400000"/>
+              </a:gradFill>
+              <a:effectLst>
+                <a:innerShdw blurRad="69850" dist="43180" dir="5400000">
+                  <a:srgbClr val="000000">
+                    <a:alpha val="65000"/>
+                  </a:srgbClr>
+                </a:innerShdw>
+              </a:effectLst>
+            </a:endParaRPr>
+          </a:p>
+        </p:txBody>
+      </p:sp>
+      <p:sp>
+        <p:nvSpPr>
+          <p:cNvPr id="10" name="Rectangle 9">
+            <a:extLst>
+              <a:ext uri="{FF2B5EF4-FFF2-40B4-BE49-F238E27FC236}">
+                <a16:creationId xmlns:a16="http://schemas.microsoft.com/office/drawing/2014/main" id="{46913DD9-CDA3-43FD-AD19-429E0308D71B}"/>
+              </a:ext>
+            </a:extLst>
+          </p:cNvPr>
+          <p:cNvSpPr/>
+          <p:nvPr/>
+        </p:nvSpPr>
+        <p:spPr>
+          <a:xfrm>
+            <a:off x="1795886" y="6572272"/>
+            <a:ext cx="615874" cy="246221"/>
+          </a:xfrm>
+          <a:prstGeom prst="rect">
+            <a:avLst/>
+          </a:prstGeom>
+          <a:noFill/>
+        </p:spPr>
+        <p:txBody>
+          <a:bodyPr wrap="none" lIns="91440" tIns="45720" rIns="91440" bIns="45720">
+            <a:spAutoFit/>
+          </a:bodyPr>
+          <a:lstStyle/>
+          <a:p>
+            <a:pPr algn="ctr" rtl="1"/>
+            <a:r>
+              <a:rPr lang="en-US" sz="1000" b="1" dirty="0">
+                <a:ln w="1905"/>
+                <a:gradFill>
+                  <a:gsLst>
+                    <a:gs pos="0">
+                      <a:schemeClr val="accent6">
+                        <a:shade val="20000"/>
+                        <a:satMod val="200000"/>
+                      </a:schemeClr>
+                    </a:gs>
+                    <a:gs pos="78000">
+                      <a:schemeClr val="accent6">
+                        <a:tint val="90000"/>
+                        <a:shade val="89000"/>
+                        <a:satMod val="220000"/>
+                      </a:schemeClr>
+                    </a:gs>
+                    <a:gs pos="100000">
+                      <a:schemeClr val="accent6">
+                        <a:tint val="12000"/>
+                        <a:satMod val="255000"/>
+                      </a:schemeClr>
+                    </a:gs>
+                  </a:gsLst>
+                  <a:lin ang="5400000"/>
+                </a:gradFill>
+                <a:effectLst>
+                  <a:innerShdw blurRad="69850" dist="43180" dir="5400000">
+                    <a:srgbClr val="000000">
+                      <a:alpha val="65000"/>
+                    </a:srgbClr>
+                  </a:innerShdw>
+                </a:effectLst>
+              </a:rPr>
+              <a:t>Page: </a:t>
+            </a:r>
+            <a:fld id="{14AD6811-EE99-4BEB-8435-24D1DDA55D92}" type="slidenum">
+              <a:rPr lang="en-US" sz="1000" b="1" smtClean="0">
+                <a:ln w="1905"/>
+                <a:gradFill>
+                  <a:gsLst>
+                    <a:gs pos="0">
+                      <a:schemeClr val="accent6">
+                        <a:shade val="20000"/>
+                        <a:satMod val="200000"/>
+                      </a:schemeClr>
+                    </a:gs>
+                    <a:gs pos="78000">
+                      <a:schemeClr val="accent6">
+                        <a:tint val="90000"/>
+                        <a:shade val="89000"/>
+                        <a:satMod val="220000"/>
+                      </a:schemeClr>
+                    </a:gs>
+                    <a:gs pos="100000">
+                      <a:schemeClr val="accent6">
+                        <a:tint val="12000"/>
+                        <a:satMod val="255000"/>
+                      </a:schemeClr>
+                    </a:gs>
+                  </a:gsLst>
+                  <a:lin ang="5400000"/>
+                </a:gradFill>
+                <a:effectLst>
+                  <a:innerShdw blurRad="69850" dist="43180" dir="5400000">
+                    <a:srgbClr val="000000">
+                      <a:alpha val="65000"/>
+                    </a:srgbClr>
+                  </a:innerShdw>
+                </a:effectLst>
+              </a:rPr>
+              <a:t>16</a:t>
+            </a:fld>
+            <a:endParaRPr lang="en-US" sz="1000" b="1" dirty="0">
+              <a:ln w="1905"/>
+              <a:gradFill>
+                <a:gsLst>
+                  <a:gs pos="0">
+                    <a:schemeClr val="accent6">
+                      <a:shade val="20000"/>
+                      <a:satMod val="200000"/>
+                    </a:schemeClr>
+                  </a:gs>
+                  <a:gs pos="78000">
+                    <a:schemeClr val="accent6">
+                      <a:tint val="90000"/>
+                      <a:shade val="89000"/>
+                      <a:satMod val="220000"/>
+                    </a:schemeClr>
+                  </a:gs>
+                  <a:gs pos="100000">
+                    <a:schemeClr val="accent6">
+                      <a:tint val="12000"/>
+                      <a:satMod val="255000"/>
+                    </a:schemeClr>
+                  </a:gs>
+                </a:gsLst>
+                <a:lin ang="5400000"/>
+              </a:gradFill>
+              <a:effectLst>
+                <a:innerShdw blurRad="69850" dist="43180" dir="5400000">
+                  <a:srgbClr val="000000">
+                    <a:alpha val="65000"/>
+                  </a:srgbClr>
+                </a:innerShdw>
+              </a:effectLst>
+            </a:endParaRPr>
+          </a:p>
+        </p:txBody>
+      </p:sp>
+      <p:pic>
+        <p:nvPicPr>
+          <p:cNvPr id="4" name="Picture 3">
+            <a:extLst>
+              <a:ext uri="{FF2B5EF4-FFF2-40B4-BE49-F238E27FC236}">
+                <a16:creationId xmlns:a16="http://schemas.microsoft.com/office/drawing/2014/main" id="{F3625243-9805-4010-9491-688C02CA4108}"/>
+              </a:ext>
+            </a:extLst>
+          </p:cNvPr>
+          <p:cNvPicPr>
+            <a:picLocks noChangeAspect="1"/>
+          </p:cNvPicPr>
+          <p:nvPr/>
+        </p:nvPicPr>
+        <p:blipFill>
+          <a:blip r:embed="rId2" cstate="print">
+            <a:extLst>
+              <a:ext uri="{28A0092B-C50C-407E-A947-70E740481C1C}">
+                <a14:useLocalDpi xmlns:a14="http://schemas.microsoft.com/office/drawing/2010/main" val="0"/>
+              </a:ext>
+            </a:extLst>
+          </a:blip>
+          <a:stretch>
+            <a:fillRect/>
+          </a:stretch>
+        </p:blipFill>
+        <p:spPr>
+          <a:xfrm>
+            <a:off x="8343133" y="6104393"/>
+            <a:ext cx="765371" cy="780991"/>
+          </a:xfrm>
+          <a:prstGeom prst="rect">
+            <a:avLst/>
+          </a:prstGeom>
+        </p:spPr>
+      </p:pic>
+      <p:pic>
+        <p:nvPicPr>
+          <p:cNvPr id="17" name="Picture 16">
+            <a:extLst>
+              <a:ext uri="{FF2B5EF4-FFF2-40B4-BE49-F238E27FC236}">
+                <a16:creationId xmlns:a16="http://schemas.microsoft.com/office/drawing/2014/main" id="{671CD04D-E9F8-4950-836D-431AD3EA459A}"/>
+              </a:ext>
+            </a:extLst>
+          </p:cNvPr>
+          <p:cNvPicPr>
+            <a:picLocks noChangeAspect="1"/>
+          </p:cNvPicPr>
+          <p:nvPr/>
+        </p:nvPicPr>
+        <p:blipFill>
+          <a:blip r:embed="rId3" cstate="print">
+            <a:extLst>
+              <a:ext uri="{28A0092B-C50C-407E-A947-70E740481C1C}">
+                <a14:useLocalDpi xmlns:a14="http://schemas.microsoft.com/office/drawing/2010/main" val="0"/>
+              </a:ext>
+            </a:extLst>
+          </a:blip>
+          <a:srcRect/>
+          <a:stretch/>
+        </p:blipFill>
+        <p:spPr>
+          <a:xfrm>
+            <a:off x="49346" y="6165304"/>
+            <a:ext cx="1548718" cy="522459"/>
+          </a:xfrm>
+          <a:prstGeom prst="rect">
+            <a:avLst/>
+          </a:prstGeom>
+        </p:spPr>
+      </p:pic>
+      <p:pic>
+        <p:nvPicPr>
+          <p:cNvPr id="3" name="Picture 2">
+            <a:extLst>
+              <a:ext uri="{FF2B5EF4-FFF2-40B4-BE49-F238E27FC236}">
+                <a16:creationId xmlns:a16="http://schemas.microsoft.com/office/drawing/2014/main" id="{12AF925E-9C49-0154-03F7-5AF0AD7D713E}"/>
+              </a:ext>
+            </a:extLst>
+          </p:cNvPr>
+          <p:cNvPicPr>
+            <a:picLocks noChangeAspect="1"/>
+          </p:cNvPicPr>
+          <p:nvPr/>
+        </p:nvPicPr>
+        <p:blipFill rotWithShape="1">
+          <a:blip r:embed="rId4"/>
+          <a:srcRect l="12201" t="28990" r="12988" b="24788"/>
+          <a:stretch/>
+        </p:blipFill>
+        <p:spPr>
+          <a:xfrm>
+            <a:off x="49346" y="725245"/>
+            <a:ext cx="9059158" cy="5367245"/>
+          </a:xfrm>
+          <a:prstGeom prst="rect">
+            <a:avLst/>
+          </a:prstGeom>
+        </p:spPr>
+      </p:pic>
+    </p:spTree>
+    <p:extLst>
+      <p:ext uri="{BB962C8B-B14F-4D97-AF65-F5344CB8AC3E}">
+        <p14:creationId xmlns:p14="http://schemas.microsoft.com/office/powerpoint/2010/main" val="3746154529"/>
+      </p:ext>
+    </p:extLst>
+  </p:cSld>
+  <p:clrMapOvr>
+    <a:masterClrMapping/>
+  </p:clrMapOvr>
+</p:sld>
+</file>
+
+<file path=ppt/slides/slide17.xml><?xml version="1.0" encoding="utf-8"?>
+<p:sld xmlns:a="http://schemas.openxmlformats.org/drawingml/2006/main" xmlns:r="http://schemas.openxmlformats.org/officeDocument/2006/relationships" xmlns:p="http://schemas.openxmlformats.org/presentationml/2006/main">
+  <p:cSld>
+    <p:bg>
+      <p:bgPr>
+        <a:solidFill>
+          <a:schemeClr val="bg1"/>
+        </a:solidFill>
+        <a:effectLst/>
+      </p:bgPr>
+    </p:bg>
+    <p:spTree>
+      <p:nvGrpSpPr>
+        <p:cNvPr id="1" name=""/>
+        <p:cNvGrpSpPr/>
+        <p:nvPr/>
+      </p:nvGrpSpPr>
+      <p:grpSpPr>
+        <a:xfrm>
+          <a:off x="0" y="0"/>
+          <a:ext cx="0" cy="0"/>
+          <a:chOff x="0" y="0"/>
+          <a:chExt cx="0" cy="0"/>
+        </a:xfrm>
+      </p:grpSpPr>
+      <p:cxnSp>
+        <p:nvCxnSpPr>
+          <p:cNvPr id="8" name="Straight Connector 7"/>
+          <p:cNvCxnSpPr>
+            <a:cxnSpLocks/>
+          </p:cNvCxnSpPr>
+          <p:nvPr/>
+        </p:nvCxnSpPr>
+        <p:spPr>
+          <a:xfrm>
+            <a:off x="1763688" y="6499457"/>
+            <a:ext cx="6480720" cy="0"/>
+          </a:xfrm>
+          <a:prstGeom prst="line">
+            <a:avLst/>
+          </a:prstGeom>
+        </p:spPr>
+        <p:style>
+          <a:lnRef idx="2">
+            <a:schemeClr val="dk1"/>
+          </a:lnRef>
+          <a:fillRef idx="0">
+            <a:schemeClr val="dk1"/>
+          </a:fillRef>
+          <a:effectRef idx="1">
+            <a:schemeClr val="dk1"/>
+          </a:effectRef>
+          <a:fontRef idx="minor">
+            <a:schemeClr val="tx1"/>
+          </a:fontRef>
+        </p:style>
+      </p:cxnSp>
+      <p:sp>
+        <p:nvSpPr>
+          <p:cNvPr id="11" name="Rectangle 10"/>
+          <p:cNvSpPr/>
+          <p:nvPr/>
+        </p:nvSpPr>
+        <p:spPr>
+          <a:xfrm>
+            <a:off x="6804248" y="6572272"/>
+            <a:ext cx="1345240" cy="246221"/>
+          </a:xfrm>
+          <a:prstGeom prst="rect">
+            <a:avLst/>
+          </a:prstGeom>
+          <a:noFill/>
+        </p:spPr>
+        <p:txBody>
+          <a:bodyPr wrap="none" lIns="91440" tIns="45720" rIns="91440" bIns="45720">
+            <a:spAutoFit/>
+          </a:bodyPr>
+          <a:lstStyle/>
+          <a:p>
+            <a:pPr algn="ctr" rtl="1"/>
+            <a:r>
+              <a:rPr lang="fa-IR" sz="1000" b="1" dirty="0">
+                <a:ln w="1905"/>
+                <a:gradFill>
+                  <a:gsLst>
+                    <a:gs pos="0">
+                      <a:schemeClr val="accent6">
+                        <a:shade val="20000"/>
+                        <a:satMod val="200000"/>
+                      </a:schemeClr>
+                    </a:gs>
+                    <a:gs pos="78000">
+                      <a:schemeClr val="accent6">
+                        <a:tint val="90000"/>
+                        <a:shade val="89000"/>
+                        <a:satMod val="220000"/>
+                      </a:schemeClr>
+                    </a:gs>
+                    <a:gs pos="100000">
+                      <a:schemeClr val="accent6">
+                        <a:tint val="12000"/>
+                        <a:satMod val="255000"/>
+                      </a:schemeClr>
+                    </a:gs>
+                  </a:gsLst>
+                  <a:lin ang="5400000"/>
+                </a:gradFill>
+                <a:effectLst>
+                  <a:innerShdw blurRad="69850" dist="43180" dir="5400000">
+                    <a:srgbClr val="000000">
+                      <a:alpha val="65000"/>
+                    </a:srgbClr>
+                  </a:innerShdw>
+                </a:effectLst>
+              </a:rPr>
+              <a:t>تهیه و تنظیم : سید حیدر علوی</a:t>
+            </a:r>
+            <a:endParaRPr lang="en-US" sz="1000" b="1" dirty="0">
+              <a:ln w="1905"/>
+              <a:gradFill>
+                <a:gsLst>
+                  <a:gs pos="0">
+                    <a:schemeClr val="accent6">
+                      <a:shade val="20000"/>
+                      <a:satMod val="200000"/>
+                    </a:schemeClr>
+                  </a:gs>
+                  <a:gs pos="78000">
+                    <a:schemeClr val="accent6">
+                      <a:tint val="90000"/>
+                      <a:shade val="89000"/>
+                      <a:satMod val="220000"/>
+                    </a:schemeClr>
+                  </a:gs>
+                  <a:gs pos="100000">
+                    <a:schemeClr val="accent6">
+                      <a:tint val="12000"/>
+                      <a:satMod val="255000"/>
+                    </a:schemeClr>
+                  </a:gs>
+                </a:gsLst>
+                <a:lin ang="5400000"/>
+              </a:gradFill>
+              <a:effectLst>
+                <a:innerShdw blurRad="69850" dist="43180" dir="5400000">
+                  <a:srgbClr val="000000">
+                    <a:alpha val="65000"/>
+                  </a:srgbClr>
+                </a:innerShdw>
+              </a:effectLst>
+            </a:endParaRPr>
+          </a:p>
+        </p:txBody>
+      </p:sp>
+      <p:sp>
+        <p:nvSpPr>
+          <p:cNvPr id="13" name="TextBox 12"/>
+          <p:cNvSpPr txBox="1"/>
+          <p:nvPr/>
+        </p:nvSpPr>
+        <p:spPr>
+          <a:xfrm>
+            <a:off x="3208613" y="-4888"/>
+            <a:ext cx="2021132" cy="646331"/>
+          </a:xfrm>
+          <a:prstGeom prst="rect">
+            <a:avLst/>
+          </a:prstGeom>
+          <a:noFill/>
+        </p:spPr>
+        <p:txBody>
+          <a:bodyPr wrap="square" rtlCol="0">
+            <a:spAutoFit/>
+          </a:bodyPr>
+          <a:lstStyle/>
+          <a:p>
+            <a:r>
+              <a:rPr lang="en-US" sz="3600" b="1" dirty="0">
+                <a:ln w="1905"/>
+                <a:gradFill>
+                  <a:gsLst>
+                    <a:gs pos="0">
+                      <a:schemeClr val="accent6">
+                        <a:shade val="20000"/>
+                        <a:satMod val="200000"/>
+                      </a:schemeClr>
+                    </a:gs>
+                    <a:gs pos="78000">
+                      <a:schemeClr val="accent6">
+                        <a:tint val="90000"/>
+                        <a:shade val="89000"/>
+                        <a:satMod val="220000"/>
+                      </a:schemeClr>
+                    </a:gs>
+                    <a:gs pos="100000">
+                      <a:schemeClr val="accent6">
+                        <a:tint val="12000"/>
+                        <a:satMod val="255000"/>
+                      </a:schemeClr>
+                    </a:gs>
+                  </a:gsLst>
+                  <a:lin ang="5400000"/>
+                </a:gradFill>
+                <a:effectLst>
+                  <a:innerShdw blurRad="69850" dist="43180" dir="5400000">
+                    <a:srgbClr val="000000">
+                      <a:alpha val="65000"/>
+                    </a:srgbClr>
+                  </a:innerShdw>
+                </a:effectLst>
+              </a:rPr>
+              <a:t>NumPy</a:t>
+            </a:r>
+          </a:p>
+        </p:txBody>
+      </p:sp>
+      <p:sp>
+        <p:nvSpPr>
+          <p:cNvPr id="9" name="Rectangle 8">
+            <a:extLst>
+              <a:ext uri="{FF2B5EF4-FFF2-40B4-BE49-F238E27FC236}">
+                <a16:creationId xmlns:a16="http://schemas.microsoft.com/office/drawing/2014/main" id="{AE259FB9-1872-47CB-A97E-46EC9F196E07}"/>
+              </a:ext>
+            </a:extLst>
+          </p:cNvPr>
+          <p:cNvSpPr/>
+          <p:nvPr/>
+        </p:nvSpPr>
+        <p:spPr>
+          <a:xfrm>
+            <a:off x="4219179" y="6572271"/>
+            <a:ext cx="705642" cy="246221"/>
+          </a:xfrm>
+          <a:prstGeom prst="rect">
+            <a:avLst/>
+          </a:prstGeom>
+          <a:noFill/>
+        </p:spPr>
+        <p:txBody>
+          <a:bodyPr wrap="none" lIns="91440" tIns="45720" rIns="91440" bIns="45720">
+            <a:spAutoFit/>
+          </a:bodyPr>
+          <a:lstStyle/>
+          <a:p>
+            <a:pPr algn="ctr" rtl="1"/>
+            <a:r>
+              <a:rPr lang="fa-IR" sz="1000" b="1" dirty="0">
+                <a:ln w="1905"/>
+                <a:gradFill>
+                  <a:gsLst>
+                    <a:gs pos="0">
+                      <a:schemeClr val="accent6">
+                        <a:shade val="20000"/>
+                        <a:satMod val="200000"/>
+                      </a:schemeClr>
+                    </a:gs>
+                    <a:gs pos="78000">
+                      <a:schemeClr val="accent6">
+                        <a:tint val="90000"/>
+                        <a:shade val="89000"/>
+                        <a:satMod val="220000"/>
+                      </a:schemeClr>
+                    </a:gs>
+                    <a:gs pos="100000">
+                      <a:schemeClr val="accent6">
+                        <a:tint val="12000"/>
+                        <a:satMod val="255000"/>
+                      </a:schemeClr>
+                    </a:gs>
+                  </a:gsLst>
+                  <a:lin ang="5400000"/>
+                </a:gradFill>
+                <a:effectLst>
+                  <a:innerShdw blurRad="69850" dist="43180" dir="5400000">
+                    <a:srgbClr val="000000">
+                      <a:alpha val="65000"/>
+                    </a:srgbClr>
+                  </a:innerShdw>
+                </a:effectLst>
+              </a:rPr>
+              <a:t>تابستان 1401</a:t>
+            </a:r>
+            <a:endParaRPr lang="en-US" sz="1000" b="1" dirty="0">
+              <a:ln w="1905"/>
+              <a:gradFill>
+                <a:gsLst>
+                  <a:gs pos="0">
+                    <a:schemeClr val="accent6">
+                      <a:shade val="20000"/>
+                      <a:satMod val="200000"/>
+                    </a:schemeClr>
+                  </a:gs>
+                  <a:gs pos="78000">
+                    <a:schemeClr val="accent6">
+                      <a:tint val="90000"/>
+                      <a:shade val="89000"/>
+                      <a:satMod val="220000"/>
+                    </a:schemeClr>
+                  </a:gs>
+                  <a:gs pos="100000">
+                    <a:schemeClr val="accent6">
+                      <a:tint val="12000"/>
+                      <a:satMod val="255000"/>
+                    </a:schemeClr>
+                  </a:gs>
+                </a:gsLst>
+                <a:lin ang="5400000"/>
+              </a:gradFill>
+              <a:effectLst>
+                <a:innerShdw blurRad="69850" dist="43180" dir="5400000">
+                  <a:srgbClr val="000000">
+                    <a:alpha val="65000"/>
+                  </a:srgbClr>
+                </a:innerShdw>
+              </a:effectLst>
+            </a:endParaRPr>
+          </a:p>
+        </p:txBody>
+      </p:sp>
+      <p:sp>
+        <p:nvSpPr>
+          <p:cNvPr id="10" name="Rectangle 9">
+            <a:extLst>
+              <a:ext uri="{FF2B5EF4-FFF2-40B4-BE49-F238E27FC236}">
+                <a16:creationId xmlns:a16="http://schemas.microsoft.com/office/drawing/2014/main" id="{46913DD9-CDA3-43FD-AD19-429E0308D71B}"/>
+              </a:ext>
+            </a:extLst>
+          </p:cNvPr>
+          <p:cNvSpPr/>
+          <p:nvPr/>
+        </p:nvSpPr>
+        <p:spPr>
+          <a:xfrm>
+            <a:off x="1795886" y="6572272"/>
+            <a:ext cx="615874" cy="246221"/>
+          </a:xfrm>
+          <a:prstGeom prst="rect">
+            <a:avLst/>
+          </a:prstGeom>
+          <a:noFill/>
+        </p:spPr>
+        <p:txBody>
+          <a:bodyPr wrap="none" lIns="91440" tIns="45720" rIns="91440" bIns="45720">
+            <a:spAutoFit/>
+          </a:bodyPr>
+          <a:lstStyle/>
+          <a:p>
+            <a:pPr algn="ctr" rtl="1"/>
+            <a:r>
+              <a:rPr lang="en-US" sz="1000" b="1" dirty="0">
+                <a:ln w="1905"/>
+                <a:gradFill>
+                  <a:gsLst>
+                    <a:gs pos="0">
+                      <a:schemeClr val="accent6">
+                        <a:shade val="20000"/>
+                        <a:satMod val="200000"/>
+                      </a:schemeClr>
+                    </a:gs>
+                    <a:gs pos="78000">
+                      <a:schemeClr val="accent6">
+                        <a:tint val="90000"/>
+                        <a:shade val="89000"/>
+                        <a:satMod val="220000"/>
+                      </a:schemeClr>
+                    </a:gs>
+                    <a:gs pos="100000">
+                      <a:schemeClr val="accent6">
+                        <a:tint val="12000"/>
+                        <a:satMod val="255000"/>
+                      </a:schemeClr>
+                    </a:gs>
+                  </a:gsLst>
+                  <a:lin ang="5400000"/>
+                </a:gradFill>
+                <a:effectLst>
+                  <a:innerShdw blurRad="69850" dist="43180" dir="5400000">
+                    <a:srgbClr val="000000">
+                      <a:alpha val="65000"/>
+                    </a:srgbClr>
+                  </a:innerShdw>
+                </a:effectLst>
+              </a:rPr>
+              <a:t>Page: </a:t>
+            </a:r>
+            <a:fld id="{14AD6811-EE99-4BEB-8435-24D1DDA55D92}" type="slidenum">
+              <a:rPr lang="en-US" sz="1000" b="1" smtClean="0">
+                <a:ln w="1905"/>
+                <a:gradFill>
+                  <a:gsLst>
+                    <a:gs pos="0">
+                      <a:schemeClr val="accent6">
+                        <a:shade val="20000"/>
+                        <a:satMod val="200000"/>
+                      </a:schemeClr>
+                    </a:gs>
+                    <a:gs pos="78000">
+                      <a:schemeClr val="accent6">
+                        <a:tint val="90000"/>
+                        <a:shade val="89000"/>
+                        <a:satMod val="220000"/>
+                      </a:schemeClr>
+                    </a:gs>
+                    <a:gs pos="100000">
+                      <a:schemeClr val="accent6">
+                        <a:tint val="12000"/>
+                        <a:satMod val="255000"/>
+                      </a:schemeClr>
+                    </a:gs>
+                  </a:gsLst>
+                  <a:lin ang="5400000"/>
+                </a:gradFill>
+                <a:effectLst>
+                  <a:innerShdw blurRad="69850" dist="43180" dir="5400000">
+                    <a:srgbClr val="000000">
+                      <a:alpha val="65000"/>
+                    </a:srgbClr>
+                  </a:innerShdw>
+                </a:effectLst>
+              </a:rPr>
+              <a:t>17</a:t>
+            </a:fld>
+            <a:endParaRPr lang="en-US" sz="1000" b="1" dirty="0">
+              <a:ln w="1905"/>
+              <a:gradFill>
+                <a:gsLst>
+                  <a:gs pos="0">
+                    <a:schemeClr val="accent6">
+                      <a:shade val="20000"/>
+                      <a:satMod val="200000"/>
+                    </a:schemeClr>
+                  </a:gs>
+                  <a:gs pos="78000">
+                    <a:schemeClr val="accent6">
+                      <a:tint val="90000"/>
+                      <a:shade val="89000"/>
+                      <a:satMod val="220000"/>
+                    </a:schemeClr>
+                  </a:gs>
+                  <a:gs pos="100000">
+                    <a:schemeClr val="accent6">
+                      <a:tint val="12000"/>
+                      <a:satMod val="255000"/>
+                    </a:schemeClr>
+                  </a:gs>
+                </a:gsLst>
+                <a:lin ang="5400000"/>
+              </a:gradFill>
+              <a:effectLst>
+                <a:innerShdw blurRad="69850" dist="43180" dir="5400000">
+                  <a:srgbClr val="000000">
+                    <a:alpha val="65000"/>
+                  </a:srgbClr>
+                </a:innerShdw>
+              </a:effectLst>
+            </a:endParaRPr>
+          </a:p>
+        </p:txBody>
+      </p:sp>
+      <p:pic>
+        <p:nvPicPr>
+          <p:cNvPr id="4" name="Picture 3">
+            <a:extLst>
+              <a:ext uri="{FF2B5EF4-FFF2-40B4-BE49-F238E27FC236}">
+                <a16:creationId xmlns:a16="http://schemas.microsoft.com/office/drawing/2014/main" id="{F3625243-9805-4010-9491-688C02CA4108}"/>
+              </a:ext>
+            </a:extLst>
+          </p:cNvPr>
+          <p:cNvPicPr>
+            <a:picLocks noChangeAspect="1"/>
+          </p:cNvPicPr>
+          <p:nvPr/>
+        </p:nvPicPr>
+        <p:blipFill>
+          <a:blip r:embed="rId2" cstate="print">
+            <a:extLst>
+              <a:ext uri="{28A0092B-C50C-407E-A947-70E740481C1C}">
+                <a14:useLocalDpi xmlns:a14="http://schemas.microsoft.com/office/drawing/2010/main" val="0"/>
+              </a:ext>
+            </a:extLst>
+          </a:blip>
+          <a:stretch>
+            <a:fillRect/>
+          </a:stretch>
+        </p:blipFill>
+        <p:spPr>
+          <a:xfrm>
+            <a:off x="8343133" y="6104393"/>
+            <a:ext cx="765371" cy="780991"/>
+          </a:xfrm>
+          <a:prstGeom prst="rect">
+            <a:avLst/>
+          </a:prstGeom>
+        </p:spPr>
+      </p:pic>
+      <p:pic>
+        <p:nvPicPr>
+          <p:cNvPr id="17" name="Picture 16">
+            <a:extLst>
+              <a:ext uri="{FF2B5EF4-FFF2-40B4-BE49-F238E27FC236}">
+                <a16:creationId xmlns:a16="http://schemas.microsoft.com/office/drawing/2014/main" id="{671CD04D-E9F8-4950-836D-431AD3EA459A}"/>
+              </a:ext>
+            </a:extLst>
+          </p:cNvPr>
+          <p:cNvPicPr>
+            <a:picLocks noChangeAspect="1"/>
+          </p:cNvPicPr>
+          <p:nvPr/>
+        </p:nvPicPr>
+        <p:blipFill>
+          <a:blip r:embed="rId3" cstate="print">
+            <a:extLst>
+              <a:ext uri="{28A0092B-C50C-407E-A947-70E740481C1C}">
+                <a14:useLocalDpi xmlns:a14="http://schemas.microsoft.com/office/drawing/2010/main" val="0"/>
+              </a:ext>
+            </a:extLst>
+          </a:blip>
+          <a:srcRect/>
+          <a:stretch/>
+        </p:blipFill>
+        <p:spPr>
+          <a:xfrm>
+            <a:off x="49346" y="6165304"/>
+            <a:ext cx="1548718" cy="522459"/>
+          </a:xfrm>
+          <a:prstGeom prst="rect">
+            <a:avLst/>
+          </a:prstGeom>
+        </p:spPr>
+      </p:pic>
+      <p:sp>
+        <p:nvSpPr>
+          <p:cNvPr id="12" name="TextBox 11">
+            <a:hlinkClick r:id="rId4"/>
+            <a:extLst>
+              <a:ext uri="{FF2B5EF4-FFF2-40B4-BE49-F238E27FC236}">
+                <a16:creationId xmlns:a16="http://schemas.microsoft.com/office/drawing/2014/main" id="{BFB39DB1-BACC-4438-09E4-3463E9721BC4}"/>
+              </a:ext>
+            </a:extLst>
+          </p:cNvPr>
+          <p:cNvSpPr txBox="1"/>
+          <p:nvPr/>
+        </p:nvSpPr>
+        <p:spPr>
+          <a:xfrm>
+            <a:off x="7020272" y="980728"/>
+            <a:ext cx="1705546" cy="523220"/>
+          </a:xfrm>
+          <a:prstGeom prst="rect">
+            <a:avLst/>
+          </a:prstGeom>
+          <a:noFill/>
+        </p:spPr>
+        <p:txBody>
+          <a:bodyPr wrap="square">
+            <a:spAutoFit/>
+          </a:bodyPr>
+          <a:lstStyle/>
+          <a:p>
+            <a:pPr algn="r" rtl="1"/>
+            <a:r>
+              <a:rPr lang="fa-IR" sz="2800" b="1" dirty="0">
+                <a:latin typeface="Arial" panose="020B0604020202020204" pitchFamily="34" charset="0"/>
+                <a:cs typeface="Arial" panose="020B0604020202020204" pitchFamily="34" charset="0"/>
+              </a:rPr>
+              <a:t>سایت </a:t>
+            </a:r>
+            <a:r>
+              <a:rPr lang="fa-IR" sz="2800" b="1" dirty="0" err="1">
+                <a:latin typeface="Arial" panose="020B0604020202020204" pitchFamily="34" charset="0"/>
+                <a:cs typeface="Arial" panose="020B0604020202020204" pitchFamily="34" charset="0"/>
+              </a:rPr>
+              <a:t>نامپای</a:t>
+            </a:r>
+            <a:endParaRPr lang="en-US" sz="2800" b="1" dirty="0">
+              <a:latin typeface="Arial" panose="020B0604020202020204" pitchFamily="34" charset="0"/>
+              <a:cs typeface="Arial" panose="020B0604020202020204" pitchFamily="34" charset="0"/>
+            </a:endParaRPr>
+          </a:p>
+        </p:txBody>
+      </p:sp>
+      <p:sp>
+        <p:nvSpPr>
+          <p:cNvPr id="14" name="TextBox 13">
+            <a:extLst>
+              <a:ext uri="{FF2B5EF4-FFF2-40B4-BE49-F238E27FC236}">
+                <a16:creationId xmlns:a16="http://schemas.microsoft.com/office/drawing/2014/main" id="{FF25143D-9966-4FDC-39F7-D1AAAEC04798}"/>
+              </a:ext>
+            </a:extLst>
+          </p:cNvPr>
+          <p:cNvSpPr txBox="1"/>
+          <p:nvPr/>
+        </p:nvSpPr>
+        <p:spPr>
+          <a:xfrm>
+            <a:off x="49346" y="1611957"/>
+            <a:ext cx="8843134" cy="1384995"/>
+          </a:xfrm>
+          <a:prstGeom prst="rect">
+            <a:avLst/>
+          </a:prstGeom>
+          <a:noFill/>
+        </p:spPr>
+        <p:txBody>
+          <a:bodyPr wrap="square">
+            <a:spAutoFit/>
+          </a:bodyPr>
+          <a:lstStyle/>
+          <a:p>
+            <a:pPr algn="l"/>
+            <a:r>
+              <a:rPr lang="en-US" sz="2800" b="1" dirty="0">
+                <a:latin typeface="Arial" panose="020B0604020202020204" pitchFamily="34" charset="0"/>
+                <a:cs typeface="Arial" panose="020B0604020202020204" pitchFamily="34" charset="0"/>
+              </a:rPr>
+              <a:t>NumPy is a Python library.</a:t>
+            </a:r>
+          </a:p>
+          <a:p>
+            <a:pPr algn="l"/>
+            <a:r>
+              <a:rPr lang="en-US" sz="2800" b="1" dirty="0">
+                <a:latin typeface="Arial" panose="020B0604020202020204" pitchFamily="34" charset="0"/>
+                <a:cs typeface="Arial" panose="020B0604020202020204" pitchFamily="34" charset="0"/>
+              </a:rPr>
+              <a:t>NumPy is used for working with arrays.</a:t>
+            </a:r>
+          </a:p>
+          <a:p>
+            <a:pPr algn="l"/>
+            <a:r>
+              <a:rPr lang="en-US" sz="2800" b="1" dirty="0">
+                <a:latin typeface="Arial" panose="020B0604020202020204" pitchFamily="34" charset="0"/>
+                <a:cs typeface="Arial" panose="020B0604020202020204" pitchFamily="34" charset="0"/>
+              </a:rPr>
+              <a:t>NumPy is short for "Numerical Python</a:t>
+            </a:r>
+            <a:r>
+              <a:rPr lang="en-US" b="0" i="0" dirty="0">
+                <a:solidFill>
+                  <a:srgbClr val="000000"/>
+                </a:solidFill>
+                <a:effectLst/>
+                <a:latin typeface="Verdana" panose="020B0604030504040204" pitchFamily="34" charset="0"/>
+              </a:rPr>
+              <a:t>".</a:t>
+            </a:r>
+          </a:p>
+        </p:txBody>
+      </p:sp>
+      <p:sp>
+        <p:nvSpPr>
+          <p:cNvPr id="15" name="TextBox 14">
+            <a:extLst>
+              <a:ext uri="{FF2B5EF4-FFF2-40B4-BE49-F238E27FC236}">
+                <a16:creationId xmlns:a16="http://schemas.microsoft.com/office/drawing/2014/main" id="{C2A95C9E-3918-5313-C5FA-334FB8DF1719}"/>
+              </a:ext>
+            </a:extLst>
+          </p:cNvPr>
+          <p:cNvSpPr txBox="1"/>
+          <p:nvPr/>
+        </p:nvSpPr>
+        <p:spPr>
+          <a:xfrm>
+            <a:off x="5796136" y="3197607"/>
+            <a:ext cx="2929682" cy="523220"/>
+          </a:xfrm>
+          <a:prstGeom prst="rect">
+            <a:avLst/>
+          </a:prstGeom>
+          <a:noFill/>
+        </p:spPr>
+        <p:txBody>
+          <a:bodyPr wrap="square">
+            <a:spAutoFit/>
+          </a:bodyPr>
+          <a:lstStyle/>
+          <a:p>
+            <a:pPr algn="r" rtl="1"/>
+            <a:r>
+              <a:rPr lang="fa-IR" sz="2800" b="1" dirty="0">
+                <a:latin typeface="Arial" panose="020B0604020202020204" pitchFamily="34" charset="0"/>
+                <a:cs typeface="Arial" panose="020B0604020202020204" pitchFamily="34" charset="0"/>
+              </a:rPr>
+              <a:t>نصب کتابخانه </a:t>
+            </a:r>
+            <a:r>
+              <a:rPr lang="fa-IR" sz="2800" b="1" dirty="0" err="1">
+                <a:latin typeface="Arial" panose="020B0604020202020204" pitchFamily="34" charset="0"/>
+                <a:cs typeface="Arial" panose="020B0604020202020204" pitchFamily="34" charset="0"/>
+              </a:rPr>
+              <a:t>نامپای</a:t>
+            </a:r>
+            <a:endParaRPr lang="en-US" sz="2800" b="1" dirty="0">
+              <a:latin typeface="Arial" panose="020B0604020202020204" pitchFamily="34" charset="0"/>
+              <a:cs typeface="Arial" panose="020B0604020202020204" pitchFamily="34" charset="0"/>
+            </a:endParaRPr>
+          </a:p>
+        </p:txBody>
+      </p:sp>
+      <p:pic>
+        <p:nvPicPr>
+          <p:cNvPr id="18" name="Picture 17">
+            <a:extLst>
+              <a:ext uri="{FF2B5EF4-FFF2-40B4-BE49-F238E27FC236}">
+                <a16:creationId xmlns:a16="http://schemas.microsoft.com/office/drawing/2014/main" id="{9DA65AF7-4787-8D9B-6228-944F64E7FE06}"/>
+              </a:ext>
+            </a:extLst>
+          </p:cNvPr>
+          <p:cNvPicPr>
+            <a:picLocks noChangeAspect="1"/>
+          </p:cNvPicPr>
+          <p:nvPr/>
+        </p:nvPicPr>
+        <p:blipFill rotWithShape="1">
+          <a:blip r:embed="rId5"/>
+          <a:srcRect l="12201" t="27590" r="12201" b="55076"/>
+          <a:stretch/>
+        </p:blipFill>
+        <p:spPr>
+          <a:xfrm>
+            <a:off x="49346" y="3717032"/>
+            <a:ext cx="9059158" cy="1855836"/>
+          </a:xfrm>
+          <a:prstGeom prst="rect">
+            <a:avLst/>
+          </a:prstGeom>
+        </p:spPr>
+      </p:pic>
+      <p:pic>
+        <p:nvPicPr>
+          <p:cNvPr id="20" name="Picture 19">
+            <a:extLst>
+              <a:ext uri="{FF2B5EF4-FFF2-40B4-BE49-F238E27FC236}">
+                <a16:creationId xmlns:a16="http://schemas.microsoft.com/office/drawing/2014/main" id="{CCCAB02F-B732-562B-9E20-826559ED2452}"/>
+              </a:ext>
+            </a:extLst>
+          </p:cNvPr>
+          <p:cNvPicPr>
+            <a:picLocks noChangeAspect="1"/>
+          </p:cNvPicPr>
+          <p:nvPr/>
+        </p:nvPicPr>
+        <p:blipFill rotWithShape="1">
+          <a:blip r:embed="rId6"/>
+          <a:srcRect l="13776" t="30578" r="12988" b="58404"/>
+          <a:stretch/>
+        </p:blipFill>
+        <p:spPr>
+          <a:xfrm>
+            <a:off x="49346" y="5572868"/>
+            <a:ext cx="8843134" cy="630371"/>
+          </a:xfrm>
+          <a:prstGeom prst="rect">
+            <a:avLst/>
+          </a:prstGeom>
+        </p:spPr>
+      </p:pic>
+    </p:spTree>
+    <p:extLst>
+      <p:ext uri="{BB962C8B-B14F-4D97-AF65-F5344CB8AC3E}">
+        <p14:creationId xmlns:p14="http://schemas.microsoft.com/office/powerpoint/2010/main" val="2957526939"/>
+      </p:ext>
+    </p:extLst>
+  </p:cSld>
+  <p:clrMapOvr>
+    <a:masterClrMapping/>
+  </p:clrMapOvr>
+</p:sld>
+</file>
+
 <file path=ppt/slides/slide2.xml><?xml version="1.0" encoding="utf-8"?>
 <p:sld xmlns:a="http://schemas.openxmlformats.org/drawingml/2006/main" xmlns:r="http://schemas.openxmlformats.org/officeDocument/2006/relationships" xmlns:p="http://schemas.openxmlformats.org/presentationml/2006/main">
   <p:cSld>
@@ -6206,6 +10991,70 @@
                 <a:cs typeface="Arial" panose="020B0604020202020204" pitchFamily="34" charset="0"/>
               </a:rPr>
               <a:t>بوک</a:t>
+            </a:r>
+            <a:endParaRPr lang="en-US" sz="2800" b="1" dirty="0">
+              <a:latin typeface="Arial" panose="020B0604020202020204" pitchFamily="34" charset="0"/>
+              <a:cs typeface="Arial" panose="020B0604020202020204" pitchFamily="34" charset="0"/>
+            </a:endParaRPr>
+          </a:p>
+        </p:txBody>
+      </p:sp>
+      <p:sp>
+        <p:nvSpPr>
+          <p:cNvPr id="20" name="TextBox 19">
+            <a:hlinkClick r:id="rId8"/>
+            <a:extLst>
+              <a:ext uri="{FF2B5EF4-FFF2-40B4-BE49-F238E27FC236}">
+                <a16:creationId xmlns:a16="http://schemas.microsoft.com/office/drawing/2014/main" id="{A4855594-9387-314E-10C5-688B0B3443A8}"/>
+              </a:ext>
+            </a:extLst>
+          </p:cNvPr>
+          <p:cNvSpPr txBox="1"/>
+          <p:nvPr/>
+        </p:nvSpPr>
+        <p:spPr>
+          <a:xfrm>
+            <a:off x="5950699" y="4843321"/>
+            <a:ext cx="2775119" cy="523220"/>
+          </a:xfrm>
+          <a:prstGeom prst="rect">
+            <a:avLst/>
+          </a:prstGeom>
+          <a:noFill/>
+        </p:spPr>
+        <p:txBody>
+          <a:bodyPr wrap="none" rtlCol="0">
+            <a:spAutoFit/>
+          </a:bodyPr>
+          <a:lstStyle/>
+          <a:p>
+            <a:r>
+              <a:rPr lang="fa-IR" sz="2800" b="1" dirty="0">
+                <a:latin typeface="Arial" panose="020B0604020202020204" pitchFamily="34" charset="0"/>
+                <a:cs typeface="Arial" panose="020B0604020202020204" pitchFamily="34" charset="0"/>
+              </a:rPr>
+              <a:t>سایت </a:t>
+            </a:r>
+            <a:r>
+              <a:rPr lang="fa-IR" sz="2800" b="1" dirty="0" err="1">
+                <a:latin typeface="Arial" panose="020B0604020202020204" pitchFamily="34" charset="0"/>
+                <a:cs typeface="Arial" panose="020B0604020202020204" pitchFamily="34" charset="0"/>
+              </a:rPr>
+              <a:t>خودآموز</a:t>
+            </a:r>
+            <a:r>
+              <a:rPr lang="fa-IR" sz="2800" b="1" dirty="0">
+                <a:latin typeface="Arial" panose="020B0604020202020204" pitchFamily="34" charset="0"/>
+                <a:cs typeface="Arial" panose="020B0604020202020204" pitchFamily="34" charset="0"/>
+              </a:rPr>
+              <a:t> </a:t>
+            </a:r>
+            <a:r>
+              <a:rPr lang="fa-IR" sz="2800" b="1" dirty="0" err="1">
+                <a:latin typeface="Arial" panose="020B0604020202020204" pitchFamily="34" charset="0"/>
+                <a:cs typeface="Arial" panose="020B0604020202020204" pitchFamily="34" charset="0"/>
+              </a:rPr>
+              <a:t>پایتون</a:t>
             </a:r>
             <a:endParaRPr lang="en-US" sz="2800" b="1" dirty="0">
               <a:latin typeface="Arial" panose="020B0604020202020204" pitchFamily="34" charset="0"/>

--- a/python_learning.pptx
+++ b/python_learning.pptx
@@ -5,7 +5,7 @@
     <p:sldMasterId id="2147483732" r:id="rId1"/>
   </p:sldMasterIdLst>
   <p:notesMasterIdLst>
-    <p:notesMasterId r:id="rId19"/>
+    <p:notesMasterId r:id="rId28"/>
   </p:notesMasterIdLst>
   <p:sldIdLst>
     <p:sldId id="256" r:id="rId2"/>
@@ -25,6 +25,15 @@
     <p:sldId id="270" r:id="rId16"/>
     <p:sldId id="271" r:id="rId17"/>
     <p:sldId id="272" r:id="rId18"/>
+    <p:sldId id="273" r:id="rId19"/>
+    <p:sldId id="274" r:id="rId20"/>
+    <p:sldId id="275" r:id="rId21"/>
+    <p:sldId id="276" r:id="rId22"/>
+    <p:sldId id="277" r:id="rId23"/>
+    <p:sldId id="278" r:id="rId24"/>
+    <p:sldId id="279" r:id="rId25"/>
+    <p:sldId id="280" r:id="rId26"/>
+    <p:sldId id="281" r:id="rId27"/>
   </p:sldIdLst>
   <p:sldSz cx="9144000" cy="6858000" type="screen4x3"/>
   <p:notesSz cx="6858000" cy="9144000"/>
@@ -10026,6 +10035,1150 @@
 </p:sld>
 </file>
 
+<file path=ppt/slides/slide18.xml><?xml version="1.0" encoding="utf-8"?>
+<p:sld xmlns:a="http://schemas.openxmlformats.org/drawingml/2006/main" xmlns:r="http://schemas.openxmlformats.org/officeDocument/2006/relationships" xmlns:p="http://schemas.openxmlformats.org/presentationml/2006/main">
+  <p:cSld>
+    <p:bg>
+      <p:bgPr>
+        <a:solidFill>
+          <a:schemeClr val="bg1"/>
+        </a:solidFill>
+        <a:effectLst/>
+      </p:bgPr>
+    </p:bg>
+    <p:spTree>
+      <p:nvGrpSpPr>
+        <p:cNvPr id="1" name=""/>
+        <p:cNvGrpSpPr/>
+        <p:nvPr/>
+      </p:nvGrpSpPr>
+      <p:grpSpPr>
+        <a:xfrm>
+          <a:off x="0" y="0"/>
+          <a:ext cx="0" cy="0"/>
+          <a:chOff x="0" y="0"/>
+          <a:chExt cx="0" cy="0"/>
+        </a:xfrm>
+      </p:grpSpPr>
+      <p:cxnSp>
+        <p:nvCxnSpPr>
+          <p:cNvPr id="8" name="Straight Connector 7"/>
+          <p:cNvCxnSpPr>
+            <a:cxnSpLocks/>
+          </p:cNvCxnSpPr>
+          <p:nvPr/>
+        </p:nvCxnSpPr>
+        <p:spPr>
+          <a:xfrm>
+            <a:off x="1763688" y="6499457"/>
+            <a:ext cx="6480720" cy="0"/>
+          </a:xfrm>
+          <a:prstGeom prst="line">
+            <a:avLst/>
+          </a:prstGeom>
+        </p:spPr>
+        <p:style>
+          <a:lnRef idx="2">
+            <a:schemeClr val="dk1"/>
+          </a:lnRef>
+          <a:fillRef idx="0">
+            <a:schemeClr val="dk1"/>
+          </a:fillRef>
+          <a:effectRef idx="1">
+            <a:schemeClr val="dk1"/>
+          </a:effectRef>
+          <a:fontRef idx="minor">
+            <a:schemeClr val="tx1"/>
+          </a:fontRef>
+        </p:style>
+      </p:cxnSp>
+      <p:sp>
+        <p:nvSpPr>
+          <p:cNvPr id="11" name="Rectangle 10"/>
+          <p:cNvSpPr/>
+          <p:nvPr/>
+        </p:nvSpPr>
+        <p:spPr>
+          <a:xfrm>
+            <a:off x="6804248" y="6572272"/>
+            <a:ext cx="1345240" cy="246221"/>
+          </a:xfrm>
+          <a:prstGeom prst="rect">
+            <a:avLst/>
+          </a:prstGeom>
+          <a:noFill/>
+        </p:spPr>
+        <p:txBody>
+          <a:bodyPr wrap="none" lIns="91440" tIns="45720" rIns="91440" bIns="45720">
+            <a:spAutoFit/>
+          </a:bodyPr>
+          <a:lstStyle/>
+          <a:p>
+            <a:pPr algn="ctr" rtl="1"/>
+            <a:r>
+              <a:rPr lang="fa-IR" sz="1000" b="1" dirty="0">
+                <a:ln w="1905"/>
+                <a:gradFill>
+                  <a:gsLst>
+                    <a:gs pos="0">
+                      <a:schemeClr val="accent6">
+                        <a:shade val="20000"/>
+                        <a:satMod val="200000"/>
+                      </a:schemeClr>
+                    </a:gs>
+                    <a:gs pos="78000">
+                      <a:schemeClr val="accent6">
+                        <a:tint val="90000"/>
+                        <a:shade val="89000"/>
+                        <a:satMod val="220000"/>
+                      </a:schemeClr>
+                    </a:gs>
+                    <a:gs pos="100000">
+                      <a:schemeClr val="accent6">
+                        <a:tint val="12000"/>
+                        <a:satMod val="255000"/>
+                      </a:schemeClr>
+                    </a:gs>
+                  </a:gsLst>
+                  <a:lin ang="5400000"/>
+                </a:gradFill>
+                <a:effectLst>
+                  <a:innerShdw blurRad="69850" dist="43180" dir="5400000">
+                    <a:srgbClr val="000000">
+                      <a:alpha val="65000"/>
+                    </a:srgbClr>
+                  </a:innerShdw>
+                </a:effectLst>
+              </a:rPr>
+              <a:t>تهیه و تنظیم : سید حیدر علوی</a:t>
+            </a:r>
+            <a:endParaRPr lang="en-US" sz="1000" b="1" dirty="0">
+              <a:ln w="1905"/>
+              <a:gradFill>
+                <a:gsLst>
+                  <a:gs pos="0">
+                    <a:schemeClr val="accent6">
+                      <a:shade val="20000"/>
+                      <a:satMod val="200000"/>
+                    </a:schemeClr>
+                  </a:gs>
+                  <a:gs pos="78000">
+                    <a:schemeClr val="accent6">
+                      <a:tint val="90000"/>
+                      <a:shade val="89000"/>
+                      <a:satMod val="220000"/>
+                    </a:schemeClr>
+                  </a:gs>
+                  <a:gs pos="100000">
+                    <a:schemeClr val="accent6">
+                      <a:tint val="12000"/>
+                      <a:satMod val="255000"/>
+                    </a:schemeClr>
+                  </a:gs>
+                </a:gsLst>
+                <a:lin ang="5400000"/>
+              </a:gradFill>
+              <a:effectLst>
+                <a:innerShdw blurRad="69850" dist="43180" dir="5400000">
+                  <a:srgbClr val="000000">
+                    <a:alpha val="65000"/>
+                  </a:srgbClr>
+                </a:innerShdw>
+              </a:effectLst>
+            </a:endParaRPr>
+          </a:p>
+        </p:txBody>
+      </p:sp>
+      <p:sp>
+        <p:nvSpPr>
+          <p:cNvPr id="13" name="TextBox 12"/>
+          <p:cNvSpPr txBox="1"/>
+          <p:nvPr/>
+        </p:nvSpPr>
+        <p:spPr>
+          <a:xfrm>
+            <a:off x="1910086" y="38179"/>
+            <a:ext cx="5323828" cy="646331"/>
+          </a:xfrm>
+          <a:prstGeom prst="rect">
+            <a:avLst/>
+          </a:prstGeom>
+          <a:noFill/>
+        </p:spPr>
+        <p:txBody>
+          <a:bodyPr wrap="square" rtlCol="0">
+            <a:spAutoFit/>
+          </a:bodyPr>
+          <a:lstStyle/>
+          <a:p>
+            <a:r>
+              <a:rPr lang="en-US" sz="3600" b="1" dirty="0">
+                <a:ln w="1905"/>
+                <a:gradFill>
+                  <a:gsLst>
+                    <a:gs pos="0">
+                      <a:schemeClr val="accent6">
+                        <a:shade val="20000"/>
+                        <a:satMod val="200000"/>
+                      </a:schemeClr>
+                    </a:gs>
+                    <a:gs pos="78000">
+                      <a:schemeClr val="accent6">
+                        <a:tint val="90000"/>
+                        <a:shade val="89000"/>
+                        <a:satMod val="220000"/>
+                      </a:schemeClr>
+                    </a:gs>
+                    <a:gs pos="100000">
+                      <a:schemeClr val="accent6">
+                        <a:tint val="12000"/>
+                        <a:satMod val="255000"/>
+                      </a:schemeClr>
+                    </a:gs>
+                  </a:gsLst>
+                  <a:lin ang="5400000"/>
+                </a:gradFill>
+                <a:effectLst>
+                  <a:innerShdw blurRad="69850" dist="43180" dir="5400000">
+                    <a:srgbClr val="000000">
+                      <a:alpha val="65000"/>
+                    </a:srgbClr>
+                  </a:innerShdw>
+                </a:effectLst>
+              </a:rPr>
+              <a:t>NumPy Creating Arrays</a:t>
+            </a:r>
+          </a:p>
+        </p:txBody>
+      </p:sp>
+      <p:sp>
+        <p:nvSpPr>
+          <p:cNvPr id="9" name="Rectangle 8">
+            <a:extLst>
+              <a:ext uri="{FF2B5EF4-FFF2-40B4-BE49-F238E27FC236}">
+                <a16:creationId xmlns:a16="http://schemas.microsoft.com/office/drawing/2014/main" id="{AE259FB9-1872-47CB-A97E-46EC9F196E07}"/>
+              </a:ext>
+            </a:extLst>
+          </p:cNvPr>
+          <p:cNvSpPr/>
+          <p:nvPr/>
+        </p:nvSpPr>
+        <p:spPr>
+          <a:xfrm>
+            <a:off x="4219179" y="6572271"/>
+            <a:ext cx="705642" cy="246221"/>
+          </a:xfrm>
+          <a:prstGeom prst="rect">
+            <a:avLst/>
+          </a:prstGeom>
+          <a:noFill/>
+        </p:spPr>
+        <p:txBody>
+          <a:bodyPr wrap="none" lIns="91440" tIns="45720" rIns="91440" bIns="45720">
+            <a:spAutoFit/>
+          </a:bodyPr>
+          <a:lstStyle/>
+          <a:p>
+            <a:pPr algn="ctr" rtl="1"/>
+            <a:r>
+              <a:rPr lang="fa-IR" sz="1000" b="1" dirty="0">
+                <a:ln w="1905"/>
+                <a:gradFill>
+                  <a:gsLst>
+                    <a:gs pos="0">
+                      <a:schemeClr val="accent6">
+                        <a:shade val="20000"/>
+                        <a:satMod val="200000"/>
+                      </a:schemeClr>
+                    </a:gs>
+                    <a:gs pos="78000">
+                      <a:schemeClr val="accent6">
+                        <a:tint val="90000"/>
+                        <a:shade val="89000"/>
+                        <a:satMod val="220000"/>
+                      </a:schemeClr>
+                    </a:gs>
+                    <a:gs pos="100000">
+                      <a:schemeClr val="accent6">
+                        <a:tint val="12000"/>
+                        <a:satMod val="255000"/>
+                      </a:schemeClr>
+                    </a:gs>
+                  </a:gsLst>
+                  <a:lin ang="5400000"/>
+                </a:gradFill>
+                <a:effectLst>
+                  <a:innerShdw blurRad="69850" dist="43180" dir="5400000">
+                    <a:srgbClr val="000000">
+                      <a:alpha val="65000"/>
+                    </a:srgbClr>
+                  </a:innerShdw>
+                </a:effectLst>
+              </a:rPr>
+              <a:t>تابستان 1401</a:t>
+            </a:r>
+            <a:endParaRPr lang="en-US" sz="1000" b="1" dirty="0">
+              <a:ln w="1905"/>
+              <a:gradFill>
+                <a:gsLst>
+                  <a:gs pos="0">
+                    <a:schemeClr val="accent6">
+                      <a:shade val="20000"/>
+                      <a:satMod val="200000"/>
+                    </a:schemeClr>
+                  </a:gs>
+                  <a:gs pos="78000">
+                    <a:schemeClr val="accent6">
+                      <a:tint val="90000"/>
+                      <a:shade val="89000"/>
+                      <a:satMod val="220000"/>
+                    </a:schemeClr>
+                  </a:gs>
+                  <a:gs pos="100000">
+                    <a:schemeClr val="accent6">
+                      <a:tint val="12000"/>
+                      <a:satMod val="255000"/>
+                    </a:schemeClr>
+                  </a:gs>
+                </a:gsLst>
+                <a:lin ang="5400000"/>
+              </a:gradFill>
+              <a:effectLst>
+                <a:innerShdw blurRad="69850" dist="43180" dir="5400000">
+                  <a:srgbClr val="000000">
+                    <a:alpha val="65000"/>
+                  </a:srgbClr>
+                </a:innerShdw>
+              </a:effectLst>
+            </a:endParaRPr>
+          </a:p>
+        </p:txBody>
+      </p:sp>
+      <p:sp>
+        <p:nvSpPr>
+          <p:cNvPr id="10" name="Rectangle 9">
+            <a:extLst>
+              <a:ext uri="{FF2B5EF4-FFF2-40B4-BE49-F238E27FC236}">
+                <a16:creationId xmlns:a16="http://schemas.microsoft.com/office/drawing/2014/main" id="{46913DD9-CDA3-43FD-AD19-429E0308D71B}"/>
+              </a:ext>
+            </a:extLst>
+          </p:cNvPr>
+          <p:cNvSpPr/>
+          <p:nvPr/>
+        </p:nvSpPr>
+        <p:spPr>
+          <a:xfrm>
+            <a:off x="1795886" y="6572272"/>
+            <a:ext cx="615874" cy="246221"/>
+          </a:xfrm>
+          <a:prstGeom prst="rect">
+            <a:avLst/>
+          </a:prstGeom>
+          <a:noFill/>
+        </p:spPr>
+        <p:txBody>
+          <a:bodyPr wrap="none" lIns="91440" tIns="45720" rIns="91440" bIns="45720">
+            <a:spAutoFit/>
+          </a:bodyPr>
+          <a:lstStyle/>
+          <a:p>
+            <a:pPr algn="ctr" rtl="1"/>
+            <a:r>
+              <a:rPr lang="en-US" sz="1000" b="1" dirty="0">
+                <a:ln w="1905"/>
+                <a:gradFill>
+                  <a:gsLst>
+                    <a:gs pos="0">
+                      <a:schemeClr val="accent6">
+                        <a:shade val="20000"/>
+                        <a:satMod val="200000"/>
+                      </a:schemeClr>
+                    </a:gs>
+                    <a:gs pos="78000">
+                      <a:schemeClr val="accent6">
+                        <a:tint val="90000"/>
+                        <a:shade val="89000"/>
+                        <a:satMod val="220000"/>
+                      </a:schemeClr>
+                    </a:gs>
+                    <a:gs pos="100000">
+                      <a:schemeClr val="accent6">
+                        <a:tint val="12000"/>
+                        <a:satMod val="255000"/>
+                      </a:schemeClr>
+                    </a:gs>
+                  </a:gsLst>
+                  <a:lin ang="5400000"/>
+                </a:gradFill>
+                <a:effectLst>
+                  <a:innerShdw blurRad="69850" dist="43180" dir="5400000">
+                    <a:srgbClr val="000000">
+                      <a:alpha val="65000"/>
+                    </a:srgbClr>
+                  </a:innerShdw>
+                </a:effectLst>
+              </a:rPr>
+              <a:t>Page: </a:t>
+            </a:r>
+            <a:fld id="{14AD6811-EE99-4BEB-8435-24D1DDA55D92}" type="slidenum">
+              <a:rPr lang="en-US" sz="1000" b="1" smtClean="0">
+                <a:ln w="1905"/>
+                <a:gradFill>
+                  <a:gsLst>
+                    <a:gs pos="0">
+                      <a:schemeClr val="accent6">
+                        <a:shade val="20000"/>
+                        <a:satMod val="200000"/>
+                      </a:schemeClr>
+                    </a:gs>
+                    <a:gs pos="78000">
+                      <a:schemeClr val="accent6">
+                        <a:tint val="90000"/>
+                        <a:shade val="89000"/>
+                        <a:satMod val="220000"/>
+                      </a:schemeClr>
+                    </a:gs>
+                    <a:gs pos="100000">
+                      <a:schemeClr val="accent6">
+                        <a:tint val="12000"/>
+                        <a:satMod val="255000"/>
+                      </a:schemeClr>
+                    </a:gs>
+                  </a:gsLst>
+                  <a:lin ang="5400000"/>
+                </a:gradFill>
+                <a:effectLst>
+                  <a:innerShdw blurRad="69850" dist="43180" dir="5400000">
+                    <a:srgbClr val="000000">
+                      <a:alpha val="65000"/>
+                    </a:srgbClr>
+                  </a:innerShdw>
+                </a:effectLst>
+              </a:rPr>
+              <a:t>18</a:t>
+            </a:fld>
+            <a:endParaRPr lang="en-US" sz="1000" b="1" dirty="0">
+              <a:ln w="1905"/>
+              <a:gradFill>
+                <a:gsLst>
+                  <a:gs pos="0">
+                    <a:schemeClr val="accent6">
+                      <a:shade val="20000"/>
+                      <a:satMod val="200000"/>
+                    </a:schemeClr>
+                  </a:gs>
+                  <a:gs pos="78000">
+                    <a:schemeClr val="accent6">
+                      <a:tint val="90000"/>
+                      <a:shade val="89000"/>
+                      <a:satMod val="220000"/>
+                    </a:schemeClr>
+                  </a:gs>
+                  <a:gs pos="100000">
+                    <a:schemeClr val="accent6">
+                      <a:tint val="12000"/>
+                      <a:satMod val="255000"/>
+                    </a:schemeClr>
+                  </a:gs>
+                </a:gsLst>
+                <a:lin ang="5400000"/>
+              </a:gradFill>
+              <a:effectLst>
+                <a:innerShdw blurRad="69850" dist="43180" dir="5400000">
+                  <a:srgbClr val="000000">
+                    <a:alpha val="65000"/>
+                  </a:srgbClr>
+                </a:innerShdw>
+              </a:effectLst>
+            </a:endParaRPr>
+          </a:p>
+        </p:txBody>
+      </p:sp>
+      <p:pic>
+        <p:nvPicPr>
+          <p:cNvPr id="4" name="Picture 3">
+            <a:extLst>
+              <a:ext uri="{FF2B5EF4-FFF2-40B4-BE49-F238E27FC236}">
+                <a16:creationId xmlns:a16="http://schemas.microsoft.com/office/drawing/2014/main" id="{F3625243-9805-4010-9491-688C02CA4108}"/>
+              </a:ext>
+            </a:extLst>
+          </p:cNvPr>
+          <p:cNvPicPr>
+            <a:picLocks noChangeAspect="1"/>
+          </p:cNvPicPr>
+          <p:nvPr/>
+        </p:nvPicPr>
+        <p:blipFill>
+          <a:blip r:embed="rId2" cstate="print">
+            <a:extLst>
+              <a:ext uri="{28A0092B-C50C-407E-A947-70E740481C1C}">
+                <a14:useLocalDpi xmlns:a14="http://schemas.microsoft.com/office/drawing/2010/main" val="0"/>
+              </a:ext>
+            </a:extLst>
+          </a:blip>
+          <a:stretch>
+            <a:fillRect/>
+          </a:stretch>
+        </p:blipFill>
+        <p:spPr>
+          <a:xfrm>
+            <a:off x="8343133" y="6104393"/>
+            <a:ext cx="765371" cy="780991"/>
+          </a:xfrm>
+          <a:prstGeom prst="rect">
+            <a:avLst/>
+          </a:prstGeom>
+        </p:spPr>
+      </p:pic>
+      <p:pic>
+        <p:nvPicPr>
+          <p:cNvPr id="17" name="Picture 16">
+            <a:extLst>
+              <a:ext uri="{FF2B5EF4-FFF2-40B4-BE49-F238E27FC236}">
+                <a16:creationId xmlns:a16="http://schemas.microsoft.com/office/drawing/2014/main" id="{671CD04D-E9F8-4950-836D-431AD3EA459A}"/>
+              </a:ext>
+            </a:extLst>
+          </p:cNvPr>
+          <p:cNvPicPr>
+            <a:picLocks noChangeAspect="1"/>
+          </p:cNvPicPr>
+          <p:nvPr/>
+        </p:nvPicPr>
+        <p:blipFill>
+          <a:blip r:embed="rId3" cstate="print">
+            <a:extLst>
+              <a:ext uri="{28A0092B-C50C-407E-A947-70E740481C1C}">
+                <a14:useLocalDpi xmlns:a14="http://schemas.microsoft.com/office/drawing/2010/main" val="0"/>
+              </a:ext>
+            </a:extLst>
+          </a:blip>
+          <a:srcRect/>
+          <a:stretch/>
+        </p:blipFill>
+        <p:spPr>
+          <a:xfrm>
+            <a:off x="49346" y="6165304"/>
+            <a:ext cx="1548718" cy="522459"/>
+          </a:xfrm>
+          <a:prstGeom prst="rect">
+            <a:avLst/>
+          </a:prstGeom>
+        </p:spPr>
+      </p:pic>
+      <p:pic>
+        <p:nvPicPr>
+          <p:cNvPr id="3" name="Picture 2">
+            <a:extLst>
+              <a:ext uri="{FF2B5EF4-FFF2-40B4-BE49-F238E27FC236}">
+                <a16:creationId xmlns:a16="http://schemas.microsoft.com/office/drawing/2014/main" id="{2B0B6052-E4BA-214A-FE64-8FD99543F7A5}"/>
+              </a:ext>
+            </a:extLst>
+          </p:cNvPr>
+          <p:cNvPicPr>
+            <a:picLocks noChangeAspect="1"/>
+          </p:cNvPicPr>
+          <p:nvPr/>
+        </p:nvPicPr>
+        <p:blipFill rotWithShape="1">
+          <a:blip r:embed="rId4"/>
+          <a:srcRect l="12200" t="30391" r="13775" b="12182"/>
+          <a:stretch/>
+        </p:blipFill>
+        <p:spPr>
+          <a:xfrm>
+            <a:off x="179512" y="944745"/>
+            <a:ext cx="8640960" cy="4716501"/>
+          </a:xfrm>
+          <a:prstGeom prst="rect">
+            <a:avLst/>
+          </a:prstGeom>
+        </p:spPr>
+      </p:pic>
+    </p:spTree>
+    <p:extLst>
+      <p:ext uri="{BB962C8B-B14F-4D97-AF65-F5344CB8AC3E}">
+        <p14:creationId xmlns:p14="http://schemas.microsoft.com/office/powerpoint/2010/main" val="629984551"/>
+      </p:ext>
+    </p:extLst>
+  </p:cSld>
+  <p:clrMapOvr>
+    <a:masterClrMapping/>
+  </p:clrMapOvr>
+</p:sld>
+</file>
+
+<file path=ppt/slides/slide19.xml><?xml version="1.0" encoding="utf-8"?>
+<p:sld xmlns:a="http://schemas.openxmlformats.org/drawingml/2006/main" xmlns:r="http://schemas.openxmlformats.org/officeDocument/2006/relationships" xmlns:p="http://schemas.openxmlformats.org/presentationml/2006/main">
+  <p:cSld>
+    <p:bg>
+      <p:bgPr>
+        <a:solidFill>
+          <a:schemeClr val="bg1"/>
+        </a:solidFill>
+        <a:effectLst/>
+      </p:bgPr>
+    </p:bg>
+    <p:spTree>
+      <p:nvGrpSpPr>
+        <p:cNvPr id="1" name=""/>
+        <p:cNvGrpSpPr/>
+        <p:nvPr/>
+      </p:nvGrpSpPr>
+      <p:grpSpPr>
+        <a:xfrm>
+          <a:off x="0" y="0"/>
+          <a:ext cx="0" cy="0"/>
+          <a:chOff x="0" y="0"/>
+          <a:chExt cx="0" cy="0"/>
+        </a:xfrm>
+      </p:grpSpPr>
+      <p:cxnSp>
+        <p:nvCxnSpPr>
+          <p:cNvPr id="8" name="Straight Connector 7"/>
+          <p:cNvCxnSpPr>
+            <a:cxnSpLocks/>
+          </p:cNvCxnSpPr>
+          <p:nvPr/>
+        </p:nvCxnSpPr>
+        <p:spPr>
+          <a:xfrm>
+            <a:off x="1763688" y="6499457"/>
+            <a:ext cx="6480720" cy="0"/>
+          </a:xfrm>
+          <a:prstGeom prst="line">
+            <a:avLst/>
+          </a:prstGeom>
+        </p:spPr>
+        <p:style>
+          <a:lnRef idx="2">
+            <a:schemeClr val="dk1"/>
+          </a:lnRef>
+          <a:fillRef idx="0">
+            <a:schemeClr val="dk1"/>
+          </a:fillRef>
+          <a:effectRef idx="1">
+            <a:schemeClr val="dk1"/>
+          </a:effectRef>
+          <a:fontRef idx="minor">
+            <a:schemeClr val="tx1"/>
+          </a:fontRef>
+        </p:style>
+      </p:cxnSp>
+      <p:sp>
+        <p:nvSpPr>
+          <p:cNvPr id="11" name="Rectangle 10"/>
+          <p:cNvSpPr/>
+          <p:nvPr/>
+        </p:nvSpPr>
+        <p:spPr>
+          <a:xfrm>
+            <a:off x="6804248" y="6572272"/>
+            <a:ext cx="1345240" cy="246221"/>
+          </a:xfrm>
+          <a:prstGeom prst="rect">
+            <a:avLst/>
+          </a:prstGeom>
+          <a:noFill/>
+        </p:spPr>
+        <p:txBody>
+          <a:bodyPr wrap="none" lIns="91440" tIns="45720" rIns="91440" bIns="45720">
+            <a:spAutoFit/>
+          </a:bodyPr>
+          <a:lstStyle/>
+          <a:p>
+            <a:pPr algn="ctr" rtl="1"/>
+            <a:r>
+              <a:rPr lang="fa-IR" sz="1000" b="1" dirty="0">
+                <a:ln w="1905"/>
+                <a:gradFill>
+                  <a:gsLst>
+                    <a:gs pos="0">
+                      <a:schemeClr val="accent6">
+                        <a:shade val="20000"/>
+                        <a:satMod val="200000"/>
+                      </a:schemeClr>
+                    </a:gs>
+                    <a:gs pos="78000">
+                      <a:schemeClr val="accent6">
+                        <a:tint val="90000"/>
+                        <a:shade val="89000"/>
+                        <a:satMod val="220000"/>
+                      </a:schemeClr>
+                    </a:gs>
+                    <a:gs pos="100000">
+                      <a:schemeClr val="accent6">
+                        <a:tint val="12000"/>
+                        <a:satMod val="255000"/>
+                      </a:schemeClr>
+                    </a:gs>
+                  </a:gsLst>
+                  <a:lin ang="5400000"/>
+                </a:gradFill>
+                <a:effectLst>
+                  <a:innerShdw blurRad="69850" dist="43180" dir="5400000">
+                    <a:srgbClr val="000000">
+                      <a:alpha val="65000"/>
+                    </a:srgbClr>
+                  </a:innerShdw>
+                </a:effectLst>
+              </a:rPr>
+              <a:t>تهیه و تنظیم : سید حیدر علوی</a:t>
+            </a:r>
+            <a:endParaRPr lang="en-US" sz="1000" b="1" dirty="0">
+              <a:ln w="1905"/>
+              <a:gradFill>
+                <a:gsLst>
+                  <a:gs pos="0">
+                    <a:schemeClr val="accent6">
+                      <a:shade val="20000"/>
+                      <a:satMod val="200000"/>
+                    </a:schemeClr>
+                  </a:gs>
+                  <a:gs pos="78000">
+                    <a:schemeClr val="accent6">
+                      <a:tint val="90000"/>
+                      <a:shade val="89000"/>
+                      <a:satMod val="220000"/>
+                    </a:schemeClr>
+                  </a:gs>
+                  <a:gs pos="100000">
+                    <a:schemeClr val="accent6">
+                      <a:tint val="12000"/>
+                      <a:satMod val="255000"/>
+                    </a:schemeClr>
+                  </a:gs>
+                </a:gsLst>
+                <a:lin ang="5400000"/>
+              </a:gradFill>
+              <a:effectLst>
+                <a:innerShdw blurRad="69850" dist="43180" dir="5400000">
+                  <a:srgbClr val="000000">
+                    <a:alpha val="65000"/>
+                  </a:srgbClr>
+                </a:innerShdw>
+              </a:effectLst>
+            </a:endParaRPr>
+          </a:p>
+        </p:txBody>
+      </p:sp>
+      <p:sp>
+        <p:nvSpPr>
+          <p:cNvPr id="13" name="TextBox 12"/>
+          <p:cNvSpPr txBox="1"/>
+          <p:nvPr/>
+        </p:nvSpPr>
+        <p:spPr>
+          <a:xfrm>
+            <a:off x="1910086" y="38179"/>
+            <a:ext cx="5323828" cy="646331"/>
+          </a:xfrm>
+          <a:prstGeom prst="rect">
+            <a:avLst/>
+          </a:prstGeom>
+          <a:noFill/>
+        </p:spPr>
+        <p:txBody>
+          <a:bodyPr wrap="square" rtlCol="0">
+            <a:spAutoFit/>
+          </a:bodyPr>
+          <a:lstStyle/>
+          <a:p>
+            <a:r>
+              <a:rPr lang="en-US" sz="3600" b="1" dirty="0">
+                <a:ln w="1905"/>
+                <a:gradFill>
+                  <a:gsLst>
+                    <a:gs pos="0">
+                      <a:schemeClr val="accent6">
+                        <a:shade val="20000"/>
+                        <a:satMod val="200000"/>
+                      </a:schemeClr>
+                    </a:gs>
+                    <a:gs pos="78000">
+                      <a:schemeClr val="accent6">
+                        <a:tint val="90000"/>
+                        <a:shade val="89000"/>
+                        <a:satMod val="220000"/>
+                      </a:schemeClr>
+                    </a:gs>
+                    <a:gs pos="100000">
+                      <a:schemeClr val="accent6">
+                        <a:tint val="12000"/>
+                        <a:satMod val="255000"/>
+                      </a:schemeClr>
+                    </a:gs>
+                  </a:gsLst>
+                  <a:lin ang="5400000"/>
+                </a:gradFill>
+                <a:effectLst>
+                  <a:innerShdw blurRad="69850" dist="43180" dir="5400000">
+                    <a:srgbClr val="000000">
+                      <a:alpha val="65000"/>
+                    </a:srgbClr>
+                  </a:innerShdw>
+                </a:effectLst>
+              </a:rPr>
+              <a:t>NumPy Creating Arrays</a:t>
+            </a:r>
+          </a:p>
+        </p:txBody>
+      </p:sp>
+      <p:sp>
+        <p:nvSpPr>
+          <p:cNvPr id="9" name="Rectangle 8">
+            <a:extLst>
+              <a:ext uri="{FF2B5EF4-FFF2-40B4-BE49-F238E27FC236}">
+                <a16:creationId xmlns:a16="http://schemas.microsoft.com/office/drawing/2014/main" id="{AE259FB9-1872-47CB-A97E-46EC9F196E07}"/>
+              </a:ext>
+            </a:extLst>
+          </p:cNvPr>
+          <p:cNvSpPr/>
+          <p:nvPr/>
+        </p:nvSpPr>
+        <p:spPr>
+          <a:xfrm>
+            <a:off x="4219179" y="6572271"/>
+            <a:ext cx="705642" cy="246221"/>
+          </a:xfrm>
+          <a:prstGeom prst="rect">
+            <a:avLst/>
+          </a:prstGeom>
+          <a:noFill/>
+        </p:spPr>
+        <p:txBody>
+          <a:bodyPr wrap="none" lIns="91440" tIns="45720" rIns="91440" bIns="45720">
+            <a:spAutoFit/>
+          </a:bodyPr>
+          <a:lstStyle/>
+          <a:p>
+            <a:pPr algn="ctr" rtl="1"/>
+            <a:r>
+              <a:rPr lang="fa-IR" sz="1000" b="1" dirty="0">
+                <a:ln w="1905"/>
+                <a:gradFill>
+                  <a:gsLst>
+                    <a:gs pos="0">
+                      <a:schemeClr val="accent6">
+                        <a:shade val="20000"/>
+                        <a:satMod val="200000"/>
+                      </a:schemeClr>
+                    </a:gs>
+                    <a:gs pos="78000">
+                      <a:schemeClr val="accent6">
+                        <a:tint val="90000"/>
+                        <a:shade val="89000"/>
+                        <a:satMod val="220000"/>
+                      </a:schemeClr>
+                    </a:gs>
+                    <a:gs pos="100000">
+                      <a:schemeClr val="accent6">
+                        <a:tint val="12000"/>
+                        <a:satMod val="255000"/>
+                      </a:schemeClr>
+                    </a:gs>
+                  </a:gsLst>
+                  <a:lin ang="5400000"/>
+                </a:gradFill>
+                <a:effectLst>
+                  <a:innerShdw blurRad="69850" dist="43180" dir="5400000">
+                    <a:srgbClr val="000000">
+                      <a:alpha val="65000"/>
+                    </a:srgbClr>
+                  </a:innerShdw>
+                </a:effectLst>
+              </a:rPr>
+              <a:t>تابستان 1401</a:t>
+            </a:r>
+            <a:endParaRPr lang="en-US" sz="1000" b="1" dirty="0">
+              <a:ln w="1905"/>
+              <a:gradFill>
+                <a:gsLst>
+                  <a:gs pos="0">
+                    <a:schemeClr val="accent6">
+                      <a:shade val="20000"/>
+                      <a:satMod val="200000"/>
+                    </a:schemeClr>
+                  </a:gs>
+                  <a:gs pos="78000">
+                    <a:schemeClr val="accent6">
+                      <a:tint val="90000"/>
+                      <a:shade val="89000"/>
+                      <a:satMod val="220000"/>
+                    </a:schemeClr>
+                  </a:gs>
+                  <a:gs pos="100000">
+                    <a:schemeClr val="accent6">
+                      <a:tint val="12000"/>
+                      <a:satMod val="255000"/>
+                    </a:schemeClr>
+                  </a:gs>
+                </a:gsLst>
+                <a:lin ang="5400000"/>
+              </a:gradFill>
+              <a:effectLst>
+                <a:innerShdw blurRad="69850" dist="43180" dir="5400000">
+                  <a:srgbClr val="000000">
+                    <a:alpha val="65000"/>
+                  </a:srgbClr>
+                </a:innerShdw>
+              </a:effectLst>
+            </a:endParaRPr>
+          </a:p>
+        </p:txBody>
+      </p:sp>
+      <p:sp>
+        <p:nvSpPr>
+          <p:cNvPr id="10" name="Rectangle 9">
+            <a:extLst>
+              <a:ext uri="{FF2B5EF4-FFF2-40B4-BE49-F238E27FC236}">
+                <a16:creationId xmlns:a16="http://schemas.microsoft.com/office/drawing/2014/main" id="{46913DD9-CDA3-43FD-AD19-429E0308D71B}"/>
+              </a:ext>
+            </a:extLst>
+          </p:cNvPr>
+          <p:cNvSpPr/>
+          <p:nvPr/>
+        </p:nvSpPr>
+        <p:spPr>
+          <a:xfrm>
+            <a:off x="1795886" y="6572272"/>
+            <a:ext cx="615874" cy="246221"/>
+          </a:xfrm>
+          <a:prstGeom prst="rect">
+            <a:avLst/>
+          </a:prstGeom>
+          <a:noFill/>
+        </p:spPr>
+        <p:txBody>
+          <a:bodyPr wrap="none" lIns="91440" tIns="45720" rIns="91440" bIns="45720">
+            <a:spAutoFit/>
+          </a:bodyPr>
+          <a:lstStyle/>
+          <a:p>
+            <a:pPr algn="ctr" rtl="1"/>
+            <a:r>
+              <a:rPr lang="en-US" sz="1000" b="1" dirty="0">
+                <a:ln w="1905"/>
+                <a:gradFill>
+                  <a:gsLst>
+                    <a:gs pos="0">
+                      <a:schemeClr val="accent6">
+                        <a:shade val="20000"/>
+                        <a:satMod val="200000"/>
+                      </a:schemeClr>
+                    </a:gs>
+                    <a:gs pos="78000">
+                      <a:schemeClr val="accent6">
+                        <a:tint val="90000"/>
+                        <a:shade val="89000"/>
+                        <a:satMod val="220000"/>
+                      </a:schemeClr>
+                    </a:gs>
+                    <a:gs pos="100000">
+                      <a:schemeClr val="accent6">
+                        <a:tint val="12000"/>
+                        <a:satMod val="255000"/>
+                      </a:schemeClr>
+                    </a:gs>
+                  </a:gsLst>
+                  <a:lin ang="5400000"/>
+                </a:gradFill>
+                <a:effectLst>
+                  <a:innerShdw blurRad="69850" dist="43180" dir="5400000">
+                    <a:srgbClr val="000000">
+                      <a:alpha val="65000"/>
+                    </a:srgbClr>
+                  </a:innerShdw>
+                </a:effectLst>
+              </a:rPr>
+              <a:t>Page: </a:t>
+            </a:r>
+            <a:fld id="{14AD6811-EE99-4BEB-8435-24D1DDA55D92}" type="slidenum">
+              <a:rPr lang="en-US" sz="1000" b="1" smtClean="0">
+                <a:ln w="1905"/>
+                <a:gradFill>
+                  <a:gsLst>
+                    <a:gs pos="0">
+                      <a:schemeClr val="accent6">
+                        <a:shade val="20000"/>
+                        <a:satMod val="200000"/>
+                      </a:schemeClr>
+                    </a:gs>
+                    <a:gs pos="78000">
+                      <a:schemeClr val="accent6">
+                        <a:tint val="90000"/>
+                        <a:shade val="89000"/>
+                        <a:satMod val="220000"/>
+                      </a:schemeClr>
+                    </a:gs>
+                    <a:gs pos="100000">
+                      <a:schemeClr val="accent6">
+                        <a:tint val="12000"/>
+                        <a:satMod val="255000"/>
+                      </a:schemeClr>
+                    </a:gs>
+                  </a:gsLst>
+                  <a:lin ang="5400000"/>
+                </a:gradFill>
+                <a:effectLst>
+                  <a:innerShdw blurRad="69850" dist="43180" dir="5400000">
+                    <a:srgbClr val="000000">
+                      <a:alpha val="65000"/>
+                    </a:srgbClr>
+                  </a:innerShdw>
+                </a:effectLst>
+              </a:rPr>
+              <a:t>19</a:t>
+            </a:fld>
+            <a:endParaRPr lang="en-US" sz="1000" b="1" dirty="0">
+              <a:ln w="1905"/>
+              <a:gradFill>
+                <a:gsLst>
+                  <a:gs pos="0">
+                    <a:schemeClr val="accent6">
+                      <a:shade val="20000"/>
+                      <a:satMod val="200000"/>
+                    </a:schemeClr>
+                  </a:gs>
+                  <a:gs pos="78000">
+                    <a:schemeClr val="accent6">
+                      <a:tint val="90000"/>
+                      <a:shade val="89000"/>
+                      <a:satMod val="220000"/>
+                    </a:schemeClr>
+                  </a:gs>
+                  <a:gs pos="100000">
+                    <a:schemeClr val="accent6">
+                      <a:tint val="12000"/>
+                      <a:satMod val="255000"/>
+                    </a:schemeClr>
+                  </a:gs>
+                </a:gsLst>
+                <a:lin ang="5400000"/>
+              </a:gradFill>
+              <a:effectLst>
+                <a:innerShdw blurRad="69850" dist="43180" dir="5400000">
+                  <a:srgbClr val="000000">
+                    <a:alpha val="65000"/>
+                  </a:srgbClr>
+                </a:innerShdw>
+              </a:effectLst>
+            </a:endParaRPr>
+          </a:p>
+        </p:txBody>
+      </p:sp>
+      <p:pic>
+        <p:nvPicPr>
+          <p:cNvPr id="4" name="Picture 3">
+            <a:extLst>
+              <a:ext uri="{FF2B5EF4-FFF2-40B4-BE49-F238E27FC236}">
+                <a16:creationId xmlns:a16="http://schemas.microsoft.com/office/drawing/2014/main" id="{F3625243-9805-4010-9491-688C02CA4108}"/>
+              </a:ext>
+            </a:extLst>
+          </p:cNvPr>
+          <p:cNvPicPr>
+            <a:picLocks noChangeAspect="1"/>
+          </p:cNvPicPr>
+          <p:nvPr/>
+        </p:nvPicPr>
+        <p:blipFill>
+          <a:blip r:embed="rId2" cstate="print">
+            <a:extLst>
+              <a:ext uri="{28A0092B-C50C-407E-A947-70E740481C1C}">
+                <a14:useLocalDpi xmlns:a14="http://schemas.microsoft.com/office/drawing/2010/main" val="0"/>
+              </a:ext>
+            </a:extLst>
+          </a:blip>
+          <a:stretch>
+            <a:fillRect/>
+          </a:stretch>
+        </p:blipFill>
+        <p:spPr>
+          <a:xfrm>
+            <a:off x="8343133" y="6104393"/>
+            <a:ext cx="765371" cy="780991"/>
+          </a:xfrm>
+          <a:prstGeom prst="rect">
+            <a:avLst/>
+          </a:prstGeom>
+        </p:spPr>
+      </p:pic>
+      <p:pic>
+        <p:nvPicPr>
+          <p:cNvPr id="17" name="Picture 16">
+            <a:extLst>
+              <a:ext uri="{FF2B5EF4-FFF2-40B4-BE49-F238E27FC236}">
+                <a16:creationId xmlns:a16="http://schemas.microsoft.com/office/drawing/2014/main" id="{671CD04D-E9F8-4950-836D-431AD3EA459A}"/>
+              </a:ext>
+            </a:extLst>
+          </p:cNvPr>
+          <p:cNvPicPr>
+            <a:picLocks noChangeAspect="1"/>
+          </p:cNvPicPr>
+          <p:nvPr/>
+        </p:nvPicPr>
+        <p:blipFill>
+          <a:blip r:embed="rId3" cstate="print">
+            <a:extLst>
+              <a:ext uri="{28A0092B-C50C-407E-A947-70E740481C1C}">
+                <a14:useLocalDpi xmlns:a14="http://schemas.microsoft.com/office/drawing/2010/main" val="0"/>
+              </a:ext>
+            </a:extLst>
+          </a:blip>
+          <a:srcRect/>
+          <a:stretch/>
+        </p:blipFill>
+        <p:spPr>
+          <a:xfrm>
+            <a:off x="49346" y="6165304"/>
+            <a:ext cx="1548718" cy="522459"/>
+          </a:xfrm>
+          <a:prstGeom prst="rect">
+            <a:avLst/>
+          </a:prstGeom>
+        </p:spPr>
+      </p:pic>
+      <p:pic>
+        <p:nvPicPr>
+          <p:cNvPr id="5" name="Picture 4">
+            <a:extLst>
+              <a:ext uri="{FF2B5EF4-FFF2-40B4-BE49-F238E27FC236}">
+                <a16:creationId xmlns:a16="http://schemas.microsoft.com/office/drawing/2014/main" id="{006048FA-1B79-00ED-B402-689244558687}"/>
+              </a:ext>
+            </a:extLst>
+          </p:cNvPr>
+          <p:cNvPicPr>
+            <a:picLocks noChangeAspect="1"/>
+          </p:cNvPicPr>
+          <p:nvPr/>
+        </p:nvPicPr>
+        <p:blipFill rotWithShape="1">
+          <a:blip r:embed="rId4"/>
+          <a:srcRect l="12201" t="28989" r="12988" b="21988"/>
+          <a:stretch/>
+        </p:blipFill>
+        <p:spPr>
+          <a:xfrm>
+            <a:off x="49346" y="757322"/>
+            <a:ext cx="9059158" cy="4759910"/>
+          </a:xfrm>
+          <a:prstGeom prst="rect">
+            <a:avLst/>
+          </a:prstGeom>
+        </p:spPr>
+      </p:pic>
+    </p:spTree>
+    <p:extLst>
+      <p:ext uri="{BB962C8B-B14F-4D97-AF65-F5344CB8AC3E}">
+        <p14:creationId xmlns:p14="http://schemas.microsoft.com/office/powerpoint/2010/main" val="3835960413"/>
+      </p:ext>
+    </p:extLst>
+  </p:cSld>
+  <p:clrMapOvr>
+    <a:masterClrMapping/>
+  </p:clrMapOvr>
+</p:sld>
+</file>
+
 <file path=ppt/slides/slide2.xml><?xml version="1.0" encoding="utf-8"?>
 <p:sld xmlns:a="http://schemas.openxmlformats.org/drawingml/2006/main" xmlns:r="http://schemas.openxmlformats.org/officeDocument/2006/relationships" xmlns:p="http://schemas.openxmlformats.org/presentationml/2006/main">
   <p:cSld>
@@ -11067,6 +12220,4010 @@
     <p:extLst>
       <p:ext uri="{BB962C8B-B14F-4D97-AF65-F5344CB8AC3E}">
         <p14:creationId xmlns:p14="http://schemas.microsoft.com/office/powerpoint/2010/main" val="3657208631"/>
+      </p:ext>
+    </p:extLst>
+  </p:cSld>
+  <p:clrMapOvr>
+    <a:masterClrMapping/>
+  </p:clrMapOvr>
+</p:sld>
+</file>
+
+<file path=ppt/slides/slide20.xml><?xml version="1.0" encoding="utf-8"?>
+<p:sld xmlns:a="http://schemas.openxmlformats.org/drawingml/2006/main" xmlns:r="http://schemas.openxmlformats.org/officeDocument/2006/relationships" xmlns:p="http://schemas.openxmlformats.org/presentationml/2006/main">
+  <p:cSld>
+    <p:bg>
+      <p:bgPr>
+        <a:solidFill>
+          <a:schemeClr val="bg1"/>
+        </a:solidFill>
+        <a:effectLst/>
+      </p:bgPr>
+    </p:bg>
+    <p:spTree>
+      <p:nvGrpSpPr>
+        <p:cNvPr id="1" name=""/>
+        <p:cNvGrpSpPr/>
+        <p:nvPr/>
+      </p:nvGrpSpPr>
+      <p:grpSpPr>
+        <a:xfrm>
+          <a:off x="0" y="0"/>
+          <a:ext cx="0" cy="0"/>
+          <a:chOff x="0" y="0"/>
+          <a:chExt cx="0" cy="0"/>
+        </a:xfrm>
+      </p:grpSpPr>
+      <p:cxnSp>
+        <p:nvCxnSpPr>
+          <p:cNvPr id="8" name="Straight Connector 7"/>
+          <p:cNvCxnSpPr>
+            <a:cxnSpLocks/>
+          </p:cNvCxnSpPr>
+          <p:nvPr/>
+        </p:nvCxnSpPr>
+        <p:spPr>
+          <a:xfrm>
+            <a:off x="1763688" y="6499457"/>
+            <a:ext cx="6480720" cy="0"/>
+          </a:xfrm>
+          <a:prstGeom prst="line">
+            <a:avLst/>
+          </a:prstGeom>
+        </p:spPr>
+        <p:style>
+          <a:lnRef idx="2">
+            <a:schemeClr val="dk1"/>
+          </a:lnRef>
+          <a:fillRef idx="0">
+            <a:schemeClr val="dk1"/>
+          </a:fillRef>
+          <a:effectRef idx="1">
+            <a:schemeClr val="dk1"/>
+          </a:effectRef>
+          <a:fontRef idx="minor">
+            <a:schemeClr val="tx1"/>
+          </a:fontRef>
+        </p:style>
+      </p:cxnSp>
+      <p:sp>
+        <p:nvSpPr>
+          <p:cNvPr id="11" name="Rectangle 10"/>
+          <p:cNvSpPr/>
+          <p:nvPr/>
+        </p:nvSpPr>
+        <p:spPr>
+          <a:xfrm>
+            <a:off x="6804248" y="6572272"/>
+            <a:ext cx="1345240" cy="246221"/>
+          </a:xfrm>
+          <a:prstGeom prst="rect">
+            <a:avLst/>
+          </a:prstGeom>
+          <a:noFill/>
+        </p:spPr>
+        <p:txBody>
+          <a:bodyPr wrap="none" lIns="91440" tIns="45720" rIns="91440" bIns="45720">
+            <a:spAutoFit/>
+          </a:bodyPr>
+          <a:lstStyle/>
+          <a:p>
+            <a:pPr algn="ctr" rtl="1"/>
+            <a:r>
+              <a:rPr lang="fa-IR" sz="1000" b="1" dirty="0">
+                <a:ln w="1905"/>
+                <a:gradFill>
+                  <a:gsLst>
+                    <a:gs pos="0">
+                      <a:schemeClr val="accent6">
+                        <a:shade val="20000"/>
+                        <a:satMod val="200000"/>
+                      </a:schemeClr>
+                    </a:gs>
+                    <a:gs pos="78000">
+                      <a:schemeClr val="accent6">
+                        <a:tint val="90000"/>
+                        <a:shade val="89000"/>
+                        <a:satMod val="220000"/>
+                      </a:schemeClr>
+                    </a:gs>
+                    <a:gs pos="100000">
+                      <a:schemeClr val="accent6">
+                        <a:tint val="12000"/>
+                        <a:satMod val="255000"/>
+                      </a:schemeClr>
+                    </a:gs>
+                  </a:gsLst>
+                  <a:lin ang="5400000"/>
+                </a:gradFill>
+                <a:effectLst>
+                  <a:innerShdw blurRad="69850" dist="43180" dir="5400000">
+                    <a:srgbClr val="000000">
+                      <a:alpha val="65000"/>
+                    </a:srgbClr>
+                  </a:innerShdw>
+                </a:effectLst>
+              </a:rPr>
+              <a:t>تهیه و تنظیم : سید حیدر علوی</a:t>
+            </a:r>
+            <a:endParaRPr lang="en-US" sz="1000" b="1" dirty="0">
+              <a:ln w="1905"/>
+              <a:gradFill>
+                <a:gsLst>
+                  <a:gs pos="0">
+                    <a:schemeClr val="accent6">
+                      <a:shade val="20000"/>
+                      <a:satMod val="200000"/>
+                    </a:schemeClr>
+                  </a:gs>
+                  <a:gs pos="78000">
+                    <a:schemeClr val="accent6">
+                      <a:tint val="90000"/>
+                      <a:shade val="89000"/>
+                      <a:satMod val="220000"/>
+                    </a:schemeClr>
+                  </a:gs>
+                  <a:gs pos="100000">
+                    <a:schemeClr val="accent6">
+                      <a:tint val="12000"/>
+                      <a:satMod val="255000"/>
+                    </a:schemeClr>
+                  </a:gs>
+                </a:gsLst>
+                <a:lin ang="5400000"/>
+              </a:gradFill>
+              <a:effectLst>
+                <a:innerShdw blurRad="69850" dist="43180" dir="5400000">
+                  <a:srgbClr val="000000">
+                    <a:alpha val="65000"/>
+                  </a:srgbClr>
+                </a:innerShdw>
+              </a:effectLst>
+            </a:endParaRPr>
+          </a:p>
+        </p:txBody>
+      </p:sp>
+      <p:sp>
+        <p:nvSpPr>
+          <p:cNvPr id="13" name="TextBox 12"/>
+          <p:cNvSpPr txBox="1"/>
+          <p:nvPr/>
+        </p:nvSpPr>
+        <p:spPr>
+          <a:xfrm>
+            <a:off x="1987828" y="39870"/>
+            <a:ext cx="5182194" cy="646331"/>
+          </a:xfrm>
+          <a:prstGeom prst="rect">
+            <a:avLst/>
+          </a:prstGeom>
+          <a:noFill/>
+        </p:spPr>
+        <p:txBody>
+          <a:bodyPr wrap="square" rtlCol="0">
+            <a:spAutoFit/>
+          </a:bodyPr>
+          <a:lstStyle/>
+          <a:p>
+            <a:r>
+              <a:rPr lang="en-US" sz="3600" b="1" dirty="0">
+                <a:ln w="1905"/>
+                <a:gradFill>
+                  <a:gsLst>
+                    <a:gs pos="0">
+                      <a:schemeClr val="accent6">
+                        <a:shade val="20000"/>
+                        <a:satMod val="200000"/>
+                      </a:schemeClr>
+                    </a:gs>
+                    <a:gs pos="78000">
+                      <a:schemeClr val="accent6">
+                        <a:tint val="90000"/>
+                        <a:shade val="89000"/>
+                        <a:satMod val="220000"/>
+                      </a:schemeClr>
+                    </a:gs>
+                    <a:gs pos="100000">
+                      <a:schemeClr val="accent6">
+                        <a:tint val="12000"/>
+                        <a:satMod val="255000"/>
+                      </a:schemeClr>
+                    </a:gs>
+                  </a:gsLst>
+                  <a:lin ang="5400000"/>
+                </a:gradFill>
+                <a:effectLst>
+                  <a:innerShdw blurRad="69850" dist="43180" dir="5400000">
+                    <a:srgbClr val="000000">
+                      <a:alpha val="65000"/>
+                    </a:srgbClr>
+                  </a:innerShdw>
+                </a:effectLst>
+              </a:rPr>
+              <a:t>Access Array Elements</a:t>
+            </a:r>
+          </a:p>
+        </p:txBody>
+      </p:sp>
+      <p:sp>
+        <p:nvSpPr>
+          <p:cNvPr id="9" name="Rectangle 8">
+            <a:extLst>
+              <a:ext uri="{FF2B5EF4-FFF2-40B4-BE49-F238E27FC236}">
+                <a16:creationId xmlns:a16="http://schemas.microsoft.com/office/drawing/2014/main" id="{AE259FB9-1872-47CB-A97E-46EC9F196E07}"/>
+              </a:ext>
+            </a:extLst>
+          </p:cNvPr>
+          <p:cNvSpPr/>
+          <p:nvPr/>
+        </p:nvSpPr>
+        <p:spPr>
+          <a:xfrm>
+            <a:off x="4219179" y="6572271"/>
+            <a:ext cx="705642" cy="246221"/>
+          </a:xfrm>
+          <a:prstGeom prst="rect">
+            <a:avLst/>
+          </a:prstGeom>
+          <a:noFill/>
+        </p:spPr>
+        <p:txBody>
+          <a:bodyPr wrap="none" lIns="91440" tIns="45720" rIns="91440" bIns="45720">
+            <a:spAutoFit/>
+          </a:bodyPr>
+          <a:lstStyle/>
+          <a:p>
+            <a:pPr algn="ctr" rtl="1"/>
+            <a:r>
+              <a:rPr lang="fa-IR" sz="1000" b="1" dirty="0">
+                <a:ln w="1905"/>
+                <a:gradFill>
+                  <a:gsLst>
+                    <a:gs pos="0">
+                      <a:schemeClr val="accent6">
+                        <a:shade val="20000"/>
+                        <a:satMod val="200000"/>
+                      </a:schemeClr>
+                    </a:gs>
+                    <a:gs pos="78000">
+                      <a:schemeClr val="accent6">
+                        <a:tint val="90000"/>
+                        <a:shade val="89000"/>
+                        <a:satMod val="220000"/>
+                      </a:schemeClr>
+                    </a:gs>
+                    <a:gs pos="100000">
+                      <a:schemeClr val="accent6">
+                        <a:tint val="12000"/>
+                        <a:satMod val="255000"/>
+                      </a:schemeClr>
+                    </a:gs>
+                  </a:gsLst>
+                  <a:lin ang="5400000"/>
+                </a:gradFill>
+                <a:effectLst>
+                  <a:innerShdw blurRad="69850" dist="43180" dir="5400000">
+                    <a:srgbClr val="000000">
+                      <a:alpha val="65000"/>
+                    </a:srgbClr>
+                  </a:innerShdw>
+                </a:effectLst>
+              </a:rPr>
+              <a:t>تابستان 1401</a:t>
+            </a:r>
+            <a:endParaRPr lang="en-US" sz="1000" b="1" dirty="0">
+              <a:ln w="1905"/>
+              <a:gradFill>
+                <a:gsLst>
+                  <a:gs pos="0">
+                    <a:schemeClr val="accent6">
+                      <a:shade val="20000"/>
+                      <a:satMod val="200000"/>
+                    </a:schemeClr>
+                  </a:gs>
+                  <a:gs pos="78000">
+                    <a:schemeClr val="accent6">
+                      <a:tint val="90000"/>
+                      <a:shade val="89000"/>
+                      <a:satMod val="220000"/>
+                    </a:schemeClr>
+                  </a:gs>
+                  <a:gs pos="100000">
+                    <a:schemeClr val="accent6">
+                      <a:tint val="12000"/>
+                      <a:satMod val="255000"/>
+                    </a:schemeClr>
+                  </a:gs>
+                </a:gsLst>
+                <a:lin ang="5400000"/>
+              </a:gradFill>
+              <a:effectLst>
+                <a:innerShdw blurRad="69850" dist="43180" dir="5400000">
+                  <a:srgbClr val="000000">
+                    <a:alpha val="65000"/>
+                  </a:srgbClr>
+                </a:innerShdw>
+              </a:effectLst>
+            </a:endParaRPr>
+          </a:p>
+        </p:txBody>
+      </p:sp>
+      <p:sp>
+        <p:nvSpPr>
+          <p:cNvPr id="10" name="Rectangle 9">
+            <a:extLst>
+              <a:ext uri="{FF2B5EF4-FFF2-40B4-BE49-F238E27FC236}">
+                <a16:creationId xmlns:a16="http://schemas.microsoft.com/office/drawing/2014/main" id="{46913DD9-CDA3-43FD-AD19-429E0308D71B}"/>
+              </a:ext>
+            </a:extLst>
+          </p:cNvPr>
+          <p:cNvSpPr/>
+          <p:nvPr/>
+        </p:nvSpPr>
+        <p:spPr>
+          <a:xfrm>
+            <a:off x="1795886" y="6572272"/>
+            <a:ext cx="615874" cy="246221"/>
+          </a:xfrm>
+          <a:prstGeom prst="rect">
+            <a:avLst/>
+          </a:prstGeom>
+          <a:noFill/>
+        </p:spPr>
+        <p:txBody>
+          <a:bodyPr wrap="none" lIns="91440" tIns="45720" rIns="91440" bIns="45720">
+            <a:spAutoFit/>
+          </a:bodyPr>
+          <a:lstStyle/>
+          <a:p>
+            <a:pPr algn="ctr" rtl="1"/>
+            <a:r>
+              <a:rPr lang="en-US" sz="1000" b="1" dirty="0">
+                <a:ln w="1905"/>
+                <a:gradFill>
+                  <a:gsLst>
+                    <a:gs pos="0">
+                      <a:schemeClr val="accent6">
+                        <a:shade val="20000"/>
+                        <a:satMod val="200000"/>
+                      </a:schemeClr>
+                    </a:gs>
+                    <a:gs pos="78000">
+                      <a:schemeClr val="accent6">
+                        <a:tint val="90000"/>
+                        <a:shade val="89000"/>
+                        <a:satMod val="220000"/>
+                      </a:schemeClr>
+                    </a:gs>
+                    <a:gs pos="100000">
+                      <a:schemeClr val="accent6">
+                        <a:tint val="12000"/>
+                        <a:satMod val="255000"/>
+                      </a:schemeClr>
+                    </a:gs>
+                  </a:gsLst>
+                  <a:lin ang="5400000"/>
+                </a:gradFill>
+                <a:effectLst>
+                  <a:innerShdw blurRad="69850" dist="43180" dir="5400000">
+                    <a:srgbClr val="000000">
+                      <a:alpha val="65000"/>
+                    </a:srgbClr>
+                  </a:innerShdw>
+                </a:effectLst>
+              </a:rPr>
+              <a:t>Page: </a:t>
+            </a:r>
+            <a:fld id="{14AD6811-EE99-4BEB-8435-24D1DDA55D92}" type="slidenum">
+              <a:rPr lang="en-US" sz="1000" b="1" smtClean="0">
+                <a:ln w="1905"/>
+                <a:gradFill>
+                  <a:gsLst>
+                    <a:gs pos="0">
+                      <a:schemeClr val="accent6">
+                        <a:shade val="20000"/>
+                        <a:satMod val="200000"/>
+                      </a:schemeClr>
+                    </a:gs>
+                    <a:gs pos="78000">
+                      <a:schemeClr val="accent6">
+                        <a:tint val="90000"/>
+                        <a:shade val="89000"/>
+                        <a:satMod val="220000"/>
+                      </a:schemeClr>
+                    </a:gs>
+                    <a:gs pos="100000">
+                      <a:schemeClr val="accent6">
+                        <a:tint val="12000"/>
+                        <a:satMod val="255000"/>
+                      </a:schemeClr>
+                    </a:gs>
+                  </a:gsLst>
+                  <a:lin ang="5400000"/>
+                </a:gradFill>
+                <a:effectLst>
+                  <a:innerShdw blurRad="69850" dist="43180" dir="5400000">
+                    <a:srgbClr val="000000">
+                      <a:alpha val="65000"/>
+                    </a:srgbClr>
+                  </a:innerShdw>
+                </a:effectLst>
+              </a:rPr>
+              <a:t>20</a:t>
+            </a:fld>
+            <a:endParaRPr lang="en-US" sz="1000" b="1" dirty="0">
+              <a:ln w="1905"/>
+              <a:gradFill>
+                <a:gsLst>
+                  <a:gs pos="0">
+                    <a:schemeClr val="accent6">
+                      <a:shade val="20000"/>
+                      <a:satMod val="200000"/>
+                    </a:schemeClr>
+                  </a:gs>
+                  <a:gs pos="78000">
+                    <a:schemeClr val="accent6">
+                      <a:tint val="90000"/>
+                      <a:shade val="89000"/>
+                      <a:satMod val="220000"/>
+                    </a:schemeClr>
+                  </a:gs>
+                  <a:gs pos="100000">
+                    <a:schemeClr val="accent6">
+                      <a:tint val="12000"/>
+                      <a:satMod val="255000"/>
+                    </a:schemeClr>
+                  </a:gs>
+                </a:gsLst>
+                <a:lin ang="5400000"/>
+              </a:gradFill>
+              <a:effectLst>
+                <a:innerShdw blurRad="69850" dist="43180" dir="5400000">
+                  <a:srgbClr val="000000">
+                    <a:alpha val="65000"/>
+                  </a:srgbClr>
+                </a:innerShdw>
+              </a:effectLst>
+            </a:endParaRPr>
+          </a:p>
+        </p:txBody>
+      </p:sp>
+      <p:pic>
+        <p:nvPicPr>
+          <p:cNvPr id="4" name="Picture 3">
+            <a:extLst>
+              <a:ext uri="{FF2B5EF4-FFF2-40B4-BE49-F238E27FC236}">
+                <a16:creationId xmlns:a16="http://schemas.microsoft.com/office/drawing/2014/main" id="{F3625243-9805-4010-9491-688C02CA4108}"/>
+              </a:ext>
+            </a:extLst>
+          </p:cNvPr>
+          <p:cNvPicPr>
+            <a:picLocks noChangeAspect="1"/>
+          </p:cNvPicPr>
+          <p:nvPr/>
+        </p:nvPicPr>
+        <p:blipFill>
+          <a:blip r:embed="rId2" cstate="print">
+            <a:extLst>
+              <a:ext uri="{28A0092B-C50C-407E-A947-70E740481C1C}">
+                <a14:useLocalDpi xmlns:a14="http://schemas.microsoft.com/office/drawing/2010/main" val="0"/>
+              </a:ext>
+            </a:extLst>
+          </a:blip>
+          <a:stretch>
+            <a:fillRect/>
+          </a:stretch>
+        </p:blipFill>
+        <p:spPr>
+          <a:xfrm>
+            <a:off x="8343133" y="6104393"/>
+            <a:ext cx="765371" cy="780991"/>
+          </a:xfrm>
+          <a:prstGeom prst="rect">
+            <a:avLst/>
+          </a:prstGeom>
+        </p:spPr>
+      </p:pic>
+      <p:pic>
+        <p:nvPicPr>
+          <p:cNvPr id="17" name="Picture 16">
+            <a:extLst>
+              <a:ext uri="{FF2B5EF4-FFF2-40B4-BE49-F238E27FC236}">
+                <a16:creationId xmlns:a16="http://schemas.microsoft.com/office/drawing/2014/main" id="{671CD04D-E9F8-4950-836D-431AD3EA459A}"/>
+              </a:ext>
+            </a:extLst>
+          </p:cNvPr>
+          <p:cNvPicPr>
+            <a:picLocks noChangeAspect="1"/>
+          </p:cNvPicPr>
+          <p:nvPr/>
+        </p:nvPicPr>
+        <p:blipFill>
+          <a:blip r:embed="rId3" cstate="print">
+            <a:extLst>
+              <a:ext uri="{28A0092B-C50C-407E-A947-70E740481C1C}">
+                <a14:useLocalDpi xmlns:a14="http://schemas.microsoft.com/office/drawing/2010/main" val="0"/>
+              </a:ext>
+            </a:extLst>
+          </a:blip>
+          <a:srcRect/>
+          <a:stretch/>
+        </p:blipFill>
+        <p:spPr>
+          <a:xfrm>
+            <a:off x="49346" y="6165304"/>
+            <a:ext cx="1548718" cy="522459"/>
+          </a:xfrm>
+          <a:prstGeom prst="rect">
+            <a:avLst/>
+          </a:prstGeom>
+        </p:spPr>
+      </p:pic>
+      <p:pic>
+        <p:nvPicPr>
+          <p:cNvPr id="3" name="Picture 2">
+            <a:extLst>
+              <a:ext uri="{FF2B5EF4-FFF2-40B4-BE49-F238E27FC236}">
+                <a16:creationId xmlns:a16="http://schemas.microsoft.com/office/drawing/2014/main" id="{AA450646-7D03-A053-D7DE-4103CB778A5A}"/>
+              </a:ext>
+            </a:extLst>
+          </p:cNvPr>
+          <p:cNvPicPr>
+            <a:picLocks noChangeAspect="1"/>
+          </p:cNvPicPr>
+          <p:nvPr/>
+        </p:nvPicPr>
+        <p:blipFill rotWithShape="1">
+          <a:blip r:embed="rId4"/>
+          <a:srcRect l="11413" t="30390" r="12987" b="5179"/>
+          <a:stretch/>
+        </p:blipFill>
+        <p:spPr>
+          <a:xfrm>
+            <a:off x="49346" y="764703"/>
+            <a:ext cx="9059158" cy="5040560"/>
+          </a:xfrm>
+          <a:prstGeom prst="rect">
+            <a:avLst/>
+          </a:prstGeom>
+        </p:spPr>
+      </p:pic>
+    </p:spTree>
+    <p:extLst>
+      <p:ext uri="{BB962C8B-B14F-4D97-AF65-F5344CB8AC3E}">
+        <p14:creationId xmlns:p14="http://schemas.microsoft.com/office/powerpoint/2010/main" val="2190773206"/>
+      </p:ext>
+    </p:extLst>
+  </p:cSld>
+  <p:clrMapOvr>
+    <a:masterClrMapping/>
+  </p:clrMapOvr>
+</p:sld>
+</file>
+
+<file path=ppt/slides/slide21.xml><?xml version="1.0" encoding="utf-8"?>
+<p:sld xmlns:a="http://schemas.openxmlformats.org/drawingml/2006/main" xmlns:r="http://schemas.openxmlformats.org/officeDocument/2006/relationships" xmlns:p="http://schemas.openxmlformats.org/presentationml/2006/main">
+  <p:cSld>
+    <p:bg>
+      <p:bgPr>
+        <a:solidFill>
+          <a:schemeClr val="bg1"/>
+        </a:solidFill>
+        <a:effectLst/>
+      </p:bgPr>
+    </p:bg>
+    <p:spTree>
+      <p:nvGrpSpPr>
+        <p:cNvPr id="1" name=""/>
+        <p:cNvGrpSpPr/>
+        <p:nvPr/>
+      </p:nvGrpSpPr>
+      <p:grpSpPr>
+        <a:xfrm>
+          <a:off x="0" y="0"/>
+          <a:ext cx="0" cy="0"/>
+          <a:chOff x="0" y="0"/>
+          <a:chExt cx="0" cy="0"/>
+        </a:xfrm>
+      </p:grpSpPr>
+      <p:cxnSp>
+        <p:nvCxnSpPr>
+          <p:cNvPr id="8" name="Straight Connector 7"/>
+          <p:cNvCxnSpPr>
+            <a:cxnSpLocks/>
+          </p:cNvCxnSpPr>
+          <p:nvPr/>
+        </p:nvCxnSpPr>
+        <p:spPr>
+          <a:xfrm>
+            <a:off x="1763688" y="6499457"/>
+            <a:ext cx="6480720" cy="0"/>
+          </a:xfrm>
+          <a:prstGeom prst="line">
+            <a:avLst/>
+          </a:prstGeom>
+        </p:spPr>
+        <p:style>
+          <a:lnRef idx="2">
+            <a:schemeClr val="dk1"/>
+          </a:lnRef>
+          <a:fillRef idx="0">
+            <a:schemeClr val="dk1"/>
+          </a:fillRef>
+          <a:effectRef idx="1">
+            <a:schemeClr val="dk1"/>
+          </a:effectRef>
+          <a:fontRef idx="minor">
+            <a:schemeClr val="tx1"/>
+          </a:fontRef>
+        </p:style>
+      </p:cxnSp>
+      <p:sp>
+        <p:nvSpPr>
+          <p:cNvPr id="11" name="Rectangle 10"/>
+          <p:cNvSpPr/>
+          <p:nvPr/>
+        </p:nvSpPr>
+        <p:spPr>
+          <a:xfrm>
+            <a:off x="6804248" y="6572272"/>
+            <a:ext cx="1345240" cy="246221"/>
+          </a:xfrm>
+          <a:prstGeom prst="rect">
+            <a:avLst/>
+          </a:prstGeom>
+          <a:noFill/>
+        </p:spPr>
+        <p:txBody>
+          <a:bodyPr wrap="none" lIns="91440" tIns="45720" rIns="91440" bIns="45720">
+            <a:spAutoFit/>
+          </a:bodyPr>
+          <a:lstStyle/>
+          <a:p>
+            <a:pPr algn="ctr" rtl="1"/>
+            <a:r>
+              <a:rPr lang="fa-IR" sz="1000" b="1" dirty="0">
+                <a:ln w="1905"/>
+                <a:gradFill>
+                  <a:gsLst>
+                    <a:gs pos="0">
+                      <a:schemeClr val="accent6">
+                        <a:shade val="20000"/>
+                        <a:satMod val="200000"/>
+                      </a:schemeClr>
+                    </a:gs>
+                    <a:gs pos="78000">
+                      <a:schemeClr val="accent6">
+                        <a:tint val="90000"/>
+                        <a:shade val="89000"/>
+                        <a:satMod val="220000"/>
+                      </a:schemeClr>
+                    </a:gs>
+                    <a:gs pos="100000">
+                      <a:schemeClr val="accent6">
+                        <a:tint val="12000"/>
+                        <a:satMod val="255000"/>
+                      </a:schemeClr>
+                    </a:gs>
+                  </a:gsLst>
+                  <a:lin ang="5400000"/>
+                </a:gradFill>
+                <a:effectLst>
+                  <a:innerShdw blurRad="69850" dist="43180" dir="5400000">
+                    <a:srgbClr val="000000">
+                      <a:alpha val="65000"/>
+                    </a:srgbClr>
+                  </a:innerShdw>
+                </a:effectLst>
+              </a:rPr>
+              <a:t>تهیه و تنظیم : سید حیدر علوی</a:t>
+            </a:r>
+            <a:endParaRPr lang="en-US" sz="1000" b="1" dirty="0">
+              <a:ln w="1905"/>
+              <a:gradFill>
+                <a:gsLst>
+                  <a:gs pos="0">
+                    <a:schemeClr val="accent6">
+                      <a:shade val="20000"/>
+                      <a:satMod val="200000"/>
+                    </a:schemeClr>
+                  </a:gs>
+                  <a:gs pos="78000">
+                    <a:schemeClr val="accent6">
+                      <a:tint val="90000"/>
+                      <a:shade val="89000"/>
+                      <a:satMod val="220000"/>
+                    </a:schemeClr>
+                  </a:gs>
+                  <a:gs pos="100000">
+                    <a:schemeClr val="accent6">
+                      <a:tint val="12000"/>
+                      <a:satMod val="255000"/>
+                    </a:schemeClr>
+                  </a:gs>
+                </a:gsLst>
+                <a:lin ang="5400000"/>
+              </a:gradFill>
+              <a:effectLst>
+                <a:innerShdw blurRad="69850" dist="43180" dir="5400000">
+                  <a:srgbClr val="000000">
+                    <a:alpha val="65000"/>
+                  </a:srgbClr>
+                </a:innerShdw>
+              </a:effectLst>
+            </a:endParaRPr>
+          </a:p>
+        </p:txBody>
+      </p:sp>
+      <p:sp>
+        <p:nvSpPr>
+          <p:cNvPr id="13" name="TextBox 12"/>
+          <p:cNvSpPr txBox="1"/>
+          <p:nvPr/>
+        </p:nvSpPr>
+        <p:spPr>
+          <a:xfrm>
+            <a:off x="2271802" y="39507"/>
+            <a:ext cx="4600396" cy="646331"/>
+          </a:xfrm>
+          <a:prstGeom prst="rect">
+            <a:avLst/>
+          </a:prstGeom>
+          <a:noFill/>
+        </p:spPr>
+        <p:txBody>
+          <a:bodyPr wrap="square" rtlCol="0">
+            <a:spAutoFit/>
+          </a:bodyPr>
+          <a:lstStyle/>
+          <a:p>
+            <a:r>
+              <a:rPr lang="en-US" sz="3600" b="1" dirty="0">
+                <a:ln w="1905"/>
+                <a:gradFill>
+                  <a:gsLst>
+                    <a:gs pos="0">
+                      <a:schemeClr val="accent6">
+                        <a:shade val="20000"/>
+                        <a:satMod val="200000"/>
+                      </a:schemeClr>
+                    </a:gs>
+                    <a:gs pos="78000">
+                      <a:schemeClr val="accent6">
+                        <a:tint val="90000"/>
+                        <a:shade val="89000"/>
+                        <a:satMod val="220000"/>
+                      </a:schemeClr>
+                    </a:gs>
+                    <a:gs pos="100000">
+                      <a:schemeClr val="accent6">
+                        <a:tint val="12000"/>
+                        <a:satMod val="255000"/>
+                      </a:schemeClr>
+                    </a:gs>
+                  </a:gsLst>
+                  <a:lin ang="5400000"/>
+                </a:gradFill>
+                <a:effectLst>
+                  <a:innerShdw blurRad="69850" dist="43180" dir="5400000">
+                    <a:srgbClr val="000000">
+                      <a:alpha val="65000"/>
+                    </a:srgbClr>
+                  </a:innerShdw>
+                </a:effectLst>
+              </a:rPr>
+              <a:t>NumPy Array Shape</a:t>
+            </a:r>
+          </a:p>
+        </p:txBody>
+      </p:sp>
+      <p:sp>
+        <p:nvSpPr>
+          <p:cNvPr id="9" name="Rectangle 8">
+            <a:extLst>
+              <a:ext uri="{FF2B5EF4-FFF2-40B4-BE49-F238E27FC236}">
+                <a16:creationId xmlns:a16="http://schemas.microsoft.com/office/drawing/2014/main" id="{AE259FB9-1872-47CB-A97E-46EC9F196E07}"/>
+              </a:ext>
+            </a:extLst>
+          </p:cNvPr>
+          <p:cNvSpPr/>
+          <p:nvPr/>
+        </p:nvSpPr>
+        <p:spPr>
+          <a:xfrm>
+            <a:off x="4219179" y="6572271"/>
+            <a:ext cx="705642" cy="246221"/>
+          </a:xfrm>
+          <a:prstGeom prst="rect">
+            <a:avLst/>
+          </a:prstGeom>
+          <a:noFill/>
+        </p:spPr>
+        <p:txBody>
+          <a:bodyPr wrap="none" lIns="91440" tIns="45720" rIns="91440" bIns="45720">
+            <a:spAutoFit/>
+          </a:bodyPr>
+          <a:lstStyle/>
+          <a:p>
+            <a:pPr algn="ctr" rtl="1"/>
+            <a:r>
+              <a:rPr lang="fa-IR" sz="1000" b="1" dirty="0">
+                <a:ln w="1905"/>
+                <a:gradFill>
+                  <a:gsLst>
+                    <a:gs pos="0">
+                      <a:schemeClr val="accent6">
+                        <a:shade val="20000"/>
+                        <a:satMod val="200000"/>
+                      </a:schemeClr>
+                    </a:gs>
+                    <a:gs pos="78000">
+                      <a:schemeClr val="accent6">
+                        <a:tint val="90000"/>
+                        <a:shade val="89000"/>
+                        <a:satMod val="220000"/>
+                      </a:schemeClr>
+                    </a:gs>
+                    <a:gs pos="100000">
+                      <a:schemeClr val="accent6">
+                        <a:tint val="12000"/>
+                        <a:satMod val="255000"/>
+                      </a:schemeClr>
+                    </a:gs>
+                  </a:gsLst>
+                  <a:lin ang="5400000"/>
+                </a:gradFill>
+                <a:effectLst>
+                  <a:innerShdw blurRad="69850" dist="43180" dir="5400000">
+                    <a:srgbClr val="000000">
+                      <a:alpha val="65000"/>
+                    </a:srgbClr>
+                  </a:innerShdw>
+                </a:effectLst>
+              </a:rPr>
+              <a:t>تابستان 1401</a:t>
+            </a:r>
+            <a:endParaRPr lang="en-US" sz="1000" b="1" dirty="0">
+              <a:ln w="1905"/>
+              <a:gradFill>
+                <a:gsLst>
+                  <a:gs pos="0">
+                    <a:schemeClr val="accent6">
+                      <a:shade val="20000"/>
+                      <a:satMod val="200000"/>
+                    </a:schemeClr>
+                  </a:gs>
+                  <a:gs pos="78000">
+                    <a:schemeClr val="accent6">
+                      <a:tint val="90000"/>
+                      <a:shade val="89000"/>
+                      <a:satMod val="220000"/>
+                    </a:schemeClr>
+                  </a:gs>
+                  <a:gs pos="100000">
+                    <a:schemeClr val="accent6">
+                      <a:tint val="12000"/>
+                      <a:satMod val="255000"/>
+                    </a:schemeClr>
+                  </a:gs>
+                </a:gsLst>
+                <a:lin ang="5400000"/>
+              </a:gradFill>
+              <a:effectLst>
+                <a:innerShdw blurRad="69850" dist="43180" dir="5400000">
+                  <a:srgbClr val="000000">
+                    <a:alpha val="65000"/>
+                  </a:srgbClr>
+                </a:innerShdw>
+              </a:effectLst>
+            </a:endParaRPr>
+          </a:p>
+        </p:txBody>
+      </p:sp>
+      <p:sp>
+        <p:nvSpPr>
+          <p:cNvPr id="10" name="Rectangle 9">
+            <a:extLst>
+              <a:ext uri="{FF2B5EF4-FFF2-40B4-BE49-F238E27FC236}">
+                <a16:creationId xmlns:a16="http://schemas.microsoft.com/office/drawing/2014/main" id="{46913DD9-CDA3-43FD-AD19-429E0308D71B}"/>
+              </a:ext>
+            </a:extLst>
+          </p:cNvPr>
+          <p:cNvSpPr/>
+          <p:nvPr/>
+        </p:nvSpPr>
+        <p:spPr>
+          <a:xfrm>
+            <a:off x="1795886" y="6572272"/>
+            <a:ext cx="615874" cy="246221"/>
+          </a:xfrm>
+          <a:prstGeom prst="rect">
+            <a:avLst/>
+          </a:prstGeom>
+          <a:noFill/>
+        </p:spPr>
+        <p:txBody>
+          <a:bodyPr wrap="none" lIns="91440" tIns="45720" rIns="91440" bIns="45720">
+            <a:spAutoFit/>
+          </a:bodyPr>
+          <a:lstStyle/>
+          <a:p>
+            <a:pPr algn="ctr" rtl="1"/>
+            <a:r>
+              <a:rPr lang="en-US" sz="1000" b="1" dirty="0">
+                <a:ln w="1905"/>
+                <a:gradFill>
+                  <a:gsLst>
+                    <a:gs pos="0">
+                      <a:schemeClr val="accent6">
+                        <a:shade val="20000"/>
+                        <a:satMod val="200000"/>
+                      </a:schemeClr>
+                    </a:gs>
+                    <a:gs pos="78000">
+                      <a:schemeClr val="accent6">
+                        <a:tint val="90000"/>
+                        <a:shade val="89000"/>
+                        <a:satMod val="220000"/>
+                      </a:schemeClr>
+                    </a:gs>
+                    <a:gs pos="100000">
+                      <a:schemeClr val="accent6">
+                        <a:tint val="12000"/>
+                        <a:satMod val="255000"/>
+                      </a:schemeClr>
+                    </a:gs>
+                  </a:gsLst>
+                  <a:lin ang="5400000"/>
+                </a:gradFill>
+                <a:effectLst>
+                  <a:innerShdw blurRad="69850" dist="43180" dir="5400000">
+                    <a:srgbClr val="000000">
+                      <a:alpha val="65000"/>
+                    </a:srgbClr>
+                  </a:innerShdw>
+                </a:effectLst>
+              </a:rPr>
+              <a:t>Page: </a:t>
+            </a:r>
+            <a:fld id="{14AD6811-EE99-4BEB-8435-24D1DDA55D92}" type="slidenum">
+              <a:rPr lang="en-US" sz="1000" b="1" smtClean="0">
+                <a:ln w="1905"/>
+                <a:gradFill>
+                  <a:gsLst>
+                    <a:gs pos="0">
+                      <a:schemeClr val="accent6">
+                        <a:shade val="20000"/>
+                        <a:satMod val="200000"/>
+                      </a:schemeClr>
+                    </a:gs>
+                    <a:gs pos="78000">
+                      <a:schemeClr val="accent6">
+                        <a:tint val="90000"/>
+                        <a:shade val="89000"/>
+                        <a:satMod val="220000"/>
+                      </a:schemeClr>
+                    </a:gs>
+                    <a:gs pos="100000">
+                      <a:schemeClr val="accent6">
+                        <a:tint val="12000"/>
+                        <a:satMod val="255000"/>
+                      </a:schemeClr>
+                    </a:gs>
+                  </a:gsLst>
+                  <a:lin ang="5400000"/>
+                </a:gradFill>
+                <a:effectLst>
+                  <a:innerShdw blurRad="69850" dist="43180" dir="5400000">
+                    <a:srgbClr val="000000">
+                      <a:alpha val="65000"/>
+                    </a:srgbClr>
+                  </a:innerShdw>
+                </a:effectLst>
+              </a:rPr>
+              <a:t>21</a:t>
+            </a:fld>
+            <a:endParaRPr lang="en-US" sz="1000" b="1" dirty="0">
+              <a:ln w="1905"/>
+              <a:gradFill>
+                <a:gsLst>
+                  <a:gs pos="0">
+                    <a:schemeClr val="accent6">
+                      <a:shade val="20000"/>
+                      <a:satMod val="200000"/>
+                    </a:schemeClr>
+                  </a:gs>
+                  <a:gs pos="78000">
+                    <a:schemeClr val="accent6">
+                      <a:tint val="90000"/>
+                      <a:shade val="89000"/>
+                      <a:satMod val="220000"/>
+                    </a:schemeClr>
+                  </a:gs>
+                  <a:gs pos="100000">
+                    <a:schemeClr val="accent6">
+                      <a:tint val="12000"/>
+                      <a:satMod val="255000"/>
+                    </a:schemeClr>
+                  </a:gs>
+                </a:gsLst>
+                <a:lin ang="5400000"/>
+              </a:gradFill>
+              <a:effectLst>
+                <a:innerShdw blurRad="69850" dist="43180" dir="5400000">
+                  <a:srgbClr val="000000">
+                    <a:alpha val="65000"/>
+                  </a:srgbClr>
+                </a:innerShdw>
+              </a:effectLst>
+            </a:endParaRPr>
+          </a:p>
+        </p:txBody>
+      </p:sp>
+      <p:pic>
+        <p:nvPicPr>
+          <p:cNvPr id="4" name="Picture 3">
+            <a:extLst>
+              <a:ext uri="{FF2B5EF4-FFF2-40B4-BE49-F238E27FC236}">
+                <a16:creationId xmlns:a16="http://schemas.microsoft.com/office/drawing/2014/main" id="{F3625243-9805-4010-9491-688C02CA4108}"/>
+              </a:ext>
+            </a:extLst>
+          </p:cNvPr>
+          <p:cNvPicPr>
+            <a:picLocks noChangeAspect="1"/>
+          </p:cNvPicPr>
+          <p:nvPr/>
+        </p:nvPicPr>
+        <p:blipFill>
+          <a:blip r:embed="rId2" cstate="print">
+            <a:extLst>
+              <a:ext uri="{28A0092B-C50C-407E-A947-70E740481C1C}">
+                <a14:useLocalDpi xmlns:a14="http://schemas.microsoft.com/office/drawing/2010/main" val="0"/>
+              </a:ext>
+            </a:extLst>
+          </a:blip>
+          <a:stretch>
+            <a:fillRect/>
+          </a:stretch>
+        </p:blipFill>
+        <p:spPr>
+          <a:xfrm>
+            <a:off x="8343133" y="6104393"/>
+            <a:ext cx="765371" cy="780991"/>
+          </a:xfrm>
+          <a:prstGeom prst="rect">
+            <a:avLst/>
+          </a:prstGeom>
+        </p:spPr>
+      </p:pic>
+      <p:pic>
+        <p:nvPicPr>
+          <p:cNvPr id="17" name="Picture 16">
+            <a:extLst>
+              <a:ext uri="{FF2B5EF4-FFF2-40B4-BE49-F238E27FC236}">
+                <a16:creationId xmlns:a16="http://schemas.microsoft.com/office/drawing/2014/main" id="{671CD04D-E9F8-4950-836D-431AD3EA459A}"/>
+              </a:ext>
+            </a:extLst>
+          </p:cNvPr>
+          <p:cNvPicPr>
+            <a:picLocks noChangeAspect="1"/>
+          </p:cNvPicPr>
+          <p:nvPr/>
+        </p:nvPicPr>
+        <p:blipFill>
+          <a:blip r:embed="rId3" cstate="print">
+            <a:extLst>
+              <a:ext uri="{28A0092B-C50C-407E-A947-70E740481C1C}">
+                <a14:useLocalDpi xmlns:a14="http://schemas.microsoft.com/office/drawing/2010/main" val="0"/>
+              </a:ext>
+            </a:extLst>
+          </a:blip>
+          <a:srcRect/>
+          <a:stretch/>
+        </p:blipFill>
+        <p:spPr>
+          <a:xfrm>
+            <a:off x="49346" y="6165304"/>
+            <a:ext cx="1548718" cy="522459"/>
+          </a:xfrm>
+          <a:prstGeom prst="rect">
+            <a:avLst/>
+          </a:prstGeom>
+        </p:spPr>
+      </p:pic>
+      <p:pic>
+        <p:nvPicPr>
+          <p:cNvPr id="5" name="Picture 4">
+            <a:extLst>
+              <a:ext uri="{FF2B5EF4-FFF2-40B4-BE49-F238E27FC236}">
+                <a16:creationId xmlns:a16="http://schemas.microsoft.com/office/drawing/2014/main" id="{88AF4BB6-696D-5CCE-40C5-A6EDC00348EE}"/>
+              </a:ext>
+            </a:extLst>
+          </p:cNvPr>
+          <p:cNvPicPr>
+            <a:picLocks noChangeAspect="1"/>
+          </p:cNvPicPr>
+          <p:nvPr/>
+        </p:nvPicPr>
+        <p:blipFill rotWithShape="1">
+          <a:blip r:embed="rId4"/>
+          <a:srcRect l="11413" t="28991" r="12200" b="9380"/>
+          <a:stretch/>
+        </p:blipFill>
+        <p:spPr>
+          <a:xfrm>
+            <a:off x="49346" y="758651"/>
+            <a:ext cx="9059158" cy="5046611"/>
+          </a:xfrm>
+          <a:prstGeom prst="rect">
+            <a:avLst/>
+          </a:prstGeom>
+        </p:spPr>
+      </p:pic>
+    </p:spTree>
+    <p:extLst>
+      <p:ext uri="{BB962C8B-B14F-4D97-AF65-F5344CB8AC3E}">
+        <p14:creationId xmlns:p14="http://schemas.microsoft.com/office/powerpoint/2010/main" val="3670570172"/>
+      </p:ext>
+    </p:extLst>
+  </p:cSld>
+  <p:clrMapOvr>
+    <a:masterClrMapping/>
+  </p:clrMapOvr>
+</p:sld>
+</file>
+
+<file path=ppt/slides/slide22.xml><?xml version="1.0" encoding="utf-8"?>
+<p:sld xmlns:a="http://schemas.openxmlformats.org/drawingml/2006/main" xmlns:r="http://schemas.openxmlformats.org/officeDocument/2006/relationships" xmlns:p="http://schemas.openxmlformats.org/presentationml/2006/main">
+  <p:cSld>
+    <p:bg>
+      <p:bgPr>
+        <a:solidFill>
+          <a:schemeClr val="bg1"/>
+        </a:solidFill>
+        <a:effectLst/>
+      </p:bgPr>
+    </p:bg>
+    <p:spTree>
+      <p:nvGrpSpPr>
+        <p:cNvPr id="1" name=""/>
+        <p:cNvGrpSpPr/>
+        <p:nvPr/>
+      </p:nvGrpSpPr>
+      <p:grpSpPr>
+        <a:xfrm>
+          <a:off x="0" y="0"/>
+          <a:ext cx="0" cy="0"/>
+          <a:chOff x="0" y="0"/>
+          <a:chExt cx="0" cy="0"/>
+        </a:xfrm>
+      </p:grpSpPr>
+      <p:cxnSp>
+        <p:nvCxnSpPr>
+          <p:cNvPr id="8" name="Straight Connector 7"/>
+          <p:cNvCxnSpPr>
+            <a:cxnSpLocks/>
+          </p:cNvCxnSpPr>
+          <p:nvPr/>
+        </p:nvCxnSpPr>
+        <p:spPr>
+          <a:xfrm>
+            <a:off x="1763688" y="6499457"/>
+            <a:ext cx="6480720" cy="0"/>
+          </a:xfrm>
+          <a:prstGeom prst="line">
+            <a:avLst/>
+          </a:prstGeom>
+        </p:spPr>
+        <p:style>
+          <a:lnRef idx="2">
+            <a:schemeClr val="dk1"/>
+          </a:lnRef>
+          <a:fillRef idx="0">
+            <a:schemeClr val="dk1"/>
+          </a:fillRef>
+          <a:effectRef idx="1">
+            <a:schemeClr val="dk1"/>
+          </a:effectRef>
+          <a:fontRef idx="minor">
+            <a:schemeClr val="tx1"/>
+          </a:fontRef>
+        </p:style>
+      </p:cxnSp>
+      <p:sp>
+        <p:nvSpPr>
+          <p:cNvPr id="11" name="Rectangle 10"/>
+          <p:cNvSpPr/>
+          <p:nvPr/>
+        </p:nvSpPr>
+        <p:spPr>
+          <a:xfrm>
+            <a:off x="6804248" y="6572272"/>
+            <a:ext cx="1345240" cy="246221"/>
+          </a:xfrm>
+          <a:prstGeom prst="rect">
+            <a:avLst/>
+          </a:prstGeom>
+          <a:noFill/>
+        </p:spPr>
+        <p:txBody>
+          <a:bodyPr wrap="none" lIns="91440" tIns="45720" rIns="91440" bIns="45720">
+            <a:spAutoFit/>
+          </a:bodyPr>
+          <a:lstStyle/>
+          <a:p>
+            <a:pPr algn="ctr" rtl="1"/>
+            <a:r>
+              <a:rPr lang="fa-IR" sz="1000" b="1" dirty="0">
+                <a:ln w="1905"/>
+                <a:gradFill>
+                  <a:gsLst>
+                    <a:gs pos="0">
+                      <a:schemeClr val="accent6">
+                        <a:shade val="20000"/>
+                        <a:satMod val="200000"/>
+                      </a:schemeClr>
+                    </a:gs>
+                    <a:gs pos="78000">
+                      <a:schemeClr val="accent6">
+                        <a:tint val="90000"/>
+                        <a:shade val="89000"/>
+                        <a:satMod val="220000"/>
+                      </a:schemeClr>
+                    </a:gs>
+                    <a:gs pos="100000">
+                      <a:schemeClr val="accent6">
+                        <a:tint val="12000"/>
+                        <a:satMod val="255000"/>
+                      </a:schemeClr>
+                    </a:gs>
+                  </a:gsLst>
+                  <a:lin ang="5400000"/>
+                </a:gradFill>
+                <a:effectLst>
+                  <a:innerShdw blurRad="69850" dist="43180" dir="5400000">
+                    <a:srgbClr val="000000">
+                      <a:alpha val="65000"/>
+                    </a:srgbClr>
+                  </a:innerShdw>
+                </a:effectLst>
+              </a:rPr>
+              <a:t>تهیه و تنظیم : سید حیدر علوی</a:t>
+            </a:r>
+            <a:endParaRPr lang="en-US" sz="1000" b="1" dirty="0">
+              <a:ln w="1905"/>
+              <a:gradFill>
+                <a:gsLst>
+                  <a:gs pos="0">
+                    <a:schemeClr val="accent6">
+                      <a:shade val="20000"/>
+                      <a:satMod val="200000"/>
+                    </a:schemeClr>
+                  </a:gs>
+                  <a:gs pos="78000">
+                    <a:schemeClr val="accent6">
+                      <a:tint val="90000"/>
+                      <a:shade val="89000"/>
+                      <a:satMod val="220000"/>
+                    </a:schemeClr>
+                  </a:gs>
+                  <a:gs pos="100000">
+                    <a:schemeClr val="accent6">
+                      <a:tint val="12000"/>
+                      <a:satMod val="255000"/>
+                    </a:schemeClr>
+                  </a:gs>
+                </a:gsLst>
+                <a:lin ang="5400000"/>
+              </a:gradFill>
+              <a:effectLst>
+                <a:innerShdw blurRad="69850" dist="43180" dir="5400000">
+                  <a:srgbClr val="000000">
+                    <a:alpha val="65000"/>
+                  </a:srgbClr>
+                </a:innerShdw>
+              </a:effectLst>
+            </a:endParaRPr>
+          </a:p>
+        </p:txBody>
+      </p:sp>
+      <p:sp>
+        <p:nvSpPr>
+          <p:cNvPr id="13" name="TextBox 12"/>
+          <p:cNvSpPr txBox="1"/>
+          <p:nvPr/>
+        </p:nvSpPr>
+        <p:spPr>
+          <a:xfrm>
+            <a:off x="2271802" y="39507"/>
+            <a:ext cx="4600396" cy="646331"/>
+          </a:xfrm>
+          <a:prstGeom prst="rect">
+            <a:avLst/>
+          </a:prstGeom>
+          <a:noFill/>
+        </p:spPr>
+        <p:txBody>
+          <a:bodyPr wrap="square" rtlCol="0">
+            <a:spAutoFit/>
+          </a:bodyPr>
+          <a:lstStyle/>
+          <a:p>
+            <a:r>
+              <a:rPr lang="en-US" sz="3600" b="1" dirty="0">
+                <a:ln w="1905"/>
+                <a:gradFill>
+                  <a:gsLst>
+                    <a:gs pos="0">
+                      <a:schemeClr val="accent6">
+                        <a:shade val="20000"/>
+                        <a:satMod val="200000"/>
+                      </a:schemeClr>
+                    </a:gs>
+                    <a:gs pos="78000">
+                      <a:schemeClr val="accent6">
+                        <a:tint val="90000"/>
+                        <a:shade val="89000"/>
+                        <a:satMod val="220000"/>
+                      </a:schemeClr>
+                    </a:gs>
+                    <a:gs pos="100000">
+                      <a:schemeClr val="accent6">
+                        <a:tint val="12000"/>
+                        <a:satMod val="255000"/>
+                      </a:schemeClr>
+                    </a:gs>
+                  </a:gsLst>
+                  <a:lin ang="5400000"/>
+                </a:gradFill>
+                <a:effectLst>
+                  <a:innerShdw blurRad="69850" dist="43180" dir="5400000">
+                    <a:srgbClr val="000000">
+                      <a:alpha val="65000"/>
+                    </a:srgbClr>
+                  </a:innerShdw>
+                </a:effectLst>
+              </a:rPr>
+              <a:t>NumPy Array Shape</a:t>
+            </a:r>
+          </a:p>
+        </p:txBody>
+      </p:sp>
+      <p:sp>
+        <p:nvSpPr>
+          <p:cNvPr id="9" name="Rectangle 8">
+            <a:extLst>
+              <a:ext uri="{FF2B5EF4-FFF2-40B4-BE49-F238E27FC236}">
+                <a16:creationId xmlns:a16="http://schemas.microsoft.com/office/drawing/2014/main" id="{AE259FB9-1872-47CB-A97E-46EC9F196E07}"/>
+              </a:ext>
+            </a:extLst>
+          </p:cNvPr>
+          <p:cNvSpPr/>
+          <p:nvPr/>
+        </p:nvSpPr>
+        <p:spPr>
+          <a:xfrm>
+            <a:off x="4219179" y="6572271"/>
+            <a:ext cx="705642" cy="246221"/>
+          </a:xfrm>
+          <a:prstGeom prst="rect">
+            <a:avLst/>
+          </a:prstGeom>
+          <a:noFill/>
+        </p:spPr>
+        <p:txBody>
+          <a:bodyPr wrap="none" lIns="91440" tIns="45720" rIns="91440" bIns="45720">
+            <a:spAutoFit/>
+          </a:bodyPr>
+          <a:lstStyle/>
+          <a:p>
+            <a:pPr algn="ctr" rtl="1"/>
+            <a:r>
+              <a:rPr lang="fa-IR" sz="1000" b="1" dirty="0">
+                <a:ln w="1905"/>
+                <a:gradFill>
+                  <a:gsLst>
+                    <a:gs pos="0">
+                      <a:schemeClr val="accent6">
+                        <a:shade val="20000"/>
+                        <a:satMod val="200000"/>
+                      </a:schemeClr>
+                    </a:gs>
+                    <a:gs pos="78000">
+                      <a:schemeClr val="accent6">
+                        <a:tint val="90000"/>
+                        <a:shade val="89000"/>
+                        <a:satMod val="220000"/>
+                      </a:schemeClr>
+                    </a:gs>
+                    <a:gs pos="100000">
+                      <a:schemeClr val="accent6">
+                        <a:tint val="12000"/>
+                        <a:satMod val="255000"/>
+                      </a:schemeClr>
+                    </a:gs>
+                  </a:gsLst>
+                  <a:lin ang="5400000"/>
+                </a:gradFill>
+                <a:effectLst>
+                  <a:innerShdw blurRad="69850" dist="43180" dir="5400000">
+                    <a:srgbClr val="000000">
+                      <a:alpha val="65000"/>
+                    </a:srgbClr>
+                  </a:innerShdw>
+                </a:effectLst>
+              </a:rPr>
+              <a:t>تابستان 1401</a:t>
+            </a:r>
+            <a:endParaRPr lang="en-US" sz="1000" b="1" dirty="0">
+              <a:ln w="1905"/>
+              <a:gradFill>
+                <a:gsLst>
+                  <a:gs pos="0">
+                    <a:schemeClr val="accent6">
+                      <a:shade val="20000"/>
+                      <a:satMod val="200000"/>
+                    </a:schemeClr>
+                  </a:gs>
+                  <a:gs pos="78000">
+                    <a:schemeClr val="accent6">
+                      <a:tint val="90000"/>
+                      <a:shade val="89000"/>
+                      <a:satMod val="220000"/>
+                    </a:schemeClr>
+                  </a:gs>
+                  <a:gs pos="100000">
+                    <a:schemeClr val="accent6">
+                      <a:tint val="12000"/>
+                      <a:satMod val="255000"/>
+                    </a:schemeClr>
+                  </a:gs>
+                </a:gsLst>
+                <a:lin ang="5400000"/>
+              </a:gradFill>
+              <a:effectLst>
+                <a:innerShdw blurRad="69850" dist="43180" dir="5400000">
+                  <a:srgbClr val="000000">
+                    <a:alpha val="65000"/>
+                  </a:srgbClr>
+                </a:innerShdw>
+              </a:effectLst>
+            </a:endParaRPr>
+          </a:p>
+        </p:txBody>
+      </p:sp>
+      <p:sp>
+        <p:nvSpPr>
+          <p:cNvPr id="10" name="Rectangle 9">
+            <a:extLst>
+              <a:ext uri="{FF2B5EF4-FFF2-40B4-BE49-F238E27FC236}">
+                <a16:creationId xmlns:a16="http://schemas.microsoft.com/office/drawing/2014/main" id="{46913DD9-CDA3-43FD-AD19-429E0308D71B}"/>
+              </a:ext>
+            </a:extLst>
+          </p:cNvPr>
+          <p:cNvSpPr/>
+          <p:nvPr/>
+        </p:nvSpPr>
+        <p:spPr>
+          <a:xfrm>
+            <a:off x="1795886" y="6572272"/>
+            <a:ext cx="615874" cy="246221"/>
+          </a:xfrm>
+          <a:prstGeom prst="rect">
+            <a:avLst/>
+          </a:prstGeom>
+          <a:noFill/>
+        </p:spPr>
+        <p:txBody>
+          <a:bodyPr wrap="none" lIns="91440" tIns="45720" rIns="91440" bIns="45720">
+            <a:spAutoFit/>
+          </a:bodyPr>
+          <a:lstStyle/>
+          <a:p>
+            <a:pPr algn="ctr" rtl="1"/>
+            <a:r>
+              <a:rPr lang="en-US" sz="1000" b="1" dirty="0">
+                <a:ln w="1905"/>
+                <a:gradFill>
+                  <a:gsLst>
+                    <a:gs pos="0">
+                      <a:schemeClr val="accent6">
+                        <a:shade val="20000"/>
+                        <a:satMod val="200000"/>
+                      </a:schemeClr>
+                    </a:gs>
+                    <a:gs pos="78000">
+                      <a:schemeClr val="accent6">
+                        <a:tint val="90000"/>
+                        <a:shade val="89000"/>
+                        <a:satMod val="220000"/>
+                      </a:schemeClr>
+                    </a:gs>
+                    <a:gs pos="100000">
+                      <a:schemeClr val="accent6">
+                        <a:tint val="12000"/>
+                        <a:satMod val="255000"/>
+                      </a:schemeClr>
+                    </a:gs>
+                  </a:gsLst>
+                  <a:lin ang="5400000"/>
+                </a:gradFill>
+                <a:effectLst>
+                  <a:innerShdw blurRad="69850" dist="43180" dir="5400000">
+                    <a:srgbClr val="000000">
+                      <a:alpha val="65000"/>
+                    </a:srgbClr>
+                  </a:innerShdw>
+                </a:effectLst>
+              </a:rPr>
+              <a:t>Page: </a:t>
+            </a:r>
+            <a:fld id="{14AD6811-EE99-4BEB-8435-24D1DDA55D92}" type="slidenum">
+              <a:rPr lang="en-US" sz="1000" b="1" smtClean="0">
+                <a:ln w="1905"/>
+                <a:gradFill>
+                  <a:gsLst>
+                    <a:gs pos="0">
+                      <a:schemeClr val="accent6">
+                        <a:shade val="20000"/>
+                        <a:satMod val="200000"/>
+                      </a:schemeClr>
+                    </a:gs>
+                    <a:gs pos="78000">
+                      <a:schemeClr val="accent6">
+                        <a:tint val="90000"/>
+                        <a:shade val="89000"/>
+                        <a:satMod val="220000"/>
+                      </a:schemeClr>
+                    </a:gs>
+                    <a:gs pos="100000">
+                      <a:schemeClr val="accent6">
+                        <a:tint val="12000"/>
+                        <a:satMod val="255000"/>
+                      </a:schemeClr>
+                    </a:gs>
+                  </a:gsLst>
+                  <a:lin ang="5400000"/>
+                </a:gradFill>
+                <a:effectLst>
+                  <a:innerShdw blurRad="69850" dist="43180" dir="5400000">
+                    <a:srgbClr val="000000">
+                      <a:alpha val="65000"/>
+                    </a:srgbClr>
+                  </a:innerShdw>
+                </a:effectLst>
+              </a:rPr>
+              <a:t>22</a:t>
+            </a:fld>
+            <a:endParaRPr lang="en-US" sz="1000" b="1" dirty="0">
+              <a:ln w="1905"/>
+              <a:gradFill>
+                <a:gsLst>
+                  <a:gs pos="0">
+                    <a:schemeClr val="accent6">
+                      <a:shade val="20000"/>
+                      <a:satMod val="200000"/>
+                    </a:schemeClr>
+                  </a:gs>
+                  <a:gs pos="78000">
+                    <a:schemeClr val="accent6">
+                      <a:tint val="90000"/>
+                      <a:shade val="89000"/>
+                      <a:satMod val="220000"/>
+                    </a:schemeClr>
+                  </a:gs>
+                  <a:gs pos="100000">
+                    <a:schemeClr val="accent6">
+                      <a:tint val="12000"/>
+                      <a:satMod val="255000"/>
+                    </a:schemeClr>
+                  </a:gs>
+                </a:gsLst>
+                <a:lin ang="5400000"/>
+              </a:gradFill>
+              <a:effectLst>
+                <a:innerShdw blurRad="69850" dist="43180" dir="5400000">
+                  <a:srgbClr val="000000">
+                    <a:alpha val="65000"/>
+                  </a:srgbClr>
+                </a:innerShdw>
+              </a:effectLst>
+            </a:endParaRPr>
+          </a:p>
+        </p:txBody>
+      </p:sp>
+      <p:pic>
+        <p:nvPicPr>
+          <p:cNvPr id="4" name="Picture 3">
+            <a:extLst>
+              <a:ext uri="{FF2B5EF4-FFF2-40B4-BE49-F238E27FC236}">
+                <a16:creationId xmlns:a16="http://schemas.microsoft.com/office/drawing/2014/main" id="{F3625243-9805-4010-9491-688C02CA4108}"/>
+              </a:ext>
+            </a:extLst>
+          </p:cNvPr>
+          <p:cNvPicPr>
+            <a:picLocks noChangeAspect="1"/>
+          </p:cNvPicPr>
+          <p:nvPr/>
+        </p:nvPicPr>
+        <p:blipFill>
+          <a:blip r:embed="rId2" cstate="print">
+            <a:extLst>
+              <a:ext uri="{28A0092B-C50C-407E-A947-70E740481C1C}">
+                <a14:useLocalDpi xmlns:a14="http://schemas.microsoft.com/office/drawing/2010/main" val="0"/>
+              </a:ext>
+            </a:extLst>
+          </a:blip>
+          <a:stretch>
+            <a:fillRect/>
+          </a:stretch>
+        </p:blipFill>
+        <p:spPr>
+          <a:xfrm>
+            <a:off x="8343133" y="6104393"/>
+            <a:ext cx="765371" cy="780991"/>
+          </a:xfrm>
+          <a:prstGeom prst="rect">
+            <a:avLst/>
+          </a:prstGeom>
+        </p:spPr>
+      </p:pic>
+      <p:pic>
+        <p:nvPicPr>
+          <p:cNvPr id="17" name="Picture 16">
+            <a:extLst>
+              <a:ext uri="{FF2B5EF4-FFF2-40B4-BE49-F238E27FC236}">
+                <a16:creationId xmlns:a16="http://schemas.microsoft.com/office/drawing/2014/main" id="{671CD04D-E9F8-4950-836D-431AD3EA459A}"/>
+              </a:ext>
+            </a:extLst>
+          </p:cNvPr>
+          <p:cNvPicPr>
+            <a:picLocks noChangeAspect="1"/>
+          </p:cNvPicPr>
+          <p:nvPr/>
+        </p:nvPicPr>
+        <p:blipFill>
+          <a:blip r:embed="rId3" cstate="print">
+            <a:extLst>
+              <a:ext uri="{28A0092B-C50C-407E-A947-70E740481C1C}">
+                <a14:useLocalDpi xmlns:a14="http://schemas.microsoft.com/office/drawing/2010/main" val="0"/>
+              </a:ext>
+            </a:extLst>
+          </a:blip>
+          <a:srcRect/>
+          <a:stretch/>
+        </p:blipFill>
+        <p:spPr>
+          <a:xfrm>
+            <a:off x="49346" y="6165304"/>
+            <a:ext cx="1548718" cy="522459"/>
+          </a:xfrm>
+          <a:prstGeom prst="rect">
+            <a:avLst/>
+          </a:prstGeom>
+        </p:spPr>
+      </p:pic>
+      <p:pic>
+        <p:nvPicPr>
+          <p:cNvPr id="3" name="Picture 2">
+            <a:extLst>
+              <a:ext uri="{FF2B5EF4-FFF2-40B4-BE49-F238E27FC236}">
+                <a16:creationId xmlns:a16="http://schemas.microsoft.com/office/drawing/2014/main" id="{755D43D4-1FA8-E860-8F88-60C6D334C819}"/>
+              </a:ext>
+            </a:extLst>
+          </p:cNvPr>
+          <p:cNvPicPr>
+            <a:picLocks noChangeAspect="1"/>
+          </p:cNvPicPr>
+          <p:nvPr/>
+        </p:nvPicPr>
+        <p:blipFill rotWithShape="1">
+          <a:blip r:embed="rId4"/>
+          <a:srcRect l="11413" t="28990" r="12987" b="12182"/>
+          <a:stretch/>
+        </p:blipFill>
+        <p:spPr>
+          <a:xfrm>
+            <a:off x="49346" y="758651"/>
+            <a:ext cx="9059158" cy="5272928"/>
+          </a:xfrm>
+          <a:prstGeom prst="rect">
+            <a:avLst/>
+          </a:prstGeom>
+        </p:spPr>
+      </p:pic>
+    </p:spTree>
+    <p:extLst>
+      <p:ext uri="{BB962C8B-B14F-4D97-AF65-F5344CB8AC3E}">
+        <p14:creationId xmlns:p14="http://schemas.microsoft.com/office/powerpoint/2010/main" val="51339038"/>
+      </p:ext>
+    </p:extLst>
+  </p:cSld>
+  <p:clrMapOvr>
+    <a:masterClrMapping/>
+  </p:clrMapOvr>
+</p:sld>
+</file>
+
+<file path=ppt/slides/slide23.xml><?xml version="1.0" encoding="utf-8"?>
+<p:sld xmlns:a="http://schemas.openxmlformats.org/drawingml/2006/main" xmlns:r="http://schemas.openxmlformats.org/officeDocument/2006/relationships" xmlns:p="http://schemas.openxmlformats.org/presentationml/2006/main">
+  <p:cSld>
+    <p:bg>
+      <p:bgPr>
+        <a:solidFill>
+          <a:schemeClr val="bg1"/>
+        </a:solidFill>
+        <a:effectLst/>
+      </p:bgPr>
+    </p:bg>
+    <p:spTree>
+      <p:nvGrpSpPr>
+        <p:cNvPr id="1" name=""/>
+        <p:cNvGrpSpPr/>
+        <p:nvPr/>
+      </p:nvGrpSpPr>
+      <p:grpSpPr>
+        <a:xfrm>
+          <a:off x="0" y="0"/>
+          <a:ext cx="0" cy="0"/>
+          <a:chOff x="0" y="0"/>
+          <a:chExt cx="0" cy="0"/>
+        </a:xfrm>
+      </p:grpSpPr>
+      <p:cxnSp>
+        <p:nvCxnSpPr>
+          <p:cNvPr id="8" name="Straight Connector 7"/>
+          <p:cNvCxnSpPr>
+            <a:cxnSpLocks/>
+          </p:cNvCxnSpPr>
+          <p:nvPr/>
+        </p:nvCxnSpPr>
+        <p:spPr>
+          <a:xfrm>
+            <a:off x="1763688" y="6499457"/>
+            <a:ext cx="6480720" cy="0"/>
+          </a:xfrm>
+          <a:prstGeom prst="line">
+            <a:avLst/>
+          </a:prstGeom>
+        </p:spPr>
+        <p:style>
+          <a:lnRef idx="2">
+            <a:schemeClr val="dk1"/>
+          </a:lnRef>
+          <a:fillRef idx="0">
+            <a:schemeClr val="dk1"/>
+          </a:fillRef>
+          <a:effectRef idx="1">
+            <a:schemeClr val="dk1"/>
+          </a:effectRef>
+          <a:fontRef idx="minor">
+            <a:schemeClr val="tx1"/>
+          </a:fontRef>
+        </p:style>
+      </p:cxnSp>
+      <p:sp>
+        <p:nvSpPr>
+          <p:cNvPr id="11" name="Rectangle 10"/>
+          <p:cNvSpPr/>
+          <p:nvPr/>
+        </p:nvSpPr>
+        <p:spPr>
+          <a:xfrm>
+            <a:off x="6804248" y="6572272"/>
+            <a:ext cx="1345240" cy="246221"/>
+          </a:xfrm>
+          <a:prstGeom prst="rect">
+            <a:avLst/>
+          </a:prstGeom>
+          <a:noFill/>
+        </p:spPr>
+        <p:txBody>
+          <a:bodyPr wrap="none" lIns="91440" tIns="45720" rIns="91440" bIns="45720">
+            <a:spAutoFit/>
+          </a:bodyPr>
+          <a:lstStyle/>
+          <a:p>
+            <a:pPr algn="ctr" rtl="1"/>
+            <a:r>
+              <a:rPr lang="fa-IR" sz="1000" b="1" dirty="0">
+                <a:ln w="1905"/>
+                <a:gradFill>
+                  <a:gsLst>
+                    <a:gs pos="0">
+                      <a:schemeClr val="accent6">
+                        <a:shade val="20000"/>
+                        <a:satMod val="200000"/>
+                      </a:schemeClr>
+                    </a:gs>
+                    <a:gs pos="78000">
+                      <a:schemeClr val="accent6">
+                        <a:tint val="90000"/>
+                        <a:shade val="89000"/>
+                        <a:satMod val="220000"/>
+                      </a:schemeClr>
+                    </a:gs>
+                    <a:gs pos="100000">
+                      <a:schemeClr val="accent6">
+                        <a:tint val="12000"/>
+                        <a:satMod val="255000"/>
+                      </a:schemeClr>
+                    </a:gs>
+                  </a:gsLst>
+                  <a:lin ang="5400000"/>
+                </a:gradFill>
+                <a:effectLst>
+                  <a:innerShdw blurRad="69850" dist="43180" dir="5400000">
+                    <a:srgbClr val="000000">
+                      <a:alpha val="65000"/>
+                    </a:srgbClr>
+                  </a:innerShdw>
+                </a:effectLst>
+              </a:rPr>
+              <a:t>تهیه و تنظیم : سید حیدر علوی</a:t>
+            </a:r>
+            <a:endParaRPr lang="en-US" sz="1000" b="1" dirty="0">
+              <a:ln w="1905"/>
+              <a:gradFill>
+                <a:gsLst>
+                  <a:gs pos="0">
+                    <a:schemeClr val="accent6">
+                      <a:shade val="20000"/>
+                      <a:satMod val="200000"/>
+                    </a:schemeClr>
+                  </a:gs>
+                  <a:gs pos="78000">
+                    <a:schemeClr val="accent6">
+                      <a:tint val="90000"/>
+                      <a:shade val="89000"/>
+                      <a:satMod val="220000"/>
+                    </a:schemeClr>
+                  </a:gs>
+                  <a:gs pos="100000">
+                    <a:schemeClr val="accent6">
+                      <a:tint val="12000"/>
+                      <a:satMod val="255000"/>
+                    </a:schemeClr>
+                  </a:gs>
+                </a:gsLst>
+                <a:lin ang="5400000"/>
+              </a:gradFill>
+              <a:effectLst>
+                <a:innerShdw blurRad="69850" dist="43180" dir="5400000">
+                  <a:srgbClr val="000000">
+                    <a:alpha val="65000"/>
+                  </a:srgbClr>
+                </a:innerShdw>
+              </a:effectLst>
+            </a:endParaRPr>
+          </a:p>
+        </p:txBody>
+      </p:sp>
+      <p:sp>
+        <p:nvSpPr>
+          <p:cNvPr id="13" name="TextBox 12"/>
+          <p:cNvSpPr txBox="1"/>
+          <p:nvPr/>
+        </p:nvSpPr>
+        <p:spPr>
+          <a:xfrm>
+            <a:off x="2334562" y="61997"/>
+            <a:ext cx="5180518" cy="646331"/>
+          </a:xfrm>
+          <a:prstGeom prst="rect">
+            <a:avLst/>
+          </a:prstGeom>
+          <a:noFill/>
+        </p:spPr>
+        <p:txBody>
+          <a:bodyPr wrap="square" rtlCol="0">
+            <a:spAutoFit/>
+          </a:bodyPr>
+          <a:lstStyle/>
+          <a:p>
+            <a:r>
+              <a:rPr lang="en-US" sz="3600" b="1" dirty="0">
+                <a:ln w="1905"/>
+                <a:gradFill>
+                  <a:gsLst>
+                    <a:gs pos="0">
+                      <a:schemeClr val="accent6">
+                        <a:shade val="20000"/>
+                        <a:satMod val="200000"/>
+                      </a:schemeClr>
+                    </a:gs>
+                    <a:gs pos="78000">
+                      <a:schemeClr val="accent6">
+                        <a:tint val="90000"/>
+                        <a:shade val="89000"/>
+                        <a:satMod val="220000"/>
+                      </a:schemeClr>
+                    </a:gs>
+                    <a:gs pos="100000">
+                      <a:schemeClr val="accent6">
+                        <a:tint val="12000"/>
+                        <a:satMod val="255000"/>
+                      </a:schemeClr>
+                    </a:gs>
+                  </a:gsLst>
+                  <a:lin ang="5400000"/>
+                </a:gradFill>
+                <a:effectLst>
+                  <a:innerShdw blurRad="69850" dist="43180" dir="5400000">
+                    <a:srgbClr val="000000">
+                      <a:alpha val="65000"/>
+                    </a:srgbClr>
+                  </a:innerShdw>
+                </a:effectLst>
+              </a:rPr>
+              <a:t>NumPy Array Iterating</a:t>
+            </a:r>
+          </a:p>
+        </p:txBody>
+      </p:sp>
+      <p:sp>
+        <p:nvSpPr>
+          <p:cNvPr id="9" name="Rectangle 8">
+            <a:extLst>
+              <a:ext uri="{FF2B5EF4-FFF2-40B4-BE49-F238E27FC236}">
+                <a16:creationId xmlns:a16="http://schemas.microsoft.com/office/drawing/2014/main" id="{AE259FB9-1872-47CB-A97E-46EC9F196E07}"/>
+              </a:ext>
+            </a:extLst>
+          </p:cNvPr>
+          <p:cNvSpPr/>
+          <p:nvPr/>
+        </p:nvSpPr>
+        <p:spPr>
+          <a:xfrm>
+            <a:off x="4219179" y="6572271"/>
+            <a:ext cx="705642" cy="246221"/>
+          </a:xfrm>
+          <a:prstGeom prst="rect">
+            <a:avLst/>
+          </a:prstGeom>
+          <a:noFill/>
+        </p:spPr>
+        <p:txBody>
+          <a:bodyPr wrap="none" lIns="91440" tIns="45720" rIns="91440" bIns="45720">
+            <a:spAutoFit/>
+          </a:bodyPr>
+          <a:lstStyle/>
+          <a:p>
+            <a:pPr algn="ctr" rtl="1"/>
+            <a:r>
+              <a:rPr lang="fa-IR" sz="1000" b="1" dirty="0">
+                <a:ln w="1905"/>
+                <a:gradFill>
+                  <a:gsLst>
+                    <a:gs pos="0">
+                      <a:schemeClr val="accent6">
+                        <a:shade val="20000"/>
+                        <a:satMod val="200000"/>
+                      </a:schemeClr>
+                    </a:gs>
+                    <a:gs pos="78000">
+                      <a:schemeClr val="accent6">
+                        <a:tint val="90000"/>
+                        <a:shade val="89000"/>
+                        <a:satMod val="220000"/>
+                      </a:schemeClr>
+                    </a:gs>
+                    <a:gs pos="100000">
+                      <a:schemeClr val="accent6">
+                        <a:tint val="12000"/>
+                        <a:satMod val="255000"/>
+                      </a:schemeClr>
+                    </a:gs>
+                  </a:gsLst>
+                  <a:lin ang="5400000"/>
+                </a:gradFill>
+                <a:effectLst>
+                  <a:innerShdw blurRad="69850" dist="43180" dir="5400000">
+                    <a:srgbClr val="000000">
+                      <a:alpha val="65000"/>
+                    </a:srgbClr>
+                  </a:innerShdw>
+                </a:effectLst>
+              </a:rPr>
+              <a:t>تابستان 1401</a:t>
+            </a:r>
+            <a:endParaRPr lang="en-US" sz="1000" b="1" dirty="0">
+              <a:ln w="1905"/>
+              <a:gradFill>
+                <a:gsLst>
+                  <a:gs pos="0">
+                    <a:schemeClr val="accent6">
+                      <a:shade val="20000"/>
+                      <a:satMod val="200000"/>
+                    </a:schemeClr>
+                  </a:gs>
+                  <a:gs pos="78000">
+                    <a:schemeClr val="accent6">
+                      <a:tint val="90000"/>
+                      <a:shade val="89000"/>
+                      <a:satMod val="220000"/>
+                    </a:schemeClr>
+                  </a:gs>
+                  <a:gs pos="100000">
+                    <a:schemeClr val="accent6">
+                      <a:tint val="12000"/>
+                      <a:satMod val="255000"/>
+                    </a:schemeClr>
+                  </a:gs>
+                </a:gsLst>
+                <a:lin ang="5400000"/>
+              </a:gradFill>
+              <a:effectLst>
+                <a:innerShdw blurRad="69850" dist="43180" dir="5400000">
+                  <a:srgbClr val="000000">
+                    <a:alpha val="65000"/>
+                  </a:srgbClr>
+                </a:innerShdw>
+              </a:effectLst>
+            </a:endParaRPr>
+          </a:p>
+        </p:txBody>
+      </p:sp>
+      <p:sp>
+        <p:nvSpPr>
+          <p:cNvPr id="10" name="Rectangle 9">
+            <a:extLst>
+              <a:ext uri="{FF2B5EF4-FFF2-40B4-BE49-F238E27FC236}">
+                <a16:creationId xmlns:a16="http://schemas.microsoft.com/office/drawing/2014/main" id="{46913DD9-CDA3-43FD-AD19-429E0308D71B}"/>
+              </a:ext>
+            </a:extLst>
+          </p:cNvPr>
+          <p:cNvSpPr/>
+          <p:nvPr/>
+        </p:nvSpPr>
+        <p:spPr>
+          <a:xfrm>
+            <a:off x="1795886" y="6572272"/>
+            <a:ext cx="615874" cy="246221"/>
+          </a:xfrm>
+          <a:prstGeom prst="rect">
+            <a:avLst/>
+          </a:prstGeom>
+          <a:noFill/>
+        </p:spPr>
+        <p:txBody>
+          <a:bodyPr wrap="none" lIns="91440" tIns="45720" rIns="91440" bIns="45720">
+            <a:spAutoFit/>
+          </a:bodyPr>
+          <a:lstStyle/>
+          <a:p>
+            <a:pPr algn="ctr" rtl="1"/>
+            <a:r>
+              <a:rPr lang="en-US" sz="1000" b="1" dirty="0">
+                <a:ln w="1905"/>
+                <a:gradFill>
+                  <a:gsLst>
+                    <a:gs pos="0">
+                      <a:schemeClr val="accent6">
+                        <a:shade val="20000"/>
+                        <a:satMod val="200000"/>
+                      </a:schemeClr>
+                    </a:gs>
+                    <a:gs pos="78000">
+                      <a:schemeClr val="accent6">
+                        <a:tint val="90000"/>
+                        <a:shade val="89000"/>
+                        <a:satMod val="220000"/>
+                      </a:schemeClr>
+                    </a:gs>
+                    <a:gs pos="100000">
+                      <a:schemeClr val="accent6">
+                        <a:tint val="12000"/>
+                        <a:satMod val="255000"/>
+                      </a:schemeClr>
+                    </a:gs>
+                  </a:gsLst>
+                  <a:lin ang="5400000"/>
+                </a:gradFill>
+                <a:effectLst>
+                  <a:innerShdw blurRad="69850" dist="43180" dir="5400000">
+                    <a:srgbClr val="000000">
+                      <a:alpha val="65000"/>
+                    </a:srgbClr>
+                  </a:innerShdw>
+                </a:effectLst>
+              </a:rPr>
+              <a:t>Page: </a:t>
+            </a:r>
+            <a:fld id="{14AD6811-EE99-4BEB-8435-24D1DDA55D92}" type="slidenum">
+              <a:rPr lang="en-US" sz="1000" b="1" smtClean="0">
+                <a:ln w="1905"/>
+                <a:gradFill>
+                  <a:gsLst>
+                    <a:gs pos="0">
+                      <a:schemeClr val="accent6">
+                        <a:shade val="20000"/>
+                        <a:satMod val="200000"/>
+                      </a:schemeClr>
+                    </a:gs>
+                    <a:gs pos="78000">
+                      <a:schemeClr val="accent6">
+                        <a:tint val="90000"/>
+                        <a:shade val="89000"/>
+                        <a:satMod val="220000"/>
+                      </a:schemeClr>
+                    </a:gs>
+                    <a:gs pos="100000">
+                      <a:schemeClr val="accent6">
+                        <a:tint val="12000"/>
+                        <a:satMod val="255000"/>
+                      </a:schemeClr>
+                    </a:gs>
+                  </a:gsLst>
+                  <a:lin ang="5400000"/>
+                </a:gradFill>
+                <a:effectLst>
+                  <a:innerShdw blurRad="69850" dist="43180" dir="5400000">
+                    <a:srgbClr val="000000">
+                      <a:alpha val="65000"/>
+                    </a:srgbClr>
+                  </a:innerShdw>
+                </a:effectLst>
+              </a:rPr>
+              <a:t>23</a:t>
+            </a:fld>
+            <a:endParaRPr lang="en-US" sz="1000" b="1" dirty="0">
+              <a:ln w="1905"/>
+              <a:gradFill>
+                <a:gsLst>
+                  <a:gs pos="0">
+                    <a:schemeClr val="accent6">
+                      <a:shade val="20000"/>
+                      <a:satMod val="200000"/>
+                    </a:schemeClr>
+                  </a:gs>
+                  <a:gs pos="78000">
+                    <a:schemeClr val="accent6">
+                      <a:tint val="90000"/>
+                      <a:shade val="89000"/>
+                      <a:satMod val="220000"/>
+                    </a:schemeClr>
+                  </a:gs>
+                  <a:gs pos="100000">
+                    <a:schemeClr val="accent6">
+                      <a:tint val="12000"/>
+                      <a:satMod val="255000"/>
+                    </a:schemeClr>
+                  </a:gs>
+                </a:gsLst>
+                <a:lin ang="5400000"/>
+              </a:gradFill>
+              <a:effectLst>
+                <a:innerShdw blurRad="69850" dist="43180" dir="5400000">
+                  <a:srgbClr val="000000">
+                    <a:alpha val="65000"/>
+                  </a:srgbClr>
+                </a:innerShdw>
+              </a:effectLst>
+            </a:endParaRPr>
+          </a:p>
+        </p:txBody>
+      </p:sp>
+      <p:pic>
+        <p:nvPicPr>
+          <p:cNvPr id="4" name="Picture 3">
+            <a:extLst>
+              <a:ext uri="{FF2B5EF4-FFF2-40B4-BE49-F238E27FC236}">
+                <a16:creationId xmlns:a16="http://schemas.microsoft.com/office/drawing/2014/main" id="{F3625243-9805-4010-9491-688C02CA4108}"/>
+              </a:ext>
+            </a:extLst>
+          </p:cNvPr>
+          <p:cNvPicPr>
+            <a:picLocks noChangeAspect="1"/>
+          </p:cNvPicPr>
+          <p:nvPr/>
+        </p:nvPicPr>
+        <p:blipFill>
+          <a:blip r:embed="rId2" cstate="print">
+            <a:extLst>
+              <a:ext uri="{28A0092B-C50C-407E-A947-70E740481C1C}">
+                <a14:useLocalDpi xmlns:a14="http://schemas.microsoft.com/office/drawing/2010/main" val="0"/>
+              </a:ext>
+            </a:extLst>
+          </a:blip>
+          <a:stretch>
+            <a:fillRect/>
+          </a:stretch>
+        </p:blipFill>
+        <p:spPr>
+          <a:xfrm>
+            <a:off x="8343133" y="6104393"/>
+            <a:ext cx="765371" cy="780991"/>
+          </a:xfrm>
+          <a:prstGeom prst="rect">
+            <a:avLst/>
+          </a:prstGeom>
+        </p:spPr>
+      </p:pic>
+      <p:pic>
+        <p:nvPicPr>
+          <p:cNvPr id="17" name="Picture 16">
+            <a:extLst>
+              <a:ext uri="{FF2B5EF4-FFF2-40B4-BE49-F238E27FC236}">
+                <a16:creationId xmlns:a16="http://schemas.microsoft.com/office/drawing/2014/main" id="{671CD04D-E9F8-4950-836D-431AD3EA459A}"/>
+              </a:ext>
+            </a:extLst>
+          </p:cNvPr>
+          <p:cNvPicPr>
+            <a:picLocks noChangeAspect="1"/>
+          </p:cNvPicPr>
+          <p:nvPr/>
+        </p:nvPicPr>
+        <p:blipFill>
+          <a:blip r:embed="rId3" cstate="print">
+            <a:extLst>
+              <a:ext uri="{28A0092B-C50C-407E-A947-70E740481C1C}">
+                <a14:useLocalDpi xmlns:a14="http://schemas.microsoft.com/office/drawing/2010/main" val="0"/>
+              </a:ext>
+            </a:extLst>
+          </a:blip>
+          <a:srcRect/>
+          <a:stretch/>
+        </p:blipFill>
+        <p:spPr>
+          <a:xfrm>
+            <a:off x="49346" y="6165304"/>
+            <a:ext cx="1548718" cy="522459"/>
+          </a:xfrm>
+          <a:prstGeom prst="rect">
+            <a:avLst/>
+          </a:prstGeom>
+        </p:spPr>
+      </p:pic>
+      <p:pic>
+        <p:nvPicPr>
+          <p:cNvPr id="5" name="Picture 4">
+            <a:extLst>
+              <a:ext uri="{FF2B5EF4-FFF2-40B4-BE49-F238E27FC236}">
+                <a16:creationId xmlns:a16="http://schemas.microsoft.com/office/drawing/2014/main" id="{E5C1989C-5637-0296-A781-091260429A01}"/>
+              </a:ext>
+            </a:extLst>
+          </p:cNvPr>
+          <p:cNvPicPr>
+            <a:picLocks noChangeAspect="1"/>
+          </p:cNvPicPr>
+          <p:nvPr/>
+        </p:nvPicPr>
+        <p:blipFill rotWithShape="1">
+          <a:blip r:embed="rId4"/>
+          <a:srcRect l="11413" t="28991" r="12987" b="10780"/>
+          <a:stretch/>
+        </p:blipFill>
+        <p:spPr>
+          <a:xfrm>
+            <a:off x="49346" y="781141"/>
+            <a:ext cx="9059158" cy="5096130"/>
+          </a:xfrm>
+          <a:prstGeom prst="rect">
+            <a:avLst/>
+          </a:prstGeom>
+        </p:spPr>
+      </p:pic>
+    </p:spTree>
+    <p:extLst>
+      <p:ext uri="{BB962C8B-B14F-4D97-AF65-F5344CB8AC3E}">
+        <p14:creationId xmlns:p14="http://schemas.microsoft.com/office/powerpoint/2010/main" val="832128688"/>
+      </p:ext>
+    </p:extLst>
+  </p:cSld>
+  <p:clrMapOvr>
+    <a:masterClrMapping/>
+  </p:clrMapOvr>
+</p:sld>
+</file>
+
+<file path=ppt/slides/slide24.xml><?xml version="1.0" encoding="utf-8"?>
+<p:sld xmlns:a="http://schemas.openxmlformats.org/drawingml/2006/main" xmlns:r="http://schemas.openxmlformats.org/officeDocument/2006/relationships" xmlns:p="http://schemas.openxmlformats.org/presentationml/2006/main">
+  <p:cSld>
+    <p:bg>
+      <p:bgPr>
+        <a:solidFill>
+          <a:schemeClr val="bg1"/>
+        </a:solidFill>
+        <a:effectLst/>
+      </p:bgPr>
+    </p:bg>
+    <p:spTree>
+      <p:nvGrpSpPr>
+        <p:cNvPr id="1" name=""/>
+        <p:cNvGrpSpPr/>
+        <p:nvPr/>
+      </p:nvGrpSpPr>
+      <p:grpSpPr>
+        <a:xfrm>
+          <a:off x="0" y="0"/>
+          <a:ext cx="0" cy="0"/>
+          <a:chOff x="0" y="0"/>
+          <a:chExt cx="0" cy="0"/>
+        </a:xfrm>
+      </p:grpSpPr>
+      <p:cxnSp>
+        <p:nvCxnSpPr>
+          <p:cNvPr id="8" name="Straight Connector 7"/>
+          <p:cNvCxnSpPr>
+            <a:cxnSpLocks/>
+          </p:cNvCxnSpPr>
+          <p:nvPr/>
+        </p:nvCxnSpPr>
+        <p:spPr>
+          <a:xfrm>
+            <a:off x="1763688" y="6499457"/>
+            <a:ext cx="6480720" cy="0"/>
+          </a:xfrm>
+          <a:prstGeom prst="line">
+            <a:avLst/>
+          </a:prstGeom>
+        </p:spPr>
+        <p:style>
+          <a:lnRef idx="2">
+            <a:schemeClr val="dk1"/>
+          </a:lnRef>
+          <a:fillRef idx="0">
+            <a:schemeClr val="dk1"/>
+          </a:fillRef>
+          <a:effectRef idx="1">
+            <a:schemeClr val="dk1"/>
+          </a:effectRef>
+          <a:fontRef idx="minor">
+            <a:schemeClr val="tx1"/>
+          </a:fontRef>
+        </p:style>
+      </p:cxnSp>
+      <p:sp>
+        <p:nvSpPr>
+          <p:cNvPr id="11" name="Rectangle 10"/>
+          <p:cNvSpPr/>
+          <p:nvPr/>
+        </p:nvSpPr>
+        <p:spPr>
+          <a:xfrm>
+            <a:off x="6804248" y="6572272"/>
+            <a:ext cx="1345240" cy="246221"/>
+          </a:xfrm>
+          <a:prstGeom prst="rect">
+            <a:avLst/>
+          </a:prstGeom>
+          <a:noFill/>
+        </p:spPr>
+        <p:txBody>
+          <a:bodyPr wrap="none" lIns="91440" tIns="45720" rIns="91440" bIns="45720">
+            <a:spAutoFit/>
+          </a:bodyPr>
+          <a:lstStyle/>
+          <a:p>
+            <a:pPr algn="ctr" rtl="1"/>
+            <a:r>
+              <a:rPr lang="fa-IR" sz="1000" b="1" dirty="0">
+                <a:ln w="1905"/>
+                <a:gradFill>
+                  <a:gsLst>
+                    <a:gs pos="0">
+                      <a:schemeClr val="accent6">
+                        <a:shade val="20000"/>
+                        <a:satMod val="200000"/>
+                      </a:schemeClr>
+                    </a:gs>
+                    <a:gs pos="78000">
+                      <a:schemeClr val="accent6">
+                        <a:tint val="90000"/>
+                        <a:shade val="89000"/>
+                        <a:satMod val="220000"/>
+                      </a:schemeClr>
+                    </a:gs>
+                    <a:gs pos="100000">
+                      <a:schemeClr val="accent6">
+                        <a:tint val="12000"/>
+                        <a:satMod val="255000"/>
+                      </a:schemeClr>
+                    </a:gs>
+                  </a:gsLst>
+                  <a:lin ang="5400000"/>
+                </a:gradFill>
+                <a:effectLst>
+                  <a:innerShdw blurRad="69850" dist="43180" dir="5400000">
+                    <a:srgbClr val="000000">
+                      <a:alpha val="65000"/>
+                    </a:srgbClr>
+                  </a:innerShdw>
+                </a:effectLst>
+              </a:rPr>
+              <a:t>تهیه و تنظیم : سید حیدر علوی</a:t>
+            </a:r>
+            <a:endParaRPr lang="en-US" sz="1000" b="1" dirty="0">
+              <a:ln w="1905"/>
+              <a:gradFill>
+                <a:gsLst>
+                  <a:gs pos="0">
+                    <a:schemeClr val="accent6">
+                      <a:shade val="20000"/>
+                      <a:satMod val="200000"/>
+                    </a:schemeClr>
+                  </a:gs>
+                  <a:gs pos="78000">
+                    <a:schemeClr val="accent6">
+                      <a:tint val="90000"/>
+                      <a:shade val="89000"/>
+                      <a:satMod val="220000"/>
+                    </a:schemeClr>
+                  </a:gs>
+                  <a:gs pos="100000">
+                    <a:schemeClr val="accent6">
+                      <a:tint val="12000"/>
+                      <a:satMod val="255000"/>
+                    </a:schemeClr>
+                  </a:gs>
+                </a:gsLst>
+                <a:lin ang="5400000"/>
+              </a:gradFill>
+              <a:effectLst>
+                <a:innerShdw blurRad="69850" dist="43180" dir="5400000">
+                  <a:srgbClr val="000000">
+                    <a:alpha val="65000"/>
+                  </a:srgbClr>
+                </a:innerShdw>
+              </a:effectLst>
+            </a:endParaRPr>
+          </a:p>
+        </p:txBody>
+      </p:sp>
+      <p:sp>
+        <p:nvSpPr>
+          <p:cNvPr id="13" name="TextBox 12"/>
+          <p:cNvSpPr txBox="1"/>
+          <p:nvPr/>
+        </p:nvSpPr>
+        <p:spPr>
+          <a:xfrm>
+            <a:off x="2334562" y="61997"/>
+            <a:ext cx="4685710" cy="646331"/>
+          </a:xfrm>
+          <a:prstGeom prst="rect">
+            <a:avLst/>
+          </a:prstGeom>
+          <a:noFill/>
+        </p:spPr>
+        <p:txBody>
+          <a:bodyPr wrap="square" rtlCol="0">
+            <a:spAutoFit/>
+          </a:bodyPr>
+          <a:lstStyle/>
+          <a:p>
+            <a:r>
+              <a:rPr lang="en-US" sz="3600" b="1" dirty="0">
+                <a:ln w="1905"/>
+                <a:gradFill>
+                  <a:gsLst>
+                    <a:gs pos="0">
+                      <a:schemeClr val="accent6">
+                        <a:shade val="20000"/>
+                        <a:satMod val="200000"/>
+                      </a:schemeClr>
+                    </a:gs>
+                    <a:gs pos="78000">
+                      <a:schemeClr val="accent6">
+                        <a:tint val="90000"/>
+                        <a:shade val="89000"/>
+                        <a:satMod val="220000"/>
+                      </a:schemeClr>
+                    </a:gs>
+                    <a:gs pos="100000">
+                      <a:schemeClr val="accent6">
+                        <a:tint val="12000"/>
+                        <a:satMod val="255000"/>
+                      </a:schemeClr>
+                    </a:gs>
+                  </a:gsLst>
+                  <a:lin ang="5400000"/>
+                </a:gradFill>
+                <a:effectLst>
+                  <a:innerShdw blurRad="69850" dist="43180" dir="5400000">
+                    <a:srgbClr val="000000">
+                      <a:alpha val="65000"/>
+                    </a:srgbClr>
+                  </a:innerShdw>
+                </a:effectLst>
+              </a:rPr>
+              <a:t>NumPy Joining Array</a:t>
+            </a:r>
+          </a:p>
+        </p:txBody>
+      </p:sp>
+      <p:sp>
+        <p:nvSpPr>
+          <p:cNvPr id="9" name="Rectangle 8">
+            <a:extLst>
+              <a:ext uri="{FF2B5EF4-FFF2-40B4-BE49-F238E27FC236}">
+                <a16:creationId xmlns:a16="http://schemas.microsoft.com/office/drawing/2014/main" id="{AE259FB9-1872-47CB-A97E-46EC9F196E07}"/>
+              </a:ext>
+            </a:extLst>
+          </p:cNvPr>
+          <p:cNvSpPr/>
+          <p:nvPr/>
+        </p:nvSpPr>
+        <p:spPr>
+          <a:xfrm>
+            <a:off x="4219179" y="6572271"/>
+            <a:ext cx="705642" cy="246221"/>
+          </a:xfrm>
+          <a:prstGeom prst="rect">
+            <a:avLst/>
+          </a:prstGeom>
+          <a:noFill/>
+        </p:spPr>
+        <p:txBody>
+          <a:bodyPr wrap="none" lIns="91440" tIns="45720" rIns="91440" bIns="45720">
+            <a:spAutoFit/>
+          </a:bodyPr>
+          <a:lstStyle/>
+          <a:p>
+            <a:pPr algn="ctr" rtl="1"/>
+            <a:r>
+              <a:rPr lang="fa-IR" sz="1000" b="1" dirty="0">
+                <a:ln w="1905"/>
+                <a:gradFill>
+                  <a:gsLst>
+                    <a:gs pos="0">
+                      <a:schemeClr val="accent6">
+                        <a:shade val="20000"/>
+                        <a:satMod val="200000"/>
+                      </a:schemeClr>
+                    </a:gs>
+                    <a:gs pos="78000">
+                      <a:schemeClr val="accent6">
+                        <a:tint val="90000"/>
+                        <a:shade val="89000"/>
+                        <a:satMod val="220000"/>
+                      </a:schemeClr>
+                    </a:gs>
+                    <a:gs pos="100000">
+                      <a:schemeClr val="accent6">
+                        <a:tint val="12000"/>
+                        <a:satMod val="255000"/>
+                      </a:schemeClr>
+                    </a:gs>
+                  </a:gsLst>
+                  <a:lin ang="5400000"/>
+                </a:gradFill>
+                <a:effectLst>
+                  <a:innerShdw blurRad="69850" dist="43180" dir="5400000">
+                    <a:srgbClr val="000000">
+                      <a:alpha val="65000"/>
+                    </a:srgbClr>
+                  </a:innerShdw>
+                </a:effectLst>
+              </a:rPr>
+              <a:t>تابستان 1401</a:t>
+            </a:r>
+            <a:endParaRPr lang="en-US" sz="1000" b="1" dirty="0">
+              <a:ln w="1905"/>
+              <a:gradFill>
+                <a:gsLst>
+                  <a:gs pos="0">
+                    <a:schemeClr val="accent6">
+                      <a:shade val="20000"/>
+                      <a:satMod val="200000"/>
+                    </a:schemeClr>
+                  </a:gs>
+                  <a:gs pos="78000">
+                    <a:schemeClr val="accent6">
+                      <a:tint val="90000"/>
+                      <a:shade val="89000"/>
+                      <a:satMod val="220000"/>
+                    </a:schemeClr>
+                  </a:gs>
+                  <a:gs pos="100000">
+                    <a:schemeClr val="accent6">
+                      <a:tint val="12000"/>
+                      <a:satMod val="255000"/>
+                    </a:schemeClr>
+                  </a:gs>
+                </a:gsLst>
+                <a:lin ang="5400000"/>
+              </a:gradFill>
+              <a:effectLst>
+                <a:innerShdw blurRad="69850" dist="43180" dir="5400000">
+                  <a:srgbClr val="000000">
+                    <a:alpha val="65000"/>
+                  </a:srgbClr>
+                </a:innerShdw>
+              </a:effectLst>
+            </a:endParaRPr>
+          </a:p>
+        </p:txBody>
+      </p:sp>
+      <p:sp>
+        <p:nvSpPr>
+          <p:cNvPr id="10" name="Rectangle 9">
+            <a:extLst>
+              <a:ext uri="{FF2B5EF4-FFF2-40B4-BE49-F238E27FC236}">
+                <a16:creationId xmlns:a16="http://schemas.microsoft.com/office/drawing/2014/main" id="{46913DD9-CDA3-43FD-AD19-429E0308D71B}"/>
+              </a:ext>
+            </a:extLst>
+          </p:cNvPr>
+          <p:cNvSpPr/>
+          <p:nvPr/>
+        </p:nvSpPr>
+        <p:spPr>
+          <a:xfrm>
+            <a:off x="1795886" y="6572272"/>
+            <a:ext cx="615874" cy="246221"/>
+          </a:xfrm>
+          <a:prstGeom prst="rect">
+            <a:avLst/>
+          </a:prstGeom>
+          <a:noFill/>
+        </p:spPr>
+        <p:txBody>
+          <a:bodyPr wrap="none" lIns="91440" tIns="45720" rIns="91440" bIns="45720">
+            <a:spAutoFit/>
+          </a:bodyPr>
+          <a:lstStyle/>
+          <a:p>
+            <a:pPr algn="ctr" rtl="1"/>
+            <a:r>
+              <a:rPr lang="en-US" sz="1000" b="1" dirty="0">
+                <a:ln w="1905"/>
+                <a:gradFill>
+                  <a:gsLst>
+                    <a:gs pos="0">
+                      <a:schemeClr val="accent6">
+                        <a:shade val="20000"/>
+                        <a:satMod val="200000"/>
+                      </a:schemeClr>
+                    </a:gs>
+                    <a:gs pos="78000">
+                      <a:schemeClr val="accent6">
+                        <a:tint val="90000"/>
+                        <a:shade val="89000"/>
+                        <a:satMod val="220000"/>
+                      </a:schemeClr>
+                    </a:gs>
+                    <a:gs pos="100000">
+                      <a:schemeClr val="accent6">
+                        <a:tint val="12000"/>
+                        <a:satMod val="255000"/>
+                      </a:schemeClr>
+                    </a:gs>
+                  </a:gsLst>
+                  <a:lin ang="5400000"/>
+                </a:gradFill>
+                <a:effectLst>
+                  <a:innerShdw blurRad="69850" dist="43180" dir="5400000">
+                    <a:srgbClr val="000000">
+                      <a:alpha val="65000"/>
+                    </a:srgbClr>
+                  </a:innerShdw>
+                </a:effectLst>
+              </a:rPr>
+              <a:t>Page: </a:t>
+            </a:r>
+            <a:fld id="{14AD6811-EE99-4BEB-8435-24D1DDA55D92}" type="slidenum">
+              <a:rPr lang="en-US" sz="1000" b="1" smtClean="0">
+                <a:ln w="1905"/>
+                <a:gradFill>
+                  <a:gsLst>
+                    <a:gs pos="0">
+                      <a:schemeClr val="accent6">
+                        <a:shade val="20000"/>
+                        <a:satMod val="200000"/>
+                      </a:schemeClr>
+                    </a:gs>
+                    <a:gs pos="78000">
+                      <a:schemeClr val="accent6">
+                        <a:tint val="90000"/>
+                        <a:shade val="89000"/>
+                        <a:satMod val="220000"/>
+                      </a:schemeClr>
+                    </a:gs>
+                    <a:gs pos="100000">
+                      <a:schemeClr val="accent6">
+                        <a:tint val="12000"/>
+                        <a:satMod val="255000"/>
+                      </a:schemeClr>
+                    </a:gs>
+                  </a:gsLst>
+                  <a:lin ang="5400000"/>
+                </a:gradFill>
+                <a:effectLst>
+                  <a:innerShdw blurRad="69850" dist="43180" dir="5400000">
+                    <a:srgbClr val="000000">
+                      <a:alpha val="65000"/>
+                    </a:srgbClr>
+                  </a:innerShdw>
+                </a:effectLst>
+              </a:rPr>
+              <a:t>24</a:t>
+            </a:fld>
+            <a:endParaRPr lang="en-US" sz="1000" b="1" dirty="0">
+              <a:ln w="1905"/>
+              <a:gradFill>
+                <a:gsLst>
+                  <a:gs pos="0">
+                    <a:schemeClr val="accent6">
+                      <a:shade val="20000"/>
+                      <a:satMod val="200000"/>
+                    </a:schemeClr>
+                  </a:gs>
+                  <a:gs pos="78000">
+                    <a:schemeClr val="accent6">
+                      <a:tint val="90000"/>
+                      <a:shade val="89000"/>
+                      <a:satMod val="220000"/>
+                    </a:schemeClr>
+                  </a:gs>
+                  <a:gs pos="100000">
+                    <a:schemeClr val="accent6">
+                      <a:tint val="12000"/>
+                      <a:satMod val="255000"/>
+                    </a:schemeClr>
+                  </a:gs>
+                </a:gsLst>
+                <a:lin ang="5400000"/>
+              </a:gradFill>
+              <a:effectLst>
+                <a:innerShdw blurRad="69850" dist="43180" dir="5400000">
+                  <a:srgbClr val="000000">
+                    <a:alpha val="65000"/>
+                  </a:srgbClr>
+                </a:innerShdw>
+              </a:effectLst>
+            </a:endParaRPr>
+          </a:p>
+        </p:txBody>
+      </p:sp>
+      <p:pic>
+        <p:nvPicPr>
+          <p:cNvPr id="4" name="Picture 3">
+            <a:extLst>
+              <a:ext uri="{FF2B5EF4-FFF2-40B4-BE49-F238E27FC236}">
+                <a16:creationId xmlns:a16="http://schemas.microsoft.com/office/drawing/2014/main" id="{F3625243-9805-4010-9491-688C02CA4108}"/>
+              </a:ext>
+            </a:extLst>
+          </p:cNvPr>
+          <p:cNvPicPr>
+            <a:picLocks noChangeAspect="1"/>
+          </p:cNvPicPr>
+          <p:nvPr/>
+        </p:nvPicPr>
+        <p:blipFill>
+          <a:blip r:embed="rId2" cstate="print">
+            <a:extLst>
+              <a:ext uri="{28A0092B-C50C-407E-A947-70E740481C1C}">
+                <a14:useLocalDpi xmlns:a14="http://schemas.microsoft.com/office/drawing/2010/main" val="0"/>
+              </a:ext>
+            </a:extLst>
+          </a:blip>
+          <a:stretch>
+            <a:fillRect/>
+          </a:stretch>
+        </p:blipFill>
+        <p:spPr>
+          <a:xfrm>
+            <a:off x="8343133" y="6104393"/>
+            <a:ext cx="765371" cy="780991"/>
+          </a:xfrm>
+          <a:prstGeom prst="rect">
+            <a:avLst/>
+          </a:prstGeom>
+        </p:spPr>
+      </p:pic>
+      <p:pic>
+        <p:nvPicPr>
+          <p:cNvPr id="17" name="Picture 16">
+            <a:extLst>
+              <a:ext uri="{FF2B5EF4-FFF2-40B4-BE49-F238E27FC236}">
+                <a16:creationId xmlns:a16="http://schemas.microsoft.com/office/drawing/2014/main" id="{671CD04D-E9F8-4950-836D-431AD3EA459A}"/>
+              </a:ext>
+            </a:extLst>
+          </p:cNvPr>
+          <p:cNvPicPr>
+            <a:picLocks noChangeAspect="1"/>
+          </p:cNvPicPr>
+          <p:nvPr/>
+        </p:nvPicPr>
+        <p:blipFill>
+          <a:blip r:embed="rId3" cstate="print">
+            <a:extLst>
+              <a:ext uri="{28A0092B-C50C-407E-A947-70E740481C1C}">
+                <a14:useLocalDpi xmlns:a14="http://schemas.microsoft.com/office/drawing/2010/main" val="0"/>
+              </a:ext>
+            </a:extLst>
+          </a:blip>
+          <a:srcRect/>
+          <a:stretch/>
+        </p:blipFill>
+        <p:spPr>
+          <a:xfrm>
+            <a:off x="49346" y="6165304"/>
+            <a:ext cx="1548718" cy="522459"/>
+          </a:xfrm>
+          <a:prstGeom prst="rect">
+            <a:avLst/>
+          </a:prstGeom>
+        </p:spPr>
+      </p:pic>
+      <p:pic>
+        <p:nvPicPr>
+          <p:cNvPr id="3" name="Picture 2">
+            <a:extLst>
+              <a:ext uri="{FF2B5EF4-FFF2-40B4-BE49-F238E27FC236}">
+                <a16:creationId xmlns:a16="http://schemas.microsoft.com/office/drawing/2014/main" id="{0CD2F8D4-B9A7-A5A2-CC41-4C98382702C9}"/>
+              </a:ext>
+            </a:extLst>
+          </p:cNvPr>
+          <p:cNvPicPr>
+            <a:picLocks noChangeAspect="1"/>
+          </p:cNvPicPr>
+          <p:nvPr/>
+        </p:nvPicPr>
+        <p:blipFill rotWithShape="1">
+          <a:blip r:embed="rId4"/>
+          <a:srcRect l="11413" t="28990" r="13775" b="7980"/>
+          <a:stretch/>
+        </p:blipFill>
+        <p:spPr>
+          <a:xfrm>
+            <a:off x="49346" y="781141"/>
+            <a:ext cx="8987150" cy="4808099"/>
+          </a:xfrm>
+          <a:prstGeom prst="rect">
+            <a:avLst/>
+          </a:prstGeom>
+        </p:spPr>
+      </p:pic>
+    </p:spTree>
+    <p:extLst>
+      <p:ext uri="{BB962C8B-B14F-4D97-AF65-F5344CB8AC3E}">
+        <p14:creationId xmlns:p14="http://schemas.microsoft.com/office/powerpoint/2010/main" val="145080204"/>
+      </p:ext>
+    </p:extLst>
+  </p:cSld>
+  <p:clrMapOvr>
+    <a:masterClrMapping/>
+  </p:clrMapOvr>
+</p:sld>
+</file>
+
+<file path=ppt/slides/slide25.xml><?xml version="1.0" encoding="utf-8"?>
+<p:sld xmlns:a="http://schemas.openxmlformats.org/drawingml/2006/main" xmlns:r="http://schemas.openxmlformats.org/officeDocument/2006/relationships" xmlns:p="http://schemas.openxmlformats.org/presentationml/2006/main">
+  <p:cSld>
+    <p:bg>
+      <p:bgPr>
+        <a:solidFill>
+          <a:schemeClr val="bg1"/>
+        </a:solidFill>
+        <a:effectLst/>
+      </p:bgPr>
+    </p:bg>
+    <p:spTree>
+      <p:nvGrpSpPr>
+        <p:cNvPr id="1" name=""/>
+        <p:cNvGrpSpPr/>
+        <p:nvPr/>
+      </p:nvGrpSpPr>
+      <p:grpSpPr>
+        <a:xfrm>
+          <a:off x="0" y="0"/>
+          <a:ext cx="0" cy="0"/>
+          <a:chOff x="0" y="0"/>
+          <a:chExt cx="0" cy="0"/>
+        </a:xfrm>
+      </p:grpSpPr>
+      <p:cxnSp>
+        <p:nvCxnSpPr>
+          <p:cNvPr id="8" name="Straight Connector 7"/>
+          <p:cNvCxnSpPr>
+            <a:cxnSpLocks/>
+          </p:cNvCxnSpPr>
+          <p:nvPr/>
+        </p:nvCxnSpPr>
+        <p:spPr>
+          <a:xfrm>
+            <a:off x="1763688" y="6499457"/>
+            <a:ext cx="6480720" cy="0"/>
+          </a:xfrm>
+          <a:prstGeom prst="line">
+            <a:avLst/>
+          </a:prstGeom>
+        </p:spPr>
+        <p:style>
+          <a:lnRef idx="2">
+            <a:schemeClr val="dk1"/>
+          </a:lnRef>
+          <a:fillRef idx="0">
+            <a:schemeClr val="dk1"/>
+          </a:fillRef>
+          <a:effectRef idx="1">
+            <a:schemeClr val="dk1"/>
+          </a:effectRef>
+          <a:fontRef idx="minor">
+            <a:schemeClr val="tx1"/>
+          </a:fontRef>
+        </p:style>
+      </p:cxnSp>
+      <p:sp>
+        <p:nvSpPr>
+          <p:cNvPr id="11" name="Rectangle 10"/>
+          <p:cNvSpPr/>
+          <p:nvPr/>
+        </p:nvSpPr>
+        <p:spPr>
+          <a:xfrm>
+            <a:off x="6804248" y="6572272"/>
+            <a:ext cx="1345240" cy="246221"/>
+          </a:xfrm>
+          <a:prstGeom prst="rect">
+            <a:avLst/>
+          </a:prstGeom>
+          <a:noFill/>
+        </p:spPr>
+        <p:txBody>
+          <a:bodyPr wrap="none" lIns="91440" tIns="45720" rIns="91440" bIns="45720">
+            <a:spAutoFit/>
+          </a:bodyPr>
+          <a:lstStyle/>
+          <a:p>
+            <a:pPr algn="ctr" rtl="1"/>
+            <a:r>
+              <a:rPr lang="fa-IR" sz="1000" b="1" dirty="0">
+                <a:ln w="1905"/>
+                <a:gradFill>
+                  <a:gsLst>
+                    <a:gs pos="0">
+                      <a:schemeClr val="accent6">
+                        <a:shade val="20000"/>
+                        <a:satMod val="200000"/>
+                      </a:schemeClr>
+                    </a:gs>
+                    <a:gs pos="78000">
+                      <a:schemeClr val="accent6">
+                        <a:tint val="90000"/>
+                        <a:shade val="89000"/>
+                        <a:satMod val="220000"/>
+                      </a:schemeClr>
+                    </a:gs>
+                    <a:gs pos="100000">
+                      <a:schemeClr val="accent6">
+                        <a:tint val="12000"/>
+                        <a:satMod val="255000"/>
+                      </a:schemeClr>
+                    </a:gs>
+                  </a:gsLst>
+                  <a:lin ang="5400000"/>
+                </a:gradFill>
+                <a:effectLst>
+                  <a:innerShdw blurRad="69850" dist="43180" dir="5400000">
+                    <a:srgbClr val="000000">
+                      <a:alpha val="65000"/>
+                    </a:srgbClr>
+                  </a:innerShdw>
+                </a:effectLst>
+              </a:rPr>
+              <a:t>تهیه و تنظیم : سید حیدر علوی</a:t>
+            </a:r>
+            <a:endParaRPr lang="en-US" sz="1000" b="1" dirty="0">
+              <a:ln w="1905"/>
+              <a:gradFill>
+                <a:gsLst>
+                  <a:gs pos="0">
+                    <a:schemeClr val="accent6">
+                      <a:shade val="20000"/>
+                      <a:satMod val="200000"/>
+                    </a:schemeClr>
+                  </a:gs>
+                  <a:gs pos="78000">
+                    <a:schemeClr val="accent6">
+                      <a:tint val="90000"/>
+                      <a:shade val="89000"/>
+                      <a:satMod val="220000"/>
+                    </a:schemeClr>
+                  </a:gs>
+                  <a:gs pos="100000">
+                    <a:schemeClr val="accent6">
+                      <a:tint val="12000"/>
+                      <a:satMod val="255000"/>
+                    </a:schemeClr>
+                  </a:gs>
+                </a:gsLst>
+                <a:lin ang="5400000"/>
+              </a:gradFill>
+              <a:effectLst>
+                <a:innerShdw blurRad="69850" dist="43180" dir="5400000">
+                  <a:srgbClr val="000000">
+                    <a:alpha val="65000"/>
+                  </a:srgbClr>
+                </a:innerShdw>
+              </a:effectLst>
+            </a:endParaRPr>
+          </a:p>
+        </p:txBody>
+      </p:sp>
+      <p:sp>
+        <p:nvSpPr>
+          <p:cNvPr id="13" name="TextBox 12"/>
+          <p:cNvSpPr txBox="1"/>
+          <p:nvPr/>
+        </p:nvSpPr>
+        <p:spPr>
+          <a:xfrm>
+            <a:off x="2185922" y="91824"/>
+            <a:ext cx="5477798" cy="646331"/>
+          </a:xfrm>
+          <a:prstGeom prst="rect">
+            <a:avLst/>
+          </a:prstGeom>
+          <a:noFill/>
+        </p:spPr>
+        <p:txBody>
+          <a:bodyPr wrap="square" rtlCol="0">
+            <a:spAutoFit/>
+          </a:bodyPr>
+          <a:lstStyle/>
+          <a:p>
+            <a:r>
+              <a:rPr lang="en-US" sz="3600" b="1" dirty="0">
+                <a:ln w="1905"/>
+                <a:gradFill>
+                  <a:gsLst>
+                    <a:gs pos="0">
+                      <a:schemeClr val="accent6">
+                        <a:shade val="20000"/>
+                        <a:satMod val="200000"/>
+                      </a:schemeClr>
+                    </a:gs>
+                    <a:gs pos="78000">
+                      <a:schemeClr val="accent6">
+                        <a:tint val="90000"/>
+                        <a:shade val="89000"/>
+                        <a:satMod val="220000"/>
+                      </a:schemeClr>
+                    </a:gs>
+                    <a:gs pos="100000">
+                      <a:schemeClr val="accent6">
+                        <a:tint val="12000"/>
+                        <a:satMod val="255000"/>
+                      </a:schemeClr>
+                    </a:gs>
+                  </a:gsLst>
+                  <a:lin ang="5400000"/>
+                </a:gradFill>
+                <a:effectLst>
+                  <a:innerShdw blurRad="69850" dist="43180" dir="5400000">
+                    <a:srgbClr val="000000">
+                      <a:alpha val="65000"/>
+                    </a:srgbClr>
+                  </a:innerShdw>
+                </a:effectLst>
+              </a:rPr>
+              <a:t>NumPy Splitting Array</a:t>
+            </a:r>
+          </a:p>
+        </p:txBody>
+      </p:sp>
+      <p:sp>
+        <p:nvSpPr>
+          <p:cNvPr id="9" name="Rectangle 8">
+            <a:extLst>
+              <a:ext uri="{FF2B5EF4-FFF2-40B4-BE49-F238E27FC236}">
+                <a16:creationId xmlns:a16="http://schemas.microsoft.com/office/drawing/2014/main" id="{AE259FB9-1872-47CB-A97E-46EC9F196E07}"/>
+              </a:ext>
+            </a:extLst>
+          </p:cNvPr>
+          <p:cNvSpPr/>
+          <p:nvPr/>
+        </p:nvSpPr>
+        <p:spPr>
+          <a:xfrm>
+            <a:off x="4219179" y="6572271"/>
+            <a:ext cx="705642" cy="246221"/>
+          </a:xfrm>
+          <a:prstGeom prst="rect">
+            <a:avLst/>
+          </a:prstGeom>
+          <a:noFill/>
+        </p:spPr>
+        <p:txBody>
+          <a:bodyPr wrap="none" lIns="91440" tIns="45720" rIns="91440" bIns="45720">
+            <a:spAutoFit/>
+          </a:bodyPr>
+          <a:lstStyle/>
+          <a:p>
+            <a:pPr algn="ctr" rtl="1"/>
+            <a:r>
+              <a:rPr lang="fa-IR" sz="1000" b="1" dirty="0">
+                <a:ln w="1905"/>
+                <a:gradFill>
+                  <a:gsLst>
+                    <a:gs pos="0">
+                      <a:schemeClr val="accent6">
+                        <a:shade val="20000"/>
+                        <a:satMod val="200000"/>
+                      </a:schemeClr>
+                    </a:gs>
+                    <a:gs pos="78000">
+                      <a:schemeClr val="accent6">
+                        <a:tint val="90000"/>
+                        <a:shade val="89000"/>
+                        <a:satMod val="220000"/>
+                      </a:schemeClr>
+                    </a:gs>
+                    <a:gs pos="100000">
+                      <a:schemeClr val="accent6">
+                        <a:tint val="12000"/>
+                        <a:satMod val="255000"/>
+                      </a:schemeClr>
+                    </a:gs>
+                  </a:gsLst>
+                  <a:lin ang="5400000"/>
+                </a:gradFill>
+                <a:effectLst>
+                  <a:innerShdw blurRad="69850" dist="43180" dir="5400000">
+                    <a:srgbClr val="000000">
+                      <a:alpha val="65000"/>
+                    </a:srgbClr>
+                  </a:innerShdw>
+                </a:effectLst>
+              </a:rPr>
+              <a:t>تابستان 1401</a:t>
+            </a:r>
+            <a:endParaRPr lang="en-US" sz="1000" b="1" dirty="0">
+              <a:ln w="1905"/>
+              <a:gradFill>
+                <a:gsLst>
+                  <a:gs pos="0">
+                    <a:schemeClr val="accent6">
+                      <a:shade val="20000"/>
+                      <a:satMod val="200000"/>
+                    </a:schemeClr>
+                  </a:gs>
+                  <a:gs pos="78000">
+                    <a:schemeClr val="accent6">
+                      <a:tint val="90000"/>
+                      <a:shade val="89000"/>
+                      <a:satMod val="220000"/>
+                    </a:schemeClr>
+                  </a:gs>
+                  <a:gs pos="100000">
+                    <a:schemeClr val="accent6">
+                      <a:tint val="12000"/>
+                      <a:satMod val="255000"/>
+                    </a:schemeClr>
+                  </a:gs>
+                </a:gsLst>
+                <a:lin ang="5400000"/>
+              </a:gradFill>
+              <a:effectLst>
+                <a:innerShdw blurRad="69850" dist="43180" dir="5400000">
+                  <a:srgbClr val="000000">
+                    <a:alpha val="65000"/>
+                  </a:srgbClr>
+                </a:innerShdw>
+              </a:effectLst>
+            </a:endParaRPr>
+          </a:p>
+        </p:txBody>
+      </p:sp>
+      <p:sp>
+        <p:nvSpPr>
+          <p:cNvPr id="10" name="Rectangle 9">
+            <a:extLst>
+              <a:ext uri="{FF2B5EF4-FFF2-40B4-BE49-F238E27FC236}">
+                <a16:creationId xmlns:a16="http://schemas.microsoft.com/office/drawing/2014/main" id="{46913DD9-CDA3-43FD-AD19-429E0308D71B}"/>
+              </a:ext>
+            </a:extLst>
+          </p:cNvPr>
+          <p:cNvSpPr/>
+          <p:nvPr/>
+        </p:nvSpPr>
+        <p:spPr>
+          <a:xfrm>
+            <a:off x="1795886" y="6572272"/>
+            <a:ext cx="615874" cy="246221"/>
+          </a:xfrm>
+          <a:prstGeom prst="rect">
+            <a:avLst/>
+          </a:prstGeom>
+          <a:noFill/>
+        </p:spPr>
+        <p:txBody>
+          <a:bodyPr wrap="none" lIns="91440" tIns="45720" rIns="91440" bIns="45720">
+            <a:spAutoFit/>
+          </a:bodyPr>
+          <a:lstStyle/>
+          <a:p>
+            <a:pPr algn="ctr" rtl="1"/>
+            <a:r>
+              <a:rPr lang="en-US" sz="1000" b="1" dirty="0">
+                <a:ln w="1905"/>
+                <a:gradFill>
+                  <a:gsLst>
+                    <a:gs pos="0">
+                      <a:schemeClr val="accent6">
+                        <a:shade val="20000"/>
+                        <a:satMod val="200000"/>
+                      </a:schemeClr>
+                    </a:gs>
+                    <a:gs pos="78000">
+                      <a:schemeClr val="accent6">
+                        <a:tint val="90000"/>
+                        <a:shade val="89000"/>
+                        <a:satMod val="220000"/>
+                      </a:schemeClr>
+                    </a:gs>
+                    <a:gs pos="100000">
+                      <a:schemeClr val="accent6">
+                        <a:tint val="12000"/>
+                        <a:satMod val="255000"/>
+                      </a:schemeClr>
+                    </a:gs>
+                  </a:gsLst>
+                  <a:lin ang="5400000"/>
+                </a:gradFill>
+                <a:effectLst>
+                  <a:innerShdw blurRad="69850" dist="43180" dir="5400000">
+                    <a:srgbClr val="000000">
+                      <a:alpha val="65000"/>
+                    </a:srgbClr>
+                  </a:innerShdw>
+                </a:effectLst>
+              </a:rPr>
+              <a:t>Page: </a:t>
+            </a:r>
+            <a:fld id="{14AD6811-EE99-4BEB-8435-24D1DDA55D92}" type="slidenum">
+              <a:rPr lang="en-US" sz="1000" b="1" smtClean="0">
+                <a:ln w="1905"/>
+                <a:gradFill>
+                  <a:gsLst>
+                    <a:gs pos="0">
+                      <a:schemeClr val="accent6">
+                        <a:shade val="20000"/>
+                        <a:satMod val="200000"/>
+                      </a:schemeClr>
+                    </a:gs>
+                    <a:gs pos="78000">
+                      <a:schemeClr val="accent6">
+                        <a:tint val="90000"/>
+                        <a:shade val="89000"/>
+                        <a:satMod val="220000"/>
+                      </a:schemeClr>
+                    </a:gs>
+                    <a:gs pos="100000">
+                      <a:schemeClr val="accent6">
+                        <a:tint val="12000"/>
+                        <a:satMod val="255000"/>
+                      </a:schemeClr>
+                    </a:gs>
+                  </a:gsLst>
+                  <a:lin ang="5400000"/>
+                </a:gradFill>
+                <a:effectLst>
+                  <a:innerShdw blurRad="69850" dist="43180" dir="5400000">
+                    <a:srgbClr val="000000">
+                      <a:alpha val="65000"/>
+                    </a:srgbClr>
+                  </a:innerShdw>
+                </a:effectLst>
+              </a:rPr>
+              <a:t>25</a:t>
+            </a:fld>
+            <a:endParaRPr lang="en-US" sz="1000" b="1" dirty="0">
+              <a:ln w="1905"/>
+              <a:gradFill>
+                <a:gsLst>
+                  <a:gs pos="0">
+                    <a:schemeClr val="accent6">
+                      <a:shade val="20000"/>
+                      <a:satMod val="200000"/>
+                    </a:schemeClr>
+                  </a:gs>
+                  <a:gs pos="78000">
+                    <a:schemeClr val="accent6">
+                      <a:tint val="90000"/>
+                      <a:shade val="89000"/>
+                      <a:satMod val="220000"/>
+                    </a:schemeClr>
+                  </a:gs>
+                  <a:gs pos="100000">
+                    <a:schemeClr val="accent6">
+                      <a:tint val="12000"/>
+                      <a:satMod val="255000"/>
+                    </a:schemeClr>
+                  </a:gs>
+                </a:gsLst>
+                <a:lin ang="5400000"/>
+              </a:gradFill>
+              <a:effectLst>
+                <a:innerShdw blurRad="69850" dist="43180" dir="5400000">
+                  <a:srgbClr val="000000">
+                    <a:alpha val="65000"/>
+                  </a:srgbClr>
+                </a:innerShdw>
+              </a:effectLst>
+            </a:endParaRPr>
+          </a:p>
+        </p:txBody>
+      </p:sp>
+      <p:pic>
+        <p:nvPicPr>
+          <p:cNvPr id="4" name="Picture 3">
+            <a:extLst>
+              <a:ext uri="{FF2B5EF4-FFF2-40B4-BE49-F238E27FC236}">
+                <a16:creationId xmlns:a16="http://schemas.microsoft.com/office/drawing/2014/main" id="{F3625243-9805-4010-9491-688C02CA4108}"/>
+              </a:ext>
+            </a:extLst>
+          </p:cNvPr>
+          <p:cNvPicPr>
+            <a:picLocks noChangeAspect="1"/>
+          </p:cNvPicPr>
+          <p:nvPr/>
+        </p:nvPicPr>
+        <p:blipFill>
+          <a:blip r:embed="rId2" cstate="print">
+            <a:extLst>
+              <a:ext uri="{28A0092B-C50C-407E-A947-70E740481C1C}">
+                <a14:useLocalDpi xmlns:a14="http://schemas.microsoft.com/office/drawing/2010/main" val="0"/>
+              </a:ext>
+            </a:extLst>
+          </a:blip>
+          <a:stretch>
+            <a:fillRect/>
+          </a:stretch>
+        </p:blipFill>
+        <p:spPr>
+          <a:xfrm>
+            <a:off x="8343133" y="6104393"/>
+            <a:ext cx="765371" cy="780991"/>
+          </a:xfrm>
+          <a:prstGeom prst="rect">
+            <a:avLst/>
+          </a:prstGeom>
+        </p:spPr>
+      </p:pic>
+      <p:pic>
+        <p:nvPicPr>
+          <p:cNvPr id="17" name="Picture 16">
+            <a:extLst>
+              <a:ext uri="{FF2B5EF4-FFF2-40B4-BE49-F238E27FC236}">
+                <a16:creationId xmlns:a16="http://schemas.microsoft.com/office/drawing/2014/main" id="{671CD04D-E9F8-4950-836D-431AD3EA459A}"/>
+              </a:ext>
+            </a:extLst>
+          </p:cNvPr>
+          <p:cNvPicPr>
+            <a:picLocks noChangeAspect="1"/>
+          </p:cNvPicPr>
+          <p:nvPr/>
+        </p:nvPicPr>
+        <p:blipFill>
+          <a:blip r:embed="rId3" cstate="print">
+            <a:extLst>
+              <a:ext uri="{28A0092B-C50C-407E-A947-70E740481C1C}">
+                <a14:useLocalDpi xmlns:a14="http://schemas.microsoft.com/office/drawing/2010/main" val="0"/>
+              </a:ext>
+            </a:extLst>
+          </a:blip>
+          <a:srcRect/>
+          <a:stretch/>
+        </p:blipFill>
+        <p:spPr>
+          <a:xfrm>
+            <a:off x="49346" y="6165304"/>
+            <a:ext cx="1548718" cy="522459"/>
+          </a:xfrm>
+          <a:prstGeom prst="rect">
+            <a:avLst/>
+          </a:prstGeom>
+        </p:spPr>
+      </p:pic>
+      <p:pic>
+        <p:nvPicPr>
+          <p:cNvPr id="5" name="Picture 4">
+            <a:extLst>
+              <a:ext uri="{FF2B5EF4-FFF2-40B4-BE49-F238E27FC236}">
+                <a16:creationId xmlns:a16="http://schemas.microsoft.com/office/drawing/2014/main" id="{F6C60D2D-9DE5-619D-F4FE-D78590416873}"/>
+              </a:ext>
+            </a:extLst>
+          </p:cNvPr>
+          <p:cNvPicPr>
+            <a:picLocks noChangeAspect="1"/>
+          </p:cNvPicPr>
+          <p:nvPr/>
+        </p:nvPicPr>
+        <p:blipFill rotWithShape="1">
+          <a:blip r:embed="rId4"/>
+          <a:srcRect l="12201" t="28990" r="12201" b="27589"/>
+          <a:stretch/>
+        </p:blipFill>
+        <p:spPr>
+          <a:xfrm>
+            <a:off x="49346" y="810968"/>
+            <a:ext cx="9059158" cy="4778269"/>
+          </a:xfrm>
+          <a:prstGeom prst="rect">
+            <a:avLst/>
+          </a:prstGeom>
+        </p:spPr>
+      </p:pic>
+    </p:spTree>
+    <p:extLst>
+      <p:ext uri="{BB962C8B-B14F-4D97-AF65-F5344CB8AC3E}">
+        <p14:creationId xmlns:p14="http://schemas.microsoft.com/office/powerpoint/2010/main" val="340074048"/>
+      </p:ext>
+    </p:extLst>
+  </p:cSld>
+  <p:clrMapOvr>
+    <a:masterClrMapping/>
+  </p:clrMapOvr>
+</p:sld>
+</file>
+
+<file path=ppt/slides/slide26.xml><?xml version="1.0" encoding="utf-8"?>
+<p:sld xmlns:a="http://schemas.openxmlformats.org/drawingml/2006/main" xmlns:r="http://schemas.openxmlformats.org/officeDocument/2006/relationships" xmlns:p="http://schemas.openxmlformats.org/presentationml/2006/main">
+  <p:cSld>
+    <p:bg>
+      <p:bgPr>
+        <a:solidFill>
+          <a:schemeClr val="bg1"/>
+        </a:solidFill>
+        <a:effectLst/>
+      </p:bgPr>
+    </p:bg>
+    <p:spTree>
+      <p:nvGrpSpPr>
+        <p:cNvPr id="1" name=""/>
+        <p:cNvGrpSpPr/>
+        <p:nvPr/>
+      </p:nvGrpSpPr>
+      <p:grpSpPr>
+        <a:xfrm>
+          <a:off x="0" y="0"/>
+          <a:ext cx="0" cy="0"/>
+          <a:chOff x="0" y="0"/>
+          <a:chExt cx="0" cy="0"/>
+        </a:xfrm>
+      </p:grpSpPr>
+      <p:cxnSp>
+        <p:nvCxnSpPr>
+          <p:cNvPr id="8" name="Straight Connector 7"/>
+          <p:cNvCxnSpPr>
+            <a:cxnSpLocks/>
+          </p:cNvCxnSpPr>
+          <p:nvPr/>
+        </p:nvCxnSpPr>
+        <p:spPr>
+          <a:xfrm>
+            <a:off x="1763688" y="6499457"/>
+            <a:ext cx="6480720" cy="0"/>
+          </a:xfrm>
+          <a:prstGeom prst="line">
+            <a:avLst/>
+          </a:prstGeom>
+        </p:spPr>
+        <p:style>
+          <a:lnRef idx="2">
+            <a:schemeClr val="dk1"/>
+          </a:lnRef>
+          <a:fillRef idx="0">
+            <a:schemeClr val="dk1"/>
+          </a:fillRef>
+          <a:effectRef idx="1">
+            <a:schemeClr val="dk1"/>
+          </a:effectRef>
+          <a:fontRef idx="minor">
+            <a:schemeClr val="tx1"/>
+          </a:fontRef>
+        </p:style>
+      </p:cxnSp>
+      <p:sp>
+        <p:nvSpPr>
+          <p:cNvPr id="11" name="Rectangle 10"/>
+          <p:cNvSpPr/>
+          <p:nvPr/>
+        </p:nvSpPr>
+        <p:spPr>
+          <a:xfrm>
+            <a:off x="6804248" y="6572272"/>
+            <a:ext cx="1345240" cy="246221"/>
+          </a:xfrm>
+          <a:prstGeom prst="rect">
+            <a:avLst/>
+          </a:prstGeom>
+          <a:noFill/>
+        </p:spPr>
+        <p:txBody>
+          <a:bodyPr wrap="none" lIns="91440" tIns="45720" rIns="91440" bIns="45720">
+            <a:spAutoFit/>
+          </a:bodyPr>
+          <a:lstStyle/>
+          <a:p>
+            <a:pPr algn="ctr" rtl="1"/>
+            <a:r>
+              <a:rPr lang="fa-IR" sz="1000" b="1" dirty="0">
+                <a:ln w="1905"/>
+                <a:gradFill>
+                  <a:gsLst>
+                    <a:gs pos="0">
+                      <a:schemeClr val="accent6">
+                        <a:shade val="20000"/>
+                        <a:satMod val="200000"/>
+                      </a:schemeClr>
+                    </a:gs>
+                    <a:gs pos="78000">
+                      <a:schemeClr val="accent6">
+                        <a:tint val="90000"/>
+                        <a:shade val="89000"/>
+                        <a:satMod val="220000"/>
+                      </a:schemeClr>
+                    </a:gs>
+                    <a:gs pos="100000">
+                      <a:schemeClr val="accent6">
+                        <a:tint val="12000"/>
+                        <a:satMod val="255000"/>
+                      </a:schemeClr>
+                    </a:gs>
+                  </a:gsLst>
+                  <a:lin ang="5400000"/>
+                </a:gradFill>
+                <a:effectLst>
+                  <a:innerShdw blurRad="69850" dist="43180" dir="5400000">
+                    <a:srgbClr val="000000">
+                      <a:alpha val="65000"/>
+                    </a:srgbClr>
+                  </a:innerShdw>
+                </a:effectLst>
+              </a:rPr>
+              <a:t>تهیه و تنظیم : سید حیدر علوی</a:t>
+            </a:r>
+            <a:endParaRPr lang="en-US" sz="1000" b="1" dirty="0">
+              <a:ln w="1905"/>
+              <a:gradFill>
+                <a:gsLst>
+                  <a:gs pos="0">
+                    <a:schemeClr val="accent6">
+                      <a:shade val="20000"/>
+                      <a:satMod val="200000"/>
+                    </a:schemeClr>
+                  </a:gs>
+                  <a:gs pos="78000">
+                    <a:schemeClr val="accent6">
+                      <a:tint val="90000"/>
+                      <a:shade val="89000"/>
+                      <a:satMod val="220000"/>
+                    </a:schemeClr>
+                  </a:gs>
+                  <a:gs pos="100000">
+                    <a:schemeClr val="accent6">
+                      <a:tint val="12000"/>
+                      <a:satMod val="255000"/>
+                    </a:schemeClr>
+                  </a:gs>
+                </a:gsLst>
+                <a:lin ang="5400000"/>
+              </a:gradFill>
+              <a:effectLst>
+                <a:innerShdw blurRad="69850" dist="43180" dir="5400000">
+                  <a:srgbClr val="000000">
+                    <a:alpha val="65000"/>
+                  </a:srgbClr>
+                </a:innerShdw>
+              </a:effectLst>
+            </a:endParaRPr>
+          </a:p>
+        </p:txBody>
+      </p:sp>
+      <p:sp>
+        <p:nvSpPr>
+          <p:cNvPr id="13" name="TextBox 12"/>
+          <p:cNvSpPr txBox="1"/>
+          <p:nvPr/>
+        </p:nvSpPr>
+        <p:spPr>
+          <a:xfrm>
+            <a:off x="2341770" y="91823"/>
+            <a:ext cx="4474310" cy="646331"/>
+          </a:xfrm>
+          <a:prstGeom prst="rect">
+            <a:avLst/>
+          </a:prstGeom>
+          <a:noFill/>
+        </p:spPr>
+        <p:txBody>
+          <a:bodyPr wrap="square" rtlCol="0">
+            <a:spAutoFit/>
+          </a:bodyPr>
+          <a:lstStyle/>
+          <a:p>
+            <a:r>
+              <a:rPr lang="en-US" sz="3600" b="1" dirty="0">
+                <a:ln w="1905"/>
+                <a:gradFill>
+                  <a:gsLst>
+                    <a:gs pos="0">
+                      <a:schemeClr val="accent6">
+                        <a:shade val="20000"/>
+                        <a:satMod val="200000"/>
+                      </a:schemeClr>
+                    </a:gs>
+                    <a:gs pos="78000">
+                      <a:schemeClr val="accent6">
+                        <a:tint val="90000"/>
+                        <a:shade val="89000"/>
+                        <a:satMod val="220000"/>
+                      </a:schemeClr>
+                    </a:gs>
+                    <a:gs pos="100000">
+                      <a:schemeClr val="accent6">
+                        <a:tint val="12000"/>
+                        <a:satMod val="255000"/>
+                      </a:schemeClr>
+                    </a:gs>
+                  </a:gsLst>
+                  <a:lin ang="5400000"/>
+                </a:gradFill>
+                <a:effectLst>
+                  <a:innerShdw blurRad="69850" dist="43180" dir="5400000">
+                    <a:srgbClr val="000000">
+                      <a:alpha val="65000"/>
+                    </a:srgbClr>
+                  </a:innerShdw>
+                </a:effectLst>
+              </a:rPr>
+              <a:t>NumPy Filter Array</a:t>
+            </a:r>
+          </a:p>
+        </p:txBody>
+      </p:sp>
+      <p:sp>
+        <p:nvSpPr>
+          <p:cNvPr id="9" name="Rectangle 8">
+            <a:extLst>
+              <a:ext uri="{FF2B5EF4-FFF2-40B4-BE49-F238E27FC236}">
+                <a16:creationId xmlns:a16="http://schemas.microsoft.com/office/drawing/2014/main" id="{AE259FB9-1872-47CB-A97E-46EC9F196E07}"/>
+              </a:ext>
+            </a:extLst>
+          </p:cNvPr>
+          <p:cNvSpPr/>
+          <p:nvPr/>
+        </p:nvSpPr>
+        <p:spPr>
+          <a:xfrm>
+            <a:off x="4219179" y="6572271"/>
+            <a:ext cx="705642" cy="246221"/>
+          </a:xfrm>
+          <a:prstGeom prst="rect">
+            <a:avLst/>
+          </a:prstGeom>
+          <a:noFill/>
+        </p:spPr>
+        <p:txBody>
+          <a:bodyPr wrap="none" lIns="91440" tIns="45720" rIns="91440" bIns="45720">
+            <a:spAutoFit/>
+          </a:bodyPr>
+          <a:lstStyle/>
+          <a:p>
+            <a:pPr algn="ctr" rtl="1"/>
+            <a:r>
+              <a:rPr lang="fa-IR" sz="1000" b="1" dirty="0">
+                <a:ln w="1905"/>
+                <a:gradFill>
+                  <a:gsLst>
+                    <a:gs pos="0">
+                      <a:schemeClr val="accent6">
+                        <a:shade val="20000"/>
+                        <a:satMod val="200000"/>
+                      </a:schemeClr>
+                    </a:gs>
+                    <a:gs pos="78000">
+                      <a:schemeClr val="accent6">
+                        <a:tint val="90000"/>
+                        <a:shade val="89000"/>
+                        <a:satMod val="220000"/>
+                      </a:schemeClr>
+                    </a:gs>
+                    <a:gs pos="100000">
+                      <a:schemeClr val="accent6">
+                        <a:tint val="12000"/>
+                        <a:satMod val="255000"/>
+                      </a:schemeClr>
+                    </a:gs>
+                  </a:gsLst>
+                  <a:lin ang="5400000"/>
+                </a:gradFill>
+                <a:effectLst>
+                  <a:innerShdw blurRad="69850" dist="43180" dir="5400000">
+                    <a:srgbClr val="000000">
+                      <a:alpha val="65000"/>
+                    </a:srgbClr>
+                  </a:innerShdw>
+                </a:effectLst>
+              </a:rPr>
+              <a:t>تابستان 1401</a:t>
+            </a:r>
+            <a:endParaRPr lang="en-US" sz="1000" b="1" dirty="0">
+              <a:ln w="1905"/>
+              <a:gradFill>
+                <a:gsLst>
+                  <a:gs pos="0">
+                    <a:schemeClr val="accent6">
+                      <a:shade val="20000"/>
+                      <a:satMod val="200000"/>
+                    </a:schemeClr>
+                  </a:gs>
+                  <a:gs pos="78000">
+                    <a:schemeClr val="accent6">
+                      <a:tint val="90000"/>
+                      <a:shade val="89000"/>
+                      <a:satMod val="220000"/>
+                    </a:schemeClr>
+                  </a:gs>
+                  <a:gs pos="100000">
+                    <a:schemeClr val="accent6">
+                      <a:tint val="12000"/>
+                      <a:satMod val="255000"/>
+                    </a:schemeClr>
+                  </a:gs>
+                </a:gsLst>
+                <a:lin ang="5400000"/>
+              </a:gradFill>
+              <a:effectLst>
+                <a:innerShdw blurRad="69850" dist="43180" dir="5400000">
+                  <a:srgbClr val="000000">
+                    <a:alpha val="65000"/>
+                  </a:srgbClr>
+                </a:innerShdw>
+              </a:effectLst>
+            </a:endParaRPr>
+          </a:p>
+        </p:txBody>
+      </p:sp>
+      <p:sp>
+        <p:nvSpPr>
+          <p:cNvPr id="10" name="Rectangle 9">
+            <a:extLst>
+              <a:ext uri="{FF2B5EF4-FFF2-40B4-BE49-F238E27FC236}">
+                <a16:creationId xmlns:a16="http://schemas.microsoft.com/office/drawing/2014/main" id="{46913DD9-CDA3-43FD-AD19-429E0308D71B}"/>
+              </a:ext>
+            </a:extLst>
+          </p:cNvPr>
+          <p:cNvSpPr/>
+          <p:nvPr/>
+        </p:nvSpPr>
+        <p:spPr>
+          <a:xfrm>
+            <a:off x="1795886" y="6572272"/>
+            <a:ext cx="615874" cy="246221"/>
+          </a:xfrm>
+          <a:prstGeom prst="rect">
+            <a:avLst/>
+          </a:prstGeom>
+          <a:noFill/>
+        </p:spPr>
+        <p:txBody>
+          <a:bodyPr wrap="none" lIns="91440" tIns="45720" rIns="91440" bIns="45720">
+            <a:spAutoFit/>
+          </a:bodyPr>
+          <a:lstStyle/>
+          <a:p>
+            <a:pPr algn="ctr" rtl="1"/>
+            <a:r>
+              <a:rPr lang="en-US" sz="1000" b="1" dirty="0">
+                <a:ln w="1905"/>
+                <a:gradFill>
+                  <a:gsLst>
+                    <a:gs pos="0">
+                      <a:schemeClr val="accent6">
+                        <a:shade val="20000"/>
+                        <a:satMod val="200000"/>
+                      </a:schemeClr>
+                    </a:gs>
+                    <a:gs pos="78000">
+                      <a:schemeClr val="accent6">
+                        <a:tint val="90000"/>
+                        <a:shade val="89000"/>
+                        <a:satMod val="220000"/>
+                      </a:schemeClr>
+                    </a:gs>
+                    <a:gs pos="100000">
+                      <a:schemeClr val="accent6">
+                        <a:tint val="12000"/>
+                        <a:satMod val="255000"/>
+                      </a:schemeClr>
+                    </a:gs>
+                  </a:gsLst>
+                  <a:lin ang="5400000"/>
+                </a:gradFill>
+                <a:effectLst>
+                  <a:innerShdw blurRad="69850" dist="43180" dir="5400000">
+                    <a:srgbClr val="000000">
+                      <a:alpha val="65000"/>
+                    </a:srgbClr>
+                  </a:innerShdw>
+                </a:effectLst>
+              </a:rPr>
+              <a:t>Page: </a:t>
+            </a:r>
+            <a:fld id="{14AD6811-EE99-4BEB-8435-24D1DDA55D92}" type="slidenum">
+              <a:rPr lang="en-US" sz="1000" b="1" smtClean="0">
+                <a:ln w="1905"/>
+                <a:gradFill>
+                  <a:gsLst>
+                    <a:gs pos="0">
+                      <a:schemeClr val="accent6">
+                        <a:shade val="20000"/>
+                        <a:satMod val="200000"/>
+                      </a:schemeClr>
+                    </a:gs>
+                    <a:gs pos="78000">
+                      <a:schemeClr val="accent6">
+                        <a:tint val="90000"/>
+                        <a:shade val="89000"/>
+                        <a:satMod val="220000"/>
+                      </a:schemeClr>
+                    </a:gs>
+                    <a:gs pos="100000">
+                      <a:schemeClr val="accent6">
+                        <a:tint val="12000"/>
+                        <a:satMod val="255000"/>
+                      </a:schemeClr>
+                    </a:gs>
+                  </a:gsLst>
+                  <a:lin ang="5400000"/>
+                </a:gradFill>
+                <a:effectLst>
+                  <a:innerShdw blurRad="69850" dist="43180" dir="5400000">
+                    <a:srgbClr val="000000">
+                      <a:alpha val="65000"/>
+                    </a:srgbClr>
+                  </a:innerShdw>
+                </a:effectLst>
+              </a:rPr>
+              <a:t>26</a:t>
+            </a:fld>
+            <a:endParaRPr lang="en-US" sz="1000" b="1" dirty="0">
+              <a:ln w="1905"/>
+              <a:gradFill>
+                <a:gsLst>
+                  <a:gs pos="0">
+                    <a:schemeClr val="accent6">
+                      <a:shade val="20000"/>
+                      <a:satMod val="200000"/>
+                    </a:schemeClr>
+                  </a:gs>
+                  <a:gs pos="78000">
+                    <a:schemeClr val="accent6">
+                      <a:tint val="90000"/>
+                      <a:shade val="89000"/>
+                      <a:satMod val="220000"/>
+                    </a:schemeClr>
+                  </a:gs>
+                  <a:gs pos="100000">
+                    <a:schemeClr val="accent6">
+                      <a:tint val="12000"/>
+                      <a:satMod val="255000"/>
+                    </a:schemeClr>
+                  </a:gs>
+                </a:gsLst>
+                <a:lin ang="5400000"/>
+              </a:gradFill>
+              <a:effectLst>
+                <a:innerShdw blurRad="69850" dist="43180" dir="5400000">
+                  <a:srgbClr val="000000">
+                    <a:alpha val="65000"/>
+                  </a:srgbClr>
+                </a:innerShdw>
+              </a:effectLst>
+            </a:endParaRPr>
+          </a:p>
+        </p:txBody>
+      </p:sp>
+      <p:pic>
+        <p:nvPicPr>
+          <p:cNvPr id="4" name="Picture 3">
+            <a:extLst>
+              <a:ext uri="{FF2B5EF4-FFF2-40B4-BE49-F238E27FC236}">
+                <a16:creationId xmlns:a16="http://schemas.microsoft.com/office/drawing/2014/main" id="{F3625243-9805-4010-9491-688C02CA4108}"/>
+              </a:ext>
+            </a:extLst>
+          </p:cNvPr>
+          <p:cNvPicPr>
+            <a:picLocks noChangeAspect="1"/>
+          </p:cNvPicPr>
+          <p:nvPr/>
+        </p:nvPicPr>
+        <p:blipFill>
+          <a:blip r:embed="rId2" cstate="print">
+            <a:extLst>
+              <a:ext uri="{28A0092B-C50C-407E-A947-70E740481C1C}">
+                <a14:useLocalDpi xmlns:a14="http://schemas.microsoft.com/office/drawing/2010/main" val="0"/>
+              </a:ext>
+            </a:extLst>
+          </a:blip>
+          <a:stretch>
+            <a:fillRect/>
+          </a:stretch>
+        </p:blipFill>
+        <p:spPr>
+          <a:xfrm>
+            <a:off x="8343133" y="6104393"/>
+            <a:ext cx="765371" cy="780991"/>
+          </a:xfrm>
+          <a:prstGeom prst="rect">
+            <a:avLst/>
+          </a:prstGeom>
+        </p:spPr>
+      </p:pic>
+      <p:pic>
+        <p:nvPicPr>
+          <p:cNvPr id="17" name="Picture 16">
+            <a:extLst>
+              <a:ext uri="{FF2B5EF4-FFF2-40B4-BE49-F238E27FC236}">
+                <a16:creationId xmlns:a16="http://schemas.microsoft.com/office/drawing/2014/main" id="{671CD04D-E9F8-4950-836D-431AD3EA459A}"/>
+              </a:ext>
+            </a:extLst>
+          </p:cNvPr>
+          <p:cNvPicPr>
+            <a:picLocks noChangeAspect="1"/>
+          </p:cNvPicPr>
+          <p:nvPr/>
+        </p:nvPicPr>
+        <p:blipFill>
+          <a:blip r:embed="rId3" cstate="print">
+            <a:extLst>
+              <a:ext uri="{28A0092B-C50C-407E-A947-70E740481C1C}">
+                <a14:useLocalDpi xmlns:a14="http://schemas.microsoft.com/office/drawing/2010/main" val="0"/>
+              </a:ext>
+            </a:extLst>
+          </a:blip>
+          <a:srcRect/>
+          <a:stretch/>
+        </p:blipFill>
+        <p:spPr>
+          <a:xfrm>
+            <a:off x="49346" y="6165304"/>
+            <a:ext cx="1548718" cy="522459"/>
+          </a:xfrm>
+          <a:prstGeom prst="rect">
+            <a:avLst/>
+          </a:prstGeom>
+        </p:spPr>
+      </p:pic>
+      <p:pic>
+        <p:nvPicPr>
+          <p:cNvPr id="3" name="Picture 2">
+            <a:extLst>
+              <a:ext uri="{FF2B5EF4-FFF2-40B4-BE49-F238E27FC236}">
+                <a16:creationId xmlns:a16="http://schemas.microsoft.com/office/drawing/2014/main" id="{55B48C6F-90C7-58B8-EFA7-8D8868ABD140}"/>
+              </a:ext>
+            </a:extLst>
+          </p:cNvPr>
+          <p:cNvPicPr>
+            <a:picLocks noChangeAspect="1"/>
+          </p:cNvPicPr>
+          <p:nvPr/>
+        </p:nvPicPr>
+        <p:blipFill rotWithShape="1">
+          <a:blip r:embed="rId4"/>
+          <a:srcRect l="12988" t="28990" r="12988" b="20586"/>
+          <a:stretch/>
+        </p:blipFill>
+        <p:spPr>
+          <a:xfrm>
+            <a:off x="49346" y="810967"/>
+            <a:ext cx="9059158" cy="5066305"/>
+          </a:xfrm>
+          <a:prstGeom prst="rect">
+            <a:avLst/>
+          </a:prstGeom>
+        </p:spPr>
+      </p:pic>
+    </p:spTree>
+    <p:extLst>
+      <p:ext uri="{BB962C8B-B14F-4D97-AF65-F5344CB8AC3E}">
+        <p14:creationId xmlns:p14="http://schemas.microsoft.com/office/powerpoint/2010/main" val="1976364500"/>
       </p:ext>
     </p:extLst>
   </p:cSld>
